--- a/datalakeexecutivepresentation-starter-1.pptx
+++ b/datalakeexecutivepresentation-starter-1.pptx
@@ -1,36 +1,24 @@
 
 <file path=ppt/presentation.xml><?xml version="1.0" encoding="utf-8"?>
-<p:presentation xmlns:a="http://schemas.openxmlformats.org/drawingml/2006/main" xmlns:r="http://schemas.openxmlformats.org/officeDocument/2006/relationships" xmlns:mc="http://schemas.openxmlformats.org/markup-compatibility/2006" xmlns:mv="urn:schemas-microsoft-com:mac:vml" xmlns:p="http://schemas.openxmlformats.org/presentationml/2006/main" xmlns:c="http://schemas.openxmlformats.org/drawingml/2006/chart" xmlns:dgm="http://schemas.openxmlformats.org/drawingml/2006/diagram" xmlns:o="urn:schemas-microsoft-com:office:office" xmlns:v="urn:schemas-microsoft-com:vml" xmlns:pvml="urn:schemas-microsoft-com:office:powerpoint" xmlns:com="http://schemas.openxmlformats.org/drawingml/2006/compatibility" xmlns:p14="http://schemas.microsoft.com/office/powerpoint/2010/main" xmlns:p15="http://schemas.microsoft.com/office/powerpoint/2012/main" xmlns:ahyp="http://schemas.microsoft.com/office/drawing/2018/hyperlinkcolor" autoCompressPictures="0" embedTrueTypeFonts="1" strictFirstAndLastChars="0" saveSubsetFonts="1">
+<p:presentation xmlns:a="http://schemas.openxmlformats.org/drawingml/2006/main" xmlns:r="http://schemas.openxmlformats.org/officeDocument/2006/relationships" xmlns:p="http://schemas.openxmlformats.org/presentationml/2006/main" xmlns:m="http://schemas.openxmlformats.org/officeDocument/2006/math" xmlns:w="http://schemas.openxmlformats.org/wordprocessingml/2006/main" autoCompressPictures="0" embedTrueTypeFonts="1" saveSubsetFonts="1" strictFirstAndLastChars="0">
   <p:sldMasterIdLst>
-    <p:sldMasterId id="2147483658" r:id="rId3"/>
+    <p:sldMasterId id="2147483648" r:id="rId1"/>
   </p:sldMasterIdLst>
-  <p:notesMasterIdLst>
-    <p:notesMasterId r:id="rId4"/>
-  </p:notesMasterIdLst>
   <p:sldIdLst>
-    <p:sldId id="256" r:id="rId5"/>
-    <p:sldId id="257" r:id="rId6"/>
-    <p:sldId id="258" r:id="rId7"/>
-    <p:sldId id="259" r:id="rId8"/>
-    <p:sldId id="260" r:id="rId9"/>
-    <p:sldId id="261" r:id="rId10"/>
-    <p:sldId id="262" r:id="rId11"/>
-    <p:sldId id="263" r:id="rId12"/>
-    <p:sldId id="264" r:id="rId13"/>
+    <p:sldId id="256" r:id="rId3"/>
+    <p:sldId id="257" r:id="rId4"/>
+    <p:sldId id="258" r:id="rId5"/>
+    <p:sldId id="259" r:id="rId6"/>
+    <p:sldId id="260" r:id="rId7"/>
+    <p:sldId id="261" r:id="rId8"/>
+    <p:sldId id="262" r:id="rId9"/>
+    <p:sldId id="263" r:id="rId10"/>
+    <p:sldId id="264" r:id="rId11"/>
   </p:sldIdLst>
-  <p:sldSz cy="5143500" cx="9144000"/>
-  <p:notesSz cx="6858000" cy="9144000"/>
-  <p:embeddedFontLst>
-    <p:embeddedFont>
-      <p:font typeface="Open Sans"/>
-      <p:regular r:id="rId14"/>
-      <p:bold r:id="rId15"/>
-      <p:italic r:id="rId16"/>
-      <p:boldItalic r:id="rId17"/>
-    </p:embeddedFont>
-  </p:embeddedFontLst>
+  <p:sldSz cx="9144000" cy="5143500"/>
+  <p:notesSz cx="9144000" cy="5143500"/>
   <p:defaultTextStyle>
-    <a:defPPr lvl="0" marR="0" rtl="0" algn="l">
+    <a:defPPr marR="0" lvl="0" algn="l">
       <a:lnSpc>
         <a:spcPct val="100000"/>
       </a:lnSpc>
@@ -41,7 +29,7 @@
         <a:spcPts val="0"/>
       </a:spcAft>
     </a:defPPr>
-    <a:lvl1pPr lvl="0" marR="0" rtl="0" algn="l">
+    <a:lvl1pPr marR="0" lvl="0" algn="l">
       <a:lnSpc>
         <a:spcPct val="100000"/>
       </a:lnSpc>
@@ -55,17 +43,16 @@
         <a:srgbClr val="000000"/>
       </a:buClr>
       <a:buFont typeface="Arial"/>
-      <a:defRPr b="0" i="0" sz="1400" u="none" cap="none" strike="noStrike">
+      <a:defRPr sz="1400" b="0" i="0" u="none" strike="noStrike" cap="none">
         <a:solidFill>
           <a:srgbClr val="000000"/>
         </a:solidFill>
         <a:latin typeface="Arial"/>
         <a:ea typeface="Arial"/>
         <a:cs typeface="Arial"/>
-        <a:sym typeface="Arial"/>
       </a:defRPr>
     </a:lvl1pPr>
-    <a:lvl2pPr lvl="1" marR="0" rtl="0" algn="l">
+    <a:lvl2pPr marR="0" lvl="1" algn="l">
       <a:lnSpc>
         <a:spcPct val="100000"/>
       </a:lnSpc>
@@ -79,17 +66,16 @@
         <a:srgbClr val="000000"/>
       </a:buClr>
       <a:buFont typeface="Arial"/>
-      <a:defRPr b="0" i="0" sz="1400" u="none" cap="none" strike="noStrike">
+      <a:defRPr sz="1400" b="0" i="0" u="none" strike="noStrike" cap="none">
         <a:solidFill>
           <a:srgbClr val="000000"/>
         </a:solidFill>
         <a:latin typeface="Arial"/>
         <a:ea typeface="Arial"/>
         <a:cs typeface="Arial"/>
-        <a:sym typeface="Arial"/>
       </a:defRPr>
     </a:lvl2pPr>
-    <a:lvl3pPr lvl="2" marR="0" rtl="0" algn="l">
+    <a:lvl3pPr marR="0" lvl="2" algn="l">
       <a:lnSpc>
         <a:spcPct val="100000"/>
       </a:lnSpc>
@@ -103,17 +89,16 @@
         <a:srgbClr val="000000"/>
       </a:buClr>
       <a:buFont typeface="Arial"/>
-      <a:defRPr b="0" i="0" sz="1400" u="none" cap="none" strike="noStrike">
+      <a:defRPr sz="1400" b="0" i="0" u="none" strike="noStrike" cap="none">
         <a:solidFill>
           <a:srgbClr val="000000"/>
         </a:solidFill>
         <a:latin typeface="Arial"/>
         <a:ea typeface="Arial"/>
         <a:cs typeface="Arial"/>
-        <a:sym typeface="Arial"/>
       </a:defRPr>
     </a:lvl3pPr>
-    <a:lvl4pPr lvl="3" marR="0" rtl="0" algn="l">
+    <a:lvl4pPr marR="0" lvl="3" algn="l">
       <a:lnSpc>
         <a:spcPct val="100000"/>
       </a:lnSpc>
@@ -127,17 +112,16 @@
         <a:srgbClr val="000000"/>
       </a:buClr>
       <a:buFont typeface="Arial"/>
-      <a:defRPr b="0" i="0" sz="1400" u="none" cap="none" strike="noStrike">
+      <a:defRPr sz="1400" b="0" i="0" u="none" strike="noStrike" cap="none">
         <a:solidFill>
           <a:srgbClr val="000000"/>
         </a:solidFill>
         <a:latin typeface="Arial"/>
         <a:ea typeface="Arial"/>
         <a:cs typeface="Arial"/>
-        <a:sym typeface="Arial"/>
       </a:defRPr>
     </a:lvl4pPr>
-    <a:lvl5pPr lvl="4" marR="0" rtl="0" algn="l">
+    <a:lvl5pPr marR="0" lvl="4" algn="l">
       <a:lnSpc>
         <a:spcPct val="100000"/>
       </a:lnSpc>
@@ -151,17 +135,16 @@
         <a:srgbClr val="000000"/>
       </a:buClr>
       <a:buFont typeface="Arial"/>
-      <a:defRPr b="0" i="0" sz="1400" u="none" cap="none" strike="noStrike">
+      <a:defRPr sz="1400" b="0" i="0" u="none" strike="noStrike" cap="none">
         <a:solidFill>
           <a:srgbClr val="000000"/>
         </a:solidFill>
         <a:latin typeface="Arial"/>
         <a:ea typeface="Arial"/>
         <a:cs typeface="Arial"/>
-        <a:sym typeface="Arial"/>
       </a:defRPr>
     </a:lvl5pPr>
-    <a:lvl6pPr lvl="5" marR="0" rtl="0" algn="l">
+    <a:lvl6pPr marR="0" lvl="5" algn="l">
       <a:lnSpc>
         <a:spcPct val="100000"/>
       </a:lnSpc>
@@ -175,17 +158,16 @@
         <a:srgbClr val="000000"/>
       </a:buClr>
       <a:buFont typeface="Arial"/>
-      <a:defRPr b="0" i="0" sz="1400" u="none" cap="none" strike="noStrike">
+      <a:defRPr sz="1400" b="0" i="0" u="none" strike="noStrike" cap="none">
         <a:solidFill>
           <a:srgbClr val="000000"/>
         </a:solidFill>
         <a:latin typeface="Arial"/>
         <a:ea typeface="Arial"/>
         <a:cs typeface="Arial"/>
-        <a:sym typeface="Arial"/>
       </a:defRPr>
     </a:lvl6pPr>
-    <a:lvl7pPr lvl="6" marR="0" rtl="0" algn="l">
+    <a:lvl7pPr marR="0" lvl="6" algn="l">
       <a:lnSpc>
         <a:spcPct val="100000"/>
       </a:lnSpc>
@@ -199,17 +181,16 @@
         <a:srgbClr val="000000"/>
       </a:buClr>
       <a:buFont typeface="Arial"/>
-      <a:defRPr b="0" i="0" sz="1400" u="none" cap="none" strike="noStrike">
+      <a:defRPr sz="1400" b="0" i="0" u="none" strike="noStrike" cap="none">
         <a:solidFill>
           <a:srgbClr val="000000"/>
         </a:solidFill>
         <a:latin typeface="Arial"/>
         <a:ea typeface="Arial"/>
         <a:cs typeface="Arial"/>
-        <a:sym typeface="Arial"/>
       </a:defRPr>
     </a:lvl7pPr>
-    <a:lvl8pPr lvl="7" marR="0" rtl="0" algn="l">
+    <a:lvl8pPr marR="0" lvl="7" algn="l">
       <a:lnSpc>
         <a:spcPct val="100000"/>
       </a:lnSpc>
@@ -223,17 +204,16 @@
         <a:srgbClr val="000000"/>
       </a:buClr>
       <a:buFont typeface="Arial"/>
-      <a:defRPr b="0" i="0" sz="1400" u="none" cap="none" strike="noStrike">
+      <a:defRPr sz="1400" b="0" i="0" u="none" strike="noStrike" cap="none">
         <a:solidFill>
           <a:srgbClr val="000000"/>
         </a:solidFill>
         <a:latin typeface="Arial"/>
         <a:ea typeface="Arial"/>
         <a:cs typeface="Arial"/>
-        <a:sym typeface="Arial"/>
       </a:defRPr>
     </a:lvl8pPr>
-    <a:lvl9pPr lvl="8" marR="0" rtl="0" algn="l">
+    <a:lvl9pPr marR="0" lvl="8" algn="l">
       <a:lnSpc>
         <a:spcPct val="100000"/>
       </a:lnSpc>
@@ -247,1347 +227,29 @@
         <a:srgbClr val="000000"/>
       </a:buClr>
       <a:buFont typeface="Arial"/>
-      <a:defRPr b="0" i="0" sz="1400" u="none" cap="none" strike="noStrike">
+      <a:defRPr sz="1400" b="0" i="0" u="none" strike="noStrike" cap="none">
         <a:solidFill>
           <a:srgbClr val="000000"/>
         </a:solidFill>
         <a:latin typeface="Arial"/>
         <a:ea typeface="Arial"/>
         <a:cs typeface="Arial"/>
-        <a:sym typeface="Arial"/>
       </a:defRPr>
     </a:lvl9pPr>
   </p:defaultTextStyle>
 </p:presentation>
 </file>
 
-<file path=ppt/notesMasters/notesMaster1.xml><?xml version="1.0" encoding="utf-8"?>
-<p:notesMaster xmlns:a="http://schemas.openxmlformats.org/drawingml/2006/main" xmlns:r="http://schemas.openxmlformats.org/officeDocument/2006/relationships" xmlns:mc="http://schemas.openxmlformats.org/markup-compatibility/2006" xmlns:mv="urn:schemas-microsoft-com:mac:vml" xmlns:p="http://schemas.openxmlformats.org/presentationml/2006/main" xmlns:c="http://schemas.openxmlformats.org/drawingml/2006/chart" xmlns:dgm="http://schemas.openxmlformats.org/drawingml/2006/diagram" xmlns:o="urn:schemas-microsoft-com:office:office" xmlns:v="urn:schemas-microsoft-com:vml" xmlns:pvml="urn:schemas-microsoft-com:office:powerpoint" xmlns:com="http://schemas.openxmlformats.org/drawingml/2006/compatibility" xmlns:p14="http://schemas.microsoft.com/office/powerpoint/2010/main" xmlns:p15="http://schemas.microsoft.com/office/powerpoint/2012/main" xmlns:ahyp="http://schemas.microsoft.com/office/drawing/2018/hyperlinkcolor">
-  <p:cSld>
+<file path=ppt/slideLayouts/slideLayout1.xml><?xml version="1.0" encoding="utf-8"?>
+<p:sldLayout xmlns:a="http://schemas.openxmlformats.org/drawingml/2006/main" xmlns:r="http://schemas.openxmlformats.org/officeDocument/2006/relationships" xmlns:p="http://schemas.openxmlformats.org/presentationml/2006/main" xmlns:m="http://schemas.openxmlformats.org/officeDocument/2006/math" xmlns:w="http://schemas.openxmlformats.org/wordprocessingml/2006/main" matchingName="[DO NOT USE] - Guidelines Slides" preserve="0" showMasterPhAnim="0" type="secHead" userDrawn="1">
+  <p:cSld name="SECTION_HEADER">
     <p:spTree>
       <p:nvGrpSpPr>
-        <p:cNvPr id="2" name="Shape 2"/>
+        <p:cNvPr id="1" name=""/>
         <p:cNvGrpSpPr/>
         <p:nvPr/>
       </p:nvGrpSpPr>
-      <p:grpSpPr>
-        <a:xfrm>
-          <a:off x="0" y="0"/>
-          <a:ext cx="0" cy="0"/>
-          <a:chOff x="0" y="0"/>
-          <a:chExt cx="0" cy="0"/>
-        </a:xfrm>
-      </p:grpSpPr>
-      <p:sp>
-        <p:nvSpPr>
-          <p:cNvPr id="3" name="Google Shape;3;n"/>
-          <p:cNvSpPr/>
-          <p:nvPr>
-            <p:ph idx="2" type="sldImg"/>
-          </p:nvPr>
-        </p:nvSpPr>
-        <p:spPr>
-          <a:xfrm>
-            <a:off x="381300" y="685800"/>
-            <a:ext cx="6096075" cy="3429000"/>
-          </a:xfrm>
-          <a:custGeom>
-            <a:rect b="b" l="l" r="r" t="t"/>
-            <a:pathLst>
-              <a:path extrusionOk="0" h="120000" w="120000">
-                <a:moveTo>
-                  <a:pt x="0" y="0"/>
-                </a:moveTo>
-                <a:lnTo>
-                  <a:pt x="120000" y="0"/>
-                </a:lnTo>
-                <a:lnTo>
-                  <a:pt x="120000" y="120000"/>
-                </a:lnTo>
-                <a:lnTo>
-                  <a:pt x="0" y="120000"/>
-                </a:lnTo>
-                <a:close/>
-              </a:path>
-            </a:pathLst>
-          </a:custGeom>
-          <a:noFill/>
-          <a:ln cap="flat" cmpd="sng" w="9525">
-            <a:solidFill>
-              <a:srgbClr val="000000"/>
-            </a:solidFill>
-            <a:prstDash val="solid"/>
-            <a:round/>
-            <a:headEnd len="sm" w="sm" type="none"/>
-            <a:tailEnd len="sm" w="sm" type="none"/>
-          </a:ln>
-        </p:spPr>
-      </p:sp>
-      <p:sp>
-        <p:nvSpPr>
-          <p:cNvPr id="4" name="Google Shape;4;n"/>
-          <p:cNvSpPr txBox="1"/>
-          <p:nvPr>
-            <p:ph idx="1" type="body"/>
-          </p:nvPr>
-        </p:nvSpPr>
-        <p:spPr>
-          <a:xfrm>
-            <a:off x="685800" y="4343400"/>
-            <a:ext cx="5486400" cy="4114800"/>
-          </a:xfrm>
-          <a:prstGeom prst="rect">
-            <a:avLst/>
-          </a:prstGeom>
-          <a:noFill/>
-          <a:ln>
-            <a:noFill/>
-          </a:ln>
-        </p:spPr>
-        <p:txBody>
-          <a:bodyPr anchorCtr="0" anchor="t" bIns="91425" lIns="91425" spcFirstLastPara="1" rIns="91425" wrap="square" tIns="91425">
-            <a:noAutofit/>
-          </a:bodyPr>
-          <a:lstStyle>
-            <a:lvl1pPr indent="-298450" lvl="0" marL="457200">
-              <a:spcBef>
-                <a:spcPts val="0"/>
-              </a:spcBef>
-              <a:spcAft>
-                <a:spcPts val="0"/>
-              </a:spcAft>
-              <a:buSzPts val="1100"/>
-              <a:buChar char="●"/>
-              <a:defRPr sz="1100"/>
-            </a:lvl1pPr>
-            <a:lvl2pPr indent="-298450" lvl="1" marL="914400">
-              <a:spcBef>
-                <a:spcPts val="0"/>
-              </a:spcBef>
-              <a:spcAft>
-                <a:spcPts val="0"/>
-              </a:spcAft>
-              <a:buSzPts val="1100"/>
-              <a:buChar char="○"/>
-              <a:defRPr sz="1100"/>
-            </a:lvl2pPr>
-            <a:lvl3pPr indent="-298450" lvl="2" marL="1371600">
-              <a:spcBef>
-                <a:spcPts val="0"/>
-              </a:spcBef>
-              <a:spcAft>
-                <a:spcPts val="0"/>
-              </a:spcAft>
-              <a:buSzPts val="1100"/>
-              <a:buChar char="■"/>
-              <a:defRPr sz="1100"/>
-            </a:lvl3pPr>
-            <a:lvl4pPr indent="-298450" lvl="3" marL="1828800">
-              <a:spcBef>
-                <a:spcPts val="0"/>
-              </a:spcBef>
-              <a:spcAft>
-                <a:spcPts val="0"/>
-              </a:spcAft>
-              <a:buSzPts val="1100"/>
-              <a:buChar char="●"/>
-              <a:defRPr sz="1100"/>
-            </a:lvl4pPr>
-            <a:lvl5pPr indent="-298450" lvl="4" marL="2286000">
-              <a:spcBef>
-                <a:spcPts val="0"/>
-              </a:spcBef>
-              <a:spcAft>
-                <a:spcPts val="0"/>
-              </a:spcAft>
-              <a:buSzPts val="1100"/>
-              <a:buChar char="○"/>
-              <a:defRPr sz="1100"/>
-            </a:lvl5pPr>
-            <a:lvl6pPr indent="-298450" lvl="5" marL="2743200">
-              <a:spcBef>
-                <a:spcPts val="0"/>
-              </a:spcBef>
-              <a:spcAft>
-                <a:spcPts val="0"/>
-              </a:spcAft>
-              <a:buSzPts val="1100"/>
-              <a:buChar char="■"/>
-              <a:defRPr sz="1100"/>
-            </a:lvl6pPr>
-            <a:lvl7pPr indent="-298450" lvl="6" marL="3200400">
-              <a:spcBef>
-                <a:spcPts val="0"/>
-              </a:spcBef>
-              <a:spcAft>
-                <a:spcPts val="0"/>
-              </a:spcAft>
-              <a:buSzPts val="1100"/>
-              <a:buChar char="●"/>
-              <a:defRPr sz="1100"/>
-            </a:lvl7pPr>
-            <a:lvl8pPr indent="-298450" lvl="7" marL="3657600">
-              <a:spcBef>
-                <a:spcPts val="0"/>
-              </a:spcBef>
-              <a:spcAft>
-                <a:spcPts val="0"/>
-              </a:spcAft>
-              <a:buSzPts val="1100"/>
-              <a:buChar char="○"/>
-              <a:defRPr sz="1100"/>
-            </a:lvl8pPr>
-            <a:lvl9pPr indent="-298450" lvl="8" marL="4114800">
-              <a:spcBef>
-                <a:spcPts val="0"/>
-              </a:spcBef>
-              <a:spcAft>
-                <a:spcPts val="0"/>
-              </a:spcAft>
-              <a:buSzPts val="1100"/>
-              <a:buChar char="■"/>
-              <a:defRPr sz="1100"/>
-            </a:lvl9pPr>
-          </a:lstStyle>
-          <a:p/>
-        </p:txBody>
-      </p:sp>
-    </p:spTree>
-  </p:cSld>
-  <p:clrMap accent1="accent1" accent2="accent2" accent3="accent3" accent4="accent4" accent5="accent5" accent6="accent6" bg1="lt1" bg2="dk2" tx1="dk1" tx2="lt2" folHlink="folHlink" hlink="hlink"/>
-  <p:notesStyle>
-    <a:defPPr lvl="0" marR="0" rtl="0" algn="l">
-      <a:lnSpc>
-        <a:spcPct val="100000"/>
-      </a:lnSpc>
-      <a:spcBef>
-        <a:spcPts val="0"/>
-      </a:spcBef>
-      <a:spcAft>
-        <a:spcPts val="0"/>
-      </a:spcAft>
-    </a:defPPr>
-    <a:lvl1pPr lvl="0" marR="0" rtl="0" algn="l">
-      <a:lnSpc>
-        <a:spcPct val="100000"/>
-      </a:lnSpc>
-      <a:spcBef>
-        <a:spcPts val="0"/>
-      </a:spcBef>
-      <a:spcAft>
-        <a:spcPts val="0"/>
-      </a:spcAft>
-      <a:buClr>
-        <a:srgbClr val="000000"/>
-      </a:buClr>
-      <a:buFont typeface="Arial"/>
-      <a:defRPr b="0" i="0" sz="1400" u="none" cap="none" strike="noStrike">
-        <a:solidFill>
-          <a:srgbClr val="000000"/>
-        </a:solidFill>
-        <a:latin typeface="Arial"/>
-        <a:ea typeface="Arial"/>
-        <a:cs typeface="Arial"/>
-        <a:sym typeface="Arial"/>
-      </a:defRPr>
-    </a:lvl1pPr>
-    <a:lvl2pPr lvl="1" marR="0" rtl="0" algn="l">
-      <a:lnSpc>
-        <a:spcPct val="100000"/>
-      </a:lnSpc>
-      <a:spcBef>
-        <a:spcPts val="0"/>
-      </a:spcBef>
-      <a:spcAft>
-        <a:spcPts val="0"/>
-      </a:spcAft>
-      <a:buClr>
-        <a:srgbClr val="000000"/>
-      </a:buClr>
-      <a:buFont typeface="Arial"/>
-      <a:defRPr b="0" i="0" sz="1400" u="none" cap="none" strike="noStrike">
-        <a:solidFill>
-          <a:srgbClr val="000000"/>
-        </a:solidFill>
-        <a:latin typeface="Arial"/>
-        <a:ea typeface="Arial"/>
-        <a:cs typeface="Arial"/>
-        <a:sym typeface="Arial"/>
-      </a:defRPr>
-    </a:lvl2pPr>
-    <a:lvl3pPr lvl="2" marR="0" rtl="0" algn="l">
-      <a:lnSpc>
-        <a:spcPct val="100000"/>
-      </a:lnSpc>
-      <a:spcBef>
-        <a:spcPts val="0"/>
-      </a:spcBef>
-      <a:spcAft>
-        <a:spcPts val="0"/>
-      </a:spcAft>
-      <a:buClr>
-        <a:srgbClr val="000000"/>
-      </a:buClr>
-      <a:buFont typeface="Arial"/>
-      <a:defRPr b="0" i="0" sz="1400" u="none" cap="none" strike="noStrike">
-        <a:solidFill>
-          <a:srgbClr val="000000"/>
-        </a:solidFill>
-        <a:latin typeface="Arial"/>
-        <a:ea typeface="Arial"/>
-        <a:cs typeface="Arial"/>
-        <a:sym typeface="Arial"/>
-      </a:defRPr>
-    </a:lvl3pPr>
-    <a:lvl4pPr lvl="3" marR="0" rtl="0" algn="l">
-      <a:lnSpc>
-        <a:spcPct val="100000"/>
-      </a:lnSpc>
-      <a:spcBef>
-        <a:spcPts val="0"/>
-      </a:spcBef>
-      <a:spcAft>
-        <a:spcPts val="0"/>
-      </a:spcAft>
-      <a:buClr>
-        <a:srgbClr val="000000"/>
-      </a:buClr>
-      <a:buFont typeface="Arial"/>
-      <a:defRPr b="0" i="0" sz="1400" u="none" cap="none" strike="noStrike">
-        <a:solidFill>
-          <a:srgbClr val="000000"/>
-        </a:solidFill>
-        <a:latin typeface="Arial"/>
-        <a:ea typeface="Arial"/>
-        <a:cs typeface="Arial"/>
-        <a:sym typeface="Arial"/>
-      </a:defRPr>
-    </a:lvl4pPr>
-    <a:lvl5pPr lvl="4" marR="0" rtl="0" algn="l">
-      <a:lnSpc>
-        <a:spcPct val="100000"/>
-      </a:lnSpc>
-      <a:spcBef>
-        <a:spcPts val="0"/>
-      </a:spcBef>
-      <a:spcAft>
-        <a:spcPts val="0"/>
-      </a:spcAft>
-      <a:buClr>
-        <a:srgbClr val="000000"/>
-      </a:buClr>
-      <a:buFont typeface="Arial"/>
-      <a:defRPr b="0" i="0" sz="1400" u="none" cap="none" strike="noStrike">
-        <a:solidFill>
-          <a:srgbClr val="000000"/>
-        </a:solidFill>
-        <a:latin typeface="Arial"/>
-        <a:ea typeface="Arial"/>
-        <a:cs typeface="Arial"/>
-        <a:sym typeface="Arial"/>
-      </a:defRPr>
-    </a:lvl5pPr>
-    <a:lvl6pPr lvl="5" marR="0" rtl="0" algn="l">
-      <a:lnSpc>
-        <a:spcPct val="100000"/>
-      </a:lnSpc>
-      <a:spcBef>
-        <a:spcPts val="0"/>
-      </a:spcBef>
-      <a:spcAft>
-        <a:spcPts val="0"/>
-      </a:spcAft>
-      <a:buClr>
-        <a:srgbClr val="000000"/>
-      </a:buClr>
-      <a:buFont typeface="Arial"/>
-      <a:defRPr b="0" i="0" sz="1400" u="none" cap="none" strike="noStrike">
-        <a:solidFill>
-          <a:srgbClr val="000000"/>
-        </a:solidFill>
-        <a:latin typeface="Arial"/>
-        <a:ea typeface="Arial"/>
-        <a:cs typeface="Arial"/>
-        <a:sym typeface="Arial"/>
-      </a:defRPr>
-    </a:lvl6pPr>
-    <a:lvl7pPr lvl="6" marR="0" rtl="0" algn="l">
-      <a:lnSpc>
-        <a:spcPct val="100000"/>
-      </a:lnSpc>
-      <a:spcBef>
-        <a:spcPts val="0"/>
-      </a:spcBef>
-      <a:spcAft>
-        <a:spcPts val="0"/>
-      </a:spcAft>
-      <a:buClr>
-        <a:srgbClr val="000000"/>
-      </a:buClr>
-      <a:buFont typeface="Arial"/>
-      <a:defRPr b="0" i="0" sz="1400" u="none" cap="none" strike="noStrike">
-        <a:solidFill>
-          <a:srgbClr val="000000"/>
-        </a:solidFill>
-        <a:latin typeface="Arial"/>
-        <a:ea typeface="Arial"/>
-        <a:cs typeface="Arial"/>
-        <a:sym typeface="Arial"/>
-      </a:defRPr>
-    </a:lvl7pPr>
-    <a:lvl8pPr lvl="7" marR="0" rtl="0" algn="l">
-      <a:lnSpc>
-        <a:spcPct val="100000"/>
-      </a:lnSpc>
-      <a:spcBef>
-        <a:spcPts val="0"/>
-      </a:spcBef>
-      <a:spcAft>
-        <a:spcPts val="0"/>
-      </a:spcAft>
-      <a:buClr>
-        <a:srgbClr val="000000"/>
-      </a:buClr>
-      <a:buFont typeface="Arial"/>
-      <a:defRPr b="0" i="0" sz="1400" u="none" cap="none" strike="noStrike">
-        <a:solidFill>
-          <a:srgbClr val="000000"/>
-        </a:solidFill>
-        <a:latin typeface="Arial"/>
-        <a:ea typeface="Arial"/>
-        <a:cs typeface="Arial"/>
-        <a:sym typeface="Arial"/>
-      </a:defRPr>
-    </a:lvl8pPr>
-    <a:lvl9pPr lvl="8" marR="0" rtl="0" algn="l">
-      <a:lnSpc>
-        <a:spcPct val="100000"/>
-      </a:lnSpc>
-      <a:spcBef>
-        <a:spcPts val="0"/>
-      </a:spcBef>
-      <a:spcAft>
-        <a:spcPts val="0"/>
-      </a:spcAft>
-      <a:buClr>
-        <a:srgbClr val="000000"/>
-      </a:buClr>
-      <a:buFont typeface="Arial"/>
-      <a:defRPr b="0" i="0" sz="1400" u="none" cap="none" strike="noStrike">
-        <a:solidFill>
-          <a:srgbClr val="000000"/>
-        </a:solidFill>
-        <a:latin typeface="Arial"/>
-        <a:ea typeface="Arial"/>
-        <a:cs typeface="Arial"/>
-        <a:sym typeface="Arial"/>
-      </a:defRPr>
-    </a:lvl9pPr>
-  </p:notesStyle>
-</p:notesMaster>
-</file>
-
-<file path=ppt/notesSlides/notesSlide1.xml><?xml version="1.0" encoding="utf-8"?>
-<p:notes xmlns:a="http://schemas.openxmlformats.org/drawingml/2006/main" xmlns:r="http://schemas.openxmlformats.org/officeDocument/2006/relationships" xmlns:mc="http://schemas.openxmlformats.org/markup-compatibility/2006" xmlns:mv="urn:schemas-microsoft-com:mac:vml" xmlns:p="http://schemas.openxmlformats.org/presentationml/2006/main" xmlns:c="http://schemas.openxmlformats.org/drawingml/2006/chart" xmlns:dgm="http://schemas.openxmlformats.org/drawingml/2006/diagram" xmlns:o="urn:schemas-microsoft-com:office:office" xmlns:v="urn:schemas-microsoft-com:vml" xmlns:pvml="urn:schemas-microsoft-com:office:powerpoint" xmlns:com="http://schemas.openxmlformats.org/drawingml/2006/compatibility" xmlns:p14="http://schemas.microsoft.com/office/powerpoint/2010/main" xmlns:p15="http://schemas.microsoft.com/office/powerpoint/2012/main" xmlns:ahyp="http://schemas.microsoft.com/office/drawing/2018/hyperlinkcolor" showMasterPhAnim="0" showMasterSp="0">
-  <p:cSld>
-    <p:spTree>
-      <p:nvGrpSpPr>
-        <p:cNvPr id="50" name="Shape 50"/>
-        <p:cNvGrpSpPr/>
-        <p:nvPr/>
-      </p:nvGrpSpPr>
-      <p:grpSpPr>
-        <a:xfrm>
-          <a:off x="0" y="0"/>
-          <a:ext cx="0" cy="0"/>
-          <a:chOff x="0" y="0"/>
-          <a:chExt cx="0" cy="0"/>
-        </a:xfrm>
-      </p:grpSpPr>
-      <p:sp>
-        <p:nvSpPr>
-          <p:cNvPr id="51" name="Google Shape;51;g70de937195_0_111:notes"/>
-          <p:cNvSpPr/>
-          <p:nvPr>
-            <p:ph idx="2" type="sldImg"/>
-          </p:nvPr>
-        </p:nvSpPr>
-        <p:spPr>
-          <a:xfrm>
-            <a:off x="381300" y="685800"/>
-            <a:ext cx="6096000" cy="3429000"/>
-          </a:xfrm>
-          <a:custGeom>
-            <a:rect b="b" l="l" r="r" t="t"/>
-            <a:pathLst>
-              <a:path extrusionOk="0" h="120000" w="120000">
-                <a:moveTo>
-                  <a:pt x="0" y="0"/>
-                </a:moveTo>
-                <a:lnTo>
-                  <a:pt x="120000" y="0"/>
-                </a:lnTo>
-                <a:lnTo>
-                  <a:pt x="120000" y="120000"/>
-                </a:lnTo>
-                <a:lnTo>
-                  <a:pt x="0" y="120000"/>
-                </a:lnTo>
-                <a:close/>
-              </a:path>
-            </a:pathLst>
-          </a:custGeom>
-        </p:spPr>
-      </p:sp>
-      <p:sp>
-        <p:nvSpPr>
-          <p:cNvPr id="52" name="Google Shape;52;g70de937195_0_111:notes"/>
-          <p:cNvSpPr txBox="1"/>
-          <p:nvPr>
-            <p:ph idx="1" type="body"/>
-          </p:nvPr>
-        </p:nvSpPr>
-        <p:spPr>
-          <a:xfrm>
-            <a:off x="685800" y="4343400"/>
-            <a:ext cx="5486400" cy="4114800"/>
-          </a:xfrm>
-          <a:prstGeom prst="rect">
-            <a:avLst/>
-          </a:prstGeom>
-        </p:spPr>
-        <p:txBody>
-          <a:bodyPr anchorCtr="0" anchor="t" bIns="91425" lIns="91425" spcFirstLastPara="1" rIns="91425" wrap="square" tIns="91425">
-            <a:noAutofit/>
-          </a:bodyPr>
-          <a:lstStyle/>
-          <a:p>
-            <a:pPr indent="0" lvl="0" marL="0" rtl="0" algn="l">
-              <a:spcBef>
-                <a:spcPts val="0"/>
-              </a:spcBef>
-              <a:spcAft>
-                <a:spcPts val="0"/>
-              </a:spcAft>
-              <a:buNone/>
-            </a:pPr>
-            <a:r>
-              <a:t/>
-            </a:r>
-            <a:endParaRPr/>
-          </a:p>
-        </p:txBody>
-      </p:sp>
-    </p:spTree>
-  </p:cSld>
-  <p:clrMapOvr>
-    <a:masterClrMapping/>
-  </p:clrMapOvr>
-</p:notes>
-</file>
-
-<file path=ppt/notesSlides/notesSlide2.xml><?xml version="1.0" encoding="utf-8"?>
-<p:notes xmlns:a="http://schemas.openxmlformats.org/drawingml/2006/main" xmlns:r="http://schemas.openxmlformats.org/officeDocument/2006/relationships" xmlns:mc="http://schemas.openxmlformats.org/markup-compatibility/2006" xmlns:mv="urn:schemas-microsoft-com:mac:vml" xmlns:p="http://schemas.openxmlformats.org/presentationml/2006/main" xmlns:c="http://schemas.openxmlformats.org/drawingml/2006/chart" xmlns:dgm="http://schemas.openxmlformats.org/drawingml/2006/diagram" xmlns:o="urn:schemas-microsoft-com:office:office" xmlns:v="urn:schemas-microsoft-com:vml" xmlns:pvml="urn:schemas-microsoft-com:office:powerpoint" xmlns:com="http://schemas.openxmlformats.org/drawingml/2006/compatibility" xmlns:p14="http://schemas.microsoft.com/office/powerpoint/2010/main" xmlns:p15="http://schemas.microsoft.com/office/powerpoint/2012/main" xmlns:ahyp="http://schemas.microsoft.com/office/drawing/2018/hyperlinkcolor" showMasterPhAnim="0" showMasterSp="0">
-  <p:cSld>
-    <p:spTree>
-      <p:nvGrpSpPr>
-        <p:cNvPr id="59" name="Shape 59"/>
-        <p:cNvGrpSpPr/>
-        <p:nvPr/>
-      </p:nvGrpSpPr>
-      <p:grpSpPr>
-        <a:xfrm>
-          <a:off x="0" y="0"/>
-          <a:ext cx="0" cy="0"/>
-          <a:chOff x="0" y="0"/>
-          <a:chExt cx="0" cy="0"/>
-        </a:xfrm>
-      </p:grpSpPr>
-      <p:sp>
-        <p:nvSpPr>
-          <p:cNvPr id="60" name="Google Shape;60;g875c2255bd_0_62:notes"/>
-          <p:cNvSpPr/>
-          <p:nvPr>
-            <p:ph idx="2" type="sldImg"/>
-          </p:nvPr>
-        </p:nvSpPr>
-        <p:spPr>
-          <a:xfrm>
-            <a:off x="381300" y="685800"/>
-            <a:ext cx="6096000" cy="3429000"/>
-          </a:xfrm>
-          <a:custGeom>
-            <a:rect b="b" l="l" r="r" t="t"/>
-            <a:pathLst>
-              <a:path extrusionOk="0" h="120000" w="120000">
-                <a:moveTo>
-                  <a:pt x="0" y="0"/>
-                </a:moveTo>
-                <a:lnTo>
-                  <a:pt x="120000" y="0"/>
-                </a:lnTo>
-                <a:lnTo>
-                  <a:pt x="120000" y="120000"/>
-                </a:lnTo>
-                <a:lnTo>
-                  <a:pt x="0" y="120000"/>
-                </a:lnTo>
-                <a:close/>
-              </a:path>
-            </a:pathLst>
-          </a:custGeom>
-        </p:spPr>
-      </p:sp>
-      <p:sp>
-        <p:nvSpPr>
-          <p:cNvPr id="61" name="Google Shape;61;g875c2255bd_0_62:notes"/>
-          <p:cNvSpPr txBox="1"/>
-          <p:nvPr>
-            <p:ph idx="1" type="body"/>
-          </p:nvPr>
-        </p:nvSpPr>
-        <p:spPr>
-          <a:xfrm>
-            <a:off x="685800" y="4343400"/>
-            <a:ext cx="5486400" cy="4114800"/>
-          </a:xfrm>
-          <a:prstGeom prst="rect">
-            <a:avLst/>
-          </a:prstGeom>
-        </p:spPr>
-        <p:txBody>
-          <a:bodyPr anchorCtr="0" anchor="t" bIns="91425" lIns="91425" spcFirstLastPara="1" rIns="91425" wrap="square" tIns="91425">
-            <a:noAutofit/>
-          </a:bodyPr>
-          <a:lstStyle/>
-          <a:p>
-            <a:pPr indent="0" lvl="0" marL="0" rtl="0" algn="l">
-              <a:spcBef>
-                <a:spcPts val="0"/>
-              </a:spcBef>
-              <a:spcAft>
-                <a:spcPts val="0"/>
-              </a:spcAft>
-              <a:buNone/>
-            </a:pPr>
-            <a:r>
-              <a:t/>
-            </a:r>
-            <a:endParaRPr/>
-          </a:p>
-        </p:txBody>
-      </p:sp>
-    </p:spTree>
-  </p:cSld>
-  <p:clrMapOvr>
-    <a:masterClrMapping/>
-  </p:clrMapOvr>
-</p:notes>
-</file>
-
-<file path=ppt/notesSlides/notesSlide3.xml><?xml version="1.0" encoding="utf-8"?>
-<p:notes xmlns:a="http://schemas.openxmlformats.org/drawingml/2006/main" xmlns:r="http://schemas.openxmlformats.org/officeDocument/2006/relationships" xmlns:mc="http://schemas.openxmlformats.org/markup-compatibility/2006" xmlns:mv="urn:schemas-microsoft-com:mac:vml" xmlns:p="http://schemas.openxmlformats.org/presentationml/2006/main" xmlns:c="http://schemas.openxmlformats.org/drawingml/2006/chart" xmlns:dgm="http://schemas.openxmlformats.org/drawingml/2006/diagram" xmlns:o="urn:schemas-microsoft-com:office:office" xmlns:v="urn:schemas-microsoft-com:vml" xmlns:pvml="urn:schemas-microsoft-com:office:powerpoint" xmlns:com="http://schemas.openxmlformats.org/drawingml/2006/compatibility" xmlns:p14="http://schemas.microsoft.com/office/powerpoint/2010/main" xmlns:p15="http://schemas.microsoft.com/office/powerpoint/2012/main" xmlns:ahyp="http://schemas.microsoft.com/office/drawing/2018/hyperlinkcolor" showMasterPhAnim="0" showMasterSp="0">
-  <p:cSld>
-    <p:spTree>
-      <p:nvGrpSpPr>
-        <p:cNvPr id="66" name="Shape 66"/>
-        <p:cNvGrpSpPr/>
-        <p:nvPr/>
-      </p:nvGrpSpPr>
-      <p:grpSpPr>
-        <a:xfrm>
-          <a:off x="0" y="0"/>
-          <a:ext cx="0" cy="0"/>
-          <a:chOff x="0" y="0"/>
-          <a:chExt cx="0" cy="0"/>
-        </a:xfrm>
-      </p:grpSpPr>
-      <p:sp>
-        <p:nvSpPr>
-          <p:cNvPr id="67" name="Google Shape;67;g8fe4879d55_0_8:notes"/>
-          <p:cNvSpPr/>
-          <p:nvPr>
-            <p:ph idx="2" type="sldImg"/>
-          </p:nvPr>
-        </p:nvSpPr>
-        <p:spPr>
-          <a:xfrm>
-            <a:off x="381300" y="685800"/>
-            <a:ext cx="6096000" cy="3429000"/>
-          </a:xfrm>
-          <a:custGeom>
-            <a:rect b="b" l="l" r="r" t="t"/>
-            <a:pathLst>
-              <a:path extrusionOk="0" h="120000" w="120000">
-                <a:moveTo>
-                  <a:pt x="0" y="0"/>
-                </a:moveTo>
-                <a:lnTo>
-                  <a:pt x="120000" y="0"/>
-                </a:lnTo>
-                <a:lnTo>
-                  <a:pt x="120000" y="120000"/>
-                </a:lnTo>
-                <a:lnTo>
-                  <a:pt x="0" y="120000"/>
-                </a:lnTo>
-                <a:close/>
-              </a:path>
-            </a:pathLst>
-          </a:custGeom>
-        </p:spPr>
-      </p:sp>
-      <p:sp>
-        <p:nvSpPr>
-          <p:cNvPr id="68" name="Google Shape;68;g8fe4879d55_0_8:notes"/>
-          <p:cNvSpPr txBox="1"/>
-          <p:nvPr>
-            <p:ph idx="1" type="body"/>
-          </p:nvPr>
-        </p:nvSpPr>
-        <p:spPr>
-          <a:xfrm>
-            <a:off x="685800" y="4343400"/>
-            <a:ext cx="5486400" cy="4114800"/>
-          </a:xfrm>
-          <a:prstGeom prst="rect">
-            <a:avLst/>
-          </a:prstGeom>
-        </p:spPr>
-        <p:txBody>
-          <a:bodyPr anchorCtr="0" anchor="t" bIns="91425" lIns="91425" spcFirstLastPara="1" rIns="91425" wrap="square" tIns="91425">
-            <a:noAutofit/>
-          </a:bodyPr>
-          <a:lstStyle/>
-          <a:p>
-            <a:pPr indent="0" lvl="0" marL="0" rtl="0" algn="l">
-              <a:spcBef>
-                <a:spcPts val="0"/>
-              </a:spcBef>
-              <a:spcAft>
-                <a:spcPts val="0"/>
-              </a:spcAft>
-              <a:buNone/>
-            </a:pPr>
-            <a:r>
-              <a:t/>
-            </a:r>
-            <a:endParaRPr/>
-          </a:p>
-        </p:txBody>
-      </p:sp>
-    </p:spTree>
-  </p:cSld>
-  <p:clrMapOvr>
-    <a:masterClrMapping/>
-  </p:clrMapOvr>
-</p:notes>
-</file>
-
-<file path=ppt/notesSlides/notesSlide4.xml><?xml version="1.0" encoding="utf-8"?>
-<p:notes xmlns:a="http://schemas.openxmlformats.org/drawingml/2006/main" xmlns:r="http://schemas.openxmlformats.org/officeDocument/2006/relationships" xmlns:mc="http://schemas.openxmlformats.org/markup-compatibility/2006" xmlns:mv="urn:schemas-microsoft-com:mac:vml" xmlns:p="http://schemas.openxmlformats.org/presentationml/2006/main" xmlns:c="http://schemas.openxmlformats.org/drawingml/2006/chart" xmlns:dgm="http://schemas.openxmlformats.org/drawingml/2006/diagram" xmlns:o="urn:schemas-microsoft-com:office:office" xmlns:v="urn:schemas-microsoft-com:vml" xmlns:pvml="urn:schemas-microsoft-com:office:powerpoint" xmlns:com="http://schemas.openxmlformats.org/drawingml/2006/compatibility" xmlns:p14="http://schemas.microsoft.com/office/powerpoint/2010/main" xmlns:p15="http://schemas.microsoft.com/office/powerpoint/2012/main" xmlns:ahyp="http://schemas.microsoft.com/office/drawing/2018/hyperlinkcolor" showMasterPhAnim="0" showMasterSp="0">
-  <p:cSld>
-    <p:spTree>
-      <p:nvGrpSpPr>
-        <p:cNvPr id="73" name="Shape 73"/>
-        <p:cNvGrpSpPr/>
-        <p:nvPr/>
-      </p:nvGrpSpPr>
-      <p:grpSpPr>
-        <a:xfrm>
-          <a:off x="0" y="0"/>
-          <a:ext cx="0" cy="0"/>
-          <a:chOff x="0" y="0"/>
-          <a:chExt cx="0" cy="0"/>
-        </a:xfrm>
-      </p:grpSpPr>
-      <p:sp>
-        <p:nvSpPr>
-          <p:cNvPr id="74" name="Google Shape;74;g8fe4879d55_0_21:notes"/>
-          <p:cNvSpPr/>
-          <p:nvPr>
-            <p:ph idx="2" type="sldImg"/>
-          </p:nvPr>
-        </p:nvSpPr>
-        <p:spPr>
-          <a:xfrm>
-            <a:off x="381300" y="685800"/>
-            <a:ext cx="6096000" cy="3429000"/>
-          </a:xfrm>
-          <a:custGeom>
-            <a:rect b="b" l="l" r="r" t="t"/>
-            <a:pathLst>
-              <a:path extrusionOk="0" h="120000" w="120000">
-                <a:moveTo>
-                  <a:pt x="0" y="0"/>
-                </a:moveTo>
-                <a:lnTo>
-                  <a:pt x="120000" y="0"/>
-                </a:lnTo>
-                <a:lnTo>
-                  <a:pt x="120000" y="120000"/>
-                </a:lnTo>
-                <a:lnTo>
-                  <a:pt x="0" y="120000"/>
-                </a:lnTo>
-                <a:close/>
-              </a:path>
-            </a:pathLst>
-          </a:custGeom>
-        </p:spPr>
-      </p:sp>
-      <p:sp>
-        <p:nvSpPr>
-          <p:cNvPr id="75" name="Google Shape;75;g8fe4879d55_0_21:notes"/>
-          <p:cNvSpPr txBox="1"/>
-          <p:nvPr>
-            <p:ph idx="1" type="body"/>
-          </p:nvPr>
-        </p:nvSpPr>
-        <p:spPr>
-          <a:xfrm>
-            <a:off x="685800" y="4343400"/>
-            <a:ext cx="5486400" cy="4114800"/>
-          </a:xfrm>
-          <a:prstGeom prst="rect">
-            <a:avLst/>
-          </a:prstGeom>
-        </p:spPr>
-        <p:txBody>
-          <a:bodyPr anchorCtr="0" anchor="t" bIns="91425" lIns="91425" spcFirstLastPara="1" rIns="91425" wrap="square" tIns="91425">
-            <a:noAutofit/>
-          </a:bodyPr>
-          <a:lstStyle/>
-          <a:p>
-            <a:pPr indent="0" lvl="0" marL="0" rtl="0" algn="l">
-              <a:spcBef>
-                <a:spcPts val="0"/>
-              </a:spcBef>
-              <a:spcAft>
-                <a:spcPts val="0"/>
-              </a:spcAft>
-              <a:buNone/>
-            </a:pPr>
-            <a:r>
-              <a:t/>
-            </a:r>
-            <a:endParaRPr/>
-          </a:p>
-        </p:txBody>
-      </p:sp>
-    </p:spTree>
-  </p:cSld>
-  <p:clrMapOvr>
-    <a:masterClrMapping/>
-  </p:clrMapOvr>
-</p:notes>
-</file>
-
-<file path=ppt/notesSlides/notesSlide5.xml><?xml version="1.0" encoding="utf-8"?>
-<p:notes xmlns:a="http://schemas.openxmlformats.org/drawingml/2006/main" xmlns:r="http://schemas.openxmlformats.org/officeDocument/2006/relationships" xmlns:mc="http://schemas.openxmlformats.org/markup-compatibility/2006" xmlns:mv="urn:schemas-microsoft-com:mac:vml" xmlns:p="http://schemas.openxmlformats.org/presentationml/2006/main" xmlns:c="http://schemas.openxmlformats.org/drawingml/2006/chart" xmlns:dgm="http://schemas.openxmlformats.org/drawingml/2006/diagram" xmlns:o="urn:schemas-microsoft-com:office:office" xmlns:v="urn:schemas-microsoft-com:vml" xmlns:pvml="urn:schemas-microsoft-com:office:powerpoint" xmlns:com="http://schemas.openxmlformats.org/drawingml/2006/compatibility" xmlns:p14="http://schemas.microsoft.com/office/powerpoint/2010/main" xmlns:p15="http://schemas.microsoft.com/office/powerpoint/2012/main" xmlns:ahyp="http://schemas.microsoft.com/office/drawing/2018/hyperlinkcolor" showMasterPhAnim="0" showMasterSp="0">
-  <p:cSld>
-    <p:spTree>
-      <p:nvGrpSpPr>
-        <p:cNvPr id="80" name="Shape 80"/>
-        <p:cNvGrpSpPr/>
-        <p:nvPr/>
-      </p:nvGrpSpPr>
-      <p:grpSpPr>
-        <a:xfrm>
-          <a:off x="0" y="0"/>
-          <a:ext cx="0" cy="0"/>
-          <a:chOff x="0" y="0"/>
-          <a:chExt cx="0" cy="0"/>
-        </a:xfrm>
-      </p:grpSpPr>
-      <p:sp>
-        <p:nvSpPr>
-          <p:cNvPr id="81" name="Google Shape;81;g8fe4879d55_0_45:notes"/>
-          <p:cNvSpPr/>
-          <p:nvPr>
-            <p:ph idx="2" type="sldImg"/>
-          </p:nvPr>
-        </p:nvSpPr>
-        <p:spPr>
-          <a:xfrm>
-            <a:off x="381300" y="685800"/>
-            <a:ext cx="6096000" cy="3429000"/>
-          </a:xfrm>
-          <a:custGeom>
-            <a:rect b="b" l="l" r="r" t="t"/>
-            <a:pathLst>
-              <a:path extrusionOk="0" h="120000" w="120000">
-                <a:moveTo>
-                  <a:pt x="0" y="0"/>
-                </a:moveTo>
-                <a:lnTo>
-                  <a:pt x="120000" y="0"/>
-                </a:lnTo>
-                <a:lnTo>
-                  <a:pt x="120000" y="120000"/>
-                </a:lnTo>
-                <a:lnTo>
-                  <a:pt x="0" y="120000"/>
-                </a:lnTo>
-                <a:close/>
-              </a:path>
-            </a:pathLst>
-          </a:custGeom>
-        </p:spPr>
-      </p:sp>
-      <p:sp>
-        <p:nvSpPr>
-          <p:cNvPr id="82" name="Google Shape;82;g8fe4879d55_0_45:notes"/>
-          <p:cNvSpPr txBox="1"/>
-          <p:nvPr>
-            <p:ph idx="1" type="body"/>
-          </p:nvPr>
-        </p:nvSpPr>
-        <p:spPr>
-          <a:xfrm>
-            <a:off x="685800" y="4343400"/>
-            <a:ext cx="5486400" cy="4114800"/>
-          </a:xfrm>
-          <a:prstGeom prst="rect">
-            <a:avLst/>
-          </a:prstGeom>
-        </p:spPr>
-        <p:txBody>
-          <a:bodyPr anchorCtr="0" anchor="t" bIns="91425" lIns="91425" spcFirstLastPara="1" rIns="91425" wrap="square" tIns="91425">
-            <a:noAutofit/>
-          </a:bodyPr>
-          <a:lstStyle/>
-          <a:p>
-            <a:pPr indent="0" lvl="0" marL="0" rtl="0" algn="l">
-              <a:spcBef>
-                <a:spcPts val="0"/>
-              </a:spcBef>
-              <a:spcAft>
-                <a:spcPts val="0"/>
-              </a:spcAft>
-              <a:buNone/>
-            </a:pPr>
-            <a:r>
-              <a:t/>
-            </a:r>
-            <a:endParaRPr/>
-          </a:p>
-        </p:txBody>
-      </p:sp>
-    </p:spTree>
-  </p:cSld>
-  <p:clrMapOvr>
-    <a:masterClrMapping/>
-  </p:clrMapOvr>
-</p:notes>
-</file>
-
-<file path=ppt/notesSlides/notesSlide6.xml><?xml version="1.0" encoding="utf-8"?>
-<p:notes xmlns:a="http://schemas.openxmlformats.org/drawingml/2006/main" xmlns:r="http://schemas.openxmlformats.org/officeDocument/2006/relationships" xmlns:mc="http://schemas.openxmlformats.org/markup-compatibility/2006" xmlns:mv="urn:schemas-microsoft-com:mac:vml" xmlns:p="http://schemas.openxmlformats.org/presentationml/2006/main" xmlns:c="http://schemas.openxmlformats.org/drawingml/2006/chart" xmlns:dgm="http://schemas.openxmlformats.org/drawingml/2006/diagram" xmlns:o="urn:schemas-microsoft-com:office:office" xmlns:v="urn:schemas-microsoft-com:vml" xmlns:pvml="urn:schemas-microsoft-com:office:powerpoint" xmlns:com="http://schemas.openxmlformats.org/drawingml/2006/compatibility" xmlns:p14="http://schemas.microsoft.com/office/powerpoint/2010/main" xmlns:p15="http://schemas.microsoft.com/office/powerpoint/2012/main" xmlns:ahyp="http://schemas.microsoft.com/office/drawing/2018/hyperlinkcolor" showMasterPhAnim="0" showMasterSp="0">
-  <p:cSld>
-    <p:spTree>
-      <p:nvGrpSpPr>
-        <p:cNvPr id="86" name="Shape 86"/>
-        <p:cNvGrpSpPr/>
-        <p:nvPr/>
-      </p:nvGrpSpPr>
-      <p:grpSpPr>
-        <a:xfrm>
-          <a:off x="0" y="0"/>
-          <a:ext cx="0" cy="0"/>
-          <a:chOff x="0" y="0"/>
-          <a:chExt cx="0" cy="0"/>
-        </a:xfrm>
-      </p:grpSpPr>
-      <p:sp>
-        <p:nvSpPr>
-          <p:cNvPr id="87" name="Google Shape;87;g875c2255bd_0_184:notes"/>
-          <p:cNvSpPr/>
-          <p:nvPr>
-            <p:ph idx="2" type="sldImg"/>
-          </p:nvPr>
-        </p:nvSpPr>
-        <p:spPr>
-          <a:xfrm>
-            <a:off x="381300" y="685800"/>
-            <a:ext cx="6096000" cy="3429000"/>
-          </a:xfrm>
-          <a:custGeom>
-            <a:rect b="b" l="l" r="r" t="t"/>
-            <a:pathLst>
-              <a:path extrusionOk="0" h="120000" w="120000">
-                <a:moveTo>
-                  <a:pt x="0" y="0"/>
-                </a:moveTo>
-                <a:lnTo>
-                  <a:pt x="120000" y="0"/>
-                </a:lnTo>
-                <a:lnTo>
-                  <a:pt x="120000" y="120000"/>
-                </a:lnTo>
-                <a:lnTo>
-                  <a:pt x="0" y="120000"/>
-                </a:lnTo>
-                <a:close/>
-              </a:path>
-            </a:pathLst>
-          </a:custGeom>
-        </p:spPr>
-      </p:sp>
-      <p:sp>
-        <p:nvSpPr>
-          <p:cNvPr id="88" name="Google Shape;88;g875c2255bd_0_184:notes"/>
-          <p:cNvSpPr txBox="1"/>
-          <p:nvPr>
-            <p:ph idx="1" type="body"/>
-          </p:nvPr>
-        </p:nvSpPr>
-        <p:spPr>
-          <a:xfrm>
-            <a:off x="685800" y="4343400"/>
-            <a:ext cx="5486400" cy="4114800"/>
-          </a:xfrm>
-          <a:prstGeom prst="rect">
-            <a:avLst/>
-          </a:prstGeom>
-        </p:spPr>
-        <p:txBody>
-          <a:bodyPr anchorCtr="0" anchor="t" bIns="91425" lIns="91425" spcFirstLastPara="1" rIns="91425" wrap="square" tIns="91425">
-            <a:noAutofit/>
-          </a:bodyPr>
-          <a:lstStyle/>
-          <a:p>
-            <a:pPr indent="0" lvl="0" marL="0" rtl="0" algn="l">
-              <a:spcBef>
-                <a:spcPts val="0"/>
-              </a:spcBef>
-              <a:spcAft>
-                <a:spcPts val="0"/>
-              </a:spcAft>
-              <a:buNone/>
-            </a:pPr>
-            <a:r>
-              <a:t/>
-            </a:r>
-            <a:endParaRPr/>
-          </a:p>
-        </p:txBody>
-      </p:sp>
-    </p:spTree>
-  </p:cSld>
-  <p:clrMapOvr>
-    <a:masterClrMapping/>
-  </p:clrMapOvr>
-</p:notes>
-</file>
-
-<file path=ppt/notesSlides/notesSlide7.xml><?xml version="1.0" encoding="utf-8"?>
-<p:notes xmlns:a="http://schemas.openxmlformats.org/drawingml/2006/main" xmlns:r="http://schemas.openxmlformats.org/officeDocument/2006/relationships" xmlns:mc="http://schemas.openxmlformats.org/markup-compatibility/2006" xmlns:mv="urn:schemas-microsoft-com:mac:vml" xmlns:p="http://schemas.openxmlformats.org/presentationml/2006/main" xmlns:c="http://schemas.openxmlformats.org/drawingml/2006/chart" xmlns:dgm="http://schemas.openxmlformats.org/drawingml/2006/diagram" xmlns:o="urn:schemas-microsoft-com:office:office" xmlns:v="urn:schemas-microsoft-com:vml" xmlns:pvml="urn:schemas-microsoft-com:office:powerpoint" xmlns:com="http://schemas.openxmlformats.org/drawingml/2006/compatibility" xmlns:p14="http://schemas.microsoft.com/office/powerpoint/2010/main" xmlns:p15="http://schemas.microsoft.com/office/powerpoint/2012/main" xmlns:ahyp="http://schemas.microsoft.com/office/drawing/2018/hyperlinkcolor" showMasterPhAnim="0" showMasterSp="0">
-  <p:cSld>
-    <p:spTree>
-      <p:nvGrpSpPr>
-        <p:cNvPr id="95" name="Shape 95"/>
-        <p:cNvGrpSpPr/>
-        <p:nvPr/>
-      </p:nvGrpSpPr>
-      <p:grpSpPr>
-        <a:xfrm>
-          <a:off x="0" y="0"/>
-          <a:ext cx="0" cy="0"/>
-          <a:chOff x="0" y="0"/>
-          <a:chExt cx="0" cy="0"/>
-        </a:xfrm>
-      </p:grpSpPr>
-      <p:sp>
-        <p:nvSpPr>
-          <p:cNvPr id="96" name="Google Shape;96;g8fe4879d55_0_33:notes"/>
-          <p:cNvSpPr/>
-          <p:nvPr>
-            <p:ph idx="2" type="sldImg"/>
-          </p:nvPr>
-        </p:nvSpPr>
-        <p:spPr>
-          <a:xfrm>
-            <a:off x="381300" y="685800"/>
-            <a:ext cx="6096000" cy="3429000"/>
-          </a:xfrm>
-          <a:custGeom>
-            <a:rect b="b" l="l" r="r" t="t"/>
-            <a:pathLst>
-              <a:path extrusionOk="0" h="120000" w="120000">
-                <a:moveTo>
-                  <a:pt x="0" y="0"/>
-                </a:moveTo>
-                <a:lnTo>
-                  <a:pt x="120000" y="0"/>
-                </a:lnTo>
-                <a:lnTo>
-                  <a:pt x="120000" y="120000"/>
-                </a:lnTo>
-                <a:lnTo>
-                  <a:pt x="0" y="120000"/>
-                </a:lnTo>
-                <a:close/>
-              </a:path>
-            </a:pathLst>
-          </a:custGeom>
-        </p:spPr>
-      </p:sp>
-      <p:sp>
-        <p:nvSpPr>
-          <p:cNvPr id="97" name="Google Shape;97;g8fe4879d55_0_33:notes"/>
-          <p:cNvSpPr txBox="1"/>
-          <p:nvPr>
-            <p:ph idx="1" type="body"/>
-          </p:nvPr>
-        </p:nvSpPr>
-        <p:spPr>
-          <a:xfrm>
-            <a:off x="685800" y="4343400"/>
-            <a:ext cx="5486400" cy="4114800"/>
-          </a:xfrm>
-          <a:prstGeom prst="rect">
-            <a:avLst/>
-          </a:prstGeom>
-        </p:spPr>
-        <p:txBody>
-          <a:bodyPr anchorCtr="0" anchor="t" bIns="91425" lIns="91425" spcFirstLastPara="1" rIns="91425" wrap="square" tIns="91425">
-            <a:noAutofit/>
-          </a:bodyPr>
-          <a:lstStyle/>
-          <a:p>
-            <a:pPr indent="0" lvl="0" marL="0" rtl="0" algn="l">
-              <a:spcBef>
-                <a:spcPts val="0"/>
-              </a:spcBef>
-              <a:spcAft>
-                <a:spcPts val="0"/>
-              </a:spcAft>
-              <a:buNone/>
-            </a:pPr>
-            <a:r>
-              <a:t/>
-            </a:r>
-            <a:endParaRPr/>
-          </a:p>
-        </p:txBody>
-      </p:sp>
-    </p:spTree>
-  </p:cSld>
-  <p:clrMapOvr>
-    <a:masterClrMapping/>
-  </p:clrMapOvr>
-</p:notes>
-</file>
-
-<file path=ppt/notesSlides/notesSlide8.xml><?xml version="1.0" encoding="utf-8"?>
-<p:notes xmlns:a="http://schemas.openxmlformats.org/drawingml/2006/main" xmlns:r="http://schemas.openxmlformats.org/officeDocument/2006/relationships" xmlns:mc="http://schemas.openxmlformats.org/markup-compatibility/2006" xmlns:mv="urn:schemas-microsoft-com:mac:vml" xmlns:p="http://schemas.openxmlformats.org/presentationml/2006/main" xmlns:c="http://schemas.openxmlformats.org/drawingml/2006/chart" xmlns:dgm="http://schemas.openxmlformats.org/drawingml/2006/diagram" xmlns:o="urn:schemas-microsoft-com:office:office" xmlns:v="urn:schemas-microsoft-com:vml" xmlns:pvml="urn:schemas-microsoft-com:office:powerpoint" xmlns:com="http://schemas.openxmlformats.org/drawingml/2006/compatibility" xmlns:p14="http://schemas.microsoft.com/office/powerpoint/2010/main" xmlns:p15="http://schemas.microsoft.com/office/powerpoint/2012/main" xmlns:ahyp="http://schemas.microsoft.com/office/drawing/2018/hyperlinkcolor" showMasterPhAnim="0" showMasterSp="0">
-  <p:cSld>
-    <p:spTree>
-      <p:nvGrpSpPr>
-        <p:cNvPr id="102" name="Shape 102"/>
-        <p:cNvGrpSpPr/>
-        <p:nvPr/>
-      </p:nvGrpSpPr>
-      <p:grpSpPr>
-        <a:xfrm>
-          <a:off x="0" y="0"/>
-          <a:ext cx="0" cy="0"/>
-          <a:chOff x="0" y="0"/>
-          <a:chExt cx="0" cy="0"/>
-        </a:xfrm>
-      </p:grpSpPr>
-      <p:sp>
-        <p:nvSpPr>
-          <p:cNvPr id="103" name="Google Shape;103;g8fe4879d55_0_39:notes"/>
-          <p:cNvSpPr/>
-          <p:nvPr>
-            <p:ph idx="2" type="sldImg"/>
-          </p:nvPr>
-        </p:nvSpPr>
-        <p:spPr>
-          <a:xfrm>
-            <a:off x="381300" y="685800"/>
-            <a:ext cx="6096000" cy="3429000"/>
-          </a:xfrm>
-          <a:custGeom>
-            <a:rect b="b" l="l" r="r" t="t"/>
-            <a:pathLst>
-              <a:path extrusionOk="0" h="120000" w="120000">
-                <a:moveTo>
-                  <a:pt x="0" y="0"/>
-                </a:moveTo>
-                <a:lnTo>
-                  <a:pt x="120000" y="0"/>
-                </a:lnTo>
-                <a:lnTo>
-                  <a:pt x="120000" y="120000"/>
-                </a:lnTo>
-                <a:lnTo>
-                  <a:pt x="0" y="120000"/>
-                </a:lnTo>
-                <a:close/>
-              </a:path>
-            </a:pathLst>
-          </a:custGeom>
-        </p:spPr>
-      </p:sp>
-      <p:sp>
-        <p:nvSpPr>
-          <p:cNvPr id="104" name="Google Shape;104;g8fe4879d55_0_39:notes"/>
-          <p:cNvSpPr txBox="1"/>
-          <p:nvPr>
-            <p:ph idx="1" type="body"/>
-          </p:nvPr>
-        </p:nvSpPr>
-        <p:spPr>
-          <a:xfrm>
-            <a:off x="685800" y="4343400"/>
-            <a:ext cx="5486400" cy="4114800"/>
-          </a:xfrm>
-          <a:prstGeom prst="rect">
-            <a:avLst/>
-          </a:prstGeom>
-        </p:spPr>
-        <p:txBody>
-          <a:bodyPr anchorCtr="0" anchor="t" bIns="91425" lIns="91425" spcFirstLastPara="1" rIns="91425" wrap="square" tIns="91425">
-            <a:noAutofit/>
-          </a:bodyPr>
-          <a:lstStyle/>
-          <a:p>
-            <a:pPr indent="0" lvl="0" marL="0" rtl="0" algn="l">
-              <a:spcBef>
-                <a:spcPts val="0"/>
-              </a:spcBef>
-              <a:spcAft>
-                <a:spcPts val="0"/>
-              </a:spcAft>
-              <a:buNone/>
-            </a:pPr>
-            <a:r>
-              <a:t/>
-            </a:r>
-            <a:endParaRPr/>
-          </a:p>
-        </p:txBody>
-      </p:sp>
-    </p:spTree>
-  </p:cSld>
-  <p:clrMapOvr>
-    <a:masterClrMapping/>
-  </p:clrMapOvr>
-</p:notes>
-</file>
-
-<file path=ppt/notesSlides/notesSlide9.xml><?xml version="1.0" encoding="utf-8"?>
-<p:notes xmlns:a="http://schemas.openxmlformats.org/drawingml/2006/main" xmlns:r="http://schemas.openxmlformats.org/officeDocument/2006/relationships" xmlns:mc="http://schemas.openxmlformats.org/markup-compatibility/2006" xmlns:mv="urn:schemas-microsoft-com:mac:vml" xmlns:p="http://schemas.openxmlformats.org/presentationml/2006/main" xmlns:c="http://schemas.openxmlformats.org/drawingml/2006/chart" xmlns:dgm="http://schemas.openxmlformats.org/drawingml/2006/diagram" xmlns:o="urn:schemas-microsoft-com:office:office" xmlns:v="urn:schemas-microsoft-com:vml" xmlns:pvml="urn:schemas-microsoft-com:office:powerpoint" xmlns:com="http://schemas.openxmlformats.org/drawingml/2006/compatibility" xmlns:p14="http://schemas.microsoft.com/office/powerpoint/2010/main" xmlns:p15="http://schemas.microsoft.com/office/powerpoint/2012/main" xmlns:ahyp="http://schemas.microsoft.com/office/drawing/2018/hyperlinkcolor" showMasterPhAnim="0" showMasterSp="0">
-  <p:cSld>
-    <p:spTree>
-      <p:nvGrpSpPr>
-        <p:cNvPr id="109" name="Shape 109"/>
-        <p:cNvGrpSpPr/>
-        <p:nvPr/>
-      </p:nvGrpSpPr>
-      <p:grpSpPr>
-        <a:xfrm>
-          <a:off x="0" y="0"/>
-          <a:ext cx="0" cy="0"/>
-          <a:chOff x="0" y="0"/>
-          <a:chExt cx="0" cy="0"/>
-        </a:xfrm>
-      </p:grpSpPr>
-      <p:sp>
-        <p:nvSpPr>
-          <p:cNvPr id="110" name="Google Shape;110;g875c2255bd_0_225:notes"/>
-          <p:cNvSpPr/>
-          <p:nvPr>
-            <p:ph idx="2" type="sldImg"/>
-          </p:nvPr>
-        </p:nvSpPr>
-        <p:spPr>
-          <a:xfrm>
-            <a:off x="381300" y="685800"/>
-            <a:ext cx="6096000" cy="3429000"/>
-          </a:xfrm>
-          <a:custGeom>
-            <a:rect b="b" l="l" r="r" t="t"/>
-            <a:pathLst>
-              <a:path extrusionOk="0" h="120000" w="120000">
-                <a:moveTo>
-                  <a:pt x="0" y="0"/>
-                </a:moveTo>
-                <a:lnTo>
-                  <a:pt x="120000" y="0"/>
-                </a:lnTo>
-                <a:lnTo>
-                  <a:pt x="120000" y="120000"/>
-                </a:lnTo>
-                <a:lnTo>
-                  <a:pt x="0" y="120000"/>
-                </a:lnTo>
-                <a:close/>
-              </a:path>
-            </a:pathLst>
-          </a:custGeom>
-        </p:spPr>
-      </p:sp>
-      <p:sp>
-        <p:nvSpPr>
-          <p:cNvPr id="111" name="Google Shape;111;g875c2255bd_0_225:notes"/>
-          <p:cNvSpPr txBox="1"/>
-          <p:nvPr>
-            <p:ph idx="1" type="body"/>
-          </p:nvPr>
-        </p:nvSpPr>
-        <p:spPr>
-          <a:xfrm>
-            <a:off x="685800" y="4343400"/>
-            <a:ext cx="5486400" cy="4114800"/>
-          </a:xfrm>
-          <a:prstGeom prst="rect">
-            <a:avLst/>
-          </a:prstGeom>
-        </p:spPr>
-        <p:txBody>
-          <a:bodyPr anchorCtr="0" anchor="t" bIns="91425" lIns="91425" spcFirstLastPara="1" rIns="91425" wrap="square" tIns="91425">
-            <a:noAutofit/>
-          </a:bodyPr>
-          <a:lstStyle/>
-          <a:p>
-            <a:pPr indent="0" lvl="0" marL="0" rtl="0" algn="l">
-              <a:spcBef>
-                <a:spcPts val="0"/>
-              </a:spcBef>
-              <a:spcAft>
-                <a:spcPts val="0"/>
-              </a:spcAft>
-              <a:buNone/>
-            </a:pPr>
-            <a:r>
-              <a:t/>
-            </a:r>
-            <a:endParaRPr/>
-          </a:p>
-        </p:txBody>
-      </p:sp>
-    </p:spTree>
-  </p:cSld>
-  <p:clrMapOvr>
-    <a:masterClrMapping/>
-  </p:clrMapOvr>
-</p:notes>
-</file>
-
-<file path=ppt/slideLayouts/slideLayout1.xml><?xml version="1.0" encoding="utf-8"?>
-<p:sldLayout xmlns:a="http://schemas.openxmlformats.org/drawingml/2006/main" xmlns:r="http://schemas.openxmlformats.org/officeDocument/2006/relationships" xmlns:mc="http://schemas.openxmlformats.org/markup-compatibility/2006" xmlns:mv="urn:schemas-microsoft-com:mac:vml" xmlns:p="http://schemas.openxmlformats.org/presentationml/2006/main" xmlns:c="http://schemas.openxmlformats.org/drawingml/2006/chart" xmlns:dgm="http://schemas.openxmlformats.org/drawingml/2006/diagram" xmlns:o="urn:schemas-microsoft-com:office:office" xmlns:v="urn:schemas-microsoft-com:vml" xmlns:pvml="urn:schemas-microsoft-com:office:powerpoint" xmlns:com="http://schemas.openxmlformats.org/drawingml/2006/compatibility" xmlns:p14="http://schemas.microsoft.com/office/powerpoint/2010/main" xmlns:p15="http://schemas.microsoft.com/office/powerpoint/2012/main" xmlns:ahyp="http://schemas.microsoft.com/office/drawing/2018/hyperlinkcolor" matchingName="[DO NOT USE] - Guidelines Slides" type="secHead">
-  <p:cSld name="SECTION_HEADER">
-    <p:spTree>
-      <p:nvGrpSpPr>
-        <p:cNvPr id="10" name="Shape 10"/>
-        <p:cNvGrpSpPr/>
-        <p:nvPr/>
-      </p:nvGrpSpPr>
-      <p:grpSpPr>
+      <p:grpSpPr bwMode="auto">
         <a:xfrm>
           <a:off x="0" y="0"/>
           <a:ext cx="0" cy="0"/>
@@ -1603,7 +265,7 @@
             <p:ph type="title"/>
           </p:nvPr>
         </p:nvSpPr>
-        <p:spPr>
+        <p:spPr bwMode="auto">
           <a:xfrm>
             <a:off x="311700" y="2150850"/>
             <a:ext cx="8520600" cy="841800"/>
@@ -1613,11 +275,11 @@
           </a:prstGeom>
         </p:spPr>
         <p:txBody>
-          <a:bodyPr anchorCtr="0" anchor="ctr" bIns="91425" lIns="91425" spcFirstLastPara="1" rIns="91425" wrap="square" tIns="91425">
+          <a:bodyPr spcFirstLastPara="1" wrap="square" lIns="91425" tIns="91425" rIns="91425" bIns="91425" anchor="ctr" anchorCtr="0">
             <a:noAutofit/>
           </a:bodyPr>
           <a:lstStyle>
-            <a:lvl1pPr lvl="0" rtl="0" algn="ctr">
+            <a:lvl1pPr lvl="0" algn="ctr">
               <a:spcBef>
                 <a:spcPts val="0"/>
               </a:spcBef>
@@ -1628,7 +290,7 @@
               <a:buNone/>
               <a:defRPr sz="3600"/>
             </a:lvl1pPr>
-            <a:lvl2pPr lvl="1" rtl="0" algn="ctr">
+            <a:lvl2pPr lvl="1" algn="ctr">
               <a:spcBef>
                 <a:spcPts val="0"/>
               </a:spcBef>
@@ -1639,7 +301,7 @@
               <a:buNone/>
               <a:defRPr sz="3600"/>
             </a:lvl2pPr>
-            <a:lvl3pPr lvl="2" rtl="0" algn="ctr">
+            <a:lvl3pPr lvl="2" algn="ctr">
               <a:spcBef>
                 <a:spcPts val="0"/>
               </a:spcBef>
@@ -1650,7 +312,7 @@
               <a:buNone/>
               <a:defRPr sz="3600"/>
             </a:lvl3pPr>
-            <a:lvl4pPr lvl="3" rtl="0" algn="ctr">
+            <a:lvl4pPr lvl="3" algn="ctr">
               <a:spcBef>
                 <a:spcPts val="0"/>
               </a:spcBef>
@@ -1661,7 +323,7 @@
               <a:buNone/>
               <a:defRPr sz="3600"/>
             </a:lvl4pPr>
-            <a:lvl5pPr lvl="4" rtl="0" algn="ctr">
+            <a:lvl5pPr lvl="4" algn="ctr">
               <a:spcBef>
                 <a:spcPts val="0"/>
               </a:spcBef>
@@ -1672,7 +334,7 @@
               <a:buNone/>
               <a:defRPr sz="3600"/>
             </a:lvl5pPr>
-            <a:lvl6pPr lvl="5" rtl="0" algn="ctr">
+            <a:lvl6pPr lvl="5" algn="ctr">
               <a:spcBef>
                 <a:spcPts val="0"/>
               </a:spcBef>
@@ -1683,7 +345,7 @@
               <a:buNone/>
               <a:defRPr sz="3600"/>
             </a:lvl6pPr>
-            <a:lvl7pPr lvl="6" rtl="0" algn="ctr">
+            <a:lvl7pPr lvl="6" algn="ctr">
               <a:spcBef>
                 <a:spcPts val="0"/>
               </a:spcBef>
@@ -1694,7 +356,7 @@
               <a:buNone/>
               <a:defRPr sz="3600"/>
             </a:lvl7pPr>
-            <a:lvl8pPr lvl="7" rtl="0" algn="ctr">
+            <a:lvl8pPr lvl="7" algn="ctr">
               <a:spcBef>
                 <a:spcPts val="0"/>
               </a:spcBef>
@@ -1705,7 +367,7 @@
               <a:buNone/>
               <a:defRPr sz="3600"/>
             </a:lvl8pPr>
-            <a:lvl9pPr lvl="8" rtl="0" algn="ctr">
+            <a:lvl9pPr lvl="8" algn="ctr">
               <a:spcBef>
                 <a:spcPts val="0"/>
               </a:spcBef>
@@ -1717,7 +379,12 @@
               <a:defRPr sz="3600"/>
             </a:lvl9pPr>
           </a:lstStyle>
-          <a:p/>
+          <a:p>
+            <a:pPr>
+              <a:defRPr/>
+            </a:pPr>
+            <a:endParaRPr/>
+          </a:p>
         </p:txBody>
       </p:sp>
       <p:sp>
@@ -1725,10 +392,10 @@
           <p:cNvPr id="12" name="Google Shape;12;p2"/>
           <p:cNvSpPr txBox="1"/>
           <p:nvPr>
-            <p:ph idx="12" type="sldNum"/>
+            <p:ph type="sldNum" idx="12"/>
           </p:nvPr>
         </p:nvSpPr>
-        <p:spPr>
+        <p:spPr bwMode="auto">
           <a:xfrm>
             <a:off x="8472458" y="4663217"/>
             <a:ext cx="548700" cy="393600"/>
@@ -1738,60 +405,61 @@
           </a:prstGeom>
         </p:spPr>
         <p:txBody>
-          <a:bodyPr anchorCtr="0" anchor="ctr" bIns="91425" lIns="91425" spcFirstLastPara="1" rIns="91425" wrap="square" tIns="91425">
+          <a:bodyPr spcFirstLastPara="1" wrap="square" lIns="91425" tIns="91425" rIns="91425" bIns="91425" anchor="ctr" anchorCtr="0">
             <a:noAutofit/>
           </a:bodyPr>
           <a:lstStyle>
-            <a:lvl1pPr lvl="0" rtl="0">
+            <a:lvl1pPr lvl="0">
               <a:buNone/>
               <a:defRPr/>
             </a:lvl1pPr>
-            <a:lvl2pPr lvl="1" rtl="0">
+            <a:lvl2pPr lvl="1">
               <a:buNone/>
               <a:defRPr/>
             </a:lvl2pPr>
-            <a:lvl3pPr lvl="2" rtl="0">
+            <a:lvl3pPr lvl="2">
               <a:buNone/>
               <a:defRPr/>
             </a:lvl3pPr>
-            <a:lvl4pPr lvl="3" rtl="0">
+            <a:lvl4pPr lvl="3">
               <a:buNone/>
               <a:defRPr/>
             </a:lvl4pPr>
-            <a:lvl5pPr lvl="4" rtl="0">
+            <a:lvl5pPr lvl="4">
               <a:buNone/>
               <a:defRPr/>
             </a:lvl5pPr>
-            <a:lvl6pPr lvl="5" rtl="0">
+            <a:lvl6pPr lvl="5">
               <a:buNone/>
               <a:defRPr/>
             </a:lvl6pPr>
-            <a:lvl7pPr lvl="6" rtl="0">
+            <a:lvl7pPr lvl="6">
               <a:buNone/>
               <a:defRPr/>
             </a:lvl7pPr>
-            <a:lvl8pPr lvl="7" rtl="0">
+            <a:lvl8pPr lvl="7">
               <a:buNone/>
               <a:defRPr/>
             </a:lvl8pPr>
-            <a:lvl9pPr lvl="8" rtl="0">
+            <a:lvl9pPr lvl="8">
               <a:buNone/>
               <a:defRPr/>
             </a:lvl9pPr>
           </a:lstStyle>
           <a:p>
-            <a:pPr indent="0" lvl="0" marL="0" rtl="0" algn="r">
-              <a:spcBef>
-                <a:spcPts val="0"/>
-              </a:spcBef>
-              <a:spcAft>
-                <a:spcPts val="0"/>
-              </a:spcAft>
-              <a:buNone/>
+            <a:pPr marL="0" lvl="0" indent="0" algn="r">
+              <a:spcBef>
+                <a:spcPts val="0"/>
+              </a:spcBef>
+              <a:spcAft>
+                <a:spcPts val="0"/>
+              </a:spcAft>
+              <a:buNone/>
+              <a:defRPr/>
             </a:pPr>
             <a:fld id="{00000000-1234-1234-1234-123412341234}" type="slidenum">
               <a:rPr lang="en"/>
-              <a:t>‹#›</a:t>
+              <a:t/>
             </a:fld>
             <a:endParaRPr/>
           </a:p>
@@ -1806,27 +474,25 @@
 </file>
 
 <file path=ppt/slideLayouts/slideLayout10.xml><?xml version="1.0" encoding="utf-8"?>
-<p:sldLayout xmlns:a="http://schemas.openxmlformats.org/drawingml/2006/main" xmlns:r="http://schemas.openxmlformats.org/officeDocument/2006/relationships" xmlns:mc="http://schemas.openxmlformats.org/markup-compatibility/2006" xmlns:mv="urn:schemas-microsoft-com:mac:vml" xmlns:p="http://schemas.openxmlformats.org/presentationml/2006/main" xmlns:c="http://schemas.openxmlformats.org/drawingml/2006/chart" xmlns:dgm="http://schemas.openxmlformats.org/drawingml/2006/diagram" xmlns:o="urn:schemas-microsoft-com:office:office" xmlns:v="urn:schemas-microsoft-com:vml" xmlns:pvml="urn:schemas-microsoft-com:office:powerpoint" xmlns:com="http://schemas.openxmlformats.org/drawingml/2006/compatibility" xmlns:p14="http://schemas.microsoft.com/office/powerpoint/2010/main" xmlns:p15="http://schemas.microsoft.com/office/powerpoint/2012/main" xmlns:ahyp="http://schemas.microsoft.com/office/drawing/2018/hyperlinkcolor" matchingName="Images or icons (with text)">
+<p:sldLayout xmlns:a="http://schemas.openxmlformats.org/drawingml/2006/main" xmlns:r="http://schemas.openxmlformats.org/officeDocument/2006/relationships" xmlns:p="http://schemas.openxmlformats.org/presentationml/2006/main" xmlns:m="http://schemas.openxmlformats.org/officeDocument/2006/math" xmlns:w="http://schemas.openxmlformats.org/wordprocessingml/2006/main" matchingName="Images or icons (with text)" preserve="0" showMasterPhAnim="0" userDrawn="1">
   <p:cSld name="BLANK_2">
     <p:bg>
-      <p:bgPr>
+      <p:bgPr shadeToTitle="0">
         <a:blipFill>
           <a:blip r:embed="rId2">
             <a:alphaModFix/>
           </a:blip>
-          <a:stretch>
-            <a:fillRect/>
-          </a:stretch>
+          <a:stretch/>
         </a:blipFill>
       </p:bgPr>
     </p:bg>
     <p:spTree>
       <p:nvGrpSpPr>
-        <p:cNvPr id="46" name="Shape 46"/>
+        <p:cNvPr id="1" name=""/>
         <p:cNvGrpSpPr/>
         <p:nvPr/>
       </p:nvGrpSpPr>
-      <p:grpSpPr>
+      <p:grpSpPr bwMode="auto">
         <a:xfrm>
           <a:off x="0" y="0"/>
           <a:ext cx="0" cy="0"/>
@@ -1839,10 +505,10 @@
           <p:cNvPr id="47" name="Google Shape;47;p11"/>
           <p:cNvSpPr txBox="1"/>
           <p:nvPr>
-            <p:ph idx="12" type="sldNum"/>
+            <p:ph type="sldNum" idx="12"/>
           </p:nvPr>
         </p:nvSpPr>
-        <p:spPr>
+        <p:spPr bwMode="auto">
           <a:xfrm>
             <a:off x="8472458" y="4663217"/>
             <a:ext cx="548700" cy="393600"/>
@@ -1852,60 +518,61 @@
           </a:prstGeom>
         </p:spPr>
         <p:txBody>
-          <a:bodyPr anchorCtr="0" anchor="ctr" bIns="91425" lIns="91425" spcFirstLastPara="1" rIns="91425" wrap="square" tIns="91425">
+          <a:bodyPr spcFirstLastPara="1" wrap="square" lIns="91425" tIns="91425" rIns="91425" bIns="91425" anchor="ctr" anchorCtr="0">
             <a:noAutofit/>
           </a:bodyPr>
           <a:lstStyle>
-            <a:lvl1pPr lvl="0" rtl="0">
+            <a:lvl1pPr lvl="0">
               <a:buNone/>
               <a:defRPr/>
             </a:lvl1pPr>
-            <a:lvl2pPr lvl="1" rtl="0">
+            <a:lvl2pPr lvl="1">
               <a:buNone/>
               <a:defRPr/>
             </a:lvl2pPr>
-            <a:lvl3pPr lvl="2" rtl="0">
+            <a:lvl3pPr lvl="2">
               <a:buNone/>
               <a:defRPr/>
             </a:lvl3pPr>
-            <a:lvl4pPr lvl="3" rtl="0">
+            <a:lvl4pPr lvl="3">
               <a:buNone/>
               <a:defRPr/>
             </a:lvl4pPr>
-            <a:lvl5pPr lvl="4" rtl="0">
+            <a:lvl5pPr lvl="4">
               <a:buNone/>
               <a:defRPr/>
             </a:lvl5pPr>
-            <a:lvl6pPr lvl="5" rtl="0">
+            <a:lvl6pPr lvl="5">
               <a:buNone/>
               <a:defRPr/>
             </a:lvl6pPr>
-            <a:lvl7pPr lvl="6" rtl="0">
+            <a:lvl7pPr lvl="6">
               <a:buNone/>
               <a:defRPr/>
             </a:lvl7pPr>
-            <a:lvl8pPr lvl="7" rtl="0">
+            <a:lvl8pPr lvl="7">
               <a:buNone/>
               <a:defRPr/>
             </a:lvl8pPr>
-            <a:lvl9pPr lvl="8" rtl="0">
+            <a:lvl9pPr lvl="8">
               <a:buNone/>
               <a:defRPr/>
             </a:lvl9pPr>
           </a:lstStyle>
           <a:p>
-            <a:pPr indent="0" lvl="0" marL="0" rtl="0" algn="r">
-              <a:spcBef>
-                <a:spcPts val="0"/>
-              </a:spcBef>
-              <a:spcAft>
-                <a:spcPts val="0"/>
-              </a:spcAft>
-              <a:buNone/>
+            <a:pPr marL="0" lvl="0" indent="0" algn="r">
+              <a:spcBef>
+                <a:spcPts val="0"/>
+              </a:spcBef>
+              <a:spcAft>
+                <a:spcPts val="0"/>
+              </a:spcAft>
+              <a:buNone/>
+              <a:defRPr/>
             </a:pPr>
             <a:fld id="{00000000-1234-1234-1234-123412341234}" type="slidenum">
               <a:rPr lang="en"/>
-              <a:t>‹#›</a:t>
+              <a:t/>
             </a:fld>
             <a:endParaRPr/>
           </a:p>
@@ -1919,7 +586,7 @@
             <p:ph type="title"/>
           </p:nvPr>
         </p:nvSpPr>
-        <p:spPr>
+        <p:spPr bwMode="auto">
           <a:xfrm>
             <a:off x="605400" y="473950"/>
             <a:ext cx="7933200" cy="572700"/>
@@ -1929,11 +596,11 @@
           </a:prstGeom>
         </p:spPr>
         <p:txBody>
-          <a:bodyPr anchorCtr="0" anchor="ctr" bIns="91425" lIns="91425" spcFirstLastPara="1" rIns="91425" wrap="square" tIns="91425">
+          <a:bodyPr spcFirstLastPara="1" wrap="square" lIns="91425" tIns="91425" rIns="91425" bIns="91425" anchor="ctr" anchorCtr="0">
             <a:noAutofit/>
           </a:bodyPr>
           <a:lstStyle>
-            <a:lvl1pPr lvl="0" rtl="0">
+            <a:lvl1pPr lvl="0">
               <a:spcBef>
                 <a:spcPts val="0"/>
               </a:spcBef>
@@ -1946,17 +613,16 @@
               <a:buSzPts val="2000"/>
               <a:buFont typeface="Open Sans"/>
               <a:buNone/>
-              <a:defRPr b="1" sz="2000">
-                <a:solidFill>
-                  <a:srgbClr val="2E3D49"/>
-                </a:solidFill>
-                <a:latin typeface="Open Sans"/>
-                <a:ea typeface="Open Sans"/>
-                <a:cs typeface="Open Sans"/>
-                <a:sym typeface="Open Sans"/>
+              <a:defRPr sz="2000" b="1">
+                <a:solidFill>
+                  <a:srgbClr val="2E3D49"/>
+                </a:solidFill>
+                <a:latin typeface="Open Sans"/>
+                <a:ea typeface="Open Sans"/>
+                <a:cs typeface="Open Sans"/>
               </a:defRPr>
             </a:lvl1pPr>
-            <a:lvl2pPr lvl="1" rtl="0">
+            <a:lvl2pPr lvl="1">
               <a:spcBef>
                 <a:spcPts val="0"/>
               </a:spcBef>
@@ -1974,7 +640,7 @@
                 </a:solidFill>
               </a:defRPr>
             </a:lvl2pPr>
-            <a:lvl3pPr lvl="2" rtl="0">
+            <a:lvl3pPr lvl="2">
               <a:spcBef>
                 <a:spcPts val="0"/>
               </a:spcBef>
@@ -1992,7 +658,7 @@
                 </a:solidFill>
               </a:defRPr>
             </a:lvl3pPr>
-            <a:lvl4pPr lvl="3" rtl="0">
+            <a:lvl4pPr lvl="3">
               <a:spcBef>
                 <a:spcPts val="0"/>
               </a:spcBef>
@@ -2010,7 +676,7 @@
                 </a:solidFill>
               </a:defRPr>
             </a:lvl4pPr>
-            <a:lvl5pPr lvl="4" rtl="0">
+            <a:lvl5pPr lvl="4">
               <a:spcBef>
                 <a:spcPts val="0"/>
               </a:spcBef>
@@ -2028,7 +694,7 @@
                 </a:solidFill>
               </a:defRPr>
             </a:lvl5pPr>
-            <a:lvl6pPr lvl="5" rtl="0">
+            <a:lvl6pPr lvl="5">
               <a:spcBef>
                 <a:spcPts val="0"/>
               </a:spcBef>
@@ -2046,7 +712,7 @@
                 </a:solidFill>
               </a:defRPr>
             </a:lvl6pPr>
-            <a:lvl7pPr lvl="6" rtl="0">
+            <a:lvl7pPr lvl="6">
               <a:spcBef>
                 <a:spcPts val="0"/>
               </a:spcBef>
@@ -2064,7 +730,7 @@
                 </a:solidFill>
               </a:defRPr>
             </a:lvl7pPr>
-            <a:lvl8pPr lvl="7" rtl="0">
+            <a:lvl8pPr lvl="7">
               <a:spcBef>
                 <a:spcPts val="0"/>
               </a:spcBef>
@@ -2082,7 +748,7 @@
                 </a:solidFill>
               </a:defRPr>
             </a:lvl8pPr>
-            <a:lvl9pPr lvl="8" rtl="0">
+            <a:lvl9pPr lvl="8">
               <a:spcBef>
                 <a:spcPts val="0"/>
               </a:spcBef>
@@ -2101,7 +767,12 @@
               </a:defRPr>
             </a:lvl9pPr>
           </a:lstStyle>
-          <a:p/>
+          <a:p>
+            <a:pPr>
+              <a:defRPr/>
+            </a:pPr>
+            <a:endParaRPr/>
+          </a:p>
         </p:txBody>
       </p:sp>
       <p:sp>
@@ -2109,10 +780,10 @@
           <p:cNvPr id="49" name="Google Shape;49;p11"/>
           <p:cNvSpPr txBox="1"/>
           <p:nvPr>
-            <p:ph idx="1" type="body"/>
+            <p:ph type="body" idx="1"/>
           </p:nvPr>
         </p:nvSpPr>
-        <p:spPr>
+        <p:spPr bwMode="auto">
           <a:xfrm>
             <a:off x="4876950" y="1337500"/>
             <a:ext cx="3661500" cy="3325800"/>
@@ -2122,11 +793,11 @@
           </a:prstGeom>
         </p:spPr>
         <p:txBody>
-          <a:bodyPr anchorCtr="0" anchor="t" bIns="91425" lIns="91425" spcFirstLastPara="1" rIns="91425" wrap="square" tIns="91425">
+          <a:bodyPr spcFirstLastPara="1" wrap="square" lIns="91425" tIns="91425" rIns="91425" bIns="91425" anchor="t" anchorCtr="0">
             <a:noAutofit/>
           </a:bodyPr>
           <a:lstStyle>
-            <a:lvl1pPr indent="-317500" lvl="0" marL="457200" rtl="0">
+            <a:lvl1pPr marL="457200" lvl="0" indent="-317500">
               <a:lnSpc>
                 <a:spcPct val="150000"/>
               </a:lnSpc>
@@ -2149,10 +820,9 @@
                 <a:latin typeface="Open Sans"/>
                 <a:ea typeface="Open Sans"/>
                 <a:cs typeface="Open Sans"/>
-                <a:sym typeface="Open Sans"/>
               </a:defRPr>
             </a:lvl1pPr>
-            <a:lvl2pPr indent="-317500" lvl="1" marL="914400" rtl="0">
+            <a:lvl2pPr marL="914400" lvl="1" indent="-317500">
               <a:lnSpc>
                 <a:spcPct val="150000"/>
               </a:lnSpc>
@@ -2175,10 +845,9 @@
                 <a:latin typeface="Open Sans"/>
                 <a:ea typeface="Open Sans"/>
                 <a:cs typeface="Open Sans"/>
-                <a:sym typeface="Open Sans"/>
               </a:defRPr>
             </a:lvl2pPr>
-            <a:lvl3pPr indent="-317500" lvl="2" marL="1371600" rtl="0">
+            <a:lvl3pPr marL="1371600" lvl="2" indent="-317500">
               <a:lnSpc>
                 <a:spcPct val="150000"/>
               </a:lnSpc>
@@ -2201,10 +870,9 @@
                 <a:latin typeface="Open Sans"/>
                 <a:ea typeface="Open Sans"/>
                 <a:cs typeface="Open Sans"/>
-                <a:sym typeface="Open Sans"/>
               </a:defRPr>
             </a:lvl3pPr>
-            <a:lvl4pPr indent="-317500" lvl="3" marL="1828800" rtl="0">
+            <a:lvl4pPr marL="1828800" lvl="3" indent="-317500">
               <a:lnSpc>
                 <a:spcPct val="150000"/>
               </a:lnSpc>
@@ -2227,10 +895,9 @@
                 <a:latin typeface="Open Sans"/>
                 <a:ea typeface="Open Sans"/>
                 <a:cs typeface="Open Sans"/>
-                <a:sym typeface="Open Sans"/>
               </a:defRPr>
             </a:lvl4pPr>
-            <a:lvl5pPr indent="-317500" lvl="4" marL="2286000" rtl="0">
+            <a:lvl5pPr marL="2286000" lvl="4" indent="-317500">
               <a:lnSpc>
                 <a:spcPct val="150000"/>
               </a:lnSpc>
@@ -2253,10 +920,9 @@
                 <a:latin typeface="Open Sans"/>
                 <a:ea typeface="Open Sans"/>
                 <a:cs typeface="Open Sans"/>
-                <a:sym typeface="Open Sans"/>
               </a:defRPr>
             </a:lvl5pPr>
-            <a:lvl6pPr indent="-317500" lvl="5" marL="2743200" rtl="0">
+            <a:lvl6pPr marL="2743200" lvl="5" indent="-317500">
               <a:lnSpc>
                 <a:spcPct val="150000"/>
               </a:lnSpc>
@@ -2279,10 +945,9 @@
                 <a:latin typeface="Open Sans"/>
                 <a:ea typeface="Open Sans"/>
                 <a:cs typeface="Open Sans"/>
-                <a:sym typeface="Open Sans"/>
               </a:defRPr>
             </a:lvl6pPr>
-            <a:lvl7pPr indent="-317500" lvl="6" marL="3200400" rtl="0">
+            <a:lvl7pPr marL="3200400" lvl="6" indent="-317500">
               <a:lnSpc>
                 <a:spcPct val="150000"/>
               </a:lnSpc>
@@ -2305,10 +970,9 @@
                 <a:latin typeface="Open Sans"/>
                 <a:ea typeface="Open Sans"/>
                 <a:cs typeface="Open Sans"/>
-                <a:sym typeface="Open Sans"/>
               </a:defRPr>
             </a:lvl7pPr>
-            <a:lvl8pPr indent="-317500" lvl="7" marL="3657600" rtl="0">
+            <a:lvl8pPr marL="3657600" lvl="7" indent="-317500">
               <a:lnSpc>
                 <a:spcPct val="150000"/>
               </a:lnSpc>
@@ -2331,10 +995,9 @@
                 <a:latin typeface="Open Sans"/>
                 <a:ea typeface="Open Sans"/>
                 <a:cs typeface="Open Sans"/>
-                <a:sym typeface="Open Sans"/>
               </a:defRPr>
             </a:lvl8pPr>
-            <a:lvl9pPr indent="-317500" lvl="8" marL="4114800" rtl="0">
+            <a:lvl9pPr marL="4114800" lvl="8" indent="-317500">
               <a:lnSpc>
                 <a:spcPct val="150000"/>
               </a:lnSpc>
@@ -2357,11 +1020,15 @@
                 <a:latin typeface="Open Sans"/>
                 <a:ea typeface="Open Sans"/>
                 <a:cs typeface="Open Sans"/>
-                <a:sym typeface="Open Sans"/>
               </a:defRPr>
             </a:lvl9pPr>
           </a:lstStyle>
-          <a:p/>
+          <a:p>
+            <a:pPr>
+              <a:defRPr/>
+            </a:pPr>
+            <a:endParaRPr/>
+          </a:p>
         </p:txBody>
       </p:sp>
     </p:spTree>
@@ -2373,27 +1040,25 @@
 </file>
 
 <file path=ppt/slideLayouts/slideLayout2.xml><?xml version="1.0" encoding="utf-8"?>
-<p:sldLayout xmlns:a="http://schemas.openxmlformats.org/drawingml/2006/main" xmlns:r="http://schemas.openxmlformats.org/officeDocument/2006/relationships" xmlns:mc="http://schemas.openxmlformats.org/markup-compatibility/2006" xmlns:mv="urn:schemas-microsoft-com:mac:vml" xmlns:p="http://schemas.openxmlformats.org/presentationml/2006/main" xmlns:c="http://schemas.openxmlformats.org/drawingml/2006/chart" xmlns:dgm="http://schemas.openxmlformats.org/drawingml/2006/diagram" xmlns:o="urn:schemas-microsoft-com:office:office" xmlns:v="urn:schemas-microsoft-com:vml" xmlns:pvml="urn:schemas-microsoft-com:office:powerpoint" xmlns:com="http://schemas.openxmlformats.org/drawingml/2006/compatibility" xmlns:p14="http://schemas.microsoft.com/office/powerpoint/2010/main" xmlns:p15="http://schemas.microsoft.com/office/powerpoint/2012/main" xmlns:ahyp="http://schemas.microsoft.com/office/drawing/2018/hyperlinkcolor" matchingName="Title Card" type="twoColTx">
+<p:sldLayout xmlns:a="http://schemas.openxmlformats.org/drawingml/2006/main" xmlns:r="http://schemas.openxmlformats.org/officeDocument/2006/relationships" xmlns:p="http://schemas.openxmlformats.org/presentationml/2006/main" xmlns:m="http://schemas.openxmlformats.org/officeDocument/2006/math" xmlns:w="http://schemas.openxmlformats.org/wordprocessingml/2006/main" matchingName="Title Card" preserve="0" showMasterPhAnim="0" type="twoColTx" userDrawn="1">
   <p:cSld name="TITLE_AND_TWO_COLUMNS">
     <p:bg>
-      <p:bgPr>
+      <p:bgPr shadeToTitle="0">
         <a:blipFill>
           <a:blip r:embed="rId2">
             <a:alphaModFix/>
           </a:blip>
-          <a:stretch>
-            <a:fillRect/>
-          </a:stretch>
+          <a:stretch/>
         </a:blipFill>
       </p:bgPr>
     </p:bg>
     <p:spTree>
       <p:nvGrpSpPr>
-        <p:cNvPr id="13" name="Shape 13"/>
+        <p:cNvPr id="1" name=""/>
         <p:cNvGrpSpPr/>
         <p:nvPr/>
       </p:nvGrpSpPr>
-      <p:grpSpPr>
+      <p:grpSpPr bwMode="auto">
         <a:xfrm>
           <a:off x="0" y="0"/>
           <a:ext cx="0" cy="0"/>
@@ -2409,7 +1074,7 @@
             <p:ph type="title"/>
           </p:nvPr>
         </p:nvSpPr>
-        <p:spPr>
+        <p:spPr bwMode="auto">
           <a:xfrm>
             <a:off x="2086350" y="2198475"/>
             <a:ext cx="4886700" cy="572700"/>
@@ -2419,11 +1084,11 @@
           </a:prstGeom>
         </p:spPr>
         <p:txBody>
-          <a:bodyPr anchorCtr="0" anchor="ctr" bIns="91425" lIns="91425" spcFirstLastPara="1" rIns="91425" wrap="square" tIns="91425">
+          <a:bodyPr spcFirstLastPara="1" wrap="square" lIns="91425" tIns="91425" rIns="91425" bIns="91425" anchor="ctr" anchorCtr="0">
             <a:noAutofit/>
           </a:bodyPr>
           <a:lstStyle>
-            <a:lvl1pPr lvl="0" rtl="0" algn="ctr">
+            <a:lvl1pPr lvl="0" algn="ctr">
               <a:spcBef>
                 <a:spcPts val="0"/>
               </a:spcBef>
@@ -2436,17 +1101,16 @@
               <a:buSzPts val="2400"/>
               <a:buFont typeface="Open Sans"/>
               <a:buNone/>
-              <a:defRPr b="1" sz="2400">
-                <a:solidFill>
-                  <a:srgbClr val="2E3D49"/>
-                </a:solidFill>
-                <a:latin typeface="Open Sans"/>
-                <a:ea typeface="Open Sans"/>
-                <a:cs typeface="Open Sans"/>
-                <a:sym typeface="Open Sans"/>
+              <a:defRPr sz="2400" b="1">
+                <a:solidFill>
+                  <a:srgbClr val="2E3D49"/>
+                </a:solidFill>
+                <a:latin typeface="Open Sans"/>
+                <a:ea typeface="Open Sans"/>
+                <a:cs typeface="Open Sans"/>
               </a:defRPr>
             </a:lvl1pPr>
-            <a:lvl2pPr lvl="1" rtl="0">
+            <a:lvl2pPr lvl="1">
               <a:spcBef>
                 <a:spcPts val="0"/>
               </a:spcBef>
@@ -2464,7 +1128,7 @@
                 </a:solidFill>
               </a:defRPr>
             </a:lvl2pPr>
-            <a:lvl3pPr lvl="2" rtl="0">
+            <a:lvl3pPr lvl="2">
               <a:spcBef>
                 <a:spcPts val="0"/>
               </a:spcBef>
@@ -2482,7 +1146,7 @@
                 </a:solidFill>
               </a:defRPr>
             </a:lvl3pPr>
-            <a:lvl4pPr lvl="3" rtl="0">
+            <a:lvl4pPr lvl="3">
               <a:spcBef>
                 <a:spcPts val="0"/>
               </a:spcBef>
@@ -2500,7 +1164,7 @@
                 </a:solidFill>
               </a:defRPr>
             </a:lvl4pPr>
-            <a:lvl5pPr lvl="4" rtl="0">
+            <a:lvl5pPr lvl="4">
               <a:spcBef>
                 <a:spcPts val="0"/>
               </a:spcBef>
@@ -2518,7 +1182,7 @@
                 </a:solidFill>
               </a:defRPr>
             </a:lvl5pPr>
-            <a:lvl6pPr lvl="5" rtl="0">
+            <a:lvl6pPr lvl="5">
               <a:spcBef>
                 <a:spcPts val="0"/>
               </a:spcBef>
@@ -2536,7 +1200,7 @@
                 </a:solidFill>
               </a:defRPr>
             </a:lvl6pPr>
-            <a:lvl7pPr lvl="6" rtl="0">
+            <a:lvl7pPr lvl="6">
               <a:spcBef>
                 <a:spcPts val="0"/>
               </a:spcBef>
@@ -2554,7 +1218,7 @@
                 </a:solidFill>
               </a:defRPr>
             </a:lvl7pPr>
-            <a:lvl8pPr lvl="7" rtl="0">
+            <a:lvl8pPr lvl="7">
               <a:spcBef>
                 <a:spcPts val="0"/>
               </a:spcBef>
@@ -2572,7 +1236,7 @@
                 </a:solidFill>
               </a:defRPr>
             </a:lvl8pPr>
-            <a:lvl9pPr lvl="8" rtl="0">
+            <a:lvl9pPr lvl="8">
               <a:spcBef>
                 <a:spcPts val="0"/>
               </a:spcBef>
@@ -2591,7 +1255,12 @@
               </a:defRPr>
             </a:lvl9pPr>
           </a:lstStyle>
-          <a:p/>
+          <a:p>
+            <a:pPr>
+              <a:defRPr/>
+            </a:pPr>
+            <a:endParaRPr/>
+          </a:p>
         </p:txBody>
       </p:sp>
       <p:sp>
@@ -2599,10 +1268,10 @@
           <p:cNvPr id="15" name="Google Shape;15;p3"/>
           <p:cNvSpPr txBox="1"/>
           <p:nvPr>
-            <p:ph idx="12" type="sldNum"/>
+            <p:ph type="sldNum" idx="12"/>
           </p:nvPr>
         </p:nvSpPr>
-        <p:spPr>
+        <p:spPr bwMode="auto">
           <a:xfrm>
             <a:off x="8472458" y="4663217"/>
             <a:ext cx="548700" cy="393600"/>
@@ -2612,60 +1281,61 @@
           </a:prstGeom>
         </p:spPr>
         <p:txBody>
-          <a:bodyPr anchorCtr="0" anchor="ctr" bIns="91425" lIns="91425" spcFirstLastPara="1" rIns="91425" wrap="square" tIns="91425">
+          <a:bodyPr spcFirstLastPara="1" wrap="square" lIns="91425" tIns="91425" rIns="91425" bIns="91425" anchor="ctr" anchorCtr="0">
             <a:noAutofit/>
           </a:bodyPr>
           <a:lstStyle>
-            <a:lvl1pPr lvl="0" rtl="0">
+            <a:lvl1pPr lvl="0">
               <a:buNone/>
               <a:defRPr/>
             </a:lvl1pPr>
-            <a:lvl2pPr lvl="1" rtl="0">
+            <a:lvl2pPr lvl="1">
               <a:buNone/>
               <a:defRPr/>
             </a:lvl2pPr>
-            <a:lvl3pPr lvl="2" rtl="0">
+            <a:lvl3pPr lvl="2">
               <a:buNone/>
               <a:defRPr/>
             </a:lvl3pPr>
-            <a:lvl4pPr lvl="3" rtl="0">
+            <a:lvl4pPr lvl="3">
               <a:buNone/>
               <a:defRPr/>
             </a:lvl4pPr>
-            <a:lvl5pPr lvl="4" rtl="0">
+            <a:lvl5pPr lvl="4">
               <a:buNone/>
               <a:defRPr/>
             </a:lvl5pPr>
-            <a:lvl6pPr lvl="5" rtl="0">
+            <a:lvl6pPr lvl="5">
               <a:buNone/>
               <a:defRPr/>
             </a:lvl6pPr>
-            <a:lvl7pPr lvl="6" rtl="0">
+            <a:lvl7pPr lvl="6">
               <a:buNone/>
               <a:defRPr/>
             </a:lvl7pPr>
-            <a:lvl8pPr lvl="7" rtl="0">
+            <a:lvl8pPr lvl="7">
               <a:buNone/>
               <a:defRPr/>
             </a:lvl8pPr>
-            <a:lvl9pPr lvl="8" rtl="0">
+            <a:lvl9pPr lvl="8">
               <a:buNone/>
               <a:defRPr/>
             </a:lvl9pPr>
           </a:lstStyle>
           <a:p>
-            <a:pPr indent="0" lvl="0" marL="0" rtl="0" algn="r">
-              <a:spcBef>
-                <a:spcPts val="0"/>
-              </a:spcBef>
-              <a:spcAft>
-                <a:spcPts val="0"/>
-              </a:spcAft>
-              <a:buNone/>
+            <a:pPr marL="0" lvl="0" indent="0" algn="r">
+              <a:spcBef>
+                <a:spcPts val="0"/>
+              </a:spcBef>
+              <a:spcAft>
+                <a:spcPts val="0"/>
+              </a:spcAft>
+              <a:buNone/>
+              <a:defRPr/>
             </a:pPr>
             <a:fld id="{00000000-1234-1234-1234-123412341234}" type="slidenum">
               <a:rPr lang="en"/>
-              <a:t>‹#›</a:t>
+              <a:t/>
             </a:fld>
             <a:endParaRPr/>
           </a:p>
@@ -2676,10 +1346,10 @@
           <p:cNvPr id="16" name="Google Shape;16;p3"/>
           <p:cNvSpPr txBox="1"/>
           <p:nvPr>
-            <p:ph idx="1" type="subTitle"/>
+            <p:ph type="subTitle" idx="1"/>
           </p:nvPr>
         </p:nvSpPr>
-        <p:spPr>
+        <p:spPr bwMode="auto">
           <a:xfrm>
             <a:off x="2086350" y="2834125"/>
             <a:ext cx="4886700" cy="473400"/>
@@ -2689,11 +1359,11 @@
           </a:prstGeom>
         </p:spPr>
         <p:txBody>
-          <a:bodyPr anchorCtr="0" anchor="t" bIns="91425" lIns="91425" spcFirstLastPara="1" rIns="91425" wrap="square" tIns="91425">
+          <a:bodyPr spcFirstLastPara="1" wrap="square" lIns="91425" tIns="91425" rIns="91425" bIns="91425" anchor="t" anchorCtr="0">
             <a:noAutofit/>
           </a:bodyPr>
           <a:lstStyle>
-            <a:lvl1pPr lvl="0" rtl="0" algn="ctr">
+            <a:lvl1pPr lvl="0" algn="ctr">
               <a:lnSpc>
                 <a:spcPct val="100000"/>
               </a:lnSpc>
@@ -2716,10 +1386,9 @@
                 <a:latin typeface="Open Sans"/>
                 <a:ea typeface="Open Sans"/>
                 <a:cs typeface="Open Sans"/>
-                <a:sym typeface="Open Sans"/>
               </a:defRPr>
             </a:lvl1pPr>
-            <a:lvl2pPr lvl="1" rtl="0" algn="ctr">
+            <a:lvl2pPr lvl="1" algn="ctr">
               <a:lnSpc>
                 <a:spcPct val="100000"/>
               </a:lnSpc>
@@ -2740,7 +1409,7 @@
                 </a:solidFill>
               </a:defRPr>
             </a:lvl2pPr>
-            <a:lvl3pPr lvl="2" rtl="0" algn="ctr">
+            <a:lvl3pPr lvl="2" algn="ctr">
               <a:lnSpc>
                 <a:spcPct val="100000"/>
               </a:lnSpc>
@@ -2761,7 +1430,7 @@
                 </a:solidFill>
               </a:defRPr>
             </a:lvl3pPr>
-            <a:lvl4pPr lvl="3" rtl="0" algn="ctr">
+            <a:lvl4pPr lvl="3" algn="ctr">
               <a:lnSpc>
                 <a:spcPct val="100000"/>
               </a:lnSpc>
@@ -2782,7 +1451,7 @@
                 </a:solidFill>
               </a:defRPr>
             </a:lvl4pPr>
-            <a:lvl5pPr lvl="4" rtl="0" algn="ctr">
+            <a:lvl5pPr lvl="4" algn="ctr">
               <a:lnSpc>
                 <a:spcPct val="100000"/>
               </a:lnSpc>
@@ -2803,7 +1472,7 @@
                 </a:solidFill>
               </a:defRPr>
             </a:lvl5pPr>
-            <a:lvl6pPr lvl="5" rtl="0" algn="ctr">
+            <a:lvl6pPr lvl="5" algn="ctr">
               <a:lnSpc>
                 <a:spcPct val="100000"/>
               </a:lnSpc>
@@ -2824,7 +1493,7 @@
                 </a:solidFill>
               </a:defRPr>
             </a:lvl6pPr>
-            <a:lvl7pPr lvl="6" rtl="0" algn="ctr">
+            <a:lvl7pPr lvl="6" algn="ctr">
               <a:lnSpc>
                 <a:spcPct val="100000"/>
               </a:lnSpc>
@@ -2845,7 +1514,7 @@
                 </a:solidFill>
               </a:defRPr>
             </a:lvl7pPr>
-            <a:lvl8pPr lvl="7" rtl="0" algn="ctr">
+            <a:lvl8pPr lvl="7" algn="ctr">
               <a:lnSpc>
                 <a:spcPct val="100000"/>
               </a:lnSpc>
@@ -2866,7 +1535,7 @@
                 </a:solidFill>
               </a:defRPr>
             </a:lvl8pPr>
-            <a:lvl9pPr lvl="8" rtl="0" algn="ctr">
+            <a:lvl9pPr lvl="8" algn="ctr">
               <a:lnSpc>
                 <a:spcPct val="100000"/>
               </a:lnSpc>
@@ -2888,7 +1557,12 @@
               </a:defRPr>
             </a:lvl9pPr>
           </a:lstStyle>
-          <a:p/>
+          <a:p>
+            <a:pPr>
+              <a:defRPr/>
+            </a:pPr>
+            <a:endParaRPr/>
+          </a:p>
         </p:txBody>
       </p:sp>
     </p:spTree>
@@ -2900,27 +1574,25 @@
 </file>
 
 <file path=ppt/slideLayouts/slideLayout3.xml><?xml version="1.0" encoding="utf-8"?>
-<p:sldLayout xmlns:a="http://schemas.openxmlformats.org/drawingml/2006/main" xmlns:r="http://schemas.openxmlformats.org/officeDocument/2006/relationships" xmlns:mc="http://schemas.openxmlformats.org/markup-compatibility/2006" xmlns:mv="urn:schemas-microsoft-com:mac:vml" xmlns:p="http://schemas.openxmlformats.org/presentationml/2006/main" xmlns:c="http://schemas.openxmlformats.org/drawingml/2006/chart" xmlns:dgm="http://schemas.openxmlformats.org/drawingml/2006/diagram" xmlns:o="urn:schemas-microsoft-com:office:office" xmlns:v="urn:schemas-microsoft-com:vml" xmlns:pvml="urn:schemas-microsoft-com:office:powerpoint" xmlns:com="http://schemas.openxmlformats.org/drawingml/2006/compatibility" xmlns:p14="http://schemas.microsoft.com/office/powerpoint/2010/main" xmlns:p15="http://schemas.microsoft.com/office/powerpoint/2012/main" xmlns:ahyp="http://schemas.microsoft.com/office/drawing/2018/hyperlinkcolor" matchingName="Text Box (small)" type="titleOnly">
+<p:sldLayout xmlns:a="http://schemas.openxmlformats.org/drawingml/2006/main" xmlns:r="http://schemas.openxmlformats.org/officeDocument/2006/relationships" xmlns:p="http://schemas.openxmlformats.org/presentationml/2006/main" xmlns:m="http://schemas.openxmlformats.org/officeDocument/2006/math" xmlns:w="http://schemas.openxmlformats.org/wordprocessingml/2006/main" matchingName="Text Box (small)" preserve="0" showMasterPhAnim="0" type="titleOnly" userDrawn="1">
   <p:cSld name="TITLE_ONLY">
     <p:bg>
-      <p:bgPr>
+      <p:bgPr shadeToTitle="0">
         <a:blipFill>
           <a:blip r:embed="rId2">
             <a:alphaModFix/>
           </a:blip>
-          <a:stretch>
-            <a:fillRect/>
-          </a:stretch>
+          <a:stretch/>
         </a:blipFill>
       </p:bgPr>
     </p:bg>
     <p:spTree>
       <p:nvGrpSpPr>
-        <p:cNvPr id="17" name="Shape 17"/>
+        <p:cNvPr id="1" name=""/>
         <p:cNvGrpSpPr/>
         <p:nvPr/>
       </p:nvGrpSpPr>
-      <p:grpSpPr>
+      <p:grpSpPr bwMode="auto">
         <a:xfrm>
           <a:off x="0" y="0"/>
           <a:ext cx="0" cy="0"/>
@@ -2936,21 +1608,21 @@
             <p:ph type="title"/>
           </p:nvPr>
         </p:nvSpPr>
-        <p:spPr>
+        <p:spPr bwMode="auto">
           <a:xfrm>
             <a:off x="1048800" y="1129475"/>
-            <a:ext cx="7046400" cy="572700"/>
+            <a:ext cx="7046399" cy="572700"/>
           </a:xfrm>
           <a:prstGeom prst="rect">
             <a:avLst/>
           </a:prstGeom>
         </p:spPr>
         <p:txBody>
-          <a:bodyPr anchorCtr="0" anchor="ctr" bIns="91425" lIns="91425" spcFirstLastPara="1" rIns="91425" wrap="square" tIns="91425">
+          <a:bodyPr spcFirstLastPara="1" wrap="square" lIns="91425" tIns="91425" rIns="91425" bIns="91425" anchor="ctr" anchorCtr="0">
             <a:noAutofit/>
           </a:bodyPr>
           <a:lstStyle>
-            <a:lvl1pPr lvl="0" rtl="0">
+            <a:lvl1pPr lvl="0">
               <a:spcBef>
                 <a:spcPts val="0"/>
               </a:spcBef>
@@ -2963,17 +1635,16 @@
               <a:buSzPts val="2000"/>
               <a:buFont typeface="Open Sans"/>
               <a:buNone/>
-              <a:defRPr b="1" sz="2000">
-                <a:solidFill>
-                  <a:srgbClr val="2E3D49"/>
-                </a:solidFill>
-                <a:latin typeface="Open Sans"/>
-                <a:ea typeface="Open Sans"/>
-                <a:cs typeface="Open Sans"/>
-                <a:sym typeface="Open Sans"/>
+              <a:defRPr sz="2000" b="1">
+                <a:solidFill>
+                  <a:srgbClr val="2E3D49"/>
+                </a:solidFill>
+                <a:latin typeface="Open Sans"/>
+                <a:ea typeface="Open Sans"/>
+                <a:cs typeface="Open Sans"/>
               </a:defRPr>
             </a:lvl1pPr>
-            <a:lvl2pPr lvl="1" rtl="0">
+            <a:lvl2pPr lvl="1">
               <a:spcBef>
                 <a:spcPts val="0"/>
               </a:spcBef>
@@ -2991,7 +1662,7 @@
                 </a:solidFill>
               </a:defRPr>
             </a:lvl2pPr>
-            <a:lvl3pPr lvl="2" rtl="0">
+            <a:lvl3pPr lvl="2">
               <a:spcBef>
                 <a:spcPts val="0"/>
               </a:spcBef>
@@ -3009,7 +1680,7 @@
                 </a:solidFill>
               </a:defRPr>
             </a:lvl3pPr>
-            <a:lvl4pPr lvl="3" rtl="0">
+            <a:lvl4pPr lvl="3">
               <a:spcBef>
                 <a:spcPts val="0"/>
               </a:spcBef>
@@ -3027,7 +1698,7 @@
                 </a:solidFill>
               </a:defRPr>
             </a:lvl4pPr>
-            <a:lvl5pPr lvl="4" rtl="0">
+            <a:lvl5pPr lvl="4">
               <a:spcBef>
                 <a:spcPts val="0"/>
               </a:spcBef>
@@ -3045,7 +1716,7 @@
                 </a:solidFill>
               </a:defRPr>
             </a:lvl5pPr>
-            <a:lvl6pPr lvl="5" rtl="0">
+            <a:lvl6pPr lvl="5">
               <a:spcBef>
                 <a:spcPts val="0"/>
               </a:spcBef>
@@ -3063,7 +1734,7 @@
                 </a:solidFill>
               </a:defRPr>
             </a:lvl6pPr>
-            <a:lvl7pPr lvl="6" rtl="0">
+            <a:lvl7pPr lvl="6">
               <a:spcBef>
                 <a:spcPts val="0"/>
               </a:spcBef>
@@ -3081,7 +1752,7 @@
                 </a:solidFill>
               </a:defRPr>
             </a:lvl7pPr>
-            <a:lvl8pPr lvl="7" rtl="0">
+            <a:lvl8pPr lvl="7">
               <a:spcBef>
                 <a:spcPts val="0"/>
               </a:spcBef>
@@ -3099,7 +1770,7 @@
                 </a:solidFill>
               </a:defRPr>
             </a:lvl8pPr>
-            <a:lvl9pPr lvl="8" rtl="0">
+            <a:lvl9pPr lvl="8">
               <a:spcBef>
                 <a:spcPts val="0"/>
               </a:spcBef>
@@ -3118,7 +1789,12 @@
               </a:defRPr>
             </a:lvl9pPr>
           </a:lstStyle>
-          <a:p/>
+          <a:p>
+            <a:pPr>
+              <a:defRPr/>
+            </a:pPr>
+            <a:endParaRPr/>
+          </a:p>
         </p:txBody>
       </p:sp>
       <p:sp>
@@ -3126,10 +1802,10 @@
           <p:cNvPr id="19" name="Google Shape;19;p4"/>
           <p:cNvSpPr txBox="1"/>
           <p:nvPr>
-            <p:ph idx="12" type="sldNum"/>
+            <p:ph type="sldNum" idx="12"/>
           </p:nvPr>
         </p:nvSpPr>
-        <p:spPr>
+        <p:spPr bwMode="auto">
           <a:xfrm>
             <a:off x="8472458" y="4663217"/>
             <a:ext cx="548700" cy="393600"/>
@@ -3139,60 +1815,61 @@
           </a:prstGeom>
         </p:spPr>
         <p:txBody>
-          <a:bodyPr anchorCtr="0" anchor="ctr" bIns="91425" lIns="91425" spcFirstLastPara="1" rIns="91425" wrap="square" tIns="91425">
+          <a:bodyPr spcFirstLastPara="1" wrap="square" lIns="91425" tIns="91425" rIns="91425" bIns="91425" anchor="ctr" anchorCtr="0">
             <a:noAutofit/>
           </a:bodyPr>
           <a:lstStyle>
-            <a:lvl1pPr lvl="0" rtl="0">
+            <a:lvl1pPr lvl="0">
               <a:buNone/>
               <a:defRPr/>
             </a:lvl1pPr>
-            <a:lvl2pPr lvl="1" rtl="0">
+            <a:lvl2pPr lvl="1">
               <a:buNone/>
               <a:defRPr/>
             </a:lvl2pPr>
-            <a:lvl3pPr lvl="2" rtl="0">
+            <a:lvl3pPr lvl="2">
               <a:buNone/>
               <a:defRPr/>
             </a:lvl3pPr>
-            <a:lvl4pPr lvl="3" rtl="0">
+            <a:lvl4pPr lvl="3">
               <a:buNone/>
               <a:defRPr/>
             </a:lvl4pPr>
-            <a:lvl5pPr lvl="4" rtl="0">
+            <a:lvl5pPr lvl="4">
               <a:buNone/>
               <a:defRPr/>
             </a:lvl5pPr>
-            <a:lvl6pPr lvl="5" rtl="0">
+            <a:lvl6pPr lvl="5">
               <a:buNone/>
               <a:defRPr/>
             </a:lvl6pPr>
-            <a:lvl7pPr lvl="6" rtl="0">
+            <a:lvl7pPr lvl="6">
               <a:buNone/>
               <a:defRPr/>
             </a:lvl7pPr>
-            <a:lvl8pPr lvl="7" rtl="0">
+            <a:lvl8pPr lvl="7">
               <a:buNone/>
               <a:defRPr/>
             </a:lvl8pPr>
-            <a:lvl9pPr lvl="8" rtl="0">
+            <a:lvl9pPr lvl="8">
               <a:buNone/>
               <a:defRPr/>
             </a:lvl9pPr>
           </a:lstStyle>
           <a:p>
-            <a:pPr indent="0" lvl="0" marL="0" rtl="0" algn="r">
-              <a:spcBef>
-                <a:spcPts val="0"/>
-              </a:spcBef>
-              <a:spcAft>
-                <a:spcPts val="0"/>
-              </a:spcAft>
-              <a:buNone/>
+            <a:pPr marL="0" lvl="0" indent="0" algn="r">
+              <a:spcBef>
+                <a:spcPts val="0"/>
+              </a:spcBef>
+              <a:spcAft>
+                <a:spcPts val="0"/>
+              </a:spcAft>
+              <a:buNone/>
+              <a:defRPr/>
             </a:pPr>
             <a:fld id="{00000000-1234-1234-1234-123412341234}" type="slidenum">
               <a:rPr lang="en"/>
-              <a:t>‹#›</a:t>
+              <a:t/>
             </a:fld>
             <a:endParaRPr/>
           </a:p>
@@ -3203,24 +1880,24 @@
           <p:cNvPr id="20" name="Google Shape;20;p4"/>
           <p:cNvSpPr txBox="1"/>
           <p:nvPr>
-            <p:ph idx="1" type="body"/>
+            <p:ph type="body" idx="1"/>
           </p:nvPr>
         </p:nvSpPr>
-        <p:spPr>
+        <p:spPr bwMode="auto">
           <a:xfrm>
             <a:off x="1066775" y="1962650"/>
-            <a:ext cx="7046400" cy="1917300"/>
+            <a:ext cx="7046399" cy="1917300"/>
           </a:xfrm>
           <a:prstGeom prst="rect">
             <a:avLst/>
           </a:prstGeom>
         </p:spPr>
         <p:txBody>
-          <a:bodyPr anchorCtr="0" anchor="t" bIns="91425" lIns="91425" spcFirstLastPara="1" rIns="91425" wrap="square" tIns="91425">
+          <a:bodyPr spcFirstLastPara="1" wrap="square" lIns="91425" tIns="91425" rIns="91425" bIns="91425" anchor="t" anchorCtr="0">
             <a:noAutofit/>
           </a:bodyPr>
           <a:lstStyle>
-            <a:lvl1pPr indent="-317500" lvl="0" marL="457200" rtl="0">
+            <a:lvl1pPr marL="457200" lvl="0" indent="-317500">
               <a:lnSpc>
                 <a:spcPct val="100000"/>
               </a:lnSpc>
@@ -3243,10 +1920,9 @@
                 <a:latin typeface="Open Sans"/>
                 <a:ea typeface="Open Sans"/>
                 <a:cs typeface="Open Sans"/>
-                <a:sym typeface="Open Sans"/>
               </a:defRPr>
             </a:lvl1pPr>
-            <a:lvl2pPr indent="-317500" lvl="1" marL="914400" rtl="0">
+            <a:lvl2pPr marL="914400" lvl="1" indent="-317500">
               <a:lnSpc>
                 <a:spcPct val="100000"/>
               </a:lnSpc>
@@ -3269,10 +1945,9 @@
                 <a:latin typeface="Open Sans"/>
                 <a:ea typeface="Open Sans"/>
                 <a:cs typeface="Open Sans"/>
-                <a:sym typeface="Open Sans"/>
               </a:defRPr>
             </a:lvl2pPr>
-            <a:lvl3pPr indent="-317500" lvl="2" marL="1371600" rtl="0">
+            <a:lvl3pPr marL="1371600" lvl="2" indent="-317500">
               <a:lnSpc>
                 <a:spcPct val="100000"/>
               </a:lnSpc>
@@ -3295,10 +1970,9 @@
                 <a:latin typeface="Open Sans"/>
                 <a:ea typeface="Open Sans"/>
                 <a:cs typeface="Open Sans"/>
-                <a:sym typeface="Open Sans"/>
               </a:defRPr>
             </a:lvl3pPr>
-            <a:lvl4pPr indent="-317500" lvl="3" marL="1828800" rtl="0">
+            <a:lvl4pPr marL="1828800" lvl="3" indent="-317500">
               <a:lnSpc>
                 <a:spcPct val="100000"/>
               </a:lnSpc>
@@ -3321,10 +1995,9 @@
                 <a:latin typeface="Open Sans"/>
                 <a:ea typeface="Open Sans"/>
                 <a:cs typeface="Open Sans"/>
-                <a:sym typeface="Open Sans"/>
               </a:defRPr>
             </a:lvl4pPr>
-            <a:lvl5pPr indent="-317500" lvl="4" marL="2286000" rtl="0">
+            <a:lvl5pPr marL="2286000" lvl="4" indent="-317500">
               <a:lnSpc>
                 <a:spcPct val="100000"/>
               </a:lnSpc>
@@ -3347,10 +2020,9 @@
                 <a:latin typeface="Open Sans"/>
                 <a:ea typeface="Open Sans"/>
                 <a:cs typeface="Open Sans"/>
-                <a:sym typeface="Open Sans"/>
               </a:defRPr>
             </a:lvl5pPr>
-            <a:lvl6pPr indent="-317500" lvl="5" marL="2743200" rtl="0">
+            <a:lvl6pPr marL="2743200" lvl="5" indent="-317500">
               <a:lnSpc>
                 <a:spcPct val="100000"/>
               </a:lnSpc>
@@ -3373,10 +2045,9 @@
                 <a:latin typeface="Open Sans"/>
                 <a:ea typeface="Open Sans"/>
                 <a:cs typeface="Open Sans"/>
-                <a:sym typeface="Open Sans"/>
               </a:defRPr>
             </a:lvl6pPr>
-            <a:lvl7pPr indent="-317500" lvl="6" marL="3200400" rtl="0">
+            <a:lvl7pPr marL="3200400" lvl="6" indent="-317500">
               <a:lnSpc>
                 <a:spcPct val="100000"/>
               </a:lnSpc>
@@ -3399,10 +2070,9 @@
                 <a:latin typeface="Open Sans"/>
                 <a:ea typeface="Open Sans"/>
                 <a:cs typeface="Open Sans"/>
-                <a:sym typeface="Open Sans"/>
               </a:defRPr>
             </a:lvl7pPr>
-            <a:lvl8pPr indent="-317500" lvl="7" marL="3657600" rtl="0">
+            <a:lvl8pPr marL="3657600" lvl="7" indent="-317500">
               <a:lnSpc>
                 <a:spcPct val="100000"/>
               </a:lnSpc>
@@ -3425,10 +2095,9 @@
                 <a:latin typeface="Open Sans"/>
                 <a:ea typeface="Open Sans"/>
                 <a:cs typeface="Open Sans"/>
-                <a:sym typeface="Open Sans"/>
               </a:defRPr>
             </a:lvl8pPr>
-            <a:lvl9pPr indent="-317500" lvl="8" marL="4114800" rtl="0">
+            <a:lvl9pPr marL="4114800" lvl="8" indent="-317500">
               <a:lnSpc>
                 <a:spcPct val="100000"/>
               </a:lnSpc>
@@ -3451,11 +2120,15 @@
                 <a:latin typeface="Open Sans"/>
                 <a:ea typeface="Open Sans"/>
                 <a:cs typeface="Open Sans"/>
-                <a:sym typeface="Open Sans"/>
               </a:defRPr>
             </a:lvl9pPr>
           </a:lstStyle>
-          <a:p/>
+          <a:p>
+            <a:pPr>
+              <a:defRPr/>
+            </a:pPr>
+            <a:endParaRPr/>
+          </a:p>
         </p:txBody>
       </p:sp>
     </p:spTree>
@@ -3467,27 +2140,25 @@
 </file>
 
 <file path=ppt/slideLayouts/slideLayout4.xml><?xml version="1.0" encoding="utf-8"?>
-<p:sldLayout xmlns:a="http://schemas.openxmlformats.org/drawingml/2006/main" xmlns:r="http://schemas.openxmlformats.org/officeDocument/2006/relationships" xmlns:mc="http://schemas.openxmlformats.org/markup-compatibility/2006" xmlns:mv="urn:schemas-microsoft-com:mac:vml" xmlns:p="http://schemas.openxmlformats.org/presentationml/2006/main" xmlns:c="http://schemas.openxmlformats.org/drawingml/2006/chart" xmlns:dgm="http://schemas.openxmlformats.org/drawingml/2006/diagram" xmlns:o="urn:schemas-microsoft-com:office:office" xmlns:v="urn:schemas-microsoft-com:vml" xmlns:pvml="urn:schemas-microsoft-com:office:powerpoint" xmlns:com="http://schemas.openxmlformats.org/drawingml/2006/compatibility" xmlns:p14="http://schemas.microsoft.com/office/powerpoint/2010/main" xmlns:p15="http://schemas.microsoft.com/office/powerpoint/2012/main" xmlns:ahyp="http://schemas.microsoft.com/office/drawing/2018/hyperlinkcolor" matchingName="Text Box (large)">
+<p:sldLayout xmlns:a="http://schemas.openxmlformats.org/drawingml/2006/main" xmlns:r="http://schemas.openxmlformats.org/officeDocument/2006/relationships" xmlns:p="http://schemas.openxmlformats.org/presentationml/2006/main" xmlns:m="http://schemas.openxmlformats.org/officeDocument/2006/math" xmlns:w="http://schemas.openxmlformats.org/wordprocessingml/2006/main" matchingName="Text Box (large)" preserve="0" showMasterPhAnim="0" userDrawn="1">
   <p:cSld name="ONE_COLUMN_TEXT">
     <p:bg>
-      <p:bgPr>
+      <p:bgPr shadeToTitle="0">
         <a:blipFill>
           <a:blip r:embed="rId2">
             <a:alphaModFix/>
           </a:blip>
-          <a:stretch>
-            <a:fillRect/>
-          </a:stretch>
+          <a:stretch/>
         </a:blipFill>
       </p:bgPr>
     </p:bg>
     <p:spTree>
       <p:nvGrpSpPr>
-        <p:cNvPr id="21" name="Shape 21"/>
+        <p:cNvPr id="1" name=""/>
         <p:cNvGrpSpPr/>
         <p:nvPr/>
       </p:nvGrpSpPr>
-      <p:grpSpPr>
+      <p:grpSpPr bwMode="auto">
         <a:xfrm>
           <a:off x="0" y="0"/>
           <a:ext cx="0" cy="0"/>
@@ -3500,10 +2171,10 @@
           <p:cNvPr id="22" name="Google Shape;22;p5"/>
           <p:cNvSpPr txBox="1"/>
           <p:nvPr>
-            <p:ph idx="12" type="sldNum"/>
+            <p:ph type="sldNum" idx="12"/>
           </p:nvPr>
         </p:nvSpPr>
-        <p:spPr>
+        <p:spPr bwMode="auto">
           <a:xfrm>
             <a:off x="8472458" y="4663217"/>
             <a:ext cx="548700" cy="393600"/>
@@ -3513,60 +2184,61 @@
           </a:prstGeom>
         </p:spPr>
         <p:txBody>
-          <a:bodyPr anchorCtr="0" anchor="ctr" bIns="91425" lIns="91425" spcFirstLastPara="1" rIns="91425" wrap="square" tIns="91425">
+          <a:bodyPr spcFirstLastPara="1" wrap="square" lIns="91425" tIns="91425" rIns="91425" bIns="91425" anchor="ctr" anchorCtr="0">
             <a:noAutofit/>
           </a:bodyPr>
           <a:lstStyle>
-            <a:lvl1pPr lvl="0" rtl="0">
+            <a:lvl1pPr lvl="0">
               <a:buNone/>
               <a:defRPr/>
             </a:lvl1pPr>
-            <a:lvl2pPr lvl="1" rtl="0">
+            <a:lvl2pPr lvl="1">
               <a:buNone/>
               <a:defRPr/>
             </a:lvl2pPr>
-            <a:lvl3pPr lvl="2" rtl="0">
+            <a:lvl3pPr lvl="2">
               <a:buNone/>
               <a:defRPr/>
             </a:lvl3pPr>
-            <a:lvl4pPr lvl="3" rtl="0">
+            <a:lvl4pPr lvl="3">
               <a:buNone/>
               <a:defRPr/>
             </a:lvl4pPr>
-            <a:lvl5pPr lvl="4" rtl="0">
+            <a:lvl5pPr lvl="4">
               <a:buNone/>
               <a:defRPr/>
             </a:lvl5pPr>
-            <a:lvl6pPr lvl="5" rtl="0">
+            <a:lvl6pPr lvl="5">
               <a:buNone/>
               <a:defRPr/>
             </a:lvl6pPr>
-            <a:lvl7pPr lvl="6" rtl="0">
+            <a:lvl7pPr lvl="6">
               <a:buNone/>
               <a:defRPr/>
             </a:lvl7pPr>
-            <a:lvl8pPr lvl="7" rtl="0">
+            <a:lvl8pPr lvl="7">
               <a:buNone/>
               <a:defRPr/>
             </a:lvl8pPr>
-            <a:lvl9pPr lvl="8" rtl="0">
+            <a:lvl9pPr lvl="8">
               <a:buNone/>
               <a:defRPr/>
             </a:lvl9pPr>
           </a:lstStyle>
           <a:p>
-            <a:pPr indent="0" lvl="0" marL="0" rtl="0" algn="r">
-              <a:spcBef>
-                <a:spcPts val="0"/>
-              </a:spcBef>
-              <a:spcAft>
-                <a:spcPts val="0"/>
-              </a:spcAft>
-              <a:buNone/>
+            <a:pPr marL="0" lvl="0" indent="0" algn="r">
+              <a:spcBef>
+                <a:spcPts val="0"/>
+              </a:spcBef>
+              <a:spcAft>
+                <a:spcPts val="0"/>
+              </a:spcAft>
+              <a:buNone/>
+              <a:defRPr/>
             </a:pPr>
             <a:fld id="{00000000-1234-1234-1234-123412341234}" type="slidenum">
               <a:rPr lang="en"/>
-              <a:t>‹#›</a:t>
+              <a:t/>
             </a:fld>
             <a:endParaRPr/>
           </a:p>
@@ -3577,10 +2249,10 @@
           <p:cNvPr id="23" name="Google Shape;23;p5"/>
           <p:cNvSpPr txBox="1"/>
           <p:nvPr>
-            <p:ph idx="1" type="body"/>
+            <p:ph type="body" idx="1"/>
           </p:nvPr>
         </p:nvSpPr>
-        <p:spPr>
+        <p:spPr bwMode="auto">
           <a:xfrm>
             <a:off x="605400" y="1787750"/>
             <a:ext cx="7867200" cy="2875500"/>
@@ -3590,11 +2262,11 @@
           </a:prstGeom>
         </p:spPr>
         <p:txBody>
-          <a:bodyPr anchorCtr="0" anchor="t" bIns="91425" lIns="91425" spcFirstLastPara="1" rIns="91425" wrap="square" tIns="91425">
+          <a:bodyPr spcFirstLastPara="1" wrap="square" lIns="91425" tIns="91425" rIns="91425" bIns="91425" anchor="t" anchorCtr="0">
             <a:noAutofit/>
           </a:bodyPr>
           <a:lstStyle>
-            <a:lvl1pPr indent="-317500" lvl="0" marL="457200" rtl="0">
+            <a:lvl1pPr marL="457200" lvl="0" indent="-317500">
               <a:lnSpc>
                 <a:spcPct val="100000"/>
               </a:lnSpc>
@@ -3617,10 +2289,9 @@
                 <a:latin typeface="Open Sans"/>
                 <a:ea typeface="Open Sans"/>
                 <a:cs typeface="Open Sans"/>
-                <a:sym typeface="Open Sans"/>
               </a:defRPr>
             </a:lvl1pPr>
-            <a:lvl2pPr indent="-317500" lvl="1" marL="914400" rtl="0">
+            <a:lvl2pPr marL="914400" lvl="1" indent="-317500">
               <a:lnSpc>
                 <a:spcPct val="100000"/>
               </a:lnSpc>
@@ -3643,10 +2314,9 @@
                 <a:latin typeface="Open Sans"/>
                 <a:ea typeface="Open Sans"/>
                 <a:cs typeface="Open Sans"/>
-                <a:sym typeface="Open Sans"/>
               </a:defRPr>
             </a:lvl2pPr>
-            <a:lvl3pPr indent="-317500" lvl="2" marL="1371600" rtl="0">
+            <a:lvl3pPr marL="1371600" lvl="2" indent="-317500">
               <a:lnSpc>
                 <a:spcPct val="100000"/>
               </a:lnSpc>
@@ -3669,10 +2339,9 @@
                 <a:latin typeface="Open Sans"/>
                 <a:ea typeface="Open Sans"/>
                 <a:cs typeface="Open Sans"/>
-                <a:sym typeface="Open Sans"/>
               </a:defRPr>
             </a:lvl3pPr>
-            <a:lvl4pPr indent="-317500" lvl="3" marL="1828800" rtl="0">
+            <a:lvl4pPr marL="1828800" lvl="3" indent="-317500">
               <a:lnSpc>
                 <a:spcPct val="100000"/>
               </a:lnSpc>
@@ -3695,10 +2364,9 @@
                 <a:latin typeface="Open Sans"/>
                 <a:ea typeface="Open Sans"/>
                 <a:cs typeface="Open Sans"/>
-                <a:sym typeface="Open Sans"/>
               </a:defRPr>
             </a:lvl4pPr>
-            <a:lvl5pPr indent="-317500" lvl="4" marL="2286000" rtl="0">
+            <a:lvl5pPr marL="2286000" lvl="4" indent="-317500">
               <a:lnSpc>
                 <a:spcPct val="100000"/>
               </a:lnSpc>
@@ -3721,10 +2389,9 @@
                 <a:latin typeface="Open Sans"/>
                 <a:ea typeface="Open Sans"/>
                 <a:cs typeface="Open Sans"/>
-                <a:sym typeface="Open Sans"/>
               </a:defRPr>
             </a:lvl5pPr>
-            <a:lvl6pPr indent="-317500" lvl="5" marL="2743200" rtl="0">
+            <a:lvl6pPr marL="2743200" lvl="5" indent="-317500">
               <a:lnSpc>
                 <a:spcPct val="100000"/>
               </a:lnSpc>
@@ -3747,10 +2414,9 @@
                 <a:latin typeface="Open Sans"/>
                 <a:ea typeface="Open Sans"/>
                 <a:cs typeface="Open Sans"/>
-                <a:sym typeface="Open Sans"/>
               </a:defRPr>
             </a:lvl6pPr>
-            <a:lvl7pPr indent="-317500" lvl="6" marL="3200400" rtl="0">
+            <a:lvl7pPr marL="3200400" lvl="6" indent="-317500">
               <a:lnSpc>
                 <a:spcPct val="100000"/>
               </a:lnSpc>
@@ -3773,10 +2439,9 @@
                 <a:latin typeface="Open Sans"/>
                 <a:ea typeface="Open Sans"/>
                 <a:cs typeface="Open Sans"/>
-                <a:sym typeface="Open Sans"/>
               </a:defRPr>
             </a:lvl7pPr>
-            <a:lvl8pPr indent="-317500" lvl="7" marL="3657600" rtl="0">
+            <a:lvl8pPr marL="3657600" lvl="7" indent="-317500">
               <a:lnSpc>
                 <a:spcPct val="100000"/>
               </a:lnSpc>
@@ -3799,10 +2464,9 @@
                 <a:latin typeface="Open Sans"/>
                 <a:ea typeface="Open Sans"/>
                 <a:cs typeface="Open Sans"/>
-                <a:sym typeface="Open Sans"/>
               </a:defRPr>
             </a:lvl8pPr>
-            <a:lvl9pPr indent="-317500" lvl="8" marL="4114800" rtl="0">
+            <a:lvl9pPr marL="4114800" lvl="8" indent="-317500">
               <a:lnSpc>
                 <a:spcPct val="100000"/>
               </a:lnSpc>
@@ -3825,11 +2489,15 @@
                 <a:latin typeface="Open Sans"/>
                 <a:ea typeface="Open Sans"/>
                 <a:cs typeface="Open Sans"/>
-                <a:sym typeface="Open Sans"/>
               </a:defRPr>
             </a:lvl9pPr>
           </a:lstStyle>
-          <a:p/>
+          <a:p>
+            <a:pPr>
+              <a:defRPr/>
+            </a:pPr>
+            <a:endParaRPr/>
+          </a:p>
         </p:txBody>
       </p:sp>
       <p:sp>
@@ -3837,10 +2505,10 @@
           <p:cNvPr id="24" name="Google Shape;24;p5"/>
           <p:cNvSpPr txBox="1"/>
           <p:nvPr>
-            <p:ph idx="2" type="subTitle"/>
+            <p:ph type="subTitle" idx="2"/>
           </p:nvPr>
         </p:nvSpPr>
-        <p:spPr>
+        <p:spPr bwMode="auto">
           <a:xfrm>
             <a:off x="605400" y="1180500"/>
             <a:ext cx="7933200" cy="473400"/>
@@ -3850,11 +2518,11 @@
           </a:prstGeom>
         </p:spPr>
         <p:txBody>
-          <a:bodyPr anchorCtr="0" anchor="t" bIns="91425" lIns="91425" spcFirstLastPara="1" rIns="91425" wrap="square" tIns="91425">
+          <a:bodyPr spcFirstLastPara="1" wrap="square" lIns="91425" tIns="91425" rIns="91425" bIns="91425" anchor="t" anchorCtr="0">
             <a:noAutofit/>
           </a:bodyPr>
           <a:lstStyle>
-            <a:lvl1pPr lvl="0" rtl="0">
+            <a:lvl1pPr lvl="0">
               <a:lnSpc>
                 <a:spcPct val="100000"/>
               </a:lnSpc>
@@ -3877,10 +2545,9 @@
                 <a:latin typeface="Open Sans"/>
                 <a:ea typeface="Open Sans"/>
                 <a:cs typeface="Open Sans"/>
-                <a:sym typeface="Open Sans"/>
               </a:defRPr>
             </a:lvl1pPr>
-            <a:lvl2pPr lvl="1" rtl="0">
+            <a:lvl2pPr lvl="1">
               <a:lnSpc>
                 <a:spcPct val="100000"/>
               </a:lnSpc>
@@ -3903,10 +2570,9 @@
                 <a:latin typeface="Open Sans"/>
                 <a:ea typeface="Open Sans"/>
                 <a:cs typeface="Open Sans"/>
-                <a:sym typeface="Open Sans"/>
               </a:defRPr>
             </a:lvl2pPr>
-            <a:lvl3pPr lvl="2" rtl="0">
+            <a:lvl3pPr lvl="2">
               <a:lnSpc>
                 <a:spcPct val="100000"/>
               </a:lnSpc>
@@ -3929,10 +2595,9 @@
                 <a:latin typeface="Open Sans"/>
                 <a:ea typeface="Open Sans"/>
                 <a:cs typeface="Open Sans"/>
-                <a:sym typeface="Open Sans"/>
               </a:defRPr>
             </a:lvl3pPr>
-            <a:lvl4pPr lvl="3" rtl="0">
+            <a:lvl4pPr lvl="3">
               <a:lnSpc>
                 <a:spcPct val="100000"/>
               </a:lnSpc>
@@ -3955,10 +2620,9 @@
                 <a:latin typeface="Open Sans"/>
                 <a:ea typeface="Open Sans"/>
                 <a:cs typeface="Open Sans"/>
-                <a:sym typeface="Open Sans"/>
               </a:defRPr>
             </a:lvl4pPr>
-            <a:lvl5pPr lvl="4" rtl="0">
+            <a:lvl5pPr lvl="4">
               <a:lnSpc>
                 <a:spcPct val="100000"/>
               </a:lnSpc>
@@ -3981,10 +2645,9 @@
                 <a:latin typeface="Open Sans"/>
                 <a:ea typeface="Open Sans"/>
                 <a:cs typeface="Open Sans"/>
-                <a:sym typeface="Open Sans"/>
               </a:defRPr>
             </a:lvl5pPr>
-            <a:lvl6pPr lvl="5" rtl="0">
+            <a:lvl6pPr lvl="5">
               <a:lnSpc>
                 <a:spcPct val="100000"/>
               </a:lnSpc>
@@ -4007,10 +2670,9 @@
                 <a:latin typeface="Open Sans"/>
                 <a:ea typeface="Open Sans"/>
                 <a:cs typeface="Open Sans"/>
-                <a:sym typeface="Open Sans"/>
               </a:defRPr>
             </a:lvl6pPr>
-            <a:lvl7pPr lvl="6" rtl="0">
+            <a:lvl7pPr lvl="6">
               <a:lnSpc>
                 <a:spcPct val="100000"/>
               </a:lnSpc>
@@ -4033,10 +2695,9 @@
                 <a:latin typeface="Open Sans"/>
                 <a:ea typeface="Open Sans"/>
                 <a:cs typeface="Open Sans"/>
-                <a:sym typeface="Open Sans"/>
               </a:defRPr>
             </a:lvl7pPr>
-            <a:lvl8pPr lvl="7" rtl="0">
+            <a:lvl8pPr lvl="7">
               <a:lnSpc>
                 <a:spcPct val="100000"/>
               </a:lnSpc>
@@ -4059,10 +2720,9 @@
                 <a:latin typeface="Open Sans"/>
                 <a:ea typeface="Open Sans"/>
                 <a:cs typeface="Open Sans"/>
-                <a:sym typeface="Open Sans"/>
               </a:defRPr>
             </a:lvl8pPr>
-            <a:lvl9pPr lvl="8" rtl="0">
+            <a:lvl9pPr lvl="8">
               <a:lnSpc>
                 <a:spcPct val="100000"/>
               </a:lnSpc>
@@ -4085,11 +2745,15 @@
                 <a:latin typeface="Open Sans"/>
                 <a:ea typeface="Open Sans"/>
                 <a:cs typeface="Open Sans"/>
-                <a:sym typeface="Open Sans"/>
               </a:defRPr>
             </a:lvl9pPr>
           </a:lstStyle>
-          <a:p/>
+          <a:p>
+            <a:pPr>
+              <a:defRPr/>
+            </a:pPr>
+            <a:endParaRPr/>
+          </a:p>
         </p:txBody>
       </p:sp>
       <p:sp>
@@ -4100,7 +2764,7 @@
             <p:ph type="title"/>
           </p:nvPr>
         </p:nvSpPr>
-        <p:spPr>
+        <p:spPr bwMode="auto">
           <a:xfrm>
             <a:off x="605400" y="473950"/>
             <a:ext cx="7933200" cy="572700"/>
@@ -4110,11 +2774,11 @@
           </a:prstGeom>
         </p:spPr>
         <p:txBody>
-          <a:bodyPr anchorCtr="0" anchor="ctr" bIns="91425" lIns="91425" spcFirstLastPara="1" rIns="91425" wrap="square" tIns="91425">
+          <a:bodyPr spcFirstLastPara="1" wrap="square" lIns="91425" tIns="91425" rIns="91425" bIns="91425" anchor="ctr" anchorCtr="0">
             <a:noAutofit/>
           </a:bodyPr>
           <a:lstStyle>
-            <a:lvl1pPr lvl="0" rtl="0">
+            <a:lvl1pPr lvl="0">
               <a:spcBef>
                 <a:spcPts val="0"/>
               </a:spcBef>
@@ -4127,17 +2791,16 @@
               <a:buSzPts val="2000"/>
               <a:buFont typeface="Open Sans"/>
               <a:buNone/>
-              <a:defRPr b="1" sz="2000">
-                <a:solidFill>
-                  <a:srgbClr val="2E3D49"/>
-                </a:solidFill>
-                <a:latin typeface="Open Sans"/>
-                <a:ea typeface="Open Sans"/>
-                <a:cs typeface="Open Sans"/>
-                <a:sym typeface="Open Sans"/>
+              <a:defRPr sz="2000" b="1">
+                <a:solidFill>
+                  <a:srgbClr val="2E3D49"/>
+                </a:solidFill>
+                <a:latin typeface="Open Sans"/>
+                <a:ea typeface="Open Sans"/>
+                <a:cs typeface="Open Sans"/>
               </a:defRPr>
             </a:lvl1pPr>
-            <a:lvl2pPr lvl="1" rtl="0">
+            <a:lvl2pPr lvl="1">
               <a:spcBef>
                 <a:spcPts val="0"/>
               </a:spcBef>
@@ -4155,7 +2818,7 @@
                 </a:solidFill>
               </a:defRPr>
             </a:lvl2pPr>
-            <a:lvl3pPr lvl="2" rtl="0">
+            <a:lvl3pPr lvl="2">
               <a:spcBef>
                 <a:spcPts val="0"/>
               </a:spcBef>
@@ -4173,7 +2836,7 @@
                 </a:solidFill>
               </a:defRPr>
             </a:lvl3pPr>
-            <a:lvl4pPr lvl="3" rtl="0">
+            <a:lvl4pPr lvl="3">
               <a:spcBef>
                 <a:spcPts val="0"/>
               </a:spcBef>
@@ -4191,7 +2854,7 @@
                 </a:solidFill>
               </a:defRPr>
             </a:lvl4pPr>
-            <a:lvl5pPr lvl="4" rtl="0">
+            <a:lvl5pPr lvl="4">
               <a:spcBef>
                 <a:spcPts val="0"/>
               </a:spcBef>
@@ -4209,7 +2872,7 @@
                 </a:solidFill>
               </a:defRPr>
             </a:lvl5pPr>
-            <a:lvl6pPr lvl="5" rtl="0">
+            <a:lvl6pPr lvl="5">
               <a:spcBef>
                 <a:spcPts val="0"/>
               </a:spcBef>
@@ -4227,7 +2890,7 @@
                 </a:solidFill>
               </a:defRPr>
             </a:lvl6pPr>
-            <a:lvl7pPr lvl="6" rtl="0">
+            <a:lvl7pPr lvl="6">
               <a:spcBef>
                 <a:spcPts val="0"/>
               </a:spcBef>
@@ -4245,7 +2908,7 @@
                 </a:solidFill>
               </a:defRPr>
             </a:lvl7pPr>
-            <a:lvl8pPr lvl="7" rtl="0">
+            <a:lvl8pPr lvl="7">
               <a:spcBef>
                 <a:spcPts val="0"/>
               </a:spcBef>
@@ -4263,7 +2926,7 @@
                 </a:solidFill>
               </a:defRPr>
             </a:lvl8pPr>
-            <a:lvl9pPr lvl="8" rtl="0">
+            <a:lvl9pPr lvl="8">
               <a:spcBef>
                 <a:spcPts val="0"/>
               </a:spcBef>
@@ -4282,7 +2945,12 @@
               </a:defRPr>
             </a:lvl9pPr>
           </a:lstStyle>
-          <a:p/>
+          <a:p>
+            <a:pPr>
+              <a:defRPr/>
+            </a:pPr>
+            <a:endParaRPr/>
+          </a:p>
         </p:txBody>
       </p:sp>
     </p:spTree>
@@ -4294,27 +2962,25 @@
 </file>
 
 <file path=ppt/slideLayouts/slideLayout5.xml><?xml version="1.0" encoding="utf-8"?>
-<p:sldLayout xmlns:a="http://schemas.openxmlformats.org/drawingml/2006/main" xmlns:r="http://schemas.openxmlformats.org/officeDocument/2006/relationships" xmlns:mc="http://schemas.openxmlformats.org/markup-compatibility/2006" xmlns:mv="urn:schemas-microsoft-com:mac:vml" xmlns:p="http://schemas.openxmlformats.org/presentationml/2006/main" xmlns:c="http://schemas.openxmlformats.org/drawingml/2006/chart" xmlns:dgm="http://schemas.openxmlformats.org/drawingml/2006/diagram" xmlns:o="urn:schemas-microsoft-com:office:office" xmlns:v="urn:schemas-microsoft-com:vml" xmlns:pvml="urn:schemas-microsoft-com:office:powerpoint" xmlns:com="http://schemas.openxmlformats.org/drawingml/2006/compatibility" xmlns:p14="http://schemas.microsoft.com/office/powerpoint/2010/main" xmlns:p15="http://schemas.microsoft.com/office/powerpoint/2012/main" xmlns:ahyp="http://schemas.microsoft.com/office/drawing/2018/hyperlinkcolor" matchingName="List (10 items, 1 box)">
+<p:sldLayout xmlns:a="http://schemas.openxmlformats.org/drawingml/2006/main" xmlns:r="http://schemas.openxmlformats.org/officeDocument/2006/relationships" xmlns:p="http://schemas.openxmlformats.org/presentationml/2006/main" xmlns:m="http://schemas.openxmlformats.org/officeDocument/2006/math" xmlns:w="http://schemas.openxmlformats.org/wordprocessingml/2006/main" matchingName="List (10 items, 1 box)" preserve="0" showMasterPhAnim="0" userDrawn="1">
   <p:cSld name="ONE_COLUMN_TEXT_1">
     <p:bg>
-      <p:bgPr>
+      <p:bgPr shadeToTitle="0">
         <a:blipFill>
           <a:blip r:embed="rId2">
             <a:alphaModFix/>
           </a:blip>
-          <a:stretch>
-            <a:fillRect/>
-          </a:stretch>
+          <a:stretch/>
         </a:blipFill>
       </p:bgPr>
     </p:bg>
     <p:spTree>
       <p:nvGrpSpPr>
-        <p:cNvPr id="26" name="Shape 26"/>
+        <p:cNvPr id="1" name=""/>
         <p:cNvGrpSpPr/>
         <p:nvPr/>
       </p:nvGrpSpPr>
-      <p:grpSpPr>
+      <p:grpSpPr bwMode="auto">
         <a:xfrm>
           <a:off x="0" y="0"/>
           <a:ext cx="0" cy="0"/>
@@ -4327,10 +2993,10 @@
           <p:cNvPr id="27" name="Google Shape;27;p6"/>
           <p:cNvSpPr txBox="1"/>
           <p:nvPr>
-            <p:ph idx="12" type="sldNum"/>
+            <p:ph type="sldNum" idx="12"/>
           </p:nvPr>
         </p:nvSpPr>
-        <p:spPr>
+        <p:spPr bwMode="auto">
           <a:xfrm>
             <a:off x="8472458" y="4663217"/>
             <a:ext cx="548700" cy="393600"/>
@@ -4340,60 +3006,61 @@
           </a:prstGeom>
         </p:spPr>
         <p:txBody>
-          <a:bodyPr anchorCtr="0" anchor="ctr" bIns="91425" lIns="91425" spcFirstLastPara="1" rIns="91425" wrap="square" tIns="91425">
+          <a:bodyPr spcFirstLastPara="1" wrap="square" lIns="91425" tIns="91425" rIns="91425" bIns="91425" anchor="ctr" anchorCtr="0">
             <a:noAutofit/>
           </a:bodyPr>
           <a:lstStyle>
-            <a:lvl1pPr lvl="0" rtl="0">
+            <a:lvl1pPr lvl="0">
               <a:buNone/>
               <a:defRPr/>
             </a:lvl1pPr>
-            <a:lvl2pPr lvl="1" rtl="0">
+            <a:lvl2pPr lvl="1">
               <a:buNone/>
               <a:defRPr/>
             </a:lvl2pPr>
-            <a:lvl3pPr lvl="2" rtl="0">
+            <a:lvl3pPr lvl="2">
               <a:buNone/>
               <a:defRPr/>
             </a:lvl3pPr>
-            <a:lvl4pPr lvl="3" rtl="0">
+            <a:lvl4pPr lvl="3">
               <a:buNone/>
               <a:defRPr/>
             </a:lvl4pPr>
-            <a:lvl5pPr lvl="4" rtl="0">
+            <a:lvl5pPr lvl="4">
               <a:buNone/>
               <a:defRPr/>
             </a:lvl5pPr>
-            <a:lvl6pPr lvl="5" rtl="0">
+            <a:lvl6pPr lvl="5">
               <a:buNone/>
               <a:defRPr/>
             </a:lvl6pPr>
-            <a:lvl7pPr lvl="6" rtl="0">
+            <a:lvl7pPr lvl="6">
               <a:buNone/>
               <a:defRPr/>
             </a:lvl7pPr>
-            <a:lvl8pPr lvl="7" rtl="0">
+            <a:lvl8pPr lvl="7">
               <a:buNone/>
               <a:defRPr/>
             </a:lvl8pPr>
-            <a:lvl9pPr lvl="8" rtl="0">
+            <a:lvl9pPr lvl="8">
               <a:buNone/>
               <a:defRPr/>
             </a:lvl9pPr>
           </a:lstStyle>
           <a:p>
-            <a:pPr indent="0" lvl="0" marL="0" rtl="0" algn="r">
-              <a:spcBef>
-                <a:spcPts val="0"/>
-              </a:spcBef>
-              <a:spcAft>
-                <a:spcPts val="0"/>
-              </a:spcAft>
-              <a:buNone/>
+            <a:pPr marL="0" lvl="0" indent="0" algn="r">
+              <a:spcBef>
+                <a:spcPts val="0"/>
+              </a:spcBef>
+              <a:spcAft>
+                <a:spcPts val="0"/>
+              </a:spcAft>
+              <a:buNone/>
+              <a:defRPr/>
             </a:pPr>
             <a:fld id="{00000000-1234-1234-1234-123412341234}" type="slidenum">
               <a:rPr lang="en"/>
-              <a:t>‹#›</a:t>
+              <a:t/>
             </a:fld>
             <a:endParaRPr/>
           </a:p>
@@ -4407,7 +3074,7 @@
             <p:ph type="title"/>
           </p:nvPr>
         </p:nvSpPr>
-        <p:spPr>
+        <p:spPr bwMode="auto">
           <a:xfrm>
             <a:off x="605400" y="473950"/>
             <a:ext cx="7933200" cy="572700"/>
@@ -4417,11 +3084,11 @@
           </a:prstGeom>
         </p:spPr>
         <p:txBody>
-          <a:bodyPr anchorCtr="0" anchor="ctr" bIns="91425" lIns="91425" spcFirstLastPara="1" rIns="91425" wrap="square" tIns="91425">
+          <a:bodyPr spcFirstLastPara="1" wrap="square" lIns="91425" tIns="91425" rIns="91425" bIns="91425" anchor="ctr" anchorCtr="0">
             <a:noAutofit/>
           </a:bodyPr>
           <a:lstStyle>
-            <a:lvl1pPr lvl="0" rtl="0">
+            <a:lvl1pPr lvl="0">
               <a:spcBef>
                 <a:spcPts val="0"/>
               </a:spcBef>
@@ -4434,17 +3101,16 @@
               <a:buSzPts val="2000"/>
               <a:buFont typeface="Open Sans"/>
               <a:buNone/>
-              <a:defRPr b="1" sz="2000">
-                <a:solidFill>
-                  <a:srgbClr val="2E3D49"/>
-                </a:solidFill>
-                <a:latin typeface="Open Sans"/>
-                <a:ea typeface="Open Sans"/>
-                <a:cs typeface="Open Sans"/>
-                <a:sym typeface="Open Sans"/>
+              <a:defRPr sz="2000" b="1">
+                <a:solidFill>
+                  <a:srgbClr val="2E3D49"/>
+                </a:solidFill>
+                <a:latin typeface="Open Sans"/>
+                <a:ea typeface="Open Sans"/>
+                <a:cs typeface="Open Sans"/>
               </a:defRPr>
             </a:lvl1pPr>
-            <a:lvl2pPr lvl="1" rtl="0">
+            <a:lvl2pPr lvl="1">
               <a:spcBef>
                 <a:spcPts val="0"/>
               </a:spcBef>
@@ -4462,7 +3128,7 @@
                 </a:solidFill>
               </a:defRPr>
             </a:lvl2pPr>
-            <a:lvl3pPr lvl="2" rtl="0">
+            <a:lvl3pPr lvl="2">
               <a:spcBef>
                 <a:spcPts val="0"/>
               </a:spcBef>
@@ -4480,7 +3146,7 @@
                 </a:solidFill>
               </a:defRPr>
             </a:lvl3pPr>
-            <a:lvl4pPr lvl="3" rtl="0">
+            <a:lvl4pPr lvl="3">
               <a:spcBef>
                 <a:spcPts val="0"/>
               </a:spcBef>
@@ -4498,7 +3164,7 @@
                 </a:solidFill>
               </a:defRPr>
             </a:lvl4pPr>
-            <a:lvl5pPr lvl="4" rtl="0">
+            <a:lvl5pPr lvl="4">
               <a:spcBef>
                 <a:spcPts val="0"/>
               </a:spcBef>
@@ -4516,7 +3182,7 @@
                 </a:solidFill>
               </a:defRPr>
             </a:lvl5pPr>
-            <a:lvl6pPr lvl="5" rtl="0">
+            <a:lvl6pPr lvl="5">
               <a:spcBef>
                 <a:spcPts val="0"/>
               </a:spcBef>
@@ -4534,7 +3200,7 @@
                 </a:solidFill>
               </a:defRPr>
             </a:lvl6pPr>
-            <a:lvl7pPr lvl="6" rtl="0">
+            <a:lvl7pPr lvl="6">
               <a:spcBef>
                 <a:spcPts val="0"/>
               </a:spcBef>
@@ -4552,7 +3218,7 @@
                 </a:solidFill>
               </a:defRPr>
             </a:lvl7pPr>
-            <a:lvl8pPr lvl="7" rtl="0">
+            <a:lvl8pPr lvl="7">
               <a:spcBef>
                 <a:spcPts val="0"/>
               </a:spcBef>
@@ -4570,7 +3236,7 @@
                 </a:solidFill>
               </a:defRPr>
             </a:lvl8pPr>
-            <a:lvl9pPr lvl="8" rtl="0">
+            <a:lvl9pPr lvl="8">
               <a:spcBef>
                 <a:spcPts val="0"/>
               </a:spcBef>
@@ -4589,7 +3255,12 @@
               </a:defRPr>
             </a:lvl9pPr>
           </a:lstStyle>
-          <a:p/>
+          <a:p>
+            <a:pPr>
+              <a:defRPr/>
+            </a:pPr>
+            <a:endParaRPr/>
+          </a:p>
         </p:txBody>
       </p:sp>
       <p:sp>
@@ -4597,10 +3268,10 @@
           <p:cNvPr id="29" name="Google Shape;29;p6"/>
           <p:cNvSpPr txBox="1"/>
           <p:nvPr>
-            <p:ph idx="1" type="body"/>
+            <p:ph type="body" idx="1"/>
           </p:nvPr>
         </p:nvSpPr>
-        <p:spPr>
+        <p:spPr bwMode="auto">
           <a:xfrm>
             <a:off x="604750" y="1337500"/>
             <a:ext cx="3595500" cy="3325800"/>
@@ -4610,11 +3281,11 @@
           </a:prstGeom>
         </p:spPr>
         <p:txBody>
-          <a:bodyPr anchorCtr="0" anchor="t" bIns="91425" lIns="91425" spcFirstLastPara="1" rIns="91425" wrap="square" tIns="91425">
+          <a:bodyPr spcFirstLastPara="1" wrap="square" lIns="91425" tIns="91425" rIns="91425" bIns="91425" anchor="t" anchorCtr="0">
             <a:noAutofit/>
           </a:bodyPr>
           <a:lstStyle>
-            <a:lvl1pPr indent="-317500" lvl="0" marL="457200" rtl="0">
+            <a:lvl1pPr marL="457200" lvl="0" indent="-317500">
               <a:lnSpc>
                 <a:spcPct val="320000"/>
               </a:lnSpc>
@@ -4637,10 +3308,9 @@
                 <a:latin typeface="Open Sans"/>
                 <a:ea typeface="Open Sans"/>
                 <a:cs typeface="Open Sans"/>
-                <a:sym typeface="Open Sans"/>
               </a:defRPr>
             </a:lvl1pPr>
-            <a:lvl2pPr indent="-317500" lvl="1" marL="914400" rtl="0">
+            <a:lvl2pPr marL="914400" lvl="1" indent="-317500">
               <a:lnSpc>
                 <a:spcPct val="320000"/>
               </a:lnSpc>
@@ -4663,10 +3333,9 @@
                 <a:latin typeface="Open Sans"/>
                 <a:ea typeface="Open Sans"/>
                 <a:cs typeface="Open Sans"/>
-                <a:sym typeface="Open Sans"/>
               </a:defRPr>
             </a:lvl2pPr>
-            <a:lvl3pPr indent="-317500" lvl="2" marL="1371600" rtl="0">
+            <a:lvl3pPr marL="1371600" lvl="2" indent="-317500">
               <a:lnSpc>
                 <a:spcPct val="320000"/>
               </a:lnSpc>
@@ -4689,10 +3358,9 @@
                 <a:latin typeface="Open Sans"/>
                 <a:ea typeface="Open Sans"/>
                 <a:cs typeface="Open Sans"/>
-                <a:sym typeface="Open Sans"/>
               </a:defRPr>
             </a:lvl3pPr>
-            <a:lvl4pPr indent="-317500" lvl="3" marL="1828800" rtl="0">
+            <a:lvl4pPr marL="1828800" lvl="3" indent="-317500">
               <a:lnSpc>
                 <a:spcPct val="320000"/>
               </a:lnSpc>
@@ -4715,10 +3383,9 @@
                 <a:latin typeface="Open Sans"/>
                 <a:ea typeface="Open Sans"/>
                 <a:cs typeface="Open Sans"/>
-                <a:sym typeface="Open Sans"/>
               </a:defRPr>
             </a:lvl4pPr>
-            <a:lvl5pPr indent="-317500" lvl="4" marL="2286000" rtl="0">
+            <a:lvl5pPr marL="2286000" lvl="4" indent="-317500">
               <a:lnSpc>
                 <a:spcPct val="320000"/>
               </a:lnSpc>
@@ -4741,10 +3408,9 @@
                 <a:latin typeface="Open Sans"/>
                 <a:ea typeface="Open Sans"/>
                 <a:cs typeface="Open Sans"/>
-                <a:sym typeface="Open Sans"/>
               </a:defRPr>
             </a:lvl5pPr>
-            <a:lvl6pPr indent="-317500" lvl="5" marL="2743200" rtl="0">
+            <a:lvl6pPr marL="2743200" lvl="5" indent="-317500">
               <a:lnSpc>
                 <a:spcPct val="320000"/>
               </a:lnSpc>
@@ -4767,10 +3433,9 @@
                 <a:latin typeface="Open Sans"/>
                 <a:ea typeface="Open Sans"/>
                 <a:cs typeface="Open Sans"/>
-                <a:sym typeface="Open Sans"/>
               </a:defRPr>
             </a:lvl6pPr>
-            <a:lvl7pPr indent="-317500" lvl="6" marL="3200400" rtl="0">
+            <a:lvl7pPr marL="3200400" lvl="6" indent="-317500">
               <a:lnSpc>
                 <a:spcPct val="320000"/>
               </a:lnSpc>
@@ -4793,10 +3458,9 @@
                 <a:latin typeface="Open Sans"/>
                 <a:ea typeface="Open Sans"/>
                 <a:cs typeface="Open Sans"/>
-                <a:sym typeface="Open Sans"/>
               </a:defRPr>
             </a:lvl7pPr>
-            <a:lvl8pPr indent="-317500" lvl="7" marL="3657600" rtl="0">
+            <a:lvl8pPr marL="3657600" lvl="7" indent="-317500">
               <a:lnSpc>
                 <a:spcPct val="320000"/>
               </a:lnSpc>
@@ -4819,10 +3483,9 @@
                 <a:latin typeface="Open Sans"/>
                 <a:ea typeface="Open Sans"/>
                 <a:cs typeface="Open Sans"/>
-                <a:sym typeface="Open Sans"/>
               </a:defRPr>
             </a:lvl8pPr>
-            <a:lvl9pPr indent="-317500" lvl="8" marL="4114800" rtl="0">
+            <a:lvl9pPr marL="4114800" lvl="8" indent="-317500">
               <a:lnSpc>
                 <a:spcPct val="320000"/>
               </a:lnSpc>
@@ -4845,11 +3508,15 @@
                 <a:latin typeface="Open Sans"/>
                 <a:ea typeface="Open Sans"/>
                 <a:cs typeface="Open Sans"/>
-                <a:sym typeface="Open Sans"/>
               </a:defRPr>
             </a:lvl9pPr>
           </a:lstStyle>
-          <a:p/>
+          <a:p>
+            <a:pPr>
+              <a:defRPr/>
+            </a:pPr>
+            <a:endParaRPr/>
+          </a:p>
         </p:txBody>
       </p:sp>
       <p:sp>
@@ -4857,12 +3524,12 @@
           <p:cNvPr id="30" name="Google Shape;30;p6"/>
           <p:cNvSpPr txBox="1"/>
           <p:nvPr>
-            <p:ph idx="2" type="body"/>
+            <p:ph type="body" idx="2"/>
           </p:nvPr>
         </p:nvSpPr>
-        <p:spPr>
+        <p:spPr bwMode="auto">
           <a:xfrm>
-            <a:off x="4877050" y="1337500"/>
+            <a:off x="4877049" y="1337500"/>
             <a:ext cx="3595500" cy="3325800"/>
           </a:xfrm>
           <a:prstGeom prst="rect">
@@ -4870,11 +3537,11 @@
           </a:prstGeom>
         </p:spPr>
         <p:txBody>
-          <a:bodyPr anchorCtr="0" anchor="t" bIns="91425" lIns="91425" spcFirstLastPara="1" rIns="91425" wrap="square" tIns="91425">
+          <a:bodyPr spcFirstLastPara="1" wrap="square" lIns="91425" tIns="91425" rIns="91425" bIns="91425" anchor="t" anchorCtr="0">
             <a:noAutofit/>
           </a:bodyPr>
           <a:lstStyle>
-            <a:lvl1pPr indent="-317500" lvl="0" marL="457200" rtl="0">
+            <a:lvl1pPr marL="457200" lvl="0" indent="-317500">
               <a:lnSpc>
                 <a:spcPct val="320000"/>
               </a:lnSpc>
@@ -4897,10 +3564,9 @@
                 <a:latin typeface="Open Sans"/>
                 <a:ea typeface="Open Sans"/>
                 <a:cs typeface="Open Sans"/>
-                <a:sym typeface="Open Sans"/>
               </a:defRPr>
             </a:lvl1pPr>
-            <a:lvl2pPr indent="-317500" lvl="1" marL="914400" rtl="0">
+            <a:lvl2pPr marL="914400" lvl="1" indent="-317500">
               <a:lnSpc>
                 <a:spcPct val="320000"/>
               </a:lnSpc>
@@ -4923,10 +3589,9 @@
                 <a:latin typeface="Open Sans"/>
                 <a:ea typeface="Open Sans"/>
                 <a:cs typeface="Open Sans"/>
-                <a:sym typeface="Open Sans"/>
               </a:defRPr>
             </a:lvl2pPr>
-            <a:lvl3pPr indent="-317500" lvl="2" marL="1371600" rtl="0">
+            <a:lvl3pPr marL="1371600" lvl="2" indent="-317500">
               <a:lnSpc>
                 <a:spcPct val="320000"/>
               </a:lnSpc>
@@ -4949,10 +3614,9 @@
                 <a:latin typeface="Open Sans"/>
                 <a:ea typeface="Open Sans"/>
                 <a:cs typeface="Open Sans"/>
-                <a:sym typeface="Open Sans"/>
               </a:defRPr>
             </a:lvl3pPr>
-            <a:lvl4pPr indent="-317500" lvl="3" marL="1828800" rtl="0">
+            <a:lvl4pPr marL="1828800" lvl="3" indent="-317500">
               <a:lnSpc>
                 <a:spcPct val="320000"/>
               </a:lnSpc>
@@ -4975,10 +3639,9 @@
                 <a:latin typeface="Open Sans"/>
                 <a:ea typeface="Open Sans"/>
                 <a:cs typeface="Open Sans"/>
-                <a:sym typeface="Open Sans"/>
               </a:defRPr>
             </a:lvl4pPr>
-            <a:lvl5pPr indent="-317500" lvl="4" marL="2286000" rtl="0">
+            <a:lvl5pPr marL="2286000" lvl="4" indent="-317500">
               <a:lnSpc>
                 <a:spcPct val="320000"/>
               </a:lnSpc>
@@ -5001,10 +3664,9 @@
                 <a:latin typeface="Open Sans"/>
                 <a:ea typeface="Open Sans"/>
                 <a:cs typeface="Open Sans"/>
-                <a:sym typeface="Open Sans"/>
               </a:defRPr>
             </a:lvl5pPr>
-            <a:lvl6pPr indent="-317500" lvl="5" marL="2743200" rtl="0">
+            <a:lvl6pPr marL="2743200" lvl="5" indent="-317500">
               <a:lnSpc>
                 <a:spcPct val="320000"/>
               </a:lnSpc>
@@ -5027,10 +3689,9 @@
                 <a:latin typeface="Open Sans"/>
                 <a:ea typeface="Open Sans"/>
                 <a:cs typeface="Open Sans"/>
-                <a:sym typeface="Open Sans"/>
               </a:defRPr>
             </a:lvl6pPr>
-            <a:lvl7pPr indent="-317500" lvl="6" marL="3200400" rtl="0">
+            <a:lvl7pPr marL="3200400" lvl="6" indent="-317500">
               <a:lnSpc>
                 <a:spcPct val="320000"/>
               </a:lnSpc>
@@ -5053,10 +3714,9 @@
                 <a:latin typeface="Open Sans"/>
                 <a:ea typeface="Open Sans"/>
                 <a:cs typeface="Open Sans"/>
-                <a:sym typeface="Open Sans"/>
               </a:defRPr>
             </a:lvl7pPr>
-            <a:lvl8pPr indent="-317500" lvl="7" marL="3657600" rtl="0">
+            <a:lvl8pPr marL="3657600" lvl="7" indent="-317500">
               <a:lnSpc>
                 <a:spcPct val="320000"/>
               </a:lnSpc>
@@ -5079,10 +3739,9 @@
                 <a:latin typeface="Open Sans"/>
                 <a:ea typeface="Open Sans"/>
                 <a:cs typeface="Open Sans"/>
-                <a:sym typeface="Open Sans"/>
               </a:defRPr>
             </a:lvl8pPr>
-            <a:lvl9pPr indent="-317500" lvl="8" marL="4114800" rtl="0">
+            <a:lvl9pPr marL="4114800" lvl="8" indent="-317500">
               <a:lnSpc>
                 <a:spcPct val="320000"/>
               </a:lnSpc>
@@ -5105,11 +3764,15 @@
                 <a:latin typeface="Open Sans"/>
                 <a:ea typeface="Open Sans"/>
                 <a:cs typeface="Open Sans"/>
-                <a:sym typeface="Open Sans"/>
               </a:defRPr>
             </a:lvl9pPr>
           </a:lstStyle>
-          <a:p/>
+          <a:p>
+            <a:pPr>
+              <a:defRPr/>
+            </a:pPr>
+            <a:endParaRPr/>
+          </a:p>
         </p:txBody>
       </p:sp>
     </p:spTree>
@@ -5121,27 +3784,25 @@
 </file>
 
 <file path=ppt/slideLayouts/slideLayout6.xml><?xml version="1.0" encoding="utf-8"?>
-<p:sldLayout xmlns:a="http://schemas.openxmlformats.org/drawingml/2006/main" xmlns:r="http://schemas.openxmlformats.org/officeDocument/2006/relationships" xmlns:mc="http://schemas.openxmlformats.org/markup-compatibility/2006" xmlns:mv="urn:schemas-microsoft-com:mac:vml" xmlns:p="http://schemas.openxmlformats.org/presentationml/2006/main" xmlns:c="http://schemas.openxmlformats.org/drawingml/2006/chart" xmlns:dgm="http://schemas.openxmlformats.org/drawingml/2006/diagram" xmlns:o="urn:schemas-microsoft-com:office:office" xmlns:v="urn:schemas-microsoft-com:vml" xmlns:pvml="urn:schemas-microsoft-com:office:powerpoint" xmlns:com="http://schemas.openxmlformats.org/drawingml/2006/compatibility" xmlns:p14="http://schemas.microsoft.com/office/powerpoint/2010/main" xmlns:p15="http://schemas.microsoft.com/office/powerpoint/2012/main" xmlns:ahyp="http://schemas.microsoft.com/office/drawing/2018/hyperlinkcolor" matchingName="List (up to 6 items, 1 box)">
+<p:sldLayout xmlns:a="http://schemas.openxmlformats.org/drawingml/2006/main" xmlns:r="http://schemas.openxmlformats.org/officeDocument/2006/relationships" xmlns:p="http://schemas.openxmlformats.org/presentationml/2006/main" xmlns:m="http://schemas.openxmlformats.org/officeDocument/2006/math" xmlns:w="http://schemas.openxmlformats.org/wordprocessingml/2006/main" matchingName="List (up to 6 items, 1 box)" preserve="0" showMasterPhAnim="0" userDrawn="1">
   <p:cSld name="MAIN_POINT">
     <p:bg>
-      <p:bgPr>
+      <p:bgPr shadeToTitle="0">
         <a:blipFill>
           <a:blip r:embed="rId2">
             <a:alphaModFix/>
           </a:blip>
-          <a:stretch>
-            <a:fillRect/>
-          </a:stretch>
+          <a:stretch/>
         </a:blipFill>
       </p:bgPr>
     </p:bg>
     <p:spTree>
       <p:nvGrpSpPr>
-        <p:cNvPr id="31" name="Shape 31"/>
+        <p:cNvPr id="1" name=""/>
         <p:cNvGrpSpPr/>
         <p:nvPr/>
       </p:nvGrpSpPr>
-      <p:grpSpPr>
+      <p:grpSpPr bwMode="auto">
         <a:xfrm>
           <a:off x="0" y="0"/>
           <a:ext cx="0" cy="0"/>
@@ -5154,10 +3815,10 @@
           <p:cNvPr id="32" name="Google Shape;32;p7"/>
           <p:cNvSpPr txBox="1"/>
           <p:nvPr>
-            <p:ph idx="12" type="sldNum"/>
+            <p:ph type="sldNum" idx="12"/>
           </p:nvPr>
         </p:nvSpPr>
-        <p:spPr>
+        <p:spPr bwMode="auto">
           <a:xfrm>
             <a:off x="8472458" y="4663217"/>
             <a:ext cx="548700" cy="393600"/>
@@ -5167,60 +3828,61 @@
           </a:prstGeom>
         </p:spPr>
         <p:txBody>
-          <a:bodyPr anchorCtr="0" anchor="ctr" bIns="91425" lIns="91425" spcFirstLastPara="1" rIns="91425" wrap="square" tIns="91425">
+          <a:bodyPr spcFirstLastPara="1" wrap="square" lIns="91425" tIns="91425" rIns="91425" bIns="91425" anchor="ctr" anchorCtr="0">
             <a:noAutofit/>
           </a:bodyPr>
           <a:lstStyle>
-            <a:lvl1pPr lvl="0" rtl="0">
+            <a:lvl1pPr lvl="0">
               <a:buNone/>
               <a:defRPr/>
             </a:lvl1pPr>
-            <a:lvl2pPr lvl="1" rtl="0">
+            <a:lvl2pPr lvl="1">
               <a:buNone/>
               <a:defRPr/>
             </a:lvl2pPr>
-            <a:lvl3pPr lvl="2" rtl="0">
+            <a:lvl3pPr lvl="2">
               <a:buNone/>
               <a:defRPr/>
             </a:lvl3pPr>
-            <a:lvl4pPr lvl="3" rtl="0">
+            <a:lvl4pPr lvl="3">
               <a:buNone/>
               <a:defRPr/>
             </a:lvl4pPr>
-            <a:lvl5pPr lvl="4" rtl="0">
+            <a:lvl5pPr lvl="4">
               <a:buNone/>
               <a:defRPr/>
             </a:lvl5pPr>
-            <a:lvl6pPr lvl="5" rtl="0">
+            <a:lvl6pPr lvl="5">
               <a:buNone/>
               <a:defRPr/>
             </a:lvl6pPr>
-            <a:lvl7pPr lvl="6" rtl="0">
+            <a:lvl7pPr lvl="6">
               <a:buNone/>
               <a:defRPr/>
             </a:lvl7pPr>
-            <a:lvl8pPr lvl="7" rtl="0">
+            <a:lvl8pPr lvl="7">
               <a:buNone/>
               <a:defRPr/>
             </a:lvl8pPr>
-            <a:lvl9pPr lvl="8" rtl="0">
+            <a:lvl9pPr lvl="8">
               <a:buNone/>
               <a:defRPr/>
             </a:lvl9pPr>
           </a:lstStyle>
           <a:p>
-            <a:pPr indent="0" lvl="0" marL="0" rtl="0" algn="r">
-              <a:spcBef>
-                <a:spcPts val="0"/>
-              </a:spcBef>
-              <a:spcAft>
-                <a:spcPts val="0"/>
-              </a:spcAft>
-              <a:buNone/>
+            <a:pPr marL="0" lvl="0" indent="0" algn="r">
+              <a:spcBef>
+                <a:spcPts val="0"/>
+              </a:spcBef>
+              <a:spcAft>
+                <a:spcPts val="0"/>
+              </a:spcAft>
+              <a:buNone/>
+              <a:defRPr/>
             </a:pPr>
             <a:fld id="{00000000-1234-1234-1234-123412341234}" type="slidenum">
               <a:rPr lang="en"/>
-              <a:t>‹#›</a:t>
+              <a:t/>
             </a:fld>
             <a:endParaRPr/>
           </a:p>
@@ -5231,24 +3893,24 @@
           <p:cNvPr id="33" name="Google Shape;33;p7"/>
           <p:cNvSpPr txBox="1"/>
           <p:nvPr>
-            <p:ph idx="1" type="body"/>
+            <p:ph type="body" idx="1"/>
           </p:nvPr>
         </p:nvSpPr>
-        <p:spPr>
+        <p:spPr bwMode="auto">
           <a:xfrm>
             <a:off x="3266500" y="701850"/>
-            <a:ext cx="5205900" cy="3961500"/>
+            <a:ext cx="5205899" cy="3961500"/>
           </a:xfrm>
           <a:prstGeom prst="rect">
             <a:avLst/>
           </a:prstGeom>
         </p:spPr>
         <p:txBody>
-          <a:bodyPr anchorCtr="0" anchor="t" bIns="91425" lIns="91425" spcFirstLastPara="1" rIns="91425" wrap="square" tIns="91425">
+          <a:bodyPr spcFirstLastPara="1" wrap="square" lIns="91425" tIns="91425" rIns="91425" bIns="91425" anchor="t" anchorCtr="0">
             <a:noAutofit/>
           </a:bodyPr>
           <a:lstStyle>
-            <a:lvl1pPr indent="-317500" lvl="0" marL="457200" rtl="0">
+            <a:lvl1pPr marL="457200" lvl="0" indent="-317500">
               <a:lnSpc>
                 <a:spcPct val="320000"/>
               </a:lnSpc>
@@ -5271,10 +3933,9 @@
                 <a:latin typeface="Open Sans"/>
                 <a:ea typeface="Open Sans"/>
                 <a:cs typeface="Open Sans"/>
-                <a:sym typeface="Open Sans"/>
               </a:defRPr>
             </a:lvl1pPr>
-            <a:lvl2pPr indent="-317500" lvl="1" marL="914400" rtl="0">
+            <a:lvl2pPr marL="914400" lvl="1" indent="-317500">
               <a:lnSpc>
                 <a:spcPct val="320000"/>
               </a:lnSpc>
@@ -5297,10 +3958,9 @@
                 <a:latin typeface="Open Sans"/>
                 <a:ea typeface="Open Sans"/>
                 <a:cs typeface="Open Sans"/>
-                <a:sym typeface="Open Sans"/>
               </a:defRPr>
             </a:lvl2pPr>
-            <a:lvl3pPr indent="-317500" lvl="2" marL="1371600" rtl="0">
+            <a:lvl3pPr marL="1371600" lvl="2" indent="-317500">
               <a:lnSpc>
                 <a:spcPct val="320000"/>
               </a:lnSpc>
@@ -5323,10 +3983,9 @@
                 <a:latin typeface="Open Sans"/>
                 <a:ea typeface="Open Sans"/>
                 <a:cs typeface="Open Sans"/>
-                <a:sym typeface="Open Sans"/>
               </a:defRPr>
             </a:lvl3pPr>
-            <a:lvl4pPr indent="-317500" lvl="3" marL="1828800" rtl="0">
+            <a:lvl4pPr marL="1828800" lvl="3" indent="-317500">
               <a:lnSpc>
                 <a:spcPct val="320000"/>
               </a:lnSpc>
@@ -5349,10 +4008,9 @@
                 <a:latin typeface="Open Sans"/>
                 <a:ea typeface="Open Sans"/>
                 <a:cs typeface="Open Sans"/>
-                <a:sym typeface="Open Sans"/>
               </a:defRPr>
             </a:lvl4pPr>
-            <a:lvl5pPr indent="-317500" lvl="4" marL="2286000" rtl="0">
+            <a:lvl5pPr marL="2286000" lvl="4" indent="-317500">
               <a:lnSpc>
                 <a:spcPct val="320000"/>
               </a:lnSpc>
@@ -5375,10 +4033,9 @@
                 <a:latin typeface="Open Sans"/>
                 <a:ea typeface="Open Sans"/>
                 <a:cs typeface="Open Sans"/>
-                <a:sym typeface="Open Sans"/>
               </a:defRPr>
             </a:lvl5pPr>
-            <a:lvl6pPr indent="-317500" lvl="5" marL="2743200" rtl="0">
+            <a:lvl6pPr marL="2743200" lvl="5" indent="-317500">
               <a:lnSpc>
                 <a:spcPct val="320000"/>
               </a:lnSpc>
@@ -5401,10 +4058,9 @@
                 <a:latin typeface="Open Sans"/>
                 <a:ea typeface="Open Sans"/>
                 <a:cs typeface="Open Sans"/>
-                <a:sym typeface="Open Sans"/>
               </a:defRPr>
             </a:lvl6pPr>
-            <a:lvl7pPr indent="-317500" lvl="6" marL="3200400" rtl="0">
+            <a:lvl7pPr marL="3200400" lvl="6" indent="-317500">
               <a:lnSpc>
                 <a:spcPct val="320000"/>
               </a:lnSpc>
@@ -5427,10 +4083,9 @@
                 <a:latin typeface="Open Sans"/>
                 <a:ea typeface="Open Sans"/>
                 <a:cs typeface="Open Sans"/>
-                <a:sym typeface="Open Sans"/>
               </a:defRPr>
             </a:lvl7pPr>
-            <a:lvl8pPr indent="-317500" lvl="7" marL="3657600" rtl="0">
+            <a:lvl8pPr marL="3657600" lvl="7" indent="-317500">
               <a:lnSpc>
                 <a:spcPct val="320000"/>
               </a:lnSpc>
@@ -5453,10 +4108,9 @@
                 <a:latin typeface="Open Sans"/>
                 <a:ea typeface="Open Sans"/>
                 <a:cs typeface="Open Sans"/>
-                <a:sym typeface="Open Sans"/>
               </a:defRPr>
             </a:lvl8pPr>
-            <a:lvl9pPr indent="-317500" lvl="8" marL="4114800" rtl="0">
+            <a:lvl9pPr marL="4114800" lvl="8" indent="-317500">
               <a:lnSpc>
                 <a:spcPct val="320000"/>
               </a:lnSpc>
@@ -5479,11 +4133,15 @@
                 <a:latin typeface="Open Sans"/>
                 <a:ea typeface="Open Sans"/>
                 <a:cs typeface="Open Sans"/>
-                <a:sym typeface="Open Sans"/>
               </a:defRPr>
             </a:lvl9pPr>
           </a:lstStyle>
-          <a:p/>
+          <a:p>
+            <a:pPr>
+              <a:defRPr/>
+            </a:pPr>
+            <a:endParaRPr/>
+          </a:p>
         </p:txBody>
       </p:sp>
       <p:sp>
@@ -5494,7 +4152,7 @@
             <p:ph type="title"/>
           </p:nvPr>
         </p:nvSpPr>
-        <p:spPr>
+        <p:spPr bwMode="auto">
           <a:xfrm>
             <a:off x="605400" y="473950"/>
             <a:ext cx="2509200" cy="572700"/>
@@ -5504,11 +4162,11 @@
           </a:prstGeom>
         </p:spPr>
         <p:txBody>
-          <a:bodyPr anchorCtr="0" anchor="ctr" bIns="91425" lIns="91425" spcFirstLastPara="1" rIns="91425" wrap="square" tIns="91425">
+          <a:bodyPr spcFirstLastPara="1" wrap="square" lIns="91425" tIns="91425" rIns="91425" bIns="91425" anchor="ctr" anchorCtr="0">
             <a:noAutofit/>
           </a:bodyPr>
           <a:lstStyle>
-            <a:lvl1pPr lvl="0" rtl="0">
+            <a:lvl1pPr lvl="0">
               <a:spcBef>
                 <a:spcPts val="0"/>
               </a:spcBef>
@@ -5521,17 +4179,16 @@
               <a:buSzPts val="2000"/>
               <a:buFont typeface="Open Sans"/>
               <a:buNone/>
-              <a:defRPr b="1" sz="2000">
-                <a:solidFill>
-                  <a:srgbClr val="2E3D49"/>
-                </a:solidFill>
-                <a:latin typeface="Open Sans"/>
-                <a:ea typeface="Open Sans"/>
-                <a:cs typeface="Open Sans"/>
-                <a:sym typeface="Open Sans"/>
+              <a:defRPr sz="2000" b="1">
+                <a:solidFill>
+                  <a:srgbClr val="2E3D49"/>
+                </a:solidFill>
+                <a:latin typeface="Open Sans"/>
+                <a:ea typeface="Open Sans"/>
+                <a:cs typeface="Open Sans"/>
               </a:defRPr>
             </a:lvl1pPr>
-            <a:lvl2pPr lvl="1" rtl="0">
+            <a:lvl2pPr lvl="1">
               <a:spcBef>
                 <a:spcPts val="0"/>
               </a:spcBef>
@@ -5549,7 +4206,7 @@
                 </a:solidFill>
               </a:defRPr>
             </a:lvl2pPr>
-            <a:lvl3pPr lvl="2" rtl="0">
+            <a:lvl3pPr lvl="2">
               <a:spcBef>
                 <a:spcPts val="0"/>
               </a:spcBef>
@@ -5567,7 +4224,7 @@
                 </a:solidFill>
               </a:defRPr>
             </a:lvl3pPr>
-            <a:lvl4pPr lvl="3" rtl="0">
+            <a:lvl4pPr lvl="3">
               <a:spcBef>
                 <a:spcPts val="0"/>
               </a:spcBef>
@@ -5585,7 +4242,7 @@
                 </a:solidFill>
               </a:defRPr>
             </a:lvl4pPr>
-            <a:lvl5pPr lvl="4" rtl="0">
+            <a:lvl5pPr lvl="4">
               <a:spcBef>
                 <a:spcPts val="0"/>
               </a:spcBef>
@@ -5603,7 +4260,7 @@
                 </a:solidFill>
               </a:defRPr>
             </a:lvl5pPr>
-            <a:lvl6pPr lvl="5" rtl="0">
+            <a:lvl6pPr lvl="5">
               <a:spcBef>
                 <a:spcPts val="0"/>
               </a:spcBef>
@@ -5621,7 +4278,7 @@
                 </a:solidFill>
               </a:defRPr>
             </a:lvl6pPr>
-            <a:lvl7pPr lvl="6" rtl="0">
+            <a:lvl7pPr lvl="6">
               <a:spcBef>
                 <a:spcPts val="0"/>
               </a:spcBef>
@@ -5639,7 +4296,7 @@
                 </a:solidFill>
               </a:defRPr>
             </a:lvl7pPr>
-            <a:lvl8pPr lvl="7" rtl="0">
+            <a:lvl8pPr lvl="7">
               <a:spcBef>
                 <a:spcPts val="0"/>
               </a:spcBef>
@@ -5657,7 +4314,7 @@
                 </a:solidFill>
               </a:defRPr>
             </a:lvl8pPr>
-            <a:lvl9pPr lvl="8" rtl="0">
+            <a:lvl9pPr lvl="8">
               <a:spcBef>
                 <a:spcPts val="0"/>
               </a:spcBef>
@@ -5676,7 +4333,12 @@
               </a:defRPr>
             </a:lvl9pPr>
           </a:lstStyle>
-          <a:p/>
+          <a:p>
+            <a:pPr>
+              <a:defRPr/>
+            </a:pPr>
+            <a:endParaRPr/>
+          </a:p>
         </p:txBody>
       </p:sp>
       <p:sp>
@@ -5684,10 +4346,10 @@
           <p:cNvPr id="35" name="Google Shape;35;p7"/>
           <p:cNvSpPr txBox="1"/>
           <p:nvPr>
-            <p:ph idx="2" type="subTitle"/>
+            <p:ph type="subTitle" idx="2"/>
           </p:nvPr>
         </p:nvSpPr>
-        <p:spPr>
+        <p:spPr bwMode="auto">
           <a:xfrm>
             <a:off x="605400" y="1180500"/>
             <a:ext cx="2509200" cy="473400"/>
@@ -5697,11 +4359,11 @@
           </a:prstGeom>
         </p:spPr>
         <p:txBody>
-          <a:bodyPr anchorCtr="0" anchor="t" bIns="91425" lIns="91425" spcFirstLastPara="1" rIns="91425" wrap="square" tIns="91425">
+          <a:bodyPr spcFirstLastPara="1" wrap="square" lIns="91425" tIns="91425" rIns="91425" bIns="91425" anchor="t" anchorCtr="0">
             <a:noAutofit/>
           </a:bodyPr>
           <a:lstStyle>
-            <a:lvl1pPr lvl="0" rtl="0">
+            <a:lvl1pPr lvl="0">
               <a:lnSpc>
                 <a:spcPct val="100000"/>
               </a:lnSpc>
@@ -5724,10 +4386,9 @@
                 <a:latin typeface="Open Sans"/>
                 <a:ea typeface="Open Sans"/>
                 <a:cs typeface="Open Sans"/>
-                <a:sym typeface="Open Sans"/>
               </a:defRPr>
             </a:lvl1pPr>
-            <a:lvl2pPr lvl="1" rtl="0">
+            <a:lvl2pPr lvl="1">
               <a:lnSpc>
                 <a:spcPct val="100000"/>
               </a:lnSpc>
@@ -5750,10 +4411,9 @@
                 <a:latin typeface="Open Sans"/>
                 <a:ea typeface="Open Sans"/>
                 <a:cs typeface="Open Sans"/>
-                <a:sym typeface="Open Sans"/>
               </a:defRPr>
             </a:lvl2pPr>
-            <a:lvl3pPr lvl="2" rtl="0">
+            <a:lvl3pPr lvl="2">
               <a:lnSpc>
                 <a:spcPct val="100000"/>
               </a:lnSpc>
@@ -5776,10 +4436,9 @@
                 <a:latin typeface="Open Sans"/>
                 <a:ea typeface="Open Sans"/>
                 <a:cs typeface="Open Sans"/>
-                <a:sym typeface="Open Sans"/>
               </a:defRPr>
             </a:lvl3pPr>
-            <a:lvl4pPr lvl="3" rtl="0">
+            <a:lvl4pPr lvl="3">
               <a:lnSpc>
                 <a:spcPct val="100000"/>
               </a:lnSpc>
@@ -5802,10 +4461,9 @@
                 <a:latin typeface="Open Sans"/>
                 <a:ea typeface="Open Sans"/>
                 <a:cs typeface="Open Sans"/>
-                <a:sym typeface="Open Sans"/>
               </a:defRPr>
             </a:lvl4pPr>
-            <a:lvl5pPr lvl="4" rtl="0">
+            <a:lvl5pPr lvl="4">
               <a:lnSpc>
                 <a:spcPct val="100000"/>
               </a:lnSpc>
@@ -5828,10 +4486,9 @@
                 <a:latin typeface="Open Sans"/>
                 <a:ea typeface="Open Sans"/>
                 <a:cs typeface="Open Sans"/>
-                <a:sym typeface="Open Sans"/>
               </a:defRPr>
             </a:lvl5pPr>
-            <a:lvl6pPr lvl="5" rtl="0">
+            <a:lvl6pPr lvl="5">
               <a:lnSpc>
                 <a:spcPct val="100000"/>
               </a:lnSpc>
@@ -5854,10 +4511,9 @@
                 <a:latin typeface="Open Sans"/>
                 <a:ea typeface="Open Sans"/>
                 <a:cs typeface="Open Sans"/>
-                <a:sym typeface="Open Sans"/>
               </a:defRPr>
             </a:lvl6pPr>
-            <a:lvl7pPr lvl="6" rtl="0">
+            <a:lvl7pPr lvl="6">
               <a:lnSpc>
                 <a:spcPct val="100000"/>
               </a:lnSpc>
@@ -5880,10 +4536,9 @@
                 <a:latin typeface="Open Sans"/>
                 <a:ea typeface="Open Sans"/>
                 <a:cs typeface="Open Sans"/>
-                <a:sym typeface="Open Sans"/>
               </a:defRPr>
             </a:lvl7pPr>
-            <a:lvl8pPr lvl="7" rtl="0">
+            <a:lvl8pPr lvl="7">
               <a:lnSpc>
                 <a:spcPct val="100000"/>
               </a:lnSpc>
@@ -5906,10 +4561,9 @@
                 <a:latin typeface="Open Sans"/>
                 <a:ea typeface="Open Sans"/>
                 <a:cs typeface="Open Sans"/>
-                <a:sym typeface="Open Sans"/>
               </a:defRPr>
             </a:lvl8pPr>
-            <a:lvl9pPr lvl="8" rtl="0">
+            <a:lvl9pPr lvl="8">
               <a:lnSpc>
                 <a:spcPct val="100000"/>
               </a:lnSpc>
@@ -5932,11 +4586,15 @@
                 <a:latin typeface="Open Sans"/>
                 <a:ea typeface="Open Sans"/>
                 <a:cs typeface="Open Sans"/>
-                <a:sym typeface="Open Sans"/>
               </a:defRPr>
             </a:lvl9pPr>
           </a:lstStyle>
-          <a:p/>
+          <a:p>
+            <a:pPr>
+              <a:defRPr/>
+            </a:pPr>
+            <a:endParaRPr/>
+          </a:p>
         </p:txBody>
       </p:sp>
     </p:spTree>
@@ -5948,27 +4606,25 @@
 </file>
 
 <file path=ppt/slideLayouts/slideLayout7.xml><?xml version="1.0" encoding="utf-8"?>
-<p:sldLayout xmlns:a="http://schemas.openxmlformats.org/drawingml/2006/main" xmlns:r="http://schemas.openxmlformats.org/officeDocument/2006/relationships" xmlns:mc="http://schemas.openxmlformats.org/markup-compatibility/2006" xmlns:mv="urn:schemas-microsoft-com:mac:vml" xmlns:p="http://schemas.openxmlformats.org/presentationml/2006/main" xmlns:c="http://schemas.openxmlformats.org/drawingml/2006/chart" xmlns:dgm="http://schemas.openxmlformats.org/drawingml/2006/diagram" xmlns:o="urn:schemas-microsoft-com:office:office" xmlns:v="urn:schemas-microsoft-com:vml" xmlns:pvml="urn:schemas-microsoft-com:office:powerpoint" xmlns:com="http://schemas.openxmlformats.org/drawingml/2006/compatibility" xmlns:p14="http://schemas.microsoft.com/office/powerpoint/2010/main" xmlns:p15="http://schemas.microsoft.com/office/powerpoint/2012/main" xmlns:ahyp="http://schemas.microsoft.com/office/drawing/2018/hyperlinkcolor" matchingName="List (10 items, 2 boxes)">
+<p:sldLayout xmlns:a="http://schemas.openxmlformats.org/drawingml/2006/main" xmlns:r="http://schemas.openxmlformats.org/officeDocument/2006/relationships" xmlns:p="http://schemas.openxmlformats.org/presentationml/2006/main" xmlns:m="http://schemas.openxmlformats.org/officeDocument/2006/math" xmlns:w="http://schemas.openxmlformats.org/wordprocessingml/2006/main" matchingName="List (10 items, 2 boxes)" preserve="0" showMasterPhAnim="0" userDrawn="1">
   <p:cSld name="BIG_NUMBER">
     <p:bg>
-      <p:bgPr>
+      <p:bgPr shadeToTitle="0">
         <a:blipFill>
           <a:blip r:embed="rId2">
             <a:alphaModFix/>
           </a:blip>
-          <a:stretch>
-            <a:fillRect/>
-          </a:stretch>
+          <a:stretch/>
         </a:blipFill>
       </p:bgPr>
     </p:bg>
     <p:spTree>
       <p:nvGrpSpPr>
-        <p:cNvPr id="36" name="Shape 36"/>
+        <p:cNvPr id="1" name=""/>
         <p:cNvGrpSpPr/>
         <p:nvPr/>
       </p:nvGrpSpPr>
-      <p:grpSpPr>
+      <p:grpSpPr bwMode="auto">
         <a:xfrm>
           <a:off x="0" y="0"/>
           <a:ext cx="0" cy="0"/>
@@ -5981,10 +4637,10 @@
           <p:cNvPr id="37" name="Google Shape;37;p8"/>
           <p:cNvSpPr txBox="1"/>
           <p:nvPr>
-            <p:ph idx="12" type="sldNum"/>
+            <p:ph type="sldNum" idx="12"/>
           </p:nvPr>
         </p:nvSpPr>
-        <p:spPr>
+        <p:spPr bwMode="auto">
           <a:xfrm>
             <a:off x="8472458" y="4663217"/>
             <a:ext cx="548700" cy="393600"/>
@@ -5994,60 +4650,61 @@
           </a:prstGeom>
         </p:spPr>
         <p:txBody>
-          <a:bodyPr anchorCtr="0" anchor="ctr" bIns="91425" lIns="91425" spcFirstLastPara="1" rIns="91425" wrap="square" tIns="91425">
+          <a:bodyPr spcFirstLastPara="1" wrap="square" lIns="91425" tIns="91425" rIns="91425" bIns="91425" anchor="ctr" anchorCtr="0">
             <a:noAutofit/>
           </a:bodyPr>
           <a:lstStyle>
-            <a:lvl1pPr lvl="0" rtl="0">
+            <a:lvl1pPr lvl="0">
               <a:buNone/>
               <a:defRPr/>
             </a:lvl1pPr>
-            <a:lvl2pPr lvl="1" rtl="0">
+            <a:lvl2pPr lvl="1">
               <a:buNone/>
               <a:defRPr/>
             </a:lvl2pPr>
-            <a:lvl3pPr lvl="2" rtl="0">
+            <a:lvl3pPr lvl="2">
               <a:buNone/>
               <a:defRPr/>
             </a:lvl3pPr>
-            <a:lvl4pPr lvl="3" rtl="0">
+            <a:lvl4pPr lvl="3">
               <a:buNone/>
               <a:defRPr/>
             </a:lvl4pPr>
-            <a:lvl5pPr lvl="4" rtl="0">
+            <a:lvl5pPr lvl="4">
               <a:buNone/>
               <a:defRPr/>
             </a:lvl5pPr>
-            <a:lvl6pPr lvl="5" rtl="0">
+            <a:lvl6pPr lvl="5">
               <a:buNone/>
               <a:defRPr/>
             </a:lvl6pPr>
-            <a:lvl7pPr lvl="6" rtl="0">
+            <a:lvl7pPr lvl="6">
               <a:buNone/>
               <a:defRPr/>
             </a:lvl7pPr>
-            <a:lvl8pPr lvl="7" rtl="0">
+            <a:lvl8pPr lvl="7">
               <a:buNone/>
               <a:defRPr/>
             </a:lvl8pPr>
-            <a:lvl9pPr lvl="8" rtl="0">
+            <a:lvl9pPr lvl="8">
               <a:buNone/>
               <a:defRPr/>
             </a:lvl9pPr>
           </a:lstStyle>
           <a:p>
-            <a:pPr indent="0" lvl="0" marL="0" rtl="0" algn="r">
-              <a:spcBef>
-                <a:spcPts val="0"/>
-              </a:spcBef>
-              <a:spcAft>
-                <a:spcPts val="0"/>
-              </a:spcAft>
-              <a:buNone/>
+            <a:pPr marL="0" lvl="0" indent="0" algn="r">
+              <a:spcBef>
+                <a:spcPts val="0"/>
+              </a:spcBef>
+              <a:spcAft>
+                <a:spcPts val="0"/>
+              </a:spcAft>
+              <a:buNone/>
+              <a:defRPr/>
             </a:pPr>
             <a:fld id="{00000000-1234-1234-1234-123412341234}" type="slidenum">
               <a:rPr lang="en"/>
-              <a:t>‹#›</a:t>
+              <a:t/>
             </a:fld>
             <a:endParaRPr/>
           </a:p>
@@ -6058,24 +4715,24 @@
           <p:cNvPr id="38" name="Google Shape;38;p8"/>
           <p:cNvSpPr txBox="1"/>
           <p:nvPr>
-            <p:ph idx="1" type="body"/>
+            <p:ph type="body" idx="1"/>
           </p:nvPr>
         </p:nvSpPr>
-        <p:spPr>
+        <p:spPr bwMode="auto">
           <a:xfrm>
             <a:off x="605400" y="1333650"/>
-            <a:ext cx="3442200" cy="3329700"/>
+            <a:ext cx="3442199" cy="3329699"/>
           </a:xfrm>
           <a:prstGeom prst="rect">
             <a:avLst/>
           </a:prstGeom>
         </p:spPr>
         <p:txBody>
-          <a:bodyPr anchorCtr="0" anchor="t" bIns="91425" lIns="91425" spcFirstLastPara="1" rIns="91425" wrap="square" tIns="91425">
+          <a:bodyPr spcFirstLastPara="1" wrap="square" lIns="91425" tIns="91425" rIns="91425" bIns="91425" anchor="t" anchorCtr="0">
             <a:noAutofit/>
           </a:bodyPr>
           <a:lstStyle>
-            <a:lvl1pPr indent="-317500" lvl="0" marL="457200" rtl="0">
+            <a:lvl1pPr marL="457200" lvl="0" indent="-317500">
               <a:lnSpc>
                 <a:spcPct val="320000"/>
               </a:lnSpc>
@@ -6098,10 +4755,9 @@
                 <a:latin typeface="Open Sans"/>
                 <a:ea typeface="Open Sans"/>
                 <a:cs typeface="Open Sans"/>
-                <a:sym typeface="Open Sans"/>
               </a:defRPr>
             </a:lvl1pPr>
-            <a:lvl2pPr indent="-317500" lvl="1" marL="914400" rtl="0">
+            <a:lvl2pPr marL="914400" lvl="1" indent="-317500">
               <a:lnSpc>
                 <a:spcPct val="320000"/>
               </a:lnSpc>
@@ -6124,10 +4780,9 @@
                 <a:latin typeface="Open Sans"/>
                 <a:ea typeface="Open Sans"/>
                 <a:cs typeface="Open Sans"/>
-                <a:sym typeface="Open Sans"/>
               </a:defRPr>
             </a:lvl2pPr>
-            <a:lvl3pPr indent="-317500" lvl="2" marL="1371600" rtl="0">
+            <a:lvl3pPr marL="1371600" lvl="2" indent="-317500">
               <a:lnSpc>
                 <a:spcPct val="320000"/>
               </a:lnSpc>
@@ -6150,10 +4805,9 @@
                 <a:latin typeface="Open Sans"/>
                 <a:ea typeface="Open Sans"/>
                 <a:cs typeface="Open Sans"/>
-                <a:sym typeface="Open Sans"/>
               </a:defRPr>
             </a:lvl3pPr>
-            <a:lvl4pPr indent="-317500" lvl="3" marL="1828800" rtl="0">
+            <a:lvl4pPr marL="1828800" lvl="3" indent="-317500">
               <a:lnSpc>
                 <a:spcPct val="320000"/>
               </a:lnSpc>
@@ -6176,10 +4830,9 @@
                 <a:latin typeface="Open Sans"/>
                 <a:ea typeface="Open Sans"/>
                 <a:cs typeface="Open Sans"/>
-                <a:sym typeface="Open Sans"/>
               </a:defRPr>
             </a:lvl4pPr>
-            <a:lvl5pPr indent="-317500" lvl="4" marL="2286000" rtl="0">
+            <a:lvl5pPr marL="2286000" lvl="4" indent="-317500">
               <a:lnSpc>
                 <a:spcPct val="320000"/>
               </a:lnSpc>
@@ -6202,10 +4855,9 @@
                 <a:latin typeface="Open Sans"/>
                 <a:ea typeface="Open Sans"/>
                 <a:cs typeface="Open Sans"/>
-                <a:sym typeface="Open Sans"/>
               </a:defRPr>
             </a:lvl5pPr>
-            <a:lvl6pPr indent="-317500" lvl="5" marL="2743200" rtl="0">
+            <a:lvl6pPr marL="2743200" lvl="5" indent="-317500">
               <a:lnSpc>
                 <a:spcPct val="320000"/>
               </a:lnSpc>
@@ -6228,10 +4880,9 @@
                 <a:latin typeface="Open Sans"/>
                 <a:ea typeface="Open Sans"/>
                 <a:cs typeface="Open Sans"/>
-                <a:sym typeface="Open Sans"/>
               </a:defRPr>
             </a:lvl6pPr>
-            <a:lvl7pPr indent="-317500" lvl="6" marL="3200400" rtl="0">
+            <a:lvl7pPr marL="3200400" lvl="6" indent="-317500">
               <a:lnSpc>
                 <a:spcPct val="320000"/>
               </a:lnSpc>
@@ -6254,10 +4905,9 @@
                 <a:latin typeface="Open Sans"/>
                 <a:ea typeface="Open Sans"/>
                 <a:cs typeface="Open Sans"/>
-                <a:sym typeface="Open Sans"/>
               </a:defRPr>
             </a:lvl7pPr>
-            <a:lvl8pPr indent="-317500" lvl="7" marL="3657600" rtl="0">
+            <a:lvl8pPr marL="3657600" lvl="7" indent="-317500">
               <a:lnSpc>
                 <a:spcPct val="320000"/>
               </a:lnSpc>
@@ -6280,10 +4930,9 @@
                 <a:latin typeface="Open Sans"/>
                 <a:ea typeface="Open Sans"/>
                 <a:cs typeface="Open Sans"/>
-                <a:sym typeface="Open Sans"/>
               </a:defRPr>
             </a:lvl8pPr>
-            <a:lvl9pPr indent="-317500" lvl="8" marL="4114800" rtl="0">
+            <a:lvl9pPr marL="4114800" lvl="8" indent="-317500">
               <a:lnSpc>
                 <a:spcPct val="320000"/>
               </a:lnSpc>
@@ -6306,11 +4955,15 @@
                 <a:latin typeface="Open Sans"/>
                 <a:ea typeface="Open Sans"/>
                 <a:cs typeface="Open Sans"/>
-                <a:sym typeface="Open Sans"/>
               </a:defRPr>
             </a:lvl9pPr>
           </a:lstStyle>
-          <a:p/>
+          <a:p>
+            <a:pPr>
+              <a:defRPr/>
+            </a:pPr>
+            <a:endParaRPr/>
+          </a:p>
         </p:txBody>
       </p:sp>
       <p:sp>
@@ -6318,24 +4971,24 @@
           <p:cNvPr id="39" name="Google Shape;39;p8"/>
           <p:cNvSpPr txBox="1"/>
           <p:nvPr>
-            <p:ph idx="2" type="body"/>
+            <p:ph type="body" idx="2"/>
           </p:nvPr>
         </p:nvSpPr>
-        <p:spPr>
+        <p:spPr bwMode="auto">
           <a:xfrm>
             <a:off x="5030250" y="1333525"/>
-            <a:ext cx="3442200" cy="3329700"/>
+            <a:ext cx="3442199" cy="3329699"/>
           </a:xfrm>
           <a:prstGeom prst="rect">
             <a:avLst/>
           </a:prstGeom>
         </p:spPr>
         <p:txBody>
-          <a:bodyPr anchorCtr="0" anchor="t" bIns="91425" lIns="91425" spcFirstLastPara="1" rIns="91425" wrap="square" tIns="91425">
+          <a:bodyPr spcFirstLastPara="1" wrap="square" lIns="91425" tIns="91425" rIns="91425" bIns="91425" anchor="t" anchorCtr="0">
             <a:noAutofit/>
           </a:bodyPr>
           <a:lstStyle>
-            <a:lvl1pPr indent="-317500" lvl="0" marL="457200" rtl="0">
+            <a:lvl1pPr marL="457200" lvl="0" indent="-317500">
               <a:lnSpc>
                 <a:spcPct val="320000"/>
               </a:lnSpc>
@@ -6358,10 +5011,9 @@
                 <a:latin typeface="Open Sans"/>
                 <a:ea typeface="Open Sans"/>
                 <a:cs typeface="Open Sans"/>
-                <a:sym typeface="Open Sans"/>
               </a:defRPr>
             </a:lvl1pPr>
-            <a:lvl2pPr indent="-317500" lvl="1" marL="914400" rtl="0">
+            <a:lvl2pPr marL="914400" lvl="1" indent="-317500">
               <a:lnSpc>
                 <a:spcPct val="320000"/>
               </a:lnSpc>
@@ -6384,10 +5036,9 @@
                 <a:latin typeface="Open Sans"/>
                 <a:ea typeface="Open Sans"/>
                 <a:cs typeface="Open Sans"/>
-                <a:sym typeface="Open Sans"/>
               </a:defRPr>
             </a:lvl2pPr>
-            <a:lvl3pPr indent="-317500" lvl="2" marL="1371600" rtl="0">
+            <a:lvl3pPr marL="1371600" lvl="2" indent="-317500">
               <a:lnSpc>
                 <a:spcPct val="320000"/>
               </a:lnSpc>
@@ -6410,10 +5061,9 @@
                 <a:latin typeface="Open Sans"/>
                 <a:ea typeface="Open Sans"/>
                 <a:cs typeface="Open Sans"/>
-                <a:sym typeface="Open Sans"/>
               </a:defRPr>
             </a:lvl3pPr>
-            <a:lvl4pPr indent="-317500" lvl="3" marL="1828800" rtl="0">
+            <a:lvl4pPr marL="1828800" lvl="3" indent="-317500">
               <a:lnSpc>
                 <a:spcPct val="320000"/>
               </a:lnSpc>
@@ -6436,10 +5086,9 @@
                 <a:latin typeface="Open Sans"/>
                 <a:ea typeface="Open Sans"/>
                 <a:cs typeface="Open Sans"/>
-                <a:sym typeface="Open Sans"/>
               </a:defRPr>
             </a:lvl4pPr>
-            <a:lvl5pPr indent="-317500" lvl="4" marL="2286000" rtl="0">
+            <a:lvl5pPr marL="2286000" lvl="4" indent="-317500">
               <a:lnSpc>
                 <a:spcPct val="320000"/>
               </a:lnSpc>
@@ -6462,10 +5111,9 @@
                 <a:latin typeface="Open Sans"/>
                 <a:ea typeface="Open Sans"/>
                 <a:cs typeface="Open Sans"/>
-                <a:sym typeface="Open Sans"/>
               </a:defRPr>
             </a:lvl5pPr>
-            <a:lvl6pPr indent="-317500" lvl="5" marL="2743200" rtl="0">
+            <a:lvl6pPr marL="2743200" lvl="5" indent="-317500">
               <a:lnSpc>
                 <a:spcPct val="320000"/>
               </a:lnSpc>
@@ -6488,10 +5136,9 @@
                 <a:latin typeface="Open Sans"/>
                 <a:ea typeface="Open Sans"/>
                 <a:cs typeface="Open Sans"/>
-                <a:sym typeface="Open Sans"/>
               </a:defRPr>
             </a:lvl6pPr>
-            <a:lvl7pPr indent="-317500" lvl="6" marL="3200400" rtl="0">
+            <a:lvl7pPr marL="3200400" lvl="6" indent="-317500">
               <a:lnSpc>
                 <a:spcPct val="320000"/>
               </a:lnSpc>
@@ -6514,10 +5161,9 @@
                 <a:latin typeface="Open Sans"/>
                 <a:ea typeface="Open Sans"/>
                 <a:cs typeface="Open Sans"/>
-                <a:sym typeface="Open Sans"/>
               </a:defRPr>
             </a:lvl7pPr>
-            <a:lvl8pPr indent="-317500" lvl="7" marL="3657600" rtl="0">
+            <a:lvl8pPr marL="3657600" lvl="7" indent="-317500">
               <a:lnSpc>
                 <a:spcPct val="320000"/>
               </a:lnSpc>
@@ -6540,10 +5186,9 @@
                 <a:latin typeface="Open Sans"/>
                 <a:ea typeface="Open Sans"/>
                 <a:cs typeface="Open Sans"/>
-                <a:sym typeface="Open Sans"/>
               </a:defRPr>
             </a:lvl8pPr>
-            <a:lvl9pPr indent="-317500" lvl="8" marL="4114800" rtl="0">
+            <a:lvl9pPr marL="4114800" lvl="8" indent="-317500">
               <a:lnSpc>
                 <a:spcPct val="320000"/>
               </a:lnSpc>
@@ -6566,11 +5211,15 @@
                 <a:latin typeface="Open Sans"/>
                 <a:ea typeface="Open Sans"/>
                 <a:cs typeface="Open Sans"/>
-                <a:sym typeface="Open Sans"/>
               </a:defRPr>
             </a:lvl9pPr>
           </a:lstStyle>
-          <a:p/>
+          <a:p>
+            <a:pPr>
+              <a:defRPr/>
+            </a:pPr>
+            <a:endParaRPr/>
+          </a:p>
         </p:txBody>
       </p:sp>
       <p:sp>
@@ -6581,7 +5230,7 @@
             <p:ph type="title"/>
           </p:nvPr>
         </p:nvSpPr>
-        <p:spPr>
+        <p:spPr bwMode="auto">
           <a:xfrm>
             <a:off x="605400" y="473950"/>
             <a:ext cx="2509200" cy="572700"/>
@@ -6591,11 +5240,11 @@
           </a:prstGeom>
         </p:spPr>
         <p:txBody>
-          <a:bodyPr anchorCtr="0" anchor="ctr" bIns="91425" lIns="91425" spcFirstLastPara="1" rIns="91425" wrap="square" tIns="91425">
+          <a:bodyPr spcFirstLastPara="1" wrap="square" lIns="91425" tIns="91425" rIns="91425" bIns="91425" anchor="ctr" anchorCtr="0">
             <a:noAutofit/>
           </a:bodyPr>
           <a:lstStyle>
-            <a:lvl1pPr lvl="0" rtl="0">
+            <a:lvl1pPr lvl="0">
               <a:spcBef>
                 <a:spcPts val="0"/>
               </a:spcBef>
@@ -6608,17 +5257,16 @@
               <a:buSzPts val="2000"/>
               <a:buFont typeface="Open Sans"/>
               <a:buNone/>
-              <a:defRPr b="1" sz="2000">
-                <a:solidFill>
-                  <a:srgbClr val="2E3D49"/>
-                </a:solidFill>
-                <a:latin typeface="Open Sans"/>
-                <a:ea typeface="Open Sans"/>
-                <a:cs typeface="Open Sans"/>
-                <a:sym typeface="Open Sans"/>
+              <a:defRPr sz="2000" b="1">
+                <a:solidFill>
+                  <a:srgbClr val="2E3D49"/>
+                </a:solidFill>
+                <a:latin typeface="Open Sans"/>
+                <a:ea typeface="Open Sans"/>
+                <a:cs typeface="Open Sans"/>
               </a:defRPr>
             </a:lvl1pPr>
-            <a:lvl2pPr lvl="1" rtl="0">
+            <a:lvl2pPr lvl="1">
               <a:spcBef>
                 <a:spcPts val="0"/>
               </a:spcBef>
@@ -6636,7 +5284,7 @@
                 </a:solidFill>
               </a:defRPr>
             </a:lvl2pPr>
-            <a:lvl3pPr lvl="2" rtl="0">
+            <a:lvl3pPr lvl="2">
               <a:spcBef>
                 <a:spcPts val="0"/>
               </a:spcBef>
@@ -6654,7 +5302,7 @@
                 </a:solidFill>
               </a:defRPr>
             </a:lvl3pPr>
-            <a:lvl4pPr lvl="3" rtl="0">
+            <a:lvl4pPr lvl="3">
               <a:spcBef>
                 <a:spcPts val="0"/>
               </a:spcBef>
@@ -6672,7 +5320,7 @@
                 </a:solidFill>
               </a:defRPr>
             </a:lvl4pPr>
-            <a:lvl5pPr lvl="4" rtl="0">
+            <a:lvl5pPr lvl="4">
               <a:spcBef>
                 <a:spcPts val="0"/>
               </a:spcBef>
@@ -6690,7 +5338,7 @@
                 </a:solidFill>
               </a:defRPr>
             </a:lvl5pPr>
-            <a:lvl6pPr lvl="5" rtl="0">
+            <a:lvl6pPr lvl="5">
               <a:spcBef>
                 <a:spcPts val="0"/>
               </a:spcBef>
@@ -6708,7 +5356,7 @@
                 </a:solidFill>
               </a:defRPr>
             </a:lvl6pPr>
-            <a:lvl7pPr lvl="6" rtl="0">
+            <a:lvl7pPr lvl="6">
               <a:spcBef>
                 <a:spcPts val="0"/>
               </a:spcBef>
@@ -6726,7 +5374,7 @@
                 </a:solidFill>
               </a:defRPr>
             </a:lvl7pPr>
-            <a:lvl8pPr lvl="7" rtl="0">
+            <a:lvl8pPr lvl="7">
               <a:spcBef>
                 <a:spcPts val="0"/>
               </a:spcBef>
@@ -6744,7 +5392,7 @@
                 </a:solidFill>
               </a:defRPr>
             </a:lvl8pPr>
-            <a:lvl9pPr lvl="8" rtl="0">
+            <a:lvl9pPr lvl="8">
               <a:spcBef>
                 <a:spcPts val="0"/>
               </a:spcBef>
@@ -6763,7 +5411,12 @@
               </a:defRPr>
             </a:lvl9pPr>
           </a:lstStyle>
-          <a:p/>
+          <a:p>
+            <a:pPr>
+              <a:defRPr/>
+            </a:pPr>
+            <a:endParaRPr/>
+          </a:p>
         </p:txBody>
       </p:sp>
     </p:spTree>
@@ -6775,27 +5428,25 @@
 </file>
 
 <file path=ppt/slideLayouts/slideLayout8.xml><?xml version="1.0" encoding="utf-8"?>
-<p:sldLayout xmlns:a="http://schemas.openxmlformats.org/drawingml/2006/main" xmlns:r="http://schemas.openxmlformats.org/officeDocument/2006/relationships" xmlns:mc="http://schemas.openxmlformats.org/markup-compatibility/2006" xmlns:mv="urn:schemas-microsoft-com:mac:vml" xmlns:p="http://schemas.openxmlformats.org/presentationml/2006/main" xmlns:c="http://schemas.openxmlformats.org/drawingml/2006/chart" xmlns:dgm="http://schemas.openxmlformats.org/drawingml/2006/diagram" xmlns:o="urn:schemas-microsoft-com:office:office" xmlns:v="urn:schemas-microsoft-com:vml" xmlns:pvml="urn:schemas-microsoft-com:office:powerpoint" xmlns:com="http://schemas.openxmlformats.org/drawingml/2006/compatibility" xmlns:p14="http://schemas.microsoft.com/office/powerpoint/2010/main" xmlns:p15="http://schemas.microsoft.com/office/powerpoint/2012/main" xmlns:ahyp="http://schemas.microsoft.com/office/drawing/2018/hyperlinkcolor" matchingName="Images or icons (with title)" type="blank">
+<p:sldLayout xmlns:a="http://schemas.openxmlformats.org/drawingml/2006/main" xmlns:r="http://schemas.openxmlformats.org/officeDocument/2006/relationships" xmlns:p="http://schemas.openxmlformats.org/presentationml/2006/main" xmlns:m="http://schemas.openxmlformats.org/officeDocument/2006/math" xmlns:w="http://schemas.openxmlformats.org/wordprocessingml/2006/main" matchingName="Images or icons (with title)" preserve="0" showMasterPhAnim="0" type="blank" userDrawn="1">
   <p:cSld name="BLANK">
     <p:bg>
-      <p:bgPr>
+      <p:bgPr shadeToTitle="0">
         <a:blipFill>
           <a:blip r:embed="rId2">
             <a:alphaModFix/>
           </a:blip>
-          <a:stretch>
-            <a:fillRect/>
-          </a:stretch>
+          <a:stretch/>
         </a:blipFill>
       </p:bgPr>
     </p:bg>
     <p:spTree>
       <p:nvGrpSpPr>
-        <p:cNvPr id="41" name="Shape 41"/>
+        <p:cNvPr id="1" name=""/>
         <p:cNvGrpSpPr/>
         <p:nvPr/>
       </p:nvGrpSpPr>
-      <p:grpSpPr>
+      <p:grpSpPr bwMode="auto">
         <a:xfrm>
           <a:off x="0" y="0"/>
           <a:ext cx="0" cy="0"/>
@@ -6808,10 +5459,10 @@
           <p:cNvPr id="42" name="Google Shape;42;p9"/>
           <p:cNvSpPr txBox="1"/>
           <p:nvPr>
-            <p:ph idx="12" type="sldNum"/>
+            <p:ph type="sldNum" idx="12"/>
           </p:nvPr>
         </p:nvSpPr>
-        <p:spPr>
+        <p:spPr bwMode="auto">
           <a:xfrm>
             <a:off x="8472458" y="4663217"/>
             <a:ext cx="548700" cy="393600"/>
@@ -6821,60 +5472,61 @@
           </a:prstGeom>
         </p:spPr>
         <p:txBody>
-          <a:bodyPr anchorCtr="0" anchor="ctr" bIns="91425" lIns="91425" spcFirstLastPara="1" rIns="91425" wrap="square" tIns="91425">
+          <a:bodyPr spcFirstLastPara="1" wrap="square" lIns="91425" tIns="91425" rIns="91425" bIns="91425" anchor="ctr" anchorCtr="0">
             <a:noAutofit/>
           </a:bodyPr>
           <a:lstStyle>
-            <a:lvl1pPr lvl="0" rtl="0">
+            <a:lvl1pPr lvl="0">
               <a:buNone/>
               <a:defRPr/>
             </a:lvl1pPr>
-            <a:lvl2pPr lvl="1" rtl="0">
+            <a:lvl2pPr lvl="1">
               <a:buNone/>
               <a:defRPr/>
             </a:lvl2pPr>
-            <a:lvl3pPr lvl="2" rtl="0">
+            <a:lvl3pPr lvl="2">
               <a:buNone/>
               <a:defRPr/>
             </a:lvl3pPr>
-            <a:lvl4pPr lvl="3" rtl="0">
+            <a:lvl4pPr lvl="3">
               <a:buNone/>
               <a:defRPr/>
             </a:lvl4pPr>
-            <a:lvl5pPr lvl="4" rtl="0">
+            <a:lvl5pPr lvl="4">
               <a:buNone/>
               <a:defRPr/>
             </a:lvl5pPr>
-            <a:lvl6pPr lvl="5" rtl="0">
+            <a:lvl6pPr lvl="5">
               <a:buNone/>
               <a:defRPr/>
             </a:lvl6pPr>
-            <a:lvl7pPr lvl="6" rtl="0">
+            <a:lvl7pPr lvl="6">
               <a:buNone/>
               <a:defRPr/>
             </a:lvl7pPr>
-            <a:lvl8pPr lvl="7" rtl="0">
+            <a:lvl8pPr lvl="7">
               <a:buNone/>
               <a:defRPr/>
             </a:lvl8pPr>
-            <a:lvl9pPr lvl="8" rtl="0">
+            <a:lvl9pPr lvl="8">
               <a:buNone/>
               <a:defRPr/>
             </a:lvl9pPr>
           </a:lstStyle>
           <a:p>
-            <a:pPr indent="0" lvl="0" marL="0" rtl="0" algn="r">
-              <a:spcBef>
-                <a:spcPts val="0"/>
-              </a:spcBef>
-              <a:spcAft>
-                <a:spcPts val="0"/>
-              </a:spcAft>
-              <a:buNone/>
+            <a:pPr marL="0" lvl="0" indent="0" algn="r">
+              <a:spcBef>
+                <a:spcPts val="0"/>
+              </a:spcBef>
+              <a:spcAft>
+                <a:spcPts val="0"/>
+              </a:spcAft>
+              <a:buNone/>
+              <a:defRPr/>
             </a:pPr>
             <a:fld id="{00000000-1234-1234-1234-123412341234}" type="slidenum">
               <a:rPr lang="en"/>
-              <a:t>‹#›</a:t>
+              <a:t/>
             </a:fld>
             <a:endParaRPr/>
           </a:p>
@@ -6888,7 +5540,7 @@
             <p:ph type="title"/>
           </p:nvPr>
         </p:nvSpPr>
-        <p:spPr>
+        <p:spPr bwMode="auto">
           <a:xfrm>
             <a:off x="605400" y="473950"/>
             <a:ext cx="7933200" cy="572700"/>
@@ -6898,11 +5550,11 @@
           </a:prstGeom>
         </p:spPr>
         <p:txBody>
-          <a:bodyPr anchorCtr="0" anchor="ctr" bIns="91425" lIns="91425" spcFirstLastPara="1" rIns="91425" wrap="square" tIns="91425">
+          <a:bodyPr spcFirstLastPara="1" wrap="square" lIns="91425" tIns="91425" rIns="91425" bIns="91425" anchor="ctr" anchorCtr="0">
             <a:noAutofit/>
           </a:bodyPr>
           <a:lstStyle>
-            <a:lvl1pPr lvl="0" rtl="0">
+            <a:lvl1pPr lvl="0">
               <a:spcBef>
                 <a:spcPts val="0"/>
               </a:spcBef>
@@ -6915,17 +5567,16 @@
               <a:buSzPts val="2000"/>
               <a:buFont typeface="Open Sans"/>
               <a:buNone/>
-              <a:defRPr b="1" sz="2000">
-                <a:solidFill>
-                  <a:srgbClr val="2E3D49"/>
-                </a:solidFill>
-                <a:latin typeface="Open Sans"/>
-                <a:ea typeface="Open Sans"/>
-                <a:cs typeface="Open Sans"/>
-                <a:sym typeface="Open Sans"/>
+              <a:defRPr sz="2000" b="1">
+                <a:solidFill>
+                  <a:srgbClr val="2E3D49"/>
+                </a:solidFill>
+                <a:latin typeface="Open Sans"/>
+                <a:ea typeface="Open Sans"/>
+                <a:cs typeface="Open Sans"/>
               </a:defRPr>
             </a:lvl1pPr>
-            <a:lvl2pPr lvl="1" rtl="0">
+            <a:lvl2pPr lvl="1">
               <a:spcBef>
                 <a:spcPts val="0"/>
               </a:spcBef>
@@ -6943,7 +5594,7 @@
                 </a:solidFill>
               </a:defRPr>
             </a:lvl2pPr>
-            <a:lvl3pPr lvl="2" rtl="0">
+            <a:lvl3pPr lvl="2">
               <a:spcBef>
                 <a:spcPts val="0"/>
               </a:spcBef>
@@ -6961,7 +5612,7 @@
                 </a:solidFill>
               </a:defRPr>
             </a:lvl3pPr>
-            <a:lvl4pPr lvl="3" rtl="0">
+            <a:lvl4pPr lvl="3">
               <a:spcBef>
                 <a:spcPts val="0"/>
               </a:spcBef>
@@ -6979,7 +5630,7 @@
                 </a:solidFill>
               </a:defRPr>
             </a:lvl4pPr>
-            <a:lvl5pPr lvl="4" rtl="0">
+            <a:lvl5pPr lvl="4">
               <a:spcBef>
                 <a:spcPts val="0"/>
               </a:spcBef>
@@ -6997,7 +5648,7 @@
                 </a:solidFill>
               </a:defRPr>
             </a:lvl5pPr>
-            <a:lvl6pPr lvl="5" rtl="0">
+            <a:lvl6pPr lvl="5">
               <a:spcBef>
                 <a:spcPts val="0"/>
               </a:spcBef>
@@ -7015,7 +5666,7 @@
                 </a:solidFill>
               </a:defRPr>
             </a:lvl6pPr>
-            <a:lvl7pPr lvl="6" rtl="0">
+            <a:lvl7pPr lvl="6">
               <a:spcBef>
                 <a:spcPts val="0"/>
               </a:spcBef>
@@ -7033,7 +5684,7 @@
                 </a:solidFill>
               </a:defRPr>
             </a:lvl7pPr>
-            <a:lvl8pPr lvl="7" rtl="0">
+            <a:lvl8pPr lvl="7">
               <a:spcBef>
                 <a:spcPts val="0"/>
               </a:spcBef>
@@ -7051,7 +5702,7 @@
                 </a:solidFill>
               </a:defRPr>
             </a:lvl8pPr>
-            <a:lvl9pPr lvl="8" rtl="0">
+            <a:lvl9pPr lvl="8">
               <a:spcBef>
                 <a:spcPts val="0"/>
               </a:spcBef>
@@ -7070,7 +5721,12 @@
               </a:defRPr>
             </a:lvl9pPr>
           </a:lstStyle>
-          <a:p/>
+          <a:p>
+            <a:pPr>
+              <a:defRPr/>
+            </a:pPr>
+            <a:endParaRPr/>
+          </a:p>
         </p:txBody>
       </p:sp>
     </p:spTree>
@@ -7082,27 +5738,25 @@
 </file>
 
 <file path=ppt/slideLayouts/slideLayout9.xml><?xml version="1.0" encoding="utf-8"?>
-<p:sldLayout xmlns:a="http://schemas.openxmlformats.org/drawingml/2006/main" xmlns:r="http://schemas.openxmlformats.org/officeDocument/2006/relationships" xmlns:mc="http://schemas.openxmlformats.org/markup-compatibility/2006" xmlns:mv="urn:schemas-microsoft-com:mac:vml" xmlns:p="http://schemas.openxmlformats.org/presentationml/2006/main" xmlns:c="http://schemas.openxmlformats.org/drawingml/2006/chart" xmlns:dgm="http://schemas.openxmlformats.org/drawingml/2006/diagram" xmlns:o="urn:schemas-microsoft-com:office:office" xmlns:v="urn:schemas-microsoft-com:vml" xmlns:pvml="urn:schemas-microsoft-com:office:powerpoint" xmlns:com="http://schemas.openxmlformats.org/drawingml/2006/compatibility" xmlns:p14="http://schemas.microsoft.com/office/powerpoint/2010/main" xmlns:p15="http://schemas.microsoft.com/office/powerpoint/2012/main" xmlns:ahyp="http://schemas.microsoft.com/office/drawing/2018/hyperlinkcolor" matchingName="Images or icons (w/o title)">
+<p:sldLayout xmlns:a="http://schemas.openxmlformats.org/drawingml/2006/main" xmlns:r="http://schemas.openxmlformats.org/officeDocument/2006/relationships" xmlns:p="http://schemas.openxmlformats.org/presentationml/2006/main" xmlns:m="http://schemas.openxmlformats.org/officeDocument/2006/math" xmlns:w="http://schemas.openxmlformats.org/wordprocessingml/2006/main" matchingName="Images or icons (w/o title)" preserve="0" showMasterPhAnim="0" userDrawn="1">
   <p:cSld name="BLANK_1">
     <p:bg>
-      <p:bgPr>
+      <p:bgPr shadeToTitle="0">
         <a:blipFill>
           <a:blip r:embed="rId2">
             <a:alphaModFix/>
           </a:blip>
-          <a:stretch>
-            <a:fillRect/>
-          </a:stretch>
+          <a:stretch/>
         </a:blipFill>
       </p:bgPr>
     </p:bg>
     <p:spTree>
       <p:nvGrpSpPr>
-        <p:cNvPr id="44" name="Shape 44"/>
+        <p:cNvPr id="1" name=""/>
         <p:cNvGrpSpPr/>
         <p:nvPr/>
       </p:nvGrpSpPr>
-      <p:grpSpPr>
+      <p:grpSpPr bwMode="auto">
         <a:xfrm>
           <a:off x="0" y="0"/>
           <a:ext cx="0" cy="0"/>
@@ -7115,10 +5769,10 @@
           <p:cNvPr id="45" name="Google Shape;45;p10"/>
           <p:cNvSpPr txBox="1"/>
           <p:nvPr>
-            <p:ph idx="12" type="sldNum"/>
+            <p:ph type="sldNum" idx="12"/>
           </p:nvPr>
         </p:nvSpPr>
-        <p:spPr>
+        <p:spPr bwMode="auto">
           <a:xfrm>
             <a:off x="8472458" y="4663217"/>
             <a:ext cx="548700" cy="393600"/>
@@ -7128,60 +5782,61 @@
           </a:prstGeom>
         </p:spPr>
         <p:txBody>
-          <a:bodyPr anchorCtr="0" anchor="ctr" bIns="91425" lIns="91425" spcFirstLastPara="1" rIns="91425" wrap="square" tIns="91425">
+          <a:bodyPr spcFirstLastPara="1" wrap="square" lIns="91425" tIns="91425" rIns="91425" bIns="91425" anchor="ctr" anchorCtr="0">
             <a:noAutofit/>
           </a:bodyPr>
           <a:lstStyle>
-            <a:lvl1pPr lvl="0" rtl="0">
+            <a:lvl1pPr lvl="0">
               <a:buNone/>
               <a:defRPr/>
             </a:lvl1pPr>
-            <a:lvl2pPr lvl="1" rtl="0">
+            <a:lvl2pPr lvl="1">
               <a:buNone/>
               <a:defRPr/>
             </a:lvl2pPr>
-            <a:lvl3pPr lvl="2" rtl="0">
+            <a:lvl3pPr lvl="2">
               <a:buNone/>
               <a:defRPr/>
             </a:lvl3pPr>
-            <a:lvl4pPr lvl="3" rtl="0">
+            <a:lvl4pPr lvl="3">
               <a:buNone/>
               <a:defRPr/>
             </a:lvl4pPr>
-            <a:lvl5pPr lvl="4" rtl="0">
+            <a:lvl5pPr lvl="4">
               <a:buNone/>
               <a:defRPr/>
             </a:lvl5pPr>
-            <a:lvl6pPr lvl="5" rtl="0">
+            <a:lvl6pPr lvl="5">
               <a:buNone/>
               <a:defRPr/>
             </a:lvl6pPr>
-            <a:lvl7pPr lvl="6" rtl="0">
+            <a:lvl7pPr lvl="6">
               <a:buNone/>
               <a:defRPr/>
             </a:lvl7pPr>
-            <a:lvl8pPr lvl="7" rtl="0">
+            <a:lvl8pPr lvl="7">
               <a:buNone/>
               <a:defRPr/>
             </a:lvl8pPr>
-            <a:lvl9pPr lvl="8" rtl="0">
+            <a:lvl9pPr lvl="8">
               <a:buNone/>
               <a:defRPr/>
             </a:lvl9pPr>
           </a:lstStyle>
           <a:p>
-            <a:pPr indent="0" lvl="0" marL="0" rtl="0" algn="r">
-              <a:spcBef>
-                <a:spcPts val="0"/>
-              </a:spcBef>
-              <a:spcAft>
-                <a:spcPts val="0"/>
-              </a:spcAft>
-              <a:buNone/>
+            <a:pPr marL="0" lvl="0" indent="0" algn="r">
+              <a:spcBef>
+                <a:spcPts val="0"/>
+              </a:spcBef>
+              <a:spcAft>
+                <a:spcPts val="0"/>
+              </a:spcAft>
+              <a:buNone/>
+              <a:defRPr/>
             </a:pPr>
             <a:fld id="{00000000-1234-1234-1234-123412341234}" type="slidenum">
               <a:rPr lang="en"/>
-              <a:t>‹#›</a:t>
+              <a:t/>
             </a:fld>
             <a:endParaRPr/>
           </a:p>
@@ -7196,27 +5851,25 @@
 </file>
 
 <file path=ppt/slideMasters/slideMaster1.xml><?xml version="1.0" encoding="utf-8"?>
-<p:sldMaster xmlns:a="http://schemas.openxmlformats.org/drawingml/2006/main" xmlns:r="http://schemas.openxmlformats.org/officeDocument/2006/relationships" xmlns:mc="http://schemas.openxmlformats.org/markup-compatibility/2006" xmlns:mv="urn:schemas-microsoft-com:mac:vml" xmlns:p="http://schemas.openxmlformats.org/presentationml/2006/main" xmlns:c="http://schemas.openxmlformats.org/drawingml/2006/chart" xmlns:dgm="http://schemas.openxmlformats.org/drawingml/2006/diagram" xmlns:o="urn:schemas-microsoft-com:office:office" xmlns:v="urn:schemas-microsoft-com:vml" xmlns:pvml="urn:schemas-microsoft-com:office:powerpoint" xmlns:com="http://schemas.openxmlformats.org/drawingml/2006/compatibility" xmlns:p14="http://schemas.microsoft.com/office/powerpoint/2010/main" xmlns:p15="http://schemas.microsoft.com/office/powerpoint/2012/main" xmlns:ahyp="http://schemas.microsoft.com/office/drawing/2018/hyperlinkcolor">
+<p:sldMaster xmlns:a="http://schemas.openxmlformats.org/drawingml/2006/main" xmlns:r="http://schemas.openxmlformats.org/officeDocument/2006/relationships" xmlns:p="http://schemas.openxmlformats.org/presentationml/2006/main" xmlns:m="http://schemas.openxmlformats.org/officeDocument/2006/math" xmlns:w="http://schemas.openxmlformats.org/wordprocessingml/2006/main" preserve="0">
   <p:cSld name="simple-light-2">
     <p:bg>
-      <p:bgPr>
+      <p:bgPr shadeToTitle="0">
         <a:blipFill>
-          <a:blip r:embed="rId1">
+          <a:blip r:embed="rId12">
             <a:alphaModFix/>
           </a:blip>
-          <a:stretch>
-            <a:fillRect/>
-          </a:stretch>
+          <a:stretch/>
         </a:blipFill>
       </p:bgPr>
     </p:bg>
     <p:spTree>
       <p:nvGrpSpPr>
-        <p:cNvPr id="5" name="Shape 5"/>
+        <p:cNvPr id="1" name=""/>
         <p:cNvGrpSpPr/>
         <p:nvPr/>
       </p:nvGrpSpPr>
-      <p:grpSpPr>
+      <p:grpSpPr bwMode="auto">
         <a:xfrm>
           <a:off x="0" y="0"/>
           <a:ext cx="0" cy="0"/>
@@ -7232,7 +5885,7 @@
             <p:ph type="title"/>
           </p:nvPr>
         </p:nvSpPr>
-        <p:spPr>
+        <p:spPr bwMode="auto">
           <a:xfrm>
             <a:off x="624600" y="525150"/>
             <a:ext cx="7938900" cy="572700"/>
@@ -7246,11 +5899,11 @@
           </a:ln>
         </p:spPr>
         <p:txBody>
-          <a:bodyPr anchorCtr="0" anchor="t" bIns="91425" lIns="91425" spcFirstLastPara="1" rIns="91425" wrap="square" tIns="91425">
+          <a:bodyPr spcFirstLastPara="1" wrap="square" lIns="91425" tIns="91425" rIns="91425" bIns="91425" anchor="t" anchorCtr="0">
             <a:noAutofit/>
           </a:bodyPr>
           <a:lstStyle>
-            <a:lvl1pPr lvl="0" rtl="0">
+            <a:lvl1pPr lvl="0">
               <a:spcBef>
                 <a:spcPts val="0"/>
               </a:spcBef>
@@ -7263,17 +5916,16 @@
               <a:buSzPts val="2000"/>
               <a:buFont typeface="Open Sans"/>
               <a:buNone/>
-              <a:defRPr b="1" sz="2000">
-                <a:solidFill>
-                  <a:srgbClr val="2E3D49"/>
-                </a:solidFill>
-                <a:latin typeface="Open Sans"/>
-                <a:ea typeface="Open Sans"/>
-                <a:cs typeface="Open Sans"/>
-                <a:sym typeface="Open Sans"/>
+              <a:defRPr sz="2000" b="1">
+                <a:solidFill>
+                  <a:srgbClr val="2E3D49"/>
+                </a:solidFill>
+                <a:latin typeface="Open Sans"/>
+                <a:ea typeface="Open Sans"/>
+                <a:cs typeface="Open Sans"/>
               </a:defRPr>
             </a:lvl1pPr>
-            <a:lvl2pPr lvl="1" rtl="0">
+            <a:lvl2pPr lvl="1">
               <a:spcBef>
                 <a:spcPts val="0"/>
               </a:spcBef>
@@ -7286,17 +5938,16 @@
               <a:buSzPts val="2000"/>
               <a:buFont typeface="Open Sans"/>
               <a:buNone/>
-              <a:defRPr b="1" sz="2000">
+              <a:defRPr sz="2000" b="1">
                 <a:solidFill>
                   <a:schemeClr val="dk1"/>
                 </a:solidFill>
                 <a:latin typeface="Open Sans"/>
                 <a:ea typeface="Open Sans"/>
                 <a:cs typeface="Open Sans"/>
-                <a:sym typeface="Open Sans"/>
               </a:defRPr>
             </a:lvl2pPr>
-            <a:lvl3pPr lvl="2" rtl="0">
+            <a:lvl3pPr lvl="2">
               <a:spcBef>
                 <a:spcPts val="0"/>
               </a:spcBef>
@@ -7309,17 +5960,16 @@
               <a:buSzPts val="2000"/>
               <a:buFont typeface="Open Sans"/>
               <a:buNone/>
-              <a:defRPr b="1" sz="2000">
+              <a:defRPr sz="2000" b="1">
                 <a:solidFill>
                   <a:schemeClr val="dk1"/>
                 </a:solidFill>
                 <a:latin typeface="Open Sans"/>
                 <a:ea typeface="Open Sans"/>
                 <a:cs typeface="Open Sans"/>
-                <a:sym typeface="Open Sans"/>
               </a:defRPr>
             </a:lvl3pPr>
-            <a:lvl4pPr lvl="3" rtl="0">
+            <a:lvl4pPr lvl="3">
               <a:spcBef>
                 <a:spcPts val="0"/>
               </a:spcBef>
@@ -7332,17 +5982,16 @@
               <a:buSzPts val="2000"/>
               <a:buFont typeface="Open Sans"/>
               <a:buNone/>
-              <a:defRPr b="1" sz="2000">
+              <a:defRPr sz="2000" b="1">
                 <a:solidFill>
                   <a:schemeClr val="dk1"/>
                 </a:solidFill>
                 <a:latin typeface="Open Sans"/>
                 <a:ea typeface="Open Sans"/>
                 <a:cs typeface="Open Sans"/>
-                <a:sym typeface="Open Sans"/>
               </a:defRPr>
             </a:lvl4pPr>
-            <a:lvl5pPr lvl="4" rtl="0">
+            <a:lvl5pPr lvl="4">
               <a:spcBef>
                 <a:spcPts val="0"/>
               </a:spcBef>
@@ -7355,17 +6004,16 @@
               <a:buSzPts val="2000"/>
               <a:buFont typeface="Open Sans"/>
               <a:buNone/>
-              <a:defRPr b="1" sz="2000">
+              <a:defRPr sz="2000" b="1">
                 <a:solidFill>
                   <a:schemeClr val="dk1"/>
                 </a:solidFill>
                 <a:latin typeface="Open Sans"/>
                 <a:ea typeface="Open Sans"/>
                 <a:cs typeface="Open Sans"/>
-                <a:sym typeface="Open Sans"/>
               </a:defRPr>
             </a:lvl5pPr>
-            <a:lvl6pPr lvl="5" rtl="0">
+            <a:lvl6pPr lvl="5">
               <a:spcBef>
                 <a:spcPts val="0"/>
               </a:spcBef>
@@ -7378,17 +6026,16 @@
               <a:buSzPts val="2000"/>
               <a:buFont typeface="Open Sans"/>
               <a:buNone/>
-              <a:defRPr b="1" sz="2000">
+              <a:defRPr sz="2000" b="1">
                 <a:solidFill>
                   <a:schemeClr val="dk1"/>
                 </a:solidFill>
                 <a:latin typeface="Open Sans"/>
                 <a:ea typeface="Open Sans"/>
                 <a:cs typeface="Open Sans"/>
-                <a:sym typeface="Open Sans"/>
               </a:defRPr>
             </a:lvl6pPr>
-            <a:lvl7pPr lvl="6" rtl="0">
+            <a:lvl7pPr lvl="6">
               <a:spcBef>
                 <a:spcPts val="0"/>
               </a:spcBef>
@@ -7401,17 +6048,16 @@
               <a:buSzPts val="2000"/>
               <a:buFont typeface="Open Sans"/>
               <a:buNone/>
-              <a:defRPr b="1" sz="2000">
+              <a:defRPr sz="2000" b="1">
                 <a:solidFill>
                   <a:schemeClr val="dk1"/>
                 </a:solidFill>
                 <a:latin typeface="Open Sans"/>
                 <a:ea typeface="Open Sans"/>
                 <a:cs typeface="Open Sans"/>
-                <a:sym typeface="Open Sans"/>
               </a:defRPr>
             </a:lvl7pPr>
-            <a:lvl8pPr lvl="7" rtl="0">
+            <a:lvl8pPr lvl="7">
               <a:spcBef>
                 <a:spcPts val="0"/>
               </a:spcBef>
@@ -7424,17 +6070,16 @@
               <a:buSzPts val="2000"/>
               <a:buFont typeface="Open Sans"/>
               <a:buNone/>
-              <a:defRPr b="1" sz="2000">
+              <a:defRPr sz="2000" b="1">
                 <a:solidFill>
                   <a:schemeClr val="dk1"/>
                 </a:solidFill>
                 <a:latin typeface="Open Sans"/>
                 <a:ea typeface="Open Sans"/>
                 <a:cs typeface="Open Sans"/>
-                <a:sym typeface="Open Sans"/>
               </a:defRPr>
             </a:lvl8pPr>
-            <a:lvl9pPr lvl="8" rtl="0">
+            <a:lvl9pPr lvl="8">
               <a:spcBef>
                 <a:spcPts val="0"/>
               </a:spcBef>
@@ -7447,18 +6092,22 @@
               <a:buSzPts val="2000"/>
               <a:buFont typeface="Open Sans"/>
               <a:buNone/>
-              <a:defRPr b="1" sz="2000">
+              <a:defRPr sz="2000" b="1">
                 <a:solidFill>
                   <a:schemeClr val="dk1"/>
                 </a:solidFill>
                 <a:latin typeface="Open Sans"/>
                 <a:ea typeface="Open Sans"/>
                 <a:cs typeface="Open Sans"/>
-                <a:sym typeface="Open Sans"/>
               </a:defRPr>
             </a:lvl9pPr>
           </a:lstStyle>
-          <a:p/>
+          <a:p>
+            <a:pPr>
+              <a:defRPr/>
+            </a:pPr>
+            <a:endParaRPr/>
+          </a:p>
         </p:txBody>
       </p:sp>
       <p:sp>
@@ -7466,10 +6115,10 @@
           <p:cNvPr id="7" name="Google Shape;7;p1"/>
           <p:cNvSpPr txBox="1"/>
           <p:nvPr>
-            <p:ph idx="1" type="body"/>
+            <p:ph type="body" idx="1"/>
           </p:nvPr>
         </p:nvSpPr>
-        <p:spPr>
+        <p:spPr bwMode="auto">
           <a:xfrm>
             <a:off x="591500" y="1293900"/>
             <a:ext cx="7971900" cy="3275100"/>
@@ -7483,11 +6132,11 @@
           </a:ln>
         </p:spPr>
         <p:txBody>
-          <a:bodyPr anchorCtr="0" anchor="t" bIns="91425" lIns="91425" spcFirstLastPara="1" rIns="91425" wrap="square" tIns="91425">
+          <a:bodyPr spcFirstLastPara="1" wrap="square" lIns="91425" tIns="91425" rIns="91425" bIns="91425" anchor="t" anchorCtr="0">
             <a:noAutofit/>
           </a:bodyPr>
           <a:lstStyle>
-            <a:lvl1pPr indent="-317500" lvl="0" marL="457200" rtl="0">
+            <a:lvl1pPr marL="457200" lvl="0" indent="-317500">
               <a:lnSpc>
                 <a:spcPct val="100000"/>
               </a:lnSpc>
@@ -7510,10 +6159,9 @@
                 <a:latin typeface="Open Sans"/>
                 <a:ea typeface="Open Sans"/>
                 <a:cs typeface="Open Sans"/>
-                <a:sym typeface="Open Sans"/>
               </a:defRPr>
             </a:lvl1pPr>
-            <a:lvl2pPr indent="-317500" lvl="1" marL="914400" rtl="0">
+            <a:lvl2pPr marL="914400" lvl="1" indent="-317500">
               <a:lnSpc>
                 <a:spcPct val="100000"/>
               </a:lnSpc>
@@ -7536,10 +6184,9 @@
                 <a:latin typeface="Open Sans"/>
                 <a:ea typeface="Open Sans"/>
                 <a:cs typeface="Open Sans"/>
-                <a:sym typeface="Open Sans"/>
               </a:defRPr>
             </a:lvl2pPr>
-            <a:lvl3pPr indent="-317500" lvl="2" marL="1371600" rtl="0">
+            <a:lvl3pPr marL="1371600" lvl="2" indent="-317500">
               <a:lnSpc>
                 <a:spcPct val="100000"/>
               </a:lnSpc>
@@ -7562,10 +6209,9 @@
                 <a:latin typeface="Open Sans"/>
                 <a:ea typeface="Open Sans"/>
                 <a:cs typeface="Open Sans"/>
-                <a:sym typeface="Open Sans"/>
               </a:defRPr>
             </a:lvl3pPr>
-            <a:lvl4pPr indent="-317500" lvl="3" marL="1828800" rtl="0">
+            <a:lvl4pPr marL="1828800" lvl="3" indent="-317500">
               <a:lnSpc>
                 <a:spcPct val="100000"/>
               </a:lnSpc>
@@ -7588,10 +6234,9 @@
                 <a:latin typeface="Open Sans"/>
                 <a:ea typeface="Open Sans"/>
                 <a:cs typeface="Open Sans"/>
-                <a:sym typeface="Open Sans"/>
               </a:defRPr>
             </a:lvl4pPr>
-            <a:lvl5pPr indent="-317500" lvl="4" marL="2286000" rtl="0">
+            <a:lvl5pPr marL="2286000" lvl="4" indent="-317500">
               <a:lnSpc>
                 <a:spcPct val="100000"/>
               </a:lnSpc>
@@ -7614,10 +6259,9 @@
                 <a:latin typeface="Open Sans"/>
                 <a:ea typeface="Open Sans"/>
                 <a:cs typeface="Open Sans"/>
-                <a:sym typeface="Open Sans"/>
               </a:defRPr>
             </a:lvl5pPr>
-            <a:lvl6pPr indent="-317500" lvl="5" marL="2743200" rtl="0">
+            <a:lvl6pPr marL="2743200" lvl="5" indent="-317500">
               <a:lnSpc>
                 <a:spcPct val="100000"/>
               </a:lnSpc>
@@ -7640,10 +6284,9 @@
                 <a:latin typeface="Open Sans"/>
                 <a:ea typeface="Open Sans"/>
                 <a:cs typeface="Open Sans"/>
-                <a:sym typeface="Open Sans"/>
               </a:defRPr>
             </a:lvl6pPr>
-            <a:lvl7pPr indent="-317500" lvl="6" marL="3200400" rtl="0">
+            <a:lvl7pPr marL="3200400" lvl="6" indent="-317500">
               <a:lnSpc>
                 <a:spcPct val="100000"/>
               </a:lnSpc>
@@ -7666,10 +6309,9 @@
                 <a:latin typeface="Open Sans"/>
                 <a:ea typeface="Open Sans"/>
                 <a:cs typeface="Open Sans"/>
-                <a:sym typeface="Open Sans"/>
               </a:defRPr>
             </a:lvl7pPr>
-            <a:lvl8pPr indent="-317500" lvl="7" marL="3657600" rtl="0">
+            <a:lvl8pPr marL="3657600" lvl="7" indent="-317500">
               <a:lnSpc>
                 <a:spcPct val="100000"/>
               </a:lnSpc>
@@ -7692,10 +6334,9 @@
                 <a:latin typeface="Open Sans"/>
                 <a:ea typeface="Open Sans"/>
                 <a:cs typeface="Open Sans"/>
-                <a:sym typeface="Open Sans"/>
               </a:defRPr>
             </a:lvl8pPr>
-            <a:lvl9pPr indent="-317500" lvl="8" marL="4114800" rtl="0">
+            <a:lvl9pPr marL="4114800" lvl="8" indent="-317500">
               <a:lnSpc>
                 <a:spcPct val="100000"/>
               </a:lnSpc>
@@ -7718,11 +6359,15 @@
                 <a:latin typeface="Open Sans"/>
                 <a:ea typeface="Open Sans"/>
                 <a:cs typeface="Open Sans"/>
-                <a:sym typeface="Open Sans"/>
               </a:defRPr>
             </a:lvl9pPr>
           </a:lstStyle>
-          <a:p/>
+          <a:p>
+            <a:pPr>
+              <a:defRPr/>
+            </a:pPr>
+            <a:endParaRPr/>
+          </a:p>
         </p:txBody>
       </p:sp>
       <p:sp>
@@ -7730,10 +6375,10 @@
           <p:cNvPr id="8" name="Google Shape;8;p1"/>
           <p:cNvSpPr txBox="1"/>
           <p:nvPr>
-            <p:ph idx="12" type="sldNum"/>
+            <p:ph type="sldNum" idx="12"/>
           </p:nvPr>
         </p:nvSpPr>
-        <p:spPr>
+        <p:spPr bwMode="auto">
           <a:xfrm>
             <a:off x="8472458" y="4663217"/>
             <a:ext cx="548700" cy="393600"/>
@@ -7747,11 +6392,11 @@
           </a:ln>
         </p:spPr>
         <p:txBody>
-          <a:bodyPr anchorCtr="0" anchor="ctr" bIns="91425" lIns="91425" spcFirstLastPara="1" rIns="91425" wrap="square" tIns="91425">
+          <a:bodyPr spcFirstLastPara="1" wrap="square" lIns="91425" tIns="91425" rIns="91425" bIns="91425" anchor="ctr" anchorCtr="0">
             <a:noAutofit/>
           </a:bodyPr>
           <a:lstStyle>
-            <a:lvl1pPr lvl="0" rtl="0" algn="r">
+            <a:lvl1pPr lvl="0" algn="r">
               <a:buNone/>
               <a:defRPr sz="1000">
                 <a:solidFill>
@@ -7759,7 +6404,7 @@
                 </a:solidFill>
               </a:defRPr>
             </a:lvl1pPr>
-            <a:lvl2pPr lvl="1" rtl="0" algn="r">
+            <a:lvl2pPr lvl="1" algn="r">
               <a:buNone/>
               <a:defRPr sz="1000">
                 <a:solidFill>
@@ -7767,7 +6412,7 @@
                 </a:solidFill>
               </a:defRPr>
             </a:lvl2pPr>
-            <a:lvl3pPr lvl="2" rtl="0" algn="r">
+            <a:lvl3pPr lvl="2" algn="r">
               <a:buNone/>
               <a:defRPr sz="1000">
                 <a:solidFill>
@@ -7775,7 +6420,7 @@
                 </a:solidFill>
               </a:defRPr>
             </a:lvl3pPr>
-            <a:lvl4pPr lvl="3" rtl="0" algn="r">
+            <a:lvl4pPr lvl="3" algn="r">
               <a:buNone/>
               <a:defRPr sz="1000">
                 <a:solidFill>
@@ -7783,7 +6428,7 @@
                 </a:solidFill>
               </a:defRPr>
             </a:lvl4pPr>
-            <a:lvl5pPr lvl="4" rtl="0" algn="r">
+            <a:lvl5pPr lvl="4" algn="r">
               <a:buNone/>
               <a:defRPr sz="1000">
                 <a:solidFill>
@@ -7791,7 +6436,7 @@
                 </a:solidFill>
               </a:defRPr>
             </a:lvl5pPr>
-            <a:lvl6pPr lvl="5" rtl="0" algn="r">
+            <a:lvl6pPr lvl="5" algn="r">
               <a:buNone/>
               <a:defRPr sz="1000">
                 <a:solidFill>
@@ -7799,7 +6444,7 @@
                 </a:solidFill>
               </a:defRPr>
             </a:lvl6pPr>
-            <a:lvl7pPr lvl="6" rtl="0" algn="r">
+            <a:lvl7pPr lvl="6" algn="r">
               <a:buNone/>
               <a:defRPr sz="1000">
                 <a:solidFill>
@@ -7807,7 +6452,7 @@
                 </a:solidFill>
               </a:defRPr>
             </a:lvl7pPr>
-            <a:lvl8pPr lvl="7" rtl="0" algn="r">
+            <a:lvl8pPr lvl="7" algn="r">
               <a:buNone/>
               <a:defRPr sz="1000">
                 <a:solidFill>
@@ -7815,7 +6460,7 @@
                 </a:solidFill>
               </a:defRPr>
             </a:lvl8pPr>
-            <a:lvl9pPr lvl="8" rtl="0" algn="r">
+            <a:lvl9pPr lvl="8" algn="r">
               <a:buNone/>
               <a:defRPr sz="1000">
                 <a:solidFill>
@@ -7825,18 +6470,19 @@
             </a:lvl9pPr>
           </a:lstStyle>
           <a:p>
-            <a:pPr indent="0" lvl="0" marL="0" rtl="0" algn="r">
-              <a:spcBef>
-                <a:spcPts val="0"/>
-              </a:spcBef>
-              <a:spcAft>
-                <a:spcPts val="0"/>
-              </a:spcAft>
-              <a:buNone/>
+            <a:pPr marL="0" lvl="0" indent="0" algn="r">
+              <a:spcBef>
+                <a:spcPts val="0"/>
+              </a:spcBef>
+              <a:spcAft>
+                <a:spcPts val="0"/>
+              </a:spcAft>
+              <a:buNone/>
+              <a:defRPr/>
             </a:pPr>
             <a:fld id="{00000000-1234-1234-1234-123412341234}" type="slidenum">
               <a:rPr lang="en"/>
-              <a:t>‹#›</a:t>
+              <a:t/>
             </a:fld>
             <a:endParaRPr/>
           </a:p>
@@ -7848,7 +6494,7 @@
           <p:cNvSpPr txBox="1"/>
           <p:nvPr/>
         </p:nvSpPr>
-        <p:spPr>
+        <p:spPr bwMode="auto">
           <a:xfrm>
             <a:off x="120625" y="4815050"/>
             <a:ext cx="2072700" cy="165600"/>
@@ -7862,19 +6508,20 @@
           </a:ln>
         </p:spPr>
         <p:txBody>
-          <a:bodyPr anchorCtr="0" anchor="t" bIns="91425" lIns="91425" spcFirstLastPara="1" rIns="91425" wrap="square" tIns="91425">
+          <a:bodyPr spcFirstLastPara="1" wrap="square" lIns="91425" tIns="91425" rIns="91425" bIns="91425" anchor="t" anchorCtr="0">
             <a:noAutofit/>
           </a:bodyPr>
           <a:lstStyle/>
           <a:p>
-            <a:pPr indent="0" lvl="0" marL="0" rtl="0" algn="l">
-              <a:spcBef>
-                <a:spcPts val="0"/>
-              </a:spcBef>
-              <a:spcAft>
-                <a:spcPts val="0"/>
-              </a:spcAft>
-              <a:buNone/>
+            <a:pPr marL="0" lvl="0" indent="0" algn="l">
+              <a:spcBef>
+                <a:spcPts val="0"/>
+              </a:spcBef>
+              <a:spcAft>
+                <a:spcPts val="0"/>
+              </a:spcAft>
+              <a:buNone/>
+              <a:defRPr/>
             </a:pPr>
             <a:r>
               <a:rPr lang="en" sz="800">
@@ -7884,7 +6531,6 @@
                 <a:latin typeface="Open Sans"/>
                 <a:ea typeface="Open Sans"/>
                 <a:cs typeface="Open Sans"/>
-                <a:sym typeface="Open Sans"/>
               </a:rPr>
               <a:t>Confidential</a:t>
             </a:r>
@@ -7895,30 +6541,29 @@
               <a:latin typeface="Open Sans"/>
               <a:ea typeface="Open Sans"/>
               <a:cs typeface="Open Sans"/>
-              <a:sym typeface="Open Sans"/>
             </a:endParaRPr>
           </a:p>
         </p:txBody>
       </p:sp>
     </p:spTree>
   </p:cSld>
-  <p:clrMap accent1="accent1" accent2="accent2" accent3="accent3" accent4="accent4" accent5="accent5" accent6="accent6" bg1="lt1" bg2="dk2" tx1="dk1" tx2="lt2" folHlink="folHlink" hlink="hlink"/>
+  <p:clrMap bg1="lt1" tx1="dk1" bg2="dk2" tx2="lt2" accent1="accent1" accent2="accent2" accent3="accent3" accent4="accent4" accent5="accent5" accent6="accent6" hlink="hlink" folHlink="folHlink"/>
   <p:sldLayoutIdLst>
-    <p:sldLayoutId id="2147483648" r:id="rId2"/>
-    <p:sldLayoutId id="2147483649" r:id="rId3"/>
-    <p:sldLayoutId id="2147483650" r:id="rId4"/>
-    <p:sldLayoutId id="2147483651" r:id="rId5"/>
-    <p:sldLayoutId id="2147483652" r:id="rId6"/>
-    <p:sldLayoutId id="2147483653" r:id="rId7"/>
-    <p:sldLayoutId id="2147483654" r:id="rId8"/>
-    <p:sldLayoutId id="2147483655" r:id="rId9"/>
-    <p:sldLayoutId id="2147483656" r:id="rId10"/>
-    <p:sldLayoutId id="2147483657" r:id="rId11"/>
+    <p:sldLayoutId id="2147483649" r:id="rId1"/>
+    <p:sldLayoutId id="2147483650" r:id="rId2"/>
+    <p:sldLayoutId id="2147483651" r:id="rId3"/>
+    <p:sldLayoutId id="2147483652" r:id="rId4"/>
+    <p:sldLayoutId id="2147483653" r:id="rId5"/>
+    <p:sldLayoutId id="2147483654" r:id="rId6"/>
+    <p:sldLayoutId id="2147483655" r:id="rId7"/>
+    <p:sldLayoutId id="2147483656" r:id="rId8"/>
+    <p:sldLayoutId id="2147483657" r:id="rId9"/>
+    <p:sldLayoutId id="2147483658" r:id="rId10"/>
   </p:sldLayoutIdLst>
   <p:hf dt="0" ftr="0" hdr="0" sldNum="0"/>
   <p:txStyles>
     <p:titleStyle>
-      <a:defPPr lvl="0" marR="0" rtl="0" algn="l">
+      <a:defPPr marR="0" lvl="0" algn="l">
         <a:lnSpc>
           <a:spcPct val="100000"/>
         </a:lnSpc>
@@ -7929,7 +6574,7 @@
           <a:spcPts val="0"/>
         </a:spcAft>
       </a:defPPr>
-      <a:lvl1pPr lvl="0" marR="0" rtl="0" algn="l">
+      <a:lvl1pPr marR="0" lvl="0" algn="l">
         <a:lnSpc>
           <a:spcPct val="100000"/>
         </a:lnSpc>
@@ -7943,17 +6588,16 @@
           <a:srgbClr val="000000"/>
         </a:buClr>
         <a:buFont typeface="Arial"/>
-        <a:defRPr b="0" i="0" sz="1400" u="none" cap="none" strike="noStrike">
+        <a:defRPr sz="1400" b="0" i="0" u="none" strike="noStrike" cap="none">
           <a:solidFill>
             <a:srgbClr val="000000"/>
           </a:solidFill>
           <a:latin typeface="Arial"/>
           <a:ea typeface="Arial"/>
           <a:cs typeface="Arial"/>
-          <a:sym typeface="Arial"/>
         </a:defRPr>
       </a:lvl1pPr>
-      <a:lvl2pPr lvl="1" marR="0" rtl="0" algn="l">
+      <a:lvl2pPr marR="0" lvl="1" algn="l">
         <a:lnSpc>
           <a:spcPct val="100000"/>
         </a:lnSpc>
@@ -7967,17 +6611,16 @@
           <a:srgbClr val="000000"/>
         </a:buClr>
         <a:buFont typeface="Arial"/>
-        <a:defRPr b="0" i="0" sz="1400" u="none" cap="none" strike="noStrike">
+        <a:defRPr sz="1400" b="0" i="0" u="none" strike="noStrike" cap="none">
           <a:solidFill>
             <a:srgbClr val="000000"/>
           </a:solidFill>
           <a:latin typeface="Arial"/>
           <a:ea typeface="Arial"/>
           <a:cs typeface="Arial"/>
-          <a:sym typeface="Arial"/>
         </a:defRPr>
       </a:lvl2pPr>
-      <a:lvl3pPr lvl="2" marR="0" rtl="0" algn="l">
+      <a:lvl3pPr marR="0" lvl="2" algn="l">
         <a:lnSpc>
           <a:spcPct val="100000"/>
         </a:lnSpc>
@@ -7991,17 +6634,16 @@
           <a:srgbClr val="000000"/>
         </a:buClr>
         <a:buFont typeface="Arial"/>
-        <a:defRPr b="0" i="0" sz="1400" u="none" cap="none" strike="noStrike">
+        <a:defRPr sz="1400" b="0" i="0" u="none" strike="noStrike" cap="none">
           <a:solidFill>
             <a:srgbClr val="000000"/>
           </a:solidFill>
           <a:latin typeface="Arial"/>
           <a:ea typeface="Arial"/>
           <a:cs typeface="Arial"/>
-          <a:sym typeface="Arial"/>
         </a:defRPr>
       </a:lvl3pPr>
-      <a:lvl4pPr lvl="3" marR="0" rtl="0" algn="l">
+      <a:lvl4pPr marR="0" lvl="3" algn="l">
         <a:lnSpc>
           <a:spcPct val="100000"/>
         </a:lnSpc>
@@ -8015,17 +6657,16 @@
           <a:srgbClr val="000000"/>
         </a:buClr>
         <a:buFont typeface="Arial"/>
-        <a:defRPr b="0" i="0" sz="1400" u="none" cap="none" strike="noStrike">
+        <a:defRPr sz="1400" b="0" i="0" u="none" strike="noStrike" cap="none">
           <a:solidFill>
             <a:srgbClr val="000000"/>
           </a:solidFill>
           <a:latin typeface="Arial"/>
           <a:ea typeface="Arial"/>
           <a:cs typeface="Arial"/>
-          <a:sym typeface="Arial"/>
         </a:defRPr>
       </a:lvl4pPr>
-      <a:lvl5pPr lvl="4" marR="0" rtl="0" algn="l">
+      <a:lvl5pPr marR="0" lvl="4" algn="l">
         <a:lnSpc>
           <a:spcPct val="100000"/>
         </a:lnSpc>
@@ -8039,17 +6680,16 @@
           <a:srgbClr val="000000"/>
         </a:buClr>
         <a:buFont typeface="Arial"/>
-        <a:defRPr b="0" i="0" sz="1400" u="none" cap="none" strike="noStrike">
+        <a:defRPr sz="1400" b="0" i="0" u="none" strike="noStrike" cap="none">
           <a:solidFill>
             <a:srgbClr val="000000"/>
           </a:solidFill>
           <a:latin typeface="Arial"/>
           <a:ea typeface="Arial"/>
           <a:cs typeface="Arial"/>
-          <a:sym typeface="Arial"/>
         </a:defRPr>
       </a:lvl5pPr>
-      <a:lvl6pPr lvl="5" marR="0" rtl="0" algn="l">
+      <a:lvl6pPr marR="0" lvl="5" algn="l">
         <a:lnSpc>
           <a:spcPct val="100000"/>
         </a:lnSpc>
@@ -8063,17 +6703,16 @@
           <a:srgbClr val="000000"/>
         </a:buClr>
         <a:buFont typeface="Arial"/>
-        <a:defRPr b="0" i="0" sz="1400" u="none" cap="none" strike="noStrike">
+        <a:defRPr sz="1400" b="0" i="0" u="none" strike="noStrike" cap="none">
           <a:solidFill>
             <a:srgbClr val="000000"/>
           </a:solidFill>
           <a:latin typeface="Arial"/>
           <a:ea typeface="Arial"/>
           <a:cs typeface="Arial"/>
-          <a:sym typeface="Arial"/>
         </a:defRPr>
       </a:lvl6pPr>
-      <a:lvl7pPr lvl="6" marR="0" rtl="0" algn="l">
+      <a:lvl7pPr marR="0" lvl="6" algn="l">
         <a:lnSpc>
           <a:spcPct val="100000"/>
         </a:lnSpc>
@@ -8087,17 +6726,16 @@
           <a:srgbClr val="000000"/>
         </a:buClr>
         <a:buFont typeface="Arial"/>
-        <a:defRPr b="0" i="0" sz="1400" u="none" cap="none" strike="noStrike">
+        <a:defRPr sz="1400" b="0" i="0" u="none" strike="noStrike" cap="none">
           <a:solidFill>
             <a:srgbClr val="000000"/>
           </a:solidFill>
           <a:latin typeface="Arial"/>
           <a:ea typeface="Arial"/>
           <a:cs typeface="Arial"/>
-          <a:sym typeface="Arial"/>
         </a:defRPr>
       </a:lvl7pPr>
-      <a:lvl8pPr lvl="7" marR="0" rtl="0" algn="l">
+      <a:lvl8pPr marR="0" lvl="7" algn="l">
         <a:lnSpc>
           <a:spcPct val="100000"/>
         </a:lnSpc>
@@ -8111,17 +6749,16 @@
           <a:srgbClr val="000000"/>
         </a:buClr>
         <a:buFont typeface="Arial"/>
-        <a:defRPr b="0" i="0" sz="1400" u="none" cap="none" strike="noStrike">
+        <a:defRPr sz="1400" b="0" i="0" u="none" strike="noStrike" cap="none">
           <a:solidFill>
             <a:srgbClr val="000000"/>
           </a:solidFill>
           <a:latin typeface="Arial"/>
           <a:ea typeface="Arial"/>
           <a:cs typeface="Arial"/>
-          <a:sym typeface="Arial"/>
         </a:defRPr>
       </a:lvl8pPr>
-      <a:lvl9pPr lvl="8" marR="0" rtl="0" algn="l">
+      <a:lvl9pPr marR="0" lvl="8" algn="l">
         <a:lnSpc>
           <a:spcPct val="100000"/>
         </a:lnSpc>
@@ -8135,19 +6772,18 @@
           <a:srgbClr val="000000"/>
         </a:buClr>
         <a:buFont typeface="Arial"/>
-        <a:defRPr b="0" i="0" sz="1400" u="none" cap="none" strike="noStrike">
+        <a:defRPr sz="1400" b="0" i="0" u="none" strike="noStrike" cap="none">
           <a:solidFill>
             <a:srgbClr val="000000"/>
           </a:solidFill>
           <a:latin typeface="Arial"/>
           <a:ea typeface="Arial"/>
           <a:cs typeface="Arial"/>
-          <a:sym typeface="Arial"/>
         </a:defRPr>
       </a:lvl9pPr>
     </p:titleStyle>
     <p:bodyStyle>
-      <a:defPPr lvl="0" marR="0" rtl="0" algn="l">
+      <a:defPPr marR="0" lvl="0" algn="l">
         <a:lnSpc>
           <a:spcPct val="100000"/>
         </a:lnSpc>
@@ -8158,7 +6794,7 @@
           <a:spcPts val="0"/>
         </a:spcAft>
       </a:defPPr>
-      <a:lvl1pPr lvl="0" marR="0" rtl="0" algn="l">
+      <a:lvl1pPr marR="0" lvl="0" algn="l">
         <a:lnSpc>
           <a:spcPct val="100000"/>
         </a:lnSpc>
@@ -8172,17 +6808,16 @@
           <a:srgbClr val="000000"/>
         </a:buClr>
         <a:buFont typeface="Arial"/>
-        <a:defRPr b="0" i="0" sz="1400" u="none" cap="none" strike="noStrike">
+        <a:defRPr sz="1400" b="0" i="0" u="none" strike="noStrike" cap="none">
           <a:solidFill>
             <a:srgbClr val="000000"/>
           </a:solidFill>
           <a:latin typeface="Arial"/>
           <a:ea typeface="Arial"/>
           <a:cs typeface="Arial"/>
-          <a:sym typeface="Arial"/>
         </a:defRPr>
       </a:lvl1pPr>
-      <a:lvl2pPr lvl="1" marR="0" rtl="0" algn="l">
+      <a:lvl2pPr marR="0" lvl="1" algn="l">
         <a:lnSpc>
           <a:spcPct val="100000"/>
         </a:lnSpc>
@@ -8196,17 +6831,16 @@
           <a:srgbClr val="000000"/>
         </a:buClr>
         <a:buFont typeface="Arial"/>
-        <a:defRPr b="0" i="0" sz="1400" u="none" cap="none" strike="noStrike">
+        <a:defRPr sz="1400" b="0" i="0" u="none" strike="noStrike" cap="none">
           <a:solidFill>
             <a:srgbClr val="000000"/>
           </a:solidFill>
           <a:latin typeface="Arial"/>
           <a:ea typeface="Arial"/>
           <a:cs typeface="Arial"/>
-          <a:sym typeface="Arial"/>
         </a:defRPr>
       </a:lvl2pPr>
-      <a:lvl3pPr lvl="2" marR="0" rtl="0" algn="l">
+      <a:lvl3pPr marR="0" lvl="2" algn="l">
         <a:lnSpc>
           <a:spcPct val="100000"/>
         </a:lnSpc>
@@ -8220,17 +6854,16 @@
           <a:srgbClr val="000000"/>
         </a:buClr>
         <a:buFont typeface="Arial"/>
-        <a:defRPr b="0" i="0" sz="1400" u="none" cap="none" strike="noStrike">
+        <a:defRPr sz="1400" b="0" i="0" u="none" strike="noStrike" cap="none">
           <a:solidFill>
             <a:srgbClr val="000000"/>
           </a:solidFill>
           <a:latin typeface="Arial"/>
           <a:ea typeface="Arial"/>
           <a:cs typeface="Arial"/>
-          <a:sym typeface="Arial"/>
         </a:defRPr>
       </a:lvl3pPr>
-      <a:lvl4pPr lvl="3" marR="0" rtl="0" algn="l">
+      <a:lvl4pPr marR="0" lvl="3" algn="l">
         <a:lnSpc>
           <a:spcPct val="100000"/>
         </a:lnSpc>
@@ -8244,17 +6877,16 @@
           <a:srgbClr val="000000"/>
         </a:buClr>
         <a:buFont typeface="Arial"/>
-        <a:defRPr b="0" i="0" sz="1400" u="none" cap="none" strike="noStrike">
+        <a:defRPr sz="1400" b="0" i="0" u="none" strike="noStrike" cap="none">
           <a:solidFill>
             <a:srgbClr val="000000"/>
           </a:solidFill>
           <a:latin typeface="Arial"/>
           <a:ea typeface="Arial"/>
           <a:cs typeface="Arial"/>
-          <a:sym typeface="Arial"/>
         </a:defRPr>
       </a:lvl4pPr>
-      <a:lvl5pPr lvl="4" marR="0" rtl="0" algn="l">
+      <a:lvl5pPr marR="0" lvl="4" algn="l">
         <a:lnSpc>
           <a:spcPct val="100000"/>
         </a:lnSpc>
@@ -8268,17 +6900,16 @@
           <a:srgbClr val="000000"/>
         </a:buClr>
         <a:buFont typeface="Arial"/>
-        <a:defRPr b="0" i="0" sz="1400" u="none" cap="none" strike="noStrike">
+        <a:defRPr sz="1400" b="0" i="0" u="none" strike="noStrike" cap="none">
           <a:solidFill>
             <a:srgbClr val="000000"/>
           </a:solidFill>
           <a:latin typeface="Arial"/>
           <a:ea typeface="Arial"/>
           <a:cs typeface="Arial"/>
-          <a:sym typeface="Arial"/>
         </a:defRPr>
       </a:lvl5pPr>
-      <a:lvl6pPr lvl="5" marR="0" rtl="0" algn="l">
+      <a:lvl6pPr marR="0" lvl="5" algn="l">
         <a:lnSpc>
           <a:spcPct val="100000"/>
         </a:lnSpc>
@@ -8292,17 +6923,16 @@
           <a:srgbClr val="000000"/>
         </a:buClr>
         <a:buFont typeface="Arial"/>
-        <a:defRPr b="0" i="0" sz="1400" u="none" cap="none" strike="noStrike">
+        <a:defRPr sz="1400" b="0" i="0" u="none" strike="noStrike" cap="none">
           <a:solidFill>
             <a:srgbClr val="000000"/>
           </a:solidFill>
           <a:latin typeface="Arial"/>
           <a:ea typeface="Arial"/>
           <a:cs typeface="Arial"/>
-          <a:sym typeface="Arial"/>
         </a:defRPr>
       </a:lvl6pPr>
-      <a:lvl7pPr lvl="6" marR="0" rtl="0" algn="l">
+      <a:lvl7pPr marR="0" lvl="6" algn="l">
         <a:lnSpc>
           <a:spcPct val="100000"/>
         </a:lnSpc>
@@ -8316,17 +6946,16 @@
           <a:srgbClr val="000000"/>
         </a:buClr>
         <a:buFont typeface="Arial"/>
-        <a:defRPr b="0" i="0" sz="1400" u="none" cap="none" strike="noStrike">
+        <a:defRPr sz="1400" b="0" i="0" u="none" strike="noStrike" cap="none">
           <a:solidFill>
             <a:srgbClr val="000000"/>
           </a:solidFill>
           <a:latin typeface="Arial"/>
           <a:ea typeface="Arial"/>
           <a:cs typeface="Arial"/>
-          <a:sym typeface="Arial"/>
         </a:defRPr>
       </a:lvl7pPr>
-      <a:lvl8pPr lvl="7" marR="0" rtl="0" algn="l">
+      <a:lvl8pPr marR="0" lvl="7" algn="l">
         <a:lnSpc>
           <a:spcPct val="100000"/>
         </a:lnSpc>
@@ -8340,17 +6969,16 @@
           <a:srgbClr val="000000"/>
         </a:buClr>
         <a:buFont typeface="Arial"/>
-        <a:defRPr b="0" i="0" sz="1400" u="none" cap="none" strike="noStrike">
+        <a:defRPr sz="1400" b="0" i="0" u="none" strike="noStrike" cap="none">
           <a:solidFill>
             <a:srgbClr val="000000"/>
           </a:solidFill>
           <a:latin typeface="Arial"/>
           <a:ea typeface="Arial"/>
           <a:cs typeface="Arial"/>
-          <a:sym typeface="Arial"/>
         </a:defRPr>
       </a:lvl8pPr>
-      <a:lvl9pPr lvl="8" marR="0" rtl="0" algn="l">
+      <a:lvl9pPr marR="0" lvl="8" algn="l">
         <a:lnSpc>
           <a:spcPct val="100000"/>
         </a:lnSpc>
@@ -8364,19 +6992,18 @@
           <a:srgbClr val="000000"/>
         </a:buClr>
         <a:buFont typeface="Arial"/>
-        <a:defRPr b="0" i="0" sz="1400" u="none" cap="none" strike="noStrike">
+        <a:defRPr sz="1400" b="0" i="0" u="none" strike="noStrike" cap="none">
           <a:solidFill>
             <a:srgbClr val="000000"/>
           </a:solidFill>
           <a:latin typeface="Arial"/>
           <a:ea typeface="Arial"/>
           <a:cs typeface="Arial"/>
-          <a:sym typeface="Arial"/>
         </a:defRPr>
       </a:lvl9pPr>
     </p:bodyStyle>
     <p:otherStyle>
-      <a:defPPr lvl="0" marR="0" rtl="0" algn="l">
+      <a:defPPr marR="0" lvl="0" algn="l">
         <a:lnSpc>
           <a:spcPct val="100000"/>
         </a:lnSpc>
@@ -8387,7 +7014,7 @@
           <a:spcPts val="0"/>
         </a:spcAft>
       </a:defPPr>
-      <a:lvl1pPr lvl="0" marR="0" rtl="0" algn="l">
+      <a:lvl1pPr marR="0" lvl="0" algn="l">
         <a:lnSpc>
           <a:spcPct val="100000"/>
         </a:lnSpc>
@@ -8401,17 +7028,16 @@
           <a:srgbClr val="000000"/>
         </a:buClr>
         <a:buFont typeface="Arial"/>
-        <a:defRPr b="0" i="0" sz="1400" u="none" cap="none" strike="noStrike">
+        <a:defRPr sz="1400" b="0" i="0" u="none" strike="noStrike" cap="none">
           <a:solidFill>
             <a:srgbClr val="000000"/>
           </a:solidFill>
           <a:latin typeface="Arial"/>
           <a:ea typeface="Arial"/>
           <a:cs typeface="Arial"/>
-          <a:sym typeface="Arial"/>
         </a:defRPr>
       </a:lvl1pPr>
-      <a:lvl2pPr lvl="1" marR="0" rtl="0" algn="l">
+      <a:lvl2pPr marR="0" lvl="1" algn="l">
         <a:lnSpc>
           <a:spcPct val="100000"/>
         </a:lnSpc>
@@ -8425,17 +7051,16 @@
           <a:srgbClr val="000000"/>
         </a:buClr>
         <a:buFont typeface="Arial"/>
-        <a:defRPr b="0" i="0" sz="1400" u="none" cap="none" strike="noStrike">
+        <a:defRPr sz="1400" b="0" i="0" u="none" strike="noStrike" cap="none">
           <a:solidFill>
             <a:srgbClr val="000000"/>
           </a:solidFill>
           <a:latin typeface="Arial"/>
           <a:ea typeface="Arial"/>
           <a:cs typeface="Arial"/>
-          <a:sym typeface="Arial"/>
         </a:defRPr>
       </a:lvl2pPr>
-      <a:lvl3pPr lvl="2" marR="0" rtl="0" algn="l">
+      <a:lvl3pPr marR="0" lvl="2" algn="l">
         <a:lnSpc>
           <a:spcPct val="100000"/>
         </a:lnSpc>
@@ -8449,17 +7074,16 @@
           <a:srgbClr val="000000"/>
         </a:buClr>
         <a:buFont typeface="Arial"/>
-        <a:defRPr b="0" i="0" sz="1400" u="none" cap="none" strike="noStrike">
+        <a:defRPr sz="1400" b="0" i="0" u="none" strike="noStrike" cap="none">
           <a:solidFill>
             <a:srgbClr val="000000"/>
           </a:solidFill>
           <a:latin typeface="Arial"/>
           <a:ea typeface="Arial"/>
           <a:cs typeface="Arial"/>
-          <a:sym typeface="Arial"/>
         </a:defRPr>
       </a:lvl3pPr>
-      <a:lvl4pPr lvl="3" marR="0" rtl="0" algn="l">
+      <a:lvl4pPr marR="0" lvl="3" algn="l">
         <a:lnSpc>
           <a:spcPct val="100000"/>
         </a:lnSpc>
@@ -8473,17 +7097,16 @@
           <a:srgbClr val="000000"/>
         </a:buClr>
         <a:buFont typeface="Arial"/>
-        <a:defRPr b="0" i="0" sz="1400" u="none" cap="none" strike="noStrike">
+        <a:defRPr sz="1400" b="0" i="0" u="none" strike="noStrike" cap="none">
           <a:solidFill>
             <a:srgbClr val="000000"/>
           </a:solidFill>
           <a:latin typeface="Arial"/>
           <a:ea typeface="Arial"/>
           <a:cs typeface="Arial"/>
-          <a:sym typeface="Arial"/>
         </a:defRPr>
       </a:lvl4pPr>
-      <a:lvl5pPr lvl="4" marR="0" rtl="0" algn="l">
+      <a:lvl5pPr marR="0" lvl="4" algn="l">
         <a:lnSpc>
           <a:spcPct val="100000"/>
         </a:lnSpc>
@@ -8497,17 +7120,16 @@
           <a:srgbClr val="000000"/>
         </a:buClr>
         <a:buFont typeface="Arial"/>
-        <a:defRPr b="0" i="0" sz="1400" u="none" cap="none" strike="noStrike">
+        <a:defRPr sz="1400" b="0" i="0" u="none" strike="noStrike" cap="none">
           <a:solidFill>
             <a:srgbClr val="000000"/>
           </a:solidFill>
           <a:latin typeface="Arial"/>
           <a:ea typeface="Arial"/>
           <a:cs typeface="Arial"/>
-          <a:sym typeface="Arial"/>
         </a:defRPr>
       </a:lvl5pPr>
-      <a:lvl6pPr lvl="5" marR="0" rtl="0" algn="l">
+      <a:lvl6pPr marR="0" lvl="5" algn="l">
         <a:lnSpc>
           <a:spcPct val="100000"/>
         </a:lnSpc>
@@ -8521,17 +7143,16 @@
           <a:srgbClr val="000000"/>
         </a:buClr>
         <a:buFont typeface="Arial"/>
-        <a:defRPr b="0" i="0" sz="1400" u="none" cap="none" strike="noStrike">
+        <a:defRPr sz="1400" b="0" i="0" u="none" strike="noStrike" cap="none">
           <a:solidFill>
             <a:srgbClr val="000000"/>
           </a:solidFill>
           <a:latin typeface="Arial"/>
           <a:ea typeface="Arial"/>
           <a:cs typeface="Arial"/>
-          <a:sym typeface="Arial"/>
         </a:defRPr>
       </a:lvl6pPr>
-      <a:lvl7pPr lvl="6" marR="0" rtl="0" algn="l">
+      <a:lvl7pPr marR="0" lvl="6" algn="l">
         <a:lnSpc>
           <a:spcPct val="100000"/>
         </a:lnSpc>
@@ -8545,17 +7166,16 @@
           <a:srgbClr val="000000"/>
         </a:buClr>
         <a:buFont typeface="Arial"/>
-        <a:defRPr b="0" i="0" sz="1400" u="none" cap="none" strike="noStrike">
+        <a:defRPr sz="1400" b="0" i="0" u="none" strike="noStrike" cap="none">
           <a:solidFill>
             <a:srgbClr val="000000"/>
           </a:solidFill>
           <a:latin typeface="Arial"/>
           <a:ea typeface="Arial"/>
           <a:cs typeface="Arial"/>
-          <a:sym typeface="Arial"/>
         </a:defRPr>
       </a:lvl7pPr>
-      <a:lvl8pPr lvl="7" marR="0" rtl="0" algn="l">
+      <a:lvl8pPr marR="0" lvl="7" algn="l">
         <a:lnSpc>
           <a:spcPct val="100000"/>
         </a:lnSpc>
@@ -8569,17 +7189,16 @@
           <a:srgbClr val="000000"/>
         </a:buClr>
         <a:buFont typeface="Arial"/>
-        <a:defRPr b="0" i="0" sz="1400" u="none" cap="none" strike="noStrike">
+        <a:defRPr sz="1400" b="0" i="0" u="none" strike="noStrike" cap="none">
           <a:solidFill>
             <a:srgbClr val="000000"/>
           </a:solidFill>
           <a:latin typeface="Arial"/>
           <a:ea typeface="Arial"/>
           <a:cs typeface="Arial"/>
-          <a:sym typeface="Arial"/>
         </a:defRPr>
       </a:lvl8pPr>
-      <a:lvl9pPr lvl="8" marR="0" rtl="0" algn="l">
+      <a:lvl9pPr marR="0" lvl="8" algn="l">
         <a:lnSpc>
           <a:spcPct val="100000"/>
         </a:lnSpc>
@@ -8593,14 +7212,13 @@
           <a:srgbClr val="000000"/>
         </a:buClr>
         <a:buFont typeface="Arial"/>
-        <a:defRPr b="0" i="0" sz="1400" u="none" cap="none" strike="noStrike">
+        <a:defRPr sz="1400" b="0" i="0" u="none" strike="noStrike" cap="none">
           <a:solidFill>
             <a:srgbClr val="000000"/>
           </a:solidFill>
           <a:latin typeface="Arial"/>
           <a:ea typeface="Arial"/>
           <a:cs typeface="Arial"/>
-          <a:sym typeface="Arial"/>
         </a:defRPr>
       </a:lvl9pPr>
     </p:otherStyle>
@@ -8609,15 +7227,15 @@
 </file>
 
 <file path=ppt/slides/slide1.xml><?xml version="1.0" encoding="utf-8"?>
-<p:sld xmlns:a="http://schemas.openxmlformats.org/drawingml/2006/main" xmlns:r="http://schemas.openxmlformats.org/officeDocument/2006/relationships" xmlns:mc="http://schemas.openxmlformats.org/markup-compatibility/2006" xmlns:mv="urn:schemas-microsoft-com:mac:vml" xmlns:p="http://schemas.openxmlformats.org/presentationml/2006/main" xmlns:c="http://schemas.openxmlformats.org/drawingml/2006/chart" xmlns:dgm="http://schemas.openxmlformats.org/drawingml/2006/diagram" xmlns:o="urn:schemas-microsoft-com:office:office" xmlns:v="urn:schemas-microsoft-com:vml" xmlns:pvml="urn:schemas-microsoft-com:office:powerpoint" xmlns:com="http://schemas.openxmlformats.org/drawingml/2006/compatibility" xmlns:p14="http://schemas.microsoft.com/office/powerpoint/2010/main" xmlns:p15="http://schemas.microsoft.com/office/powerpoint/2012/main" xmlns:ahyp="http://schemas.microsoft.com/office/drawing/2018/hyperlinkcolor">
-  <p:cSld>
+<p:sld xmlns:a="http://schemas.openxmlformats.org/drawingml/2006/main" xmlns:r="http://schemas.openxmlformats.org/officeDocument/2006/relationships" xmlns:p="http://schemas.openxmlformats.org/presentationml/2006/main" xmlns:m="http://schemas.openxmlformats.org/officeDocument/2006/math" xmlns:w="http://schemas.openxmlformats.org/wordprocessingml/2006/main" showMasterPhAnim="0" show="1">
+  <p:cSld name="">
     <p:spTree>
       <p:nvGrpSpPr>
-        <p:cNvPr id="53" name="Shape 53"/>
+        <p:cNvPr id="1" name=""/>
         <p:cNvGrpSpPr/>
         <p:nvPr/>
       </p:nvGrpSpPr>
-      <p:grpSpPr>
+      <p:grpSpPr bwMode="auto">
         <a:xfrm>
           <a:off x="0" y="0"/>
           <a:ext cx="0" cy="0"/>
@@ -8628,17 +7246,17 @@
       <p:pic>
         <p:nvPicPr>
           <p:cNvPr id="54" name="Google Shape;54;p12"/>
-          <p:cNvPicPr preferRelativeResize="0"/>
+          <p:cNvPicPr/>
           <p:nvPr/>
         </p:nvPicPr>
-        <p:blipFill rotWithShape="1">
-          <a:blip r:embed="rId3">
+        <p:blipFill>
+          <a:blip r:embed="rId2">
             <a:alphaModFix/>
           </a:blip>
-          <a:srcRect b="35787" l="9957" r="10513" t="35735"/>
+          <a:srcRect l="9957" t="35735" r="10513" b="35787"/>
           <a:stretch/>
         </p:blipFill>
-        <p:spPr>
+        <p:spPr bwMode="auto">
           <a:xfrm>
             <a:off x="2963449" y="497350"/>
             <a:ext cx="3217100" cy="863899"/>
@@ -8660,7 +7278,7 @@
             <p:ph type="title"/>
           </p:nvPr>
         </p:nvSpPr>
-        <p:spPr>
+        <p:spPr bwMode="auto">
           <a:xfrm>
             <a:off x="2086350" y="2198475"/>
             <a:ext cx="4886700" cy="572700"/>
@@ -8670,12 +7288,12 @@
           </a:prstGeom>
         </p:spPr>
         <p:txBody>
-          <a:bodyPr anchorCtr="0" anchor="ctr" bIns="91425" lIns="91425" spcFirstLastPara="1" rIns="91425" wrap="square" tIns="91425">
+          <a:bodyPr spcFirstLastPara="1" wrap="square" lIns="91425" tIns="91425" rIns="91425" bIns="91425" anchor="ctr" anchorCtr="0">
             <a:noAutofit/>
           </a:bodyPr>
           <a:lstStyle/>
           <a:p>
-            <a:pPr indent="0" lvl="0" marL="0" rtl="0" algn="ctr">
+            <a:pPr marL="0" lvl="0" indent="0" algn="ctr">
               <a:lnSpc>
                 <a:spcPct val="200000"/>
               </a:lnSpc>
@@ -8686,6 +7304,7 @@
                 <a:spcPts val="0"/>
               </a:spcAft>
               <a:buNone/>
+              <a:defRPr/>
             </a:pPr>
             <a:r>
               <a:rPr lang="en" sz="2200"/>
@@ -8695,7 +7314,7 @@
               <a:rPr lang="en" sz="2200"/>
               <a:t>Proposition</a:t>
             </a:r>
-            <a:endParaRPr b="0" sz="2200"/>
+            <a:endParaRPr sz="2200" b="0"/>
           </a:p>
         </p:txBody>
       </p:sp>
@@ -8704,10 +7323,10 @@
           <p:cNvPr id="56" name="Google Shape;56;p12"/>
           <p:cNvSpPr txBox="1"/>
           <p:nvPr>
-            <p:ph idx="1" type="subTitle"/>
+            <p:ph type="subTitle" idx="1"/>
           </p:nvPr>
         </p:nvSpPr>
-        <p:spPr>
+        <p:spPr bwMode="auto">
           <a:xfrm>
             <a:off x="2086350" y="2910325"/>
             <a:ext cx="4886700" cy="473400"/>
@@ -8717,19 +7336,20 @@
           </a:prstGeom>
         </p:spPr>
         <p:txBody>
-          <a:bodyPr anchorCtr="0" anchor="t" bIns="91425" lIns="91425" spcFirstLastPara="1" rIns="91425" wrap="square" tIns="91425">
+          <a:bodyPr spcFirstLastPara="1" wrap="square" lIns="91425" tIns="91425" rIns="91425" bIns="91425" anchor="t" anchorCtr="0">
             <a:noAutofit/>
           </a:bodyPr>
           <a:lstStyle/>
           <a:p>
-            <a:pPr indent="0" lvl="0" marL="0" rtl="0" algn="ctr">
-              <a:spcBef>
-                <a:spcPts val="0"/>
-              </a:spcBef>
-              <a:spcAft>
-                <a:spcPts val="0"/>
-              </a:spcAft>
-              <a:buNone/>
+            <a:pPr marL="0" lvl="0" indent="0" algn="ctr">
+              <a:spcBef>
+                <a:spcPts val="0"/>
+              </a:spcBef>
+              <a:spcAft>
+                <a:spcPts val="0"/>
+              </a:spcAft>
+              <a:buNone/>
+              <a:defRPr/>
             </a:pPr>
             <a:r>
               <a:rPr lang="en"/>
@@ -8745,7 +7365,7 @@
           <p:cNvSpPr txBox="1"/>
           <p:nvPr/>
         </p:nvSpPr>
-        <p:spPr>
+        <p:spPr bwMode="auto">
           <a:xfrm>
             <a:off x="7705200" y="4829825"/>
             <a:ext cx="1564800" cy="161400"/>
@@ -8759,19 +7379,20 @@
           </a:ln>
         </p:spPr>
         <p:txBody>
-          <a:bodyPr anchorCtr="0" anchor="t" bIns="91425" lIns="91425" spcFirstLastPara="1" rIns="91425" wrap="square" tIns="91425">
+          <a:bodyPr spcFirstLastPara="1" wrap="square" lIns="91425" tIns="91425" rIns="91425" bIns="91425" anchor="t" anchorCtr="0">
             <a:noAutofit/>
           </a:bodyPr>
           <a:lstStyle/>
           <a:p>
-            <a:pPr indent="0" lvl="0" marL="0" rtl="0" algn="l">
-              <a:spcBef>
-                <a:spcPts val="0"/>
-              </a:spcBef>
-              <a:spcAft>
-                <a:spcPts val="0"/>
-              </a:spcAft>
-              <a:buNone/>
+            <a:pPr marL="0" lvl="0" indent="0" algn="l">
+              <a:spcBef>
+                <a:spcPts val="0"/>
+              </a:spcBef>
+              <a:spcAft>
+                <a:spcPts val="0"/>
+              </a:spcAft>
+              <a:buNone/>
+              <a:defRPr/>
             </a:pPr>
             <a:r>
               <a:rPr lang="en" sz="800">
@@ -8781,7 +7402,6 @@
                 <a:latin typeface="Open Sans"/>
                 <a:ea typeface="Open Sans"/>
                 <a:cs typeface="Open Sans"/>
-                <a:sym typeface="Open Sans"/>
               </a:rPr>
               <a:t>Udacity IPS Version 1.0</a:t>
             </a:r>
@@ -8792,7 +7412,6 @@
               <a:latin typeface="Open Sans"/>
               <a:ea typeface="Open Sans"/>
               <a:cs typeface="Open Sans"/>
-              <a:sym typeface="Open Sans"/>
             </a:endParaRPr>
           </a:p>
         </p:txBody>
@@ -8803,7 +7422,7 @@
           <p:cNvSpPr txBox="1"/>
           <p:nvPr/>
         </p:nvSpPr>
-        <p:spPr>
+        <p:spPr bwMode="auto">
           <a:xfrm>
             <a:off x="2110150" y="2505800"/>
             <a:ext cx="4886700" cy="253500"/>
@@ -8817,26 +7436,26 @@
           </a:ln>
         </p:spPr>
         <p:txBody>
-          <a:bodyPr anchorCtr="0" anchor="t" bIns="91425" lIns="91425" spcFirstLastPara="1" rIns="91425" wrap="square" tIns="91425">
+          <a:bodyPr spcFirstLastPara="1" wrap="square" lIns="91425" tIns="91425" rIns="91425" bIns="91425" anchor="t" anchorCtr="0">
             <a:noAutofit/>
           </a:bodyPr>
           <a:lstStyle/>
           <a:p>
-            <a:pPr indent="0" lvl="0" marL="0" rtl="0" algn="ctr">
-              <a:spcBef>
-                <a:spcPts val="0"/>
-              </a:spcBef>
-              <a:spcAft>
-                <a:spcPts val="0"/>
-              </a:spcAft>
-              <a:buNone/>
+            <a:pPr marL="0" lvl="0" indent="0" algn="ctr">
+              <a:spcBef>
+                <a:spcPts val="0"/>
+              </a:spcBef>
+              <a:spcAft>
+                <a:spcPts val="0"/>
+              </a:spcAft>
+              <a:buNone/>
+              <a:defRPr/>
             </a:pPr>
             <a:r>
               <a:rPr lang="en">
                 <a:latin typeface="Open Sans"/>
                 <a:ea typeface="Open Sans"/>
                 <a:cs typeface="Open Sans"/>
-                <a:sym typeface="Open Sans"/>
               </a:rPr>
               <a:t>Medical Data Processing Company</a:t>
             </a:r>
@@ -8844,7 +7463,6 @@
               <a:latin typeface="Open Sans"/>
               <a:ea typeface="Open Sans"/>
               <a:cs typeface="Open Sans"/>
-              <a:sym typeface="Open Sans"/>
             </a:endParaRPr>
           </a:p>
         </p:txBody>
@@ -8854,19 +7472,27 @@
   <p:clrMapOvr>
     <a:masterClrMapping/>
   </p:clrMapOvr>
+  <mc:AlternateContent xmlns:mc="http://schemas.openxmlformats.org/markup-compatibility/2006">
+    <mc:Choice xmlns:p14="http://schemas.microsoft.com/office/powerpoint/2010/main" Requires="p14">
+      <p:transition p14:dur="2000" advClick="1"/>
+    </mc:Choice>
+    <mc:Fallback>
+      <p:transition advClick="1"/>
+    </mc:Fallback>
+  </mc:AlternateContent>
 </p:sld>
 </file>
 
 <file path=ppt/slides/slide2.xml><?xml version="1.0" encoding="utf-8"?>
-<p:sld xmlns:a="http://schemas.openxmlformats.org/drawingml/2006/main" xmlns:r="http://schemas.openxmlformats.org/officeDocument/2006/relationships" xmlns:mc="http://schemas.openxmlformats.org/markup-compatibility/2006" xmlns:mv="urn:schemas-microsoft-com:mac:vml" xmlns:p="http://schemas.openxmlformats.org/presentationml/2006/main" xmlns:c="http://schemas.openxmlformats.org/drawingml/2006/chart" xmlns:dgm="http://schemas.openxmlformats.org/drawingml/2006/diagram" xmlns:o="urn:schemas-microsoft-com:office:office" xmlns:v="urn:schemas-microsoft-com:vml" xmlns:pvml="urn:schemas-microsoft-com:office:powerpoint" xmlns:com="http://schemas.openxmlformats.org/drawingml/2006/compatibility" xmlns:p14="http://schemas.microsoft.com/office/powerpoint/2010/main" xmlns:p15="http://schemas.microsoft.com/office/powerpoint/2012/main" xmlns:ahyp="http://schemas.microsoft.com/office/drawing/2018/hyperlinkcolor">
-  <p:cSld>
+<p:sld xmlns:a="http://schemas.openxmlformats.org/drawingml/2006/main" xmlns:r="http://schemas.openxmlformats.org/officeDocument/2006/relationships" xmlns:p="http://schemas.openxmlformats.org/presentationml/2006/main" xmlns:m="http://schemas.openxmlformats.org/officeDocument/2006/math" xmlns:w="http://schemas.openxmlformats.org/wordprocessingml/2006/main" showMasterPhAnim="0" show="1">
+  <p:cSld name="">
     <p:spTree>
       <p:nvGrpSpPr>
-        <p:cNvPr id="62" name="Shape 62"/>
+        <p:cNvPr id="1" name=""/>
         <p:cNvGrpSpPr/>
         <p:nvPr/>
       </p:nvGrpSpPr>
-      <p:grpSpPr>
+      <p:grpSpPr bwMode="auto">
         <a:xfrm>
           <a:off x="0" y="0"/>
           <a:ext cx="0" cy="0"/>
@@ -8882,29 +7508,30 @@
             <p:ph type="title"/>
           </p:nvPr>
         </p:nvSpPr>
-        <p:spPr>
+        <p:spPr bwMode="auto">
           <a:xfrm>
             <a:off x="1048800" y="1129475"/>
-            <a:ext cx="7046400" cy="572700"/>
+            <a:ext cx="7046399" cy="572700"/>
           </a:xfrm>
           <a:prstGeom prst="rect">
             <a:avLst/>
           </a:prstGeom>
         </p:spPr>
         <p:txBody>
-          <a:bodyPr anchorCtr="0" anchor="ctr" bIns="91425" lIns="91425" spcFirstLastPara="1" rIns="91425" wrap="square" tIns="91425">
+          <a:bodyPr spcFirstLastPara="1" wrap="square" lIns="91425" tIns="91425" rIns="91425" bIns="91425" anchor="ctr" anchorCtr="0">
             <a:noAutofit/>
           </a:bodyPr>
           <a:lstStyle/>
           <a:p>
-            <a:pPr indent="0" lvl="0" marL="0" rtl="0" algn="l">
-              <a:spcBef>
-                <a:spcPts val="0"/>
-              </a:spcBef>
-              <a:spcAft>
-                <a:spcPts val="0"/>
-              </a:spcAft>
-              <a:buNone/>
+            <a:pPr marL="0" lvl="0" indent="0" algn="l">
+              <a:spcBef>
+                <a:spcPts val="0"/>
+              </a:spcBef>
+              <a:spcAft>
+                <a:spcPts val="0"/>
+              </a:spcAft>
+              <a:buNone/>
+              <a:defRPr/>
             </a:pPr>
             <a:r>
               <a:rPr lang="en" sz="3000">
@@ -8928,7 +7555,7 @@
           <p:cNvSpPr txBox="1"/>
           <p:nvPr/>
         </p:nvSpPr>
-        <p:spPr>
+        <p:spPr bwMode="auto">
           <a:xfrm>
             <a:off x="7705200" y="4829825"/>
             <a:ext cx="1564800" cy="161400"/>
@@ -8942,19 +7569,20 @@
           </a:ln>
         </p:spPr>
         <p:txBody>
-          <a:bodyPr anchorCtr="0" anchor="t" bIns="91425" lIns="91425" spcFirstLastPara="1" rIns="91425" wrap="square" tIns="91425">
+          <a:bodyPr spcFirstLastPara="1" wrap="square" lIns="91425" tIns="91425" rIns="91425" bIns="91425" anchor="t" anchorCtr="0">
             <a:noAutofit/>
           </a:bodyPr>
           <a:lstStyle/>
           <a:p>
-            <a:pPr indent="0" lvl="0" marL="0" rtl="0" algn="l">
-              <a:spcBef>
-                <a:spcPts val="0"/>
-              </a:spcBef>
-              <a:spcAft>
-                <a:spcPts val="0"/>
-              </a:spcAft>
-              <a:buNone/>
+            <a:pPr marL="0" lvl="0" indent="0" algn="l">
+              <a:spcBef>
+                <a:spcPts val="0"/>
+              </a:spcBef>
+              <a:spcAft>
+                <a:spcPts val="0"/>
+              </a:spcAft>
+              <a:buNone/>
+              <a:defRPr/>
             </a:pPr>
             <a:r>
               <a:rPr lang="en" sz="800">
@@ -8964,7 +7592,6 @@
                 <a:latin typeface="Open Sans"/>
                 <a:ea typeface="Open Sans"/>
                 <a:cs typeface="Open Sans"/>
-                <a:sym typeface="Open Sans"/>
               </a:rPr>
               <a:t>Udacity IPS Ver. 1 2/2020</a:t>
             </a:r>
@@ -8975,7 +7602,6 @@
               <a:latin typeface="Open Sans"/>
               <a:ea typeface="Open Sans"/>
               <a:cs typeface="Open Sans"/>
-              <a:sym typeface="Open Sans"/>
             </a:endParaRPr>
           </a:p>
         </p:txBody>
@@ -8985,25 +7611,25 @@
           <p:cNvPr id="65" name="Google Shape;65;p13"/>
           <p:cNvSpPr txBox="1"/>
           <p:nvPr>
-            <p:ph idx="1" type="body"/>
+            <p:ph type="body" idx="1"/>
           </p:nvPr>
         </p:nvSpPr>
-        <p:spPr>
+        <p:spPr bwMode="auto">
           <a:xfrm>
             <a:off x="1066775" y="1962650"/>
-            <a:ext cx="7046400" cy="1917300"/>
+            <a:ext cx="7046399" cy="1917300"/>
           </a:xfrm>
           <a:prstGeom prst="rect">
             <a:avLst/>
           </a:prstGeom>
         </p:spPr>
         <p:txBody>
-          <a:bodyPr anchorCtr="0" anchor="t" bIns="91425" lIns="91425" spcFirstLastPara="1" rIns="91425" wrap="square" tIns="91425">
+          <a:bodyPr spcFirstLastPara="1" wrap="square" lIns="91425" tIns="91425" rIns="91425" bIns="91425" anchor="t" anchorCtr="0">
             <a:noAutofit/>
           </a:bodyPr>
           <a:lstStyle/>
           <a:p>
-            <a:pPr indent="-317500" lvl="0" marL="457200" rtl="0" algn="l">
+            <a:pPr marL="457200" lvl="0" indent="-317500" algn="l">
               <a:spcBef>
                 <a:spcPts val="0"/>
               </a:spcBef>
@@ -9012,6 +7638,7 @@
               </a:spcAft>
               <a:buSzPts val="1400"/>
               <a:buChar char="●"/>
+              <a:defRPr/>
             </a:pPr>
             <a:r>
               <a:rPr lang="en"/>
@@ -9020,7 +7647,7 @@
             <a:endParaRPr/>
           </a:p>
           <a:p>
-            <a:pPr indent="-317500" lvl="0" marL="457200" rtl="0" algn="l">
+            <a:pPr marL="457200" lvl="0" indent="-317500" algn="l">
               <a:spcBef>
                 <a:spcPts val="0"/>
               </a:spcBef>
@@ -9029,6 +7656,7 @@
               </a:spcAft>
               <a:buSzPts val="1400"/>
               <a:buChar char="●"/>
+              <a:defRPr/>
             </a:pPr>
             <a:r>
               <a:rPr lang="en"/>
@@ -9041,7 +7669,7 @@
             <a:endParaRPr/>
           </a:p>
           <a:p>
-            <a:pPr indent="-317500" lvl="0" marL="457200" rtl="0" algn="l">
+            <a:pPr marL="457200" lvl="0" indent="-317500" algn="l">
               <a:spcBef>
                 <a:spcPts val="0"/>
               </a:spcBef>
@@ -9050,6 +7678,7 @@
               </a:spcAft>
               <a:buSzPts val="1400"/>
               <a:buChar char="●"/>
+              <a:defRPr/>
             </a:pPr>
             <a:r>
               <a:rPr lang="en"/>
@@ -9058,7 +7687,7 @@
             <a:endParaRPr/>
           </a:p>
           <a:p>
-            <a:pPr indent="-317500" lvl="0" marL="457200" rtl="0" algn="l">
+            <a:pPr marL="457200" lvl="0" indent="-317500" algn="l">
               <a:spcBef>
                 <a:spcPts val="0"/>
               </a:spcBef>
@@ -9067,6 +7696,7 @@
               </a:spcAft>
               <a:buSzPts val="1400"/>
               <a:buChar char="●"/>
+              <a:defRPr/>
             </a:pPr>
             <a:r>
               <a:rPr lang="en"/>
@@ -9075,7 +7705,7 @@
             <a:endParaRPr/>
           </a:p>
           <a:p>
-            <a:pPr indent="-317500" lvl="0" marL="457200" rtl="0" algn="l">
+            <a:pPr marL="457200" lvl="0" indent="-317500" algn="l">
               <a:spcBef>
                 <a:spcPts val="0"/>
               </a:spcBef>
@@ -9084,6 +7714,7 @@
               </a:spcAft>
               <a:buSzPts val="1400"/>
               <a:buChar char="●"/>
+              <a:defRPr/>
             </a:pPr>
             <a:r>
               <a:rPr lang="en"/>
@@ -9098,19 +7729,27 @@
   <p:clrMapOvr>
     <a:masterClrMapping/>
   </p:clrMapOvr>
+  <mc:AlternateContent xmlns:mc="http://schemas.openxmlformats.org/markup-compatibility/2006">
+    <mc:Choice xmlns:p14="http://schemas.microsoft.com/office/powerpoint/2010/main" Requires="p14">
+      <p:transition p14:dur="2000" advClick="1"/>
+    </mc:Choice>
+    <mc:Fallback>
+      <p:transition advClick="1"/>
+    </mc:Fallback>
+  </mc:AlternateContent>
 </p:sld>
 </file>
 
 <file path=ppt/slides/slide3.xml><?xml version="1.0" encoding="utf-8"?>
-<p:sld xmlns:a="http://schemas.openxmlformats.org/drawingml/2006/main" xmlns:r="http://schemas.openxmlformats.org/officeDocument/2006/relationships" xmlns:mc="http://schemas.openxmlformats.org/markup-compatibility/2006" xmlns:mv="urn:schemas-microsoft-com:mac:vml" xmlns:p="http://schemas.openxmlformats.org/presentationml/2006/main" xmlns:c="http://schemas.openxmlformats.org/drawingml/2006/chart" xmlns:dgm="http://schemas.openxmlformats.org/drawingml/2006/diagram" xmlns:o="urn:schemas-microsoft-com:office:office" xmlns:v="urn:schemas-microsoft-com:vml" xmlns:pvml="urn:schemas-microsoft-com:office:powerpoint" xmlns:com="http://schemas.openxmlformats.org/drawingml/2006/compatibility" xmlns:p14="http://schemas.microsoft.com/office/powerpoint/2010/main" xmlns:p15="http://schemas.microsoft.com/office/powerpoint/2012/main" xmlns:ahyp="http://schemas.microsoft.com/office/drawing/2018/hyperlinkcolor">
-  <p:cSld>
+<p:sld xmlns:a="http://schemas.openxmlformats.org/drawingml/2006/main" xmlns:r="http://schemas.openxmlformats.org/officeDocument/2006/relationships" xmlns:p="http://schemas.openxmlformats.org/presentationml/2006/main" xmlns:m="http://schemas.openxmlformats.org/officeDocument/2006/math" xmlns:w="http://schemas.openxmlformats.org/wordprocessingml/2006/main" showMasterPhAnim="0" show="1">
+  <p:cSld name="">
     <p:spTree>
       <p:nvGrpSpPr>
-        <p:cNvPr id="69" name="Shape 69"/>
+        <p:cNvPr id="1" name=""/>
         <p:cNvGrpSpPr/>
         <p:nvPr/>
       </p:nvGrpSpPr>
-      <p:grpSpPr>
+      <p:grpSpPr bwMode="auto">
         <a:xfrm>
           <a:off x="0" y="0"/>
           <a:ext cx="0" cy="0"/>
@@ -9123,10 +7762,10 @@
           <p:cNvPr id="70" name="Google Shape;70;p14"/>
           <p:cNvSpPr txBox="1"/>
           <p:nvPr>
-            <p:ph idx="1" type="body"/>
+            <p:ph type="body" idx="1"/>
           </p:nvPr>
         </p:nvSpPr>
-        <p:spPr>
+        <p:spPr bwMode="auto">
           <a:xfrm>
             <a:off x="605400" y="1787750"/>
             <a:ext cx="7867200" cy="2875500"/>
@@ -9136,23 +7775,24 @@
           </a:prstGeom>
         </p:spPr>
         <p:txBody>
-          <a:bodyPr anchorCtr="0" anchor="t" bIns="91425" lIns="91425" spcFirstLastPara="1" rIns="91425" wrap="square" tIns="91425">
+          <a:bodyPr spcFirstLastPara="1" wrap="square" lIns="91425" tIns="91425" rIns="91425" bIns="91425" anchor="t" anchorCtr="0">
             <a:noAutofit/>
           </a:bodyPr>
           <a:lstStyle/>
           <a:p>
-            <a:pPr indent="0" lvl="0" marL="0" rtl="0" algn="l">
-              <a:spcBef>
-                <a:spcPts val="0"/>
-              </a:spcBef>
-              <a:spcAft>
-                <a:spcPts val="0"/>
-              </a:spcAft>
-              <a:buNone/>
+            <a:pPr marL="0" lvl="0" indent="0" algn="l">
+              <a:spcBef>
+                <a:spcPts val="0"/>
+              </a:spcBef>
+              <a:spcAft>
+                <a:spcPts val="0"/>
+              </a:spcAft>
+              <a:buNone/>
+              <a:defRPr/>
             </a:pPr>
             <a:r>
               <a:rPr lang="en"/>
-              <a:t>&lt;Provide high-level executive summary - no more than 3-4 sentences of what is a data lake. &gt;</a:t>
+              <a:t>Data lake is a centralized repository that allows for storing both structured and unstructured data at any scale. Data can be stored in raw format and can be processed later when necessary. Data lake is a flexible, sacalabe and cost-effective solution for big data analytics.</a:t>
             </a:r>
             <a:endParaRPr/>
           </a:p>
@@ -9163,10 +7803,10 @@
           <p:cNvPr id="71" name="Google Shape;71;p14"/>
           <p:cNvSpPr txBox="1"/>
           <p:nvPr>
-            <p:ph idx="2" type="subTitle"/>
+            <p:ph type="subTitle" idx="2"/>
           </p:nvPr>
         </p:nvSpPr>
-        <p:spPr>
+        <p:spPr bwMode="auto">
           <a:xfrm>
             <a:off x="605400" y="1180500"/>
             <a:ext cx="7933200" cy="473400"/>
@@ -9176,19 +7816,20 @@
           </a:prstGeom>
         </p:spPr>
         <p:txBody>
-          <a:bodyPr anchorCtr="0" anchor="t" bIns="91425" lIns="91425" spcFirstLastPara="1" rIns="91425" wrap="square" tIns="91425">
+          <a:bodyPr spcFirstLastPara="1" wrap="square" lIns="91425" tIns="91425" rIns="91425" bIns="91425" anchor="t" anchorCtr="0">
             <a:noAutofit/>
           </a:bodyPr>
           <a:lstStyle/>
           <a:p>
-            <a:pPr indent="0" lvl="0" marL="0" rtl="0" algn="l">
-              <a:spcBef>
-                <a:spcPts val="0"/>
-              </a:spcBef>
-              <a:spcAft>
-                <a:spcPts val="0"/>
-              </a:spcAft>
-              <a:buNone/>
+            <a:pPr marL="0" lvl="0" indent="0" algn="l">
+              <a:spcBef>
+                <a:spcPts val="0"/>
+              </a:spcBef>
+              <a:spcAft>
+                <a:spcPts val="0"/>
+              </a:spcAft>
+              <a:buNone/>
+              <a:defRPr/>
             </a:pPr>
             <a:r>
               <a:rPr lang="en"/>
@@ -9210,7 +7851,7 @@
             <p:ph type="title"/>
           </p:nvPr>
         </p:nvSpPr>
-        <p:spPr>
+        <p:spPr bwMode="auto">
           <a:xfrm>
             <a:off x="605400" y="473950"/>
             <a:ext cx="7933200" cy="572700"/>
@@ -9220,19 +7861,20 @@
           </a:prstGeom>
         </p:spPr>
         <p:txBody>
-          <a:bodyPr anchorCtr="0" anchor="ctr" bIns="91425" lIns="91425" spcFirstLastPara="1" rIns="91425" wrap="square" tIns="91425">
+          <a:bodyPr spcFirstLastPara="1" wrap="square" lIns="91425" tIns="91425" rIns="91425" bIns="91425" anchor="ctr" anchorCtr="0">
             <a:noAutofit/>
           </a:bodyPr>
           <a:lstStyle/>
           <a:p>
-            <a:pPr indent="0" lvl="0" marL="0" rtl="0" algn="l">
-              <a:spcBef>
-                <a:spcPts val="0"/>
-              </a:spcBef>
-              <a:spcAft>
-                <a:spcPts val="0"/>
-              </a:spcAft>
-              <a:buNone/>
+            <a:pPr marL="0" lvl="0" indent="0" algn="l">
+              <a:spcBef>
+                <a:spcPts val="0"/>
+              </a:spcBef>
+              <a:spcAft>
+                <a:spcPts val="0"/>
+              </a:spcAft>
+              <a:buNone/>
+              <a:defRPr/>
             </a:pPr>
             <a:r>
               <a:rPr lang="en"/>
@@ -9247,19 +7889,27 @@
   <p:clrMapOvr>
     <a:masterClrMapping/>
   </p:clrMapOvr>
+  <mc:AlternateContent xmlns:mc="http://schemas.openxmlformats.org/markup-compatibility/2006">
+    <mc:Choice xmlns:p14="http://schemas.microsoft.com/office/powerpoint/2010/main" Requires="p14">
+      <p:transition p14:dur="2000" advClick="1"/>
+    </mc:Choice>
+    <mc:Fallback>
+      <p:transition advClick="1"/>
+    </mc:Fallback>
+  </mc:AlternateContent>
 </p:sld>
 </file>
 
 <file path=ppt/slides/slide4.xml><?xml version="1.0" encoding="utf-8"?>
-<p:sld xmlns:a="http://schemas.openxmlformats.org/drawingml/2006/main" xmlns:r="http://schemas.openxmlformats.org/officeDocument/2006/relationships" xmlns:mc="http://schemas.openxmlformats.org/markup-compatibility/2006" xmlns:mv="urn:schemas-microsoft-com:mac:vml" xmlns:p="http://schemas.openxmlformats.org/presentationml/2006/main" xmlns:c="http://schemas.openxmlformats.org/drawingml/2006/chart" xmlns:dgm="http://schemas.openxmlformats.org/drawingml/2006/diagram" xmlns:o="urn:schemas-microsoft-com:office:office" xmlns:v="urn:schemas-microsoft-com:vml" xmlns:pvml="urn:schemas-microsoft-com:office:powerpoint" xmlns:com="http://schemas.openxmlformats.org/drawingml/2006/compatibility" xmlns:p14="http://schemas.microsoft.com/office/powerpoint/2010/main" xmlns:p15="http://schemas.microsoft.com/office/powerpoint/2012/main" xmlns:ahyp="http://schemas.microsoft.com/office/drawing/2018/hyperlinkcolor">
-  <p:cSld>
+<p:sld xmlns:a="http://schemas.openxmlformats.org/drawingml/2006/main" xmlns:r="http://schemas.openxmlformats.org/officeDocument/2006/relationships" xmlns:p="http://schemas.openxmlformats.org/presentationml/2006/main" xmlns:m="http://schemas.openxmlformats.org/officeDocument/2006/math" xmlns:w="http://schemas.openxmlformats.org/wordprocessingml/2006/main" showMasterPhAnim="0" show="1">
+  <p:cSld name="">
     <p:spTree>
       <p:nvGrpSpPr>
-        <p:cNvPr id="76" name="Shape 76"/>
+        <p:cNvPr id="1" name=""/>
         <p:cNvGrpSpPr/>
         <p:nvPr/>
       </p:nvGrpSpPr>
-      <p:grpSpPr>
+      <p:grpSpPr bwMode="auto">
         <a:xfrm>
           <a:off x="0" y="0"/>
           <a:ext cx="0" cy="0"/>
@@ -9272,12 +7922,12 @@
           <p:cNvPr id="77" name="Google Shape;77;p15"/>
           <p:cNvSpPr txBox="1"/>
           <p:nvPr>
-            <p:ph idx="1" type="body"/>
+            <p:ph type="body" idx="1"/>
           </p:nvPr>
         </p:nvSpPr>
-        <p:spPr>
+        <p:spPr bwMode="auto">
           <a:xfrm>
-            <a:off x="605400" y="1787750"/>
+            <a:off x="605399" y="1328976"/>
             <a:ext cx="7867200" cy="2875500"/>
           </a:xfrm>
           <a:prstGeom prst="rect">
@@ -9285,12 +7935,12 @@
           </a:prstGeom>
         </p:spPr>
         <p:txBody>
-          <a:bodyPr anchorCtr="0" anchor="t" bIns="91425" lIns="91425" spcFirstLastPara="1" rIns="91425" wrap="square" tIns="91425">
+          <a:bodyPr spcFirstLastPara="1" wrap="square" lIns="91425" tIns="91425" rIns="91425" bIns="91425" anchor="t" anchorCtr="0">
             <a:noAutofit/>
           </a:bodyPr>
           <a:lstStyle/>
           <a:p>
-            <a:pPr indent="-317500" lvl="0" marL="457200" rtl="0" algn="l">
+            <a:pPr marL="457200" lvl="0" indent="-317500" algn="l">
               <a:spcBef>
                 <a:spcPts val="0"/>
               </a:spcBef>
@@ -9299,15 +7949,16 @@
               </a:spcAft>
               <a:buSzPts val="1400"/>
               <a:buChar char="●"/>
+              <a:defRPr/>
             </a:pPr>
             <a:r>
               <a:rPr lang="en"/>
-              <a:t>A</a:t>
+              <a:t>Data storage: data lake stores large volume of raw data from various sources, btoh structured and unstructured</a:t>
             </a:r>
             <a:endParaRPr/>
           </a:p>
           <a:p>
-            <a:pPr indent="-317500" lvl="0" marL="457200" rtl="0" algn="l">
+            <a:pPr marL="457200" lvl="0" indent="-317500" algn="l">
               <a:spcBef>
                 <a:spcPts val="0"/>
               </a:spcBef>
@@ -9316,15 +7967,16 @@
               </a:spcAft>
               <a:buSzPts val="1400"/>
               <a:buChar char="●"/>
+              <a:defRPr/>
             </a:pPr>
             <a:r>
               <a:rPr lang="en"/>
-              <a:t>B</a:t>
+              <a:t>Data ingestion: data is collected from various sources and loaded into the data lake using batch or real-time ingestion methods </a:t>
             </a:r>
             <a:endParaRPr/>
           </a:p>
           <a:p>
-            <a:pPr indent="-317500" lvl="0" marL="457200" rtl="0" algn="l">
+            <a:pPr marL="457200" lvl="0" indent="-317500" algn="l">
               <a:spcBef>
                 <a:spcPts val="0"/>
               </a:spcBef>
@@ -9333,15 +7985,16 @@
               </a:spcAft>
               <a:buSzPts val="1400"/>
               <a:buChar char="●"/>
+              <a:defRPr/>
             </a:pPr>
             <a:r>
               <a:rPr lang="en"/>
-              <a:t>C</a:t>
+              <a:t>Data Catalog: a metadata catalog is used to manage the data in the data lake</a:t>
             </a:r>
             <a:endParaRPr/>
           </a:p>
           <a:p>
-            <a:pPr indent="-317500" lvl="0" marL="457200" rtl="0" algn="l">
+            <a:pPr marL="457200" lvl="0" indent="-317500" algn="l">
               <a:spcBef>
                 <a:spcPts val="0"/>
               </a:spcBef>
@@ -9350,85 +8003,13 @@
               </a:spcAft>
               <a:buSzPts val="1400"/>
               <a:buChar char="●"/>
+              <a:defRPr/>
             </a:pPr>
             <a:r>
               <a:rPr lang="en"/>
-              <a:t>…</a:t>
+              <a:t>Data Access and Analysis: the data in the data lake can be accessed and analyzed by variety of tools</a:t>
             </a:r>
             <a:endParaRPr/>
-          </a:p>
-          <a:p>
-            <a:pPr indent="-317500" lvl="0" marL="457200" rtl="0" algn="l">
-              <a:spcBef>
-                <a:spcPts val="0"/>
-              </a:spcBef>
-              <a:spcAft>
-                <a:spcPts val="0"/>
-              </a:spcAft>
-              <a:buSzPts val="1400"/>
-              <a:buChar char="●"/>
-            </a:pPr>
-            <a:r>
-              <a:rPr lang="en"/>
-              <a:t>...</a:t>
-            </a:r>
-            <a:endParaRPr/>
-          </a:p>
-        </p:txBody>
-      </p:sp>
-      <p:sp>
-        <p:nvSpPr>
-          <p:cNvPr id="78" name="Google Shape;78;p15"/>
-          <p:cNvSpPr txBox="1"/>
-          <p:nvPr>
-            <p:ph idx="2" type="subTitle"/>
-          </p:nvPr>
-        </p:nvSpPr>
-        <p:spPr>
-          <a:xfrm>
-            <a:off x="605400" y="1180500"/>
-            <a:ext cx="7933200" cy="473400"/>
-          </a:xfrm>
-          <a:prstGeom prst="rect">
-            <a:avLst/>
-          </a:prstGeom>
-        </p:spPr>
-        <p:txBody>
-          <a:bodyPr anchorCtr="0" anchor="t" bIns="91425" lIns="91425" spcFirstLastPara="1" rIns="91425" wrap="square" tIns="91425">
-            <a:noAutofit/>
-          </a:bodyPr>
-          <a:lstStyle/>
-          <a:p>
-            <a:pPr indent="0" lvl="0" marL="0" rtl="0" algn="l">
-              <a:spcBef>
-                <a:spcPts val="0"/>
-              </a:spcBef>
-              <a:spcAft>
-                <a:spcPts val="0"/>
-              </a:spcAft>
-              <a:buNone/>
-            </a:pPr>
-            <a:r>
-              <a:rPr b="1" lang="en" sz="1400"/>
-              <a:t>&lt; Think About:</a:t>
-            </a:r>
-            <a:r>
-              <a:rPr lang="en" sz="1400"/>
-              <a:t> What elements are needed to make a data lake? What different </a:t>
-            </a:r>
-            <a:r>
-              <a:rPr lang="en" sz="1400"/>
-              <a:t>layers </a:t>
-            </a:r>
-            <a:r>
-              <a:rPr lang="en" sz="1400"/>
-              <a:t>and/or tools involved? Identify at least 3 in your high level list here. Elaborate more on each component in video.</a:t>
-            </a:r>
-            <a:r>
-              <a:rPr b="1" lang="en" sz="1400"/>
-              <a:t>&gt;</a:t>
-            </a:r>
-            <a:endParaRPr b="1"/>
           </a:p>
         </p:txBody>
       </p:sp>
@@ -9440,7 +8021,7 @@
             <p:ph type="title"/>
           </p:nvPr>
         </p:nvSpPr>
-        <p:spPr>
+        <p:spPr bwMode="auto">
           <a:xfrm>
             <a:off x="605400" y="473950"/>
             <a:ext cx="7933200" cy="572700"/>
@@ -9450,19 +8031,20 @@
           </a:prstGeom>
         </p:spPr>
         <p:txBody>
-          <a:bodyPr anchorCtr="0" anchor="ctr" bIns="91425" lIns="91425" spcFirstLastPara="1" rIns="91425" wrap="square" tIns="91425">
+          <a:bodyPr spcFirstLastPara="1" wrap="square" lIns="91425" tIns="91425" rIns="91425" bIns="91425" anchor="ctr" anchorCtr="0">
             <a:noAutofit/>
           </a:bodyPr>
           <a:lstStyle/>
           <a:p>
-            <a:pPr indent="0" lvl="0" marL="0" rtl="0" algn="l">
-              <a:spcBef>
-                <a:spcPts val="0"/>
-              </a:spcBef>
-              <a:spcAft>
-                <a:spcPts val="0"/>
-              </a:spcAft>
-              <a:buNone/>
+            <a:pPr marL="0" lvl="0" indent="0" algn="l">
+              <a:spcBef>
+                <a:spcPts val="0"/>
+              </a:spcBef>
+              <a:spcAft>
+                <a:spcPts val="0"/>
+              </a:spcAft>
+              <a:buNone/>
+              <a:defRPr/>
             </a:pPr>
             <a:r>
               <a:rPr lang="en"/>
@@ -9477,19 +8059,27 @@
   <p:clrMapOvr>
     <a:masterClrMapping/>
   </p:clrMapOvr>
+  <mc:AlternateContent xmlns:mc="http://schemas.openxmlformats.org/markup-compatibility/2006">
+    <mc:Choice xmlns:p14="http://schemas.microsoft.com/office/powerpoint/2010/main" Requires="p14">
+      <p:transition p14:dur="2000" advClick="1"/>
+    </mc:Choice>
+    <mc:Fallback>
+      <p:transition advClick="1"/>
+    </mc:Fallback>
+  </mc:AlternateContent>
 </p:sld>
 </file>
 
 <file path=ppt/slides/slide5.xml><?xml version="1.0" encoding="utf-8"?>
-<p:sld xmlns:a="http://schemas.openxmlformats.org/drawingml/2006/main" xmlns:r="http://schemas.openxmlformats.org/officeDocument/2006/relationships" xmlns:mc="http://schemas.openxmlformats.org/markup-compatibility/2006" xmlns:mv="urn:schemas-microsoft-com:mac:vml" xmlns:p="http://schemas.openxmlformats.org/presentationml/2006/main" xmlns:c="http://schemas.openxmlformats.org/drawingml/2006/chart" xmlns:dgm="http://schemas.openxmlformats.org/drawingml/2006/diagram" xmlns:o="urn:schemas-microsoft-com:office:office" xmlns:v="urn:schemas-microsoft-com:vml" xmlns:pvml="urn:schemas-microsoft-com:office:powerpoint" xmlns:com="http://schemas.openxmlformats.org/drawingml/2006/compatibility" xmlns:p14="http://schemas.microsoft.com/office/powerpoint/2010/main" xmlns:p15="http://schemas.microsoft.com/office/powerpoint/2012/main" xmlns:ahyp="http://schemas.microsoft.com/office/drawing/2018/hyperlinkcolor">
-  <p:cSld>
+<p:sld xmlns:a="http://schemas.openxmlformats.org/drawingml/2006/main" xmlns:r="http://schemas.openxmlformats.org/officeDocument/2006/relationships" xmlns:p="http://schemas.openxmlformats.org/presentationml/2006/main" xmlns:m="http://schemas.openxmlformats.org/officeDocument/2006/math" xmlns:w="http://schemas.openxmlformats.org/wordprocessingml/2006/main" showMasterPhAnim="0" show="1">
+  <p:cSld name="">
     <p:spTree>
       <p:nvGrpSpPr>
-        <p:cNvPr id="83" name="Shape 83"/>
+        <p:cNvPr id="1" name=""/>
         <p:cNvGrpSpPr/>
         <p:nvPr/>
       </p:nvGrpSpPr>
-      <p:grpSpPr>
+      <p:grpSpPr bwMode="auto">
         <a:xfrm>
           <a:off x="0" y="0"/>
           <a:ext cx="0" cy="0"/>
@@ -9502,151 +8092,64 @@
           <p:cNvPr id="84" name="Google Shape;84;p16"/>
           <p:cNvSpPr txBox="1"/>
           <p:nvPr>
-            <p:ph idx="1" type="body"/>
+            <p:ph type="body" idx="1"/>
           </p:nvPr>
         </p:nvSpPr>
-        <p:spPr>
+        <p:spPr bwMode="auto">
           <a:xfrm>
             <a:off x="1066775" y="1962650"/>
-            <a:ext cx="7046400" cy="1917300"/>
+            <a:ext cx="7046399" cy="1917300"/>
           </a:xfrm>
           <a:prstGeom prst="rect">
             <a:avLst/>
           </a:prstGeom>
         </p:spPr>
         <p:txBody>
-          <a:bodyPr anchorCtr="0" anchor="t" bIns="91425" lIns="91425" spcFirstLastPara="1" rIns="91425" wrap="square" tIns="91425">
+          <a:bodyPr spcFirstLastPara="1" wrap="square" lIns="91425" tIns="91425" rIns="91425" bIns="91425" anchor="t" anchorCtr="0">
             <a:noAutofit/>
           </a:bodyPr>
           <a:lstStyle/>
           <a:p>
-            <a:pPr indent="0" lvl="0" marL="0" rtl="0" algn="l">
-              <a:spcBef>
-                <a:spcPts val="0"/>
-              </a:spcBef>
-              <a:spcAft>
-                <a:spcPts val="0"/>
-              </a:spcAft>
-              <a:buNone/>
+            <a:pPr marL="0" lvl="0" indent="0" algn="l">
+              <a:spcBef>
+                <a:spcPts val="0"/>
+              </a:spcBef>
+              <a:spcAft>
+                <a:spcPts val="0"/>
+              </a:spcAft>
+              <a:buNone/>
+              <a:defRPr/>
             </a:pPr>
             <a:r>
               <a:rPr lang="en"/>
-              <a:t>&lt; </a:t>
-            </a:r>
-            <a:r>
-              <a:rPr b="1" lang="en"/>
-              <a:t>Think about:</a:t>
-            </a:r>
-            <a:r>
-              <a:rPr lang="en"/>
-              <a:t> </a:t>
-            </a:r>
-            <a:r>
-              <a:rPr lang="en"/>
-              <a:t>Research</a:t>
-            </a:r>
-            <a:r>
-              <a:rPr lang="en"/>
-              <a:t> if a Data Warehouse can still be a viable solution instead of a Data Lake? </a:t>
-            </a:r>
-            <a:r>
-              <a:rPr lang="en"/>
-              <a:t>What is the </a:t>
-            </a:r>
-            <a:r>
-              <a:rPr lang="en"/>
-              <a:t>difference </a:t>
-            </a:r>
-            <a:r>
-              <a:rPr lang="en"/>
-              <a:t>between both? &gt;</a:t>
+              <a:t>While both technologies are used for storing and analyzing large amounts of data, they have key differences.</a:t>
             </a:r>
             <a:endParaRPr/>
           </a:p>
           <a:p>
-            <a:pPr indent="0" lvl="0" marL="0" rtl="0" algn="l">
-              <a:spcBef>
-                <a:spcPts val="0"/>
-              </a:spcBef>
-              <a:spcAft>
-                <a:spcPts val="0"/>
-              </a:spcAft>
-              <a:buNone/>
+            <a:pPr marL="0" lvl="0" indent="0" algn="l">
+              <a:spcBef>
+                <a:spcPts val="0"/>
+              </a:spcBef>
+              <a:spcAft>
+                <a:spcPts val="0"/>
+              </a:spcAft>
+              <a:buNone/>
+              <a:defRPr/>
             </a:pPr>
-            <a:r>
-              <a:t/>
-            </a:r>
             <a:endParaRPr/>
           </a:p>
           <a:p>
-            <a:pPr indent="0" lvl="0" marL="0" rtl="0" algn="l">
-              <a:spcBef>
-                <a:spcPts val="0"/>
-              </a:spcBef>
-              <a:spcAft>
-                <a:spcPts val="0"/>
-              </a:spcAft>
-              <a:buClr>
-                <a:schemeClr val="dk1"/>
-              </a:buClr>
-              <a:buSzPts val="1100"/>
-              <a:buFont typeface="Arial"/>
-              <a:buNone/>
+            <a:pPr marL="0" lvl="0" indent="0" algn="l">
+              <a:spcBef>
+                <a:spcPts val="0"/>
+              </a:spcBef>
+              <a:spcAft>
+                <a:spcPts val="0"/>
+              </a:spcAft>
+              <a:buNone/>
+              <a:defRPr/>
             </a:pPr>
-            <a:r>
-              <a:rPr lang="en"/>
-              <a:t>&lt; You will complete this information on the next slide. Please provide at least 3 items for each. No need to add any content on this slide &gt;</a:t>
-            </a:r>
-            <a:endParaRPr/>
-          </a:p>
-          <a:p>
-            <a:pPr indent="0" lvl="0" marL="0" rtl="0" algn="l">
-              <a:spcBef>
-                <a:spcPts val="0"/>
-              </a:spcBef>
-              <a:spcAft>
-                <a:spcPts val="0"/>
-              </a:spcAft>
-              <a:buNone/>
-            </a:pPr>
-            <a:r>
-              <a:rPr lang="en"/>
-              <a:t>&lt; Video tip:  While presenting the differences, elaborate why a Data Lake solution makes more sense for Medical Data Processing Company over a Data Warehouse approach? </a:t>
-            </a:r>
-            <a:r>
-              <a:rPr lang="en"/>
-              <a:t>How the Data Lake / Big Data characteristics different from Data warehouse&gt;</a:t>
-            </a:r>
-            <a:endParaRPr/>
-          </a:p>
-          <a:p>
-            <a:pPr indent="0" lvl="0" marL="0" rtl="0" algn="l">
-              <a:spcBef>
-                <a:spcPts val="0"/>
-              </a:spcBef>
-              <a:spcAft>
-                <a:spcPts val="0"/>
-              </a:spcAft>
-              <a:buNone/>
-            </a:pPr>
-            <a:r>
-              <a:t/>
-            </a:r>
-            <a:endParaRPr/>
-          </a:p>
-          <a:p>
-            <a:pPr indent="0" lvl="0" marL="0" rtl="0" algn="l">
-              <a:spcBef>
-                <a:spcPts val="0"/>
-              </a:spcBef>
-              <a:spcAft>
-                <a:spcPts val="0"/>
-              </a:spcAft>
-              <a:buNone/>
-            </a:pPr>
-            <a:r>
-              <a:t/>
-            </a:r>
             <a:endParaRPr/>
           </a:p>
         </p:txBody>
@@ -9659,29 +8162,30 @@
             <p:ph type="title"/>
           </p:nvPr>
         </p:nvSpPr>
-        <p:spPr>
+        <p:spPr bwMode="auto">
           <a:xfrm>
             <a:off x="1048800" y="1129475"/>
-            <a:ext cx="7046400" cy="572700"/>
+            <a:ext cx="7046399" cy="572700"/>
           </a:xfrm>
           <a:prstGeom prst="rect">
             <a:avLst/>
           </a:prstGeom>
         </p:spPr>
         <p:txBody>
-          <a:bodyPr anchorCtr="0" anchor="ctr" bIns="91425" lIns="91425" spcFirstLastPara="1" rIns="91425" wrap="square" tIns="91425">
+          <a:bodyPr spcFirstLastPara="1" wrap="square" lIns="91425" tIns="91425" rIns="91425" bIns="91425" anchor="ctr" anchorCtr="0">
             <a:noAutofit/>
           </a:bodyPr>
           <a:lstStyle/>
           <a:p>
-            <a:pPr indent="0" lvl="0" marL="0" rtl="0" algn="l">
-              <a:spcBef>
-                <a:spcPts val="0"/>
-              </a:spcBef>
-              <a:spcAft>
-                <a:spcPts val="0"/>
-              </a:spcAft>
-              <a:buNone/>
+            <a:pPr marL="0" lvl="0" indent="0" algn="l">
+              <a:spcBef>
+                <a:spcPts val="0"/>
+              </a:spcBef>
+              <a:spcAft>
+                <a:spcPts val="0"/>
+              </a:spcAft>
+              <a:buNone/>
+              <a:defRPr/>
             </a:pPr>
             <a:r>
               <a:rPr lang="en"/>
@@ -9696,19 +8200,27 @@
   <p:clrMapOvr>
     <a:masterClrMapping/>
   </p:clrMapOvr>
+  <mc:AlternateContent xmlns:mc="http://schemas.openxmlformats.org/markup-compatibility/2006">
+    <mc:Choice xmlns:p14="http://schemas.microsoft.com/office/powerpoint/2010/main" Requires="p14">
+      <p:transition p14:dur="2000" advClick="1"/>
+    </mc:Choice>
+    <mc:Fallback>
+      <p:transition advClick="1"/>
+    </mc:Fallback>
+  </mc:AlternateContent>
 </p:sld>
 </file>
 
 <file path=ppt/slides/slide6.xml><?xml version="1.0" encoding="utf-8"?>
-<p:sld xmlns:a="http://schemas.openxmlformats.org/drawingml/2006/main" xmlns:r="http://schemas.openxmlformats.org/officeDocument/2006/relationships" xmlns:mc="http://schemas.openxmlformats.org/markup-compatibility/2006" xmlns:mv="urn:schemas-microsoft-com:mac:vml" xmlns:p="http://schemas.openxmlformats.org/presentationml/2006/main" xmlns:c="http://schemas.openxmlformats.org/drawingml/2006/chart" xmlns:dgm="http://schemas.openxmlformats.org/drawingml/2006/diagram" xmlns:o="urn:schemas-microsoft-com:office:office" xmlns:v="urn:schemas-microsoft-com:vml" xmlns:pvml="urn:schemas-microsoft-com:office:powerpoint" xmlns:com="http://schemas.openxmlformats.org/drawingml/2006/compatibility" xmlns:p14="http://schemas.microsoft.com/office/powerpoint/2010/main" xmlns:p15="http://schemas.microsoft.com/office/powerpoint/2012/main" xmlns:ahyp="http://schemas.microsoft.com/office/drawing/2018/hyperlinkcolor">
-  <p:cSld>
+<p:sld xmlns:a="http://schemas.openxmlformats.org/drawingml/2006/main" xmlns:r="http://schemas.openxmlformats.org/officeDocument/2006/relationships" xmlns:p="http://schemas.openxmlformats.org/presentationml/2006/main" xmlns:m="http://schemas.openxmlformats.org/officeDocument/2006/math" xmlns:w="http://schemas.openxmlformats.org/wordprocessingml/2006/main" showMasterPhAnim="0" show="1">
+  <p:cSld name="">
     <p:spTree>
       <p:nvGrpSpPr>
-        <p:cNvPr id="89" name="Shape 89"/>
+        <p:cNvPr id="1" name=""/>
         <p:cNvGrpSpPr/>
         <p:nvPr/>
       </p:nvGrpSpPr>
-      <p:grpSpPr>
+      <p:grpSpPr bwMode="auto">
         <a:xfrm>
           <a:off x="0" y="0"/>
           <a:ext cx="0" cy="0"/>
@@ -9721,25 +8233,25 @@
           <p:cNvPr id="90" name="Google Shape;90;p17"/>
           <p:cNvSpPr txBox="1"/>
           <p:nvPr>
-            <p:ph idx="1" type="body"/>
+            <p:ph type="body" idx="1"/>
           </p:nvPr>
         </p:nvSpPr>
-        <p:spPr>
+        <p:spPr bwMode="auto">
           <a:xfrm>
             <a:off x="605400" y="1275250"/>
-            <a:ext cx="3442200" cy="3454200"/>
+            <a:ext cx="3442199" cy="3454200"/>
           </a:xfrm>
           <a:prstGeom prst="rect">
             <a:avLst/>
           </a:prstGeom>
         </p:spPr>
         <p:txBody>
-          <a:bodyPr anchorCtr="0" anchor="t" bIns="91425" lIns="91425" spcFirstLastPara="1" rIns="91425" wrap="square" tIns="91425">
+          <a:bodyPr spcFirstLastPara="1" wrap="square" lIns="91425" tIns="91425" rIns="91425" bIns="91425" anchor="t" anchorCtr="0">
             <a:noAutofit/>
           </a:bodyPr>
           <a:lstStyle/>
           <a:p>
-            <a:pPr indent="-317500" lvl="0" marL="457200" rtl="0" algn="l">
+            <a:pPr marL="457200" lvl="0" indent="-317500" algn="l">
               <a:lnSpc>
                 <a:spcPct val="100000"/>
               </a:lnSpc>
@@ -9751,15 +8263,16 @@
               </a:spcAft>
               <a:buSzPts val="1400"/>
               <a:buChar char="●"/>
+              <a:defRPr/>
             </a:pPr>
             <a:r>
               <a:rPr lang="en"/>
-              <a:t>A</a:t>
+              <a:t>Relational data store using structured data</a:t>
             </a:r>
             <a:endParaRPr/>
           </a:p>
           <a:p>
-            <a:pPr indent="-317500" lvl="0" marL="457200" rtl="0" algn="l">
+            <a:pPr marL="457200" lvl="0" indent="-317500" algn="l">
               <a:lnSpc>
                 <a:spcPct val="100000"/>
               </a:lnSpc>
@@ -9771,15 +8284,16 @@
               </a:spcAft>
               <a:buSzPts val="1400"/>
               <a:buChar char="●"/>
+              <a:defRPr/>
             </a:pPr>
             <a:r>
               <a:rPr lang="en"/>
-              <a:t>B</a:t>
+              <a:t>Data warehouse is optimized for batch processing</a:t>
             </a:r>
             <a:endParaRPr/>
           </a:p>
           <a:p>
-            <a:pPr indent="-317500" lvl="0" marL="457200" rtl="0" algn="l">
+            <a:pPr marL="457200" lvl="0" indent="-317500" algn="l">
               <a:lnSpc>
                 <a:spcPct val="100000"/>
               </a:lnSpc>
@@ -9791,15 +8305,16 @@
               </a:spcAft>
               <a:buSzPts val="1400"/>
               <a:buChar char="●"/>
+              <a:defRPr/>
             </a:pPr>
             <a:r>
               <a:rPr lang="en"/>
-              <a:t>C</a:t>
+              <a:t>Data governance is more rigorous in data warehouses</a:t>
             </a:r>
             <a:endParaRPr/>
           </a:p>
           <a:p>
-            <a:pPr indent="-317500" lvl="0" marL="457200" rtl="0" algn="l">
+            <a:pPr marL="457200" lvl="0" indent="-317500" algn="l">
               <a:lnSpc>
                 <a:spcPct val="100000"/>
               </a:lnSpc>
@@ -9811,15 +8326,16 @@
               </a:spcAft>
               <a:buSzPts val="1400"/>
               <a:buChar char="●"/>
+              <a:defRPr/>
             </a:pPr>
             <a:r>
               <a:rPr lang="en"/>
-              <a:t>…</a:t>
+              <a:t>Data is stored usually structured, in tables</a:t>
             </a:r>
             <a:endParaRPr/>
           </a:p>
           <a:p>
-            <a:pPr indent="-317500" lvl="0" marL="457200" rtl="0" algn="l">
+            <a:pPr marL="457200" lvl="0" indent="-317500" algn="l">
               <a:lnSpc>
                 <a:spcPct val="100000"/>
               </a:lnSpc>
@@ -9831,6 +8347,7 @@
               </a:spcAft>
               <a:buSzPts val="1400"/>
               <a:buChar char="●"/>
+              <a:defRPr/>
             </a:pPr>
             <a:r>
               <a:rPr lang="en"/>
@@ -9845,25 +8362,25 @@
           <p:cNvPr id="91" name="Google Shape;91;p17"/>
           <p:cNvSpPr txBox="1"/>
           <p:nvPr>
-            <p:ph idx="2" type="body"/>
+            <p:ph type="body" idx="2"/>
           </p:nvPr>
         </p:nvSpPr>
-        <p:spPr>
+        <p:spPr bwMode="auto">
           <a:xfrm>
             <a:off x="5030250" y="1199050"/>
-            <a:ext cx="3442200" cy="3329700"/>
+            <a:ext cx="3442199" cy="3329699"/>
           </a:xfrm>
           <a:prstGeom prst="rect">
             <a:avLst/>
           </a:prstGeom>
         </p:spPr>
         <p:txBody>
-          <a:bodyPr anchorCtr="0" anchor="t" bIns="91425" lIns="91425" spcFirstLastPara="1" rIns="91425" wrap="square" tIns="91425">
+          <a:bodyPr spcFirstLastPara="1" wrap="square" lIns="91425" tIns="91425" rIns="91425" bIns="91425" anchor="t" anchorCtr="0">
             <a:noAutofit/>
           </a:bodyPr>
           <a:lstStyle/>
           <a:p>
-            <a:pPr indent="-317500" lvl="0" marL="457200" rtl="0" algn="l">
+            <a:pPr marL="457200" lvl="0" indent="-317500" algn="l">
               <a:lnSpc>
                 <a:spcPct val="100000"/>
               </a:lnSpc>
@@ -9875,15 +8392,16 @@
               </a:spcAft>
               <a:buSzPts val="1400"/>
               <a:buChar char="●"/>
+              <a:defRPr/>
             </a:pPr>
             <a:r>
               <a:rPr lang="en"/>
-              <a:t>A</a:t>
+              <a:t>Stores large amount of structured, semi-structured and unstructured data</a:t>
             </a:r>
             <a:endParaRPr/>
           </a:p>
           <a:p>
-            <a:pPr indent="-317500" lvl="0" marL="457200" rtl="0" algn="l">
+            <a:pPr marL="457200" lvl="0" indent="-317500" algn="l">
               <a:lnSpc>
                 <a:spcPct val="100000"/>
               </a:lnSpc>
@@ -9895,15 +8413,16 @@
               </a:spcAft>
               <a:buSzPts val="1400"/>
               <a:buChar char="●"/>
+              <a:defRPr/>
             </a:pPr>
             <a:r>
               <a:rPr lang="en"/>
-              <a:t>B</a:t>
+              <a:t>Data lake can support both batch and stream processing</a:t>
             </a:r>
             <a:endParaRPr/>
           </a:p>
           <a:p>
-            <a:pPr indent="-317500" lvl="0" marL="457200" rtl="0" algn="l">
+            <a:pPr marL="457200" lvl="0" indent="-317500" algn="l">
               <a:lnSpc>
                 <a:spcPct val="100000"/>
               </a:lnSpc>
@@ -9915,15 +8434,16 @@
               </a:spcAft>
               <a:buSzPts val="1400"/>
               <a:buChar char="●"/>
+              <a:defRPr/>
             </a:pPr>
             <a:r>
               <a:rPr lang="en"/>
-              <a:t>C</a:t>
+              <a:t>Data governance is often relaxed</a:t>
             </a:r>
             <a:endParaRPr/>
           </a:p>
           <a:p>
-            <a:pPr indent="-317500" lvl="0" marL="457200" rtl="0" algn="l">
+            <a:pPr marL="457200" lvl="0" indent="-317500" algn="l">
               <a:lnSpc>
                 <a:spcPct val="100000"/>
               </a:lnSpc>
@@ -9935,15 +8455,16 @@
               </a:spcAft>
               <a:buSzPts val="1400"/>
               <a:buChar char="●"/>
+              <a:defRPr/>
             </a:pPr>
             <a:r>
               <a:rPr lang="en"/>
-              <a:t>…</a:t>
+              <a:t>Data is stored in raw format</a:t>
             </a:r>
             <a:endParaRPr/>
           </a:p>
           <a:p>
-            <a:pPr indent="-317500" lvl="0" marL="457200" rtl="0" algn="l">
+            <a:pPr marL="457200" lvl="0" indent="-317500" algn="l">
               <a:lnSpc>
                 <a:spcPct val="100000"/>
               </a:lnSpc>
@@ -9955,6 +8476,7 @@
               </a:spcAft>
               <a:buSzPts val="1400"/>
               <a:buChar char="●"/>
+              <a:defRPr/>
             </a:pPr>
             <a:r>
               <a:rPr lang="en"/>
@@ -9972,7 +8494,7 @@
             <p:ph type="title"/>
           </p:nvPr>
         </p:nvSpPr>
-        <p:spPr>
+        <p:spPr bwMode="auto">
           <a:xfrm>
             <a:off x="529200" y="626350"/>
             <a:ext cx="3518400" cy="572700"/>
@@ -9982,19 +8504,20 @@
           </a:prstGeom>
         </p:spPr>
         <p:txBody>
-          <a:bodyPr anchorCtr="0" anchor="ctr" bIns="91425" lIns="91425" spcFirstLastPara="1" rIns="91425" wrap="square" tIns="91425">
+          <a:bodyPr spcFirstLastPara="1" wrap="square" lIns="91425" tIns="91425" rIns="91425" bIns="91425" anchor="ctr" anchorCtr="0">
             <a:noAutofit/>
           </a:bodyPr>
           <a:lstStyle/>
           <a:p>
-            <a:pPr indent="0" lvl="0" marL="0" rtl="0" algn="l">
-              <a:spcBef>
-                <a:spcPts val="0"/>
-              </a:spcBef>
-              <a:spcAft>
-                <a:spcPts val="0"/>
-              </a:spcAft>
-              <a:buNone/>
+            <a:pPr marL="0" lvl="0" indent="0" algn="l">
+              <a:spcBef>
+                <a:spcPts val="0"/>
+              </a:spcBef>
+              <a:spcAft>
+                <a:spcPts val="0"/>
+              </a:spcAft>
+              <a:buNone/>
+              <a:defRPr/>
             </a:pPr>
             <a:r>
               <a:rPr lang="en"/>
@@ -10003,18 +8526,16 @@
             <a:endParaRPr b="0"/>
           </a:p>
           <a:p>
-            <a:pPr indent="0" lvl="0" marL="0" rtl="0" algn="l">
-              <a:spcBef>
-                <a:spcPts val="0"/>
-              </a:spcBef>
-              <a:spcAft>
-                <a:spcPts val="0"/>
-              </a:spcAft>
-              <a:buNone/>
+            <a:pPr marL="0" lvl="0" indent="0" algn="l">
+              <a:spcBef>
+                <a:spcPts val="0"/>
+              </a:spcBef>
+              <a:spcAft>
+                <a:spcPts val="0"/>
+              </a:spcAft>
+              <a:buNone/>
+              <a:defRPr/>
             </a:pPr>
-            <a:r>
-              <a:t/>
-            </a:r>
             <a:endParaRPr/>
           </a:p>
         </p:txBody>
@@ -10025,7 +8546,7 @@
           <p:cNvSpPr txBox="1"/>
           <p:nvPr/>
         </p:nvSpPr>
-        <p:spPr>
+        <p:spPr bwMode="auto">
           <a:xfrm>
             <a:off x="7705200" y="4829825"/>
             <a:ext cx="1564800" cy="161400"/>
@@ -10039,19 +8560,20 @@
           </a:ln>
         </p:spPr>
         <p:txBody>
-          <a:bodyPr anchorCtr="0" anchor="t" bIns="91425" lIns="91425" spcFirstLastPara="1" rIns="91425" wrap="square" tIns="91425">
+          <a:bodyPr spcFirstLastPara="1" wrap="square" lIns="91425" tIns="91425" rIns="91425" bIns="91425" anchor="t" anchorCtr="0">
             <a:noAutofit/>
           </a:bodyPr>
           <a:lstStyle/>
           <a:p>
-            <a:pPr indent="0" lvl="0" marL="0" rtl="0" algn="l">
-              <a:spcBef>
-                <a:spcPts val="0"/>
-              </a:spcBef>
-              <a:spcAft>
-                <a:spcPts val="0"/>
-              </a:spcAft>
-              <a:buNone/>
+            <a:pPr marL="0" lvl="0" indent="0" algn="l">
+              <a:spcBef>
+                <a:spcPts val="0"/>
+              </a:spcBef>
+              <a:spcAft>
+                <a:spcPts val="0"/>
+              </a:spcAft>
+              <a:buNone/>
+              <a:defRPr/>
             </a:pPr>
             <a:r>
               <a:rPr lang="en" sz="800">
@@ -10061,7 +8583,6 @@
                 <a:latin typeface="Open Sans"/>
                 <a:ea typeface="Open Sans"/>
                 <a:cs typeface="Open Sans"/>
-                <a:sym typeface="Open Sans"/>
               </a:rPr>
               <a:t>Udacity IPS Ver. 1 2/2020</a:t>
             </a:r>
@@ -10072,7 +8593,6 @@
               <a:latin typeface="Open Sans"/>
               <a:ea typeface="Open Sans"/>
               <a:cs typeface="Open Sans"/>
-              <a:sym typeface="Open Sans"/>
             </a:endParaRPr>
           </a:p>
         </p:txBody>
@@ -10085,7 +8605,7 @@
             <p:ph type="title"/>
           </p:nvPr>
         </p:nvSpPr>
-        <p:spPr>
+        <p:spPr bwMode="auto">
           <a:xfrm>
             <a:off x="4954050" y="594225"/>
             <a:ext cx="3518400" cy="572700"/>
@@ -10095,19 +8615,20 @@
           </a:prstGeom>
         </p:spPr>
         <p:txBody>
-          <a:bodyPr anchorCtr="0" anchor="ctr" bIns="91425" lIns="91425" spcFirstLastPara="1" rIns="91425" wrap="square" tIns="91425">
+          <a:bodyPr spcFirstLastPara="1" wrap="square" lIns="91425" tIns="91425" rIns="91425" bIns="91425" anchor="ctr" anchorCtr="0">
             <a:noAutofit/>
           </a:bodyPr>
           <a:lstStyle/>
           <a:p>
-            <a:pPr indent="0" lvl="0" marL="0" rtl="0" algn="l">
-              <a:spcBef>
-                <a:spcPts val="0"/>
-              </a:spcBef>
-              <a:spcAft>
-                <a:spcPts val="0"/>
-              </a:spcAft>
-              <a:buNone/>
+            <a:pPr marL="0" lvl="0" indent="0" algn="l">
+              <a:spcBef>
+                <a:spcPts val="0"/>
+              </a:spcBef>
+              <a:spcAft>
+                <a:spcPts val="0"/>
+              </a:spcAft>
+              <a:buNone/>
+              <a:defRPr/>
             </a:pPr>
             <a:r>
               <a:rPr lang="en"/>
@@ -10116,18 +8637,16 @@
             <a:endParaRPr b="0"/>
           </a:p>
           <a:p>
-            <a:pPr indent="0" lvl="0" marL="0" rtl="0" algn="l">
-              <a:spcBef>
-                <a:spcPts val="0"/>
-              </a:spcBef>
-              <a:spcAft>
-                <a:spcPts val="0"/>
-              </a:spcAft>
-              <a:buNone/>
+            <a:pPr marL="0" lvl="0" indent="0" algn="l">
+              <a:spcBef>
+                <a:spcPts val="0"/>
+              </a:spcBef>
+              <a:spcAft>
+                <a:spcPts val="0"/>
+              </a:spcAft>
+              <a:buNone/>
+              <a:defRPr/>
             </a:pPr>
-            <a:r>
-              <a:t/>
-            </a:r>
             <a:endParaRPr/>
           </a:p>
         </p:txBody>
@@ -10137,19 +8656,27 @@
   <p:clrMapOvr>
     <a:masterClrMapping/>
   </p:clrMapOvr>
+  <mc:AlternateContent xmlns:mc="http://schemas.openxmlformats.org/markup-compatibility/2006">
+    <mc:Choice xmlns:p14="http://schemas.microsoft.com/office/powerpoint/2010/main" Requires="p14">
+      <p:transition p14:dur="2000" advClick="1"/>
+    </mc:Choice>
+    <mc:Fallback>
+      <p:transition advClick="1"/>
+    </mc:Fallback>
+  </mc:AlternateContent>
 </p:sld>
 </file>
 
 <file path=ppt/slides/slide7.xml><?xml version="1.0" encoding="utf-8"?>
-<p:sld xmlns:a="http://schemas.openxmlformats.org/drawingml/2006/main" xmlns:r="http://schemas.openxmlformats.org/officeDocument/2006/relationships" xmlns:mc="http://schemas.openxmlformats.org/markup-compatibility/2006" xmlns:mv="urn:schemas-microsoft-com:mac:vml" xmlns:p="http://schemas.openxmlformats.org/presentationml/2006/main" xmlns:c="http://schemas.openxmlformats.org/drawingml/2006/chart" xmlns:dgm="http://schemas.openxmlformats.org/drawingml/2006/diagram" xmlns:o="urn:schemas-microsoft-com:office:office" xmlns:v="urn:schemas-microsoft-com:vml" xmlns:pvml="urn:schemas-microsoft-com:office:powerpoint" xmlns:com="http://schemas.openxmlformats.org/drawingml/2006/compatibility" xmlns:p14="http://schemas.microsoft.com/office/powerpoint/2010/main" xmlns:p15="http://schemas.microsoft.com/office/powerpoint/2012/main" xmlns:ahyp="http://schemas.microsoft.com/office/drawing/2018/hyperlinkcolor">
-  <p:cSld>
+<p:sld xmlns:a="http://schemas.openxmlformats.org/drawingml/2006/main" xmlns:r="http://schemas.openxmlformats.org/officeDocument/2006/relationships" xmlns:p="http://schemas.openxmlformats.org/presentationml/2006/main" xmlns:m="http://schemas.openxmlformats.org/officeDocument/2006/math" xmlns:w="http://schemas.openxmlformats.org/wordprocessingml/2006/main" showMasterPhAnim="0" show="1">
+  <p:cSld name="">
     <p:spTree>
       <p:nvGrpSpPr>
-        <p:cNvPr id="98" name="Shape 98"/>
+        <p:cNvPr id="1" name=""/>
         <p:cNvGrpSpPr/>
         <p:nvPr/>
       </p:nvGrpSpPr>
-      <p:grpSpPr>
+      <p:grpSpPr bwMode="auto">
         <a:xfrm>
           <a:off x="0" y="0"/>
           <a:ext cx="0" cy="0"/>
@@ -10162,12 +8689,12 @@
           <p:cNvPr id="99" name="Google Shape;99;p18"/>
           <p:cNvSpPr txBox="1"/>
           <p:nvPr>
-            <p:ph idx="1" type="body"/>
+            <p:ph type="body" idx="1"/>
           </p:nvPr>
         </p:nvSpPr>
-        <p:spPr>
+        <p:spPr bwMode="auto">
           <a:xfrm>
-            <a:off x="605400" y="2574525"/>
+            <a:off x="605399" y="1329284"/>
             <a:ext cx="7867200" cy="2088900"/>
           </a:xfrm>
           <a:prstGeom prst="rect">
@@ -10175,12 +8702,12 @@
           </a:prstGeom>
         </p:spPr>
         <p:txBody>
-          <a:bodyPr anchorCtr="0" anchor="t" bIns="91425" lIns="91425" spcFirstLastPara="1" rIns="91425" wrap="square" tIns="91425">
+          <a:bodyPr spcFirstLastPara="1" wrap="square" lIns="91425" tIns="91425" rIns="91425" bIns="91425" anchor="t" anchorCtr="0">
             <a:noAutofit/>
           </a:bodyPr>
           <a:lstStyle/>
           <a:p>
-            <a:pPr indent="-317500" lvl="0" marL="457200" rtl="0" algn="l">
+            <a:pPr marL="457200" lvl="0" indent="-317500" algn="l">
               <a:spcBef>
                 <a:spcPts val="0"/>
               </a:spcBef>
@@ -10189,15 +8716,16 @@
               </a:spcAft>
               <a:buSzPts val="1400"/>
               <a:buChar char="●"/>
+              <a:defRPr/>
             </a:pPr>
             <a:r>
               <a:rPr lang="en"/>
-              <a:t>A</a:t>
+              <a:t>The data lake architecture can solve the scalability issues with the current SQL server. This is due to the fact that data lake is a distributed object storage in nature and can scale easily. The suggested technology, Amazon S3 can easily scale up to to meet company’s demands. This can be petabytes.</a:t>
             </a:r>
             <a:endParaRPr/>
           </a:p>
           <a:p>
-            <a:pPr indent="-317500" lvl="0" marL="457200" rtl="0" algn="l">
+            <a:pPr marL="457200" lvl="0" indent="-317500" algn="l">
               <a:spcBef>
                 <a:spcPts val="0"/>
               </a:spcBef>
@@ -10206,15 +8734,16 @@
               </a:spcAft>
               <a:buSzPts val="1400"/>
               <a:buChar char="●"/>
+              <a:defRPr/>
             </a:pPr>
             <a:r>
               <a:rPr lang="en"/>
-              <a:t>B</a:t>
+              <a:t>Data anlytics workloads do not need to happen in a separate database anymore, as technologies such as Hive can be used to directly read data from the data lake in a distributed manner. This is in contrast to current architecture that uses vertical scaling.</a:t>
             </a:r>
             <a:endParaRPr/>
           </a:p>
           <a:p>
-            <a:pPr indent="-317500" lvl="0" marL="457200" rtl="0" algn="l">
+            <a:pPr marL="457200" lvl="0" indent="-317500" algn="l">
               <a:spcBef>
                 <a:spcPts val="0"/>
               </a:spcBef>
@@ -10223,15 +8752,34 @@
               </a:spcAft>
               <a:buSzPts val="1400"/>
               <a:buChar char="●"/>
+              <a:defRPr/>
             </a:pPr>
             <a:r>
               <a:rPr lang="en"/>
-              <a:t>C</a:t>
+              <a:t>This architecture addresses data silo and duplication issues. </a:t>
+            </a:r>
+            <a:endParaRPr lang="en"/>
+          </a:p>
+          <a:p>
+            <a:pPr marL="457200" lvl="0" indent="-317499" algn="l">
+              <a:spcBef>
+                <a:spcPts val="0"/>
+              </a:spcBef>
+              <a:spcAft>
+                <a:spcPts val="0"/>
+              </a:spcAft>
+              <a:buSzPts val="1400"/>
+              <a:buChar char="●"/>
+              <a:defRPr/>
+            </a:pPr>
+            <a:r>
+              <a:rPr lang="en"/>
+              <a:t>Data Lake can be a good enabler of machine learning, artifical inteligence and big data as it offers a scalable storage that is distributed in nature.</a:t>
             </a:r>
             <a:endParaRPr/>
           </a:p>
           <a:p>
-            <a:pPr indent="-317500" lvl="0" marL="457200" rtl="0" algn="l">
+            <a:pPr marL="457200" lvl="0" indent="-317500" algn="l">
               <a:spcBef>
                 <a:spcPts val="0"/>
               </a:spcBef>
@@ -10240,15 +8788,12 @@
               </a:spcAft>
               <a:buSzPts val="1400"/>
               <a:buChar char="●"/>
+              <a:defRPr/>
             </a:pPr>
-            <a:r>
-              <a:rPr lang="en"/>
-              <a:t>…</a:t>
-            </a:r>
             <a:endParaRPr/>
           </a:p>
           <a:p>
-            <a:pPr indent="-317500" lvl="0" marL="457200" rtl="0" algn="l">
+            <a:pPr marL="457200" lvl="0" indent="-317500" algn="l">
               <a:spcBef>
                 <a:spcPts val="0"/>
               </a:spcBef>
@@ -10257,120 +8802,9 @@
               </a:spcAft>
               <a:buSzPts val="1400"/>
               <a:buChar char="●"/>
+              <a:defRPr/>
             </a:pPr>
-            <a:r>
-              <a:rPr lang="en"/>
-              <a:t>...</a:t>
-            </a:r>
             <a:endParaRPr/>
-          </a:p>
-        </p:txBody>
-      </p:sp>
-      <p:sp>
-        <p:nvSpPr>
-          <p:cNvPr id="100" name="Google Shape;100;p18"/>
-          <p:cNvSpPr txBox="1"/>
-          <p:nvPr>
-            <p:ph idx="2" type="subTitle"/>
-          </p:nvPr>
-        </p:nvSpPr>
-        <p:spPr>
-          <a:xfrm>
-            <a:off x="605400" y="1180500"/>
-            <a:ext cx="7933200" cy="1305300"/>
-          </a:xfrm>
-          <a:prstGeom prst="rect">
-            <a:avLst/>
-          </a:prstGeom>
-        </p:spPr>
-        <p:txBody>
-          <a:bodyPr anchorCtr="0" anchor="t" bIns="91425" lIns="91425" spcFirstLastPara="1" rIns="91425" wrap="square" tIns="91425">
-            <a:noAutofit/>
-          </a:bodyPr>
-          <a:lstStyle/>
-          <a:p>
-            <a:pPr indent="0" lvl="0" marL="0" rtl="0" algn="l">
-              <a:spcBef>
-                <a:spcPts val="0"/>
-              </a:spcBef>
-              <a:spcAft>
-                <a:spcPts val="0"/>
-              </a:spcAft>
-              <a:buNone/>
-            </a:pPr>
-            <a:r>
-              <a:rPr b="1" lang="en" sz="1400"/>
-              <a:t>&lt; Think about:</a:t>
-            </a:r>
-            <a:r>
-              <a:rPr lang="en" sz="1400"/>
-              <a:t> Provide an executive level summary based on your analysis of problem statement. How would implementing a Data Lake solution help Medical Data Processing Company? Please identify at least 3 </a:t>
-            </a:r>
-            <a:r>
-              <a:rPr lang="en" sz="1400"/>
-              <a:t>business outcomes</a:t>
-            </a:r>
-            <a:r>
-              <a:rPr lang="en" sz="1400"/>
-              <a:t> of building a Data Lake?&gt;</a:t>
-            </a:r>
-            <a:endParaRPr sz="1400"/>
-          </a:p>
-          <a:p>
-            <a:pPr indent="0" lvl="0" marL="0" rtl="0" algn="l">
-              <a:spcBef>
-                <a:spcPts val="0"/>
-              </a:spcBef>
-              <a:spcAft>
-                <a:spcPts val="0"/>
-              </a:spcAft>
-              <a:buNone/>
-            </a:pPr>
-            <a:r>
-              <a:t/>
-            </a:r>
-            <a:endParaRPr sz="1400"/>
-          </a:p>
-          <a:p>
-            <a:pPr indent="0" lvl="0" marL="0" rtl="0" algn="l">
-              <a:spcBef>
-                <a:spcPts val="0"/>
-              </a:spcBef>
-              <a:spcAft>
-                <a:spcPts val="0"/>
-              </a:spcAft>
-              <a:buClr>
-                <a:schemeClr val="dk1"/>
-              </a:buClr>
-              <a:buSzPts val="1100"/>
-              <a:buFont typeface="Arial"/>
-              <a:buNone/>
-            </a:pPr>
-            <a:r>
-              <a:rPr lang="en" sz="1400"/>
-              <a:t>&lt;Video tip: Explain </a:t>
-            </a:r>
-            <a:r>
-              <a:rPr b="1" lang="en" sz="1400"/>
-              <a:t>“</a:t>
-            </a:r>
-            <a:r>
-              <a:rPr b="1" lang="en" sz="1400"/>
-              <a:t>Why</a:t>
-            </a:r>
-            <a:r>
-              <a:rPr b="1" lang="en" sz="1400"/>
-              <a:t>”</a:t>
-            </a:r>
-            <a:r>
-              <a:rPr lang="en" sz="1400"/>
-              <a:t> Data Lake solution makes sense for Medical Data Processing Company. </a:t>
-            </a:r>
-            <a:r>
-              <a:rPr b="1" lang="en" sz="1400"/>
-              <a:t>&gt;</a:t>
-            </a:r>
-            <a:endParaRPr b="1" sz="1400"/>
           </a:p>
         </p:txBody>
       </p:sp>
@@ -10382,7 +8816,7 @@
             <p:ph type="title"/>
           </p:nvPr>
         </p:nvSpPr>
-        <p:spPr>
+        <p:spPr bwMode="auto">
           <a:xfrm>
             <a:off x="605400" y="473950"/>
             <a:ext cx="7933200" cy="572700"/>
@@ -10392,19 +8826,20 @@
           </a:prstGeom>
         </p:spPr>
         <p:txBody>
-          <a:bodyPr anchorCtr="0" anchor="ctr" bIns="91425" lIns="91425" spcFirstLastPara="1" rIns="91425" wrap="square" tIns="91425">
+          <a:bodyPr spcFirstLastPara="1" wrap="square" lIns="91425" tIns="91425" rIns="91425" bIns="91425" anchor="ctr" anchorCtr="0">
             <a:noAutofit/>
           </a:bodyPr>
           <a:lstStyle/>
           <a:p>
-            <a:pPr indent="0" lvl="0" marL="0" rtl="0" algn="l">
-              <a:spcBef>
-                <a:spcPts val="0"/>
-              </a:spcBef>
-              <a:spcAft>
-                <a:spcPts val="0"/>
-              </a:spcAft>
-              <a:buNone/>
+            <a:pPr marL="0" lvl="0" indent="0" algn="l">
+              <a:spcBef>
+                <a:spcPts val="0"/>
+              </a:spcBef>
+              <a:spcAft>
+                <a:spcPts val="0"/>
+              </a:spcAft>
+              <a:buNone/>
+              <a:defRPr/>
             </a:pPr>
             <a:r>
               <a:rPr lang="en"/>
@@ -10419,19 +8854,27 @@
   <p:clrMapOvr>
     <a:masterClrMapping/>
   </p:clrMapOvr>
+  <mc:AlternateContent xmlns:mc="http://schemas.openxmlformats.org/markup-compatibility/2006">
+    <mc:Choice xmlns:p14="http://schemas.microsoft.com/office/powerpoint/2010/main" Requires="p14">
+      <p:transition p14:dur="2000" advClick="1"/>
+    </mc:Choice>
+    <mc:Fallback>
+      <p:transition advClick="1"/>
+    </mc:Fallback>
+  </mc:AlternateContent>
 </p:sld>
 </file>
 
 <file path=ppt/slides/slide8.xml><?xml version="1.0" encoding="utf-8"?>
-<p:sld xmlns:a="http://schemas.openxmlformats.org/drawingml/2006/main" xmlns:r="http://schemas.openxmlformats.org/officeDocument/2006/relationships" xmlns:mc="http://schemas.openxmlformats.org/markup-compatibility/2006" xmlns:mv="urn:schemas-microsoft-com:mac:vml" xmlns:p="http://schemas.openxmlformats.org/presentationml/2006/main" xmlns:c="http://schemas.openxmlformats.org/drawingml/2006/chart" xmlns:dgm="http://schemas.openxmlformats.org/drawingml/2006/diagram" xmlns:o="urn:schemas-microsoft-com:office:office" xmlns:v="urn:schemas-microsoft-com:vml" xmlns:pvml="urn:schemas-microsoft-com:office:powerpoint" xmlns:com="http://schemas.openxmlformats.org/drawingml/2006/compatibility" xmlns:p14="http://schemas.microsoft.com/office/powerpoint/2010/main" xmlns:p15="http://schemas.microsoft.com/office/powerpoint/2012/main" xmlns:ahyp="http://schemas.microsoft.com/office/drawing/2018/hyperlinkcolor">
-  <p:cSld>
+<p:sld xmlns:a="http://schemas.openxmlformats.org/drawingml/2006/main" xmlns:r="http://schemas.openxmlformats.org/officeDocument/2006/relationships" xmlns:p="http://schemas.openxmlformats.org/presentationml/2006/main" xmlns:m="http://schemas.openxmlformats.org/officeDocument/2006/math" xmlns:w="http://schemas.openxmlformats.org/wordprocessingml/2006/main" showMasterPhAnim="0" show="1">
+  <p:cSld name="">
     <p:spTree>
       <p:nvGrpSpPr>
-        <p:cNvPr id="105" name="Shape 105"/>
+        <p:cNvPr id="1" name=""/>
         <p:cNvGrpSpPr/>
         <p:nvPr/>
       </p:nvGrpSpPr>
-      <p:grpSpPr>
+      <p:grpSpPr bwMode="auto">
         <a:xfrm>
           <a:off x="0" y="0"/>
           <a:ext cx="0" cy="0"/>
@@ -10441,154 +8884,13 @@
       </p:grpSpPr>
       <p:sp>
         <p:nvSpPr>
-          <p:cNvPr id="106" name="Google Shape;106;p19"/>
-          <p:cNvSpPr txBox="1"/>
-          <p:nvPr>
-            <p:ph idx="1" type="body"/>
-          </p:nvPr>
-        </p:nvSpPr>
-        <p:spPr>
-          <a:xfrm>
-            <a:off x="605400" y="1787750"/>
-            <a:ext cx="7867200" cy="2875500"/>
-          </a:xfrm>
-          <a:prstGeom prst="rect">
-            <a:avLst/>
-          </a:prstGeom>
-        </p:spPr>
-        <p:txBody>
-          <a:bodyPr anchorCtr="0" anchor="t" bIns="91425" lIns="91425" spcFirstLastPara="1" rIns="91425" wrap="square" tIns="91425">
-            <a:noAutofit/>
-          </a:bodyPr>
-          <a:lstStyle/>
-          <a:p>
-            <a:pPr indent="0" lvl="0" marL="0" rtl="0" algn="l">
-              <a:spcBef>
-                <a:spcPts val="0"/>
-              </a:spcBef>
-              <a:spcAft>
-                <a:spcPts val="0"/>
-              </a:spcAft>
-              <a:buNone/>
-            </a:pPr>
-            <a:r>
-              <a:rPr lang="en"/>
-              <a:t>&lt; Embed your Architecture Diagram of Data Lake you created in Step 2. &gt;</a:t>
-            </a:r>
-            <a:endParaRPr/>
-          </a:p>
-          <a:p>
-            <a:pPr indent="0" lvl="0" marL="0" rtl="0" algn="l">
-              <a:spcBef>
-                <a:spcPts val="0"/>
-              </a:spcBef>
-              <a:spcAft>
-                <a:spcPts val="0"/>
-              </a:spcAft>
-              <a:buNone/>
-            </a:pPr>
-            <a:r>
-              <a:t/>
-            </a:r>
-            <a:endParaRPr/>
-          </a:p>
-          <a:p>
-            <a:pPr indent="0" lvl="0" marL="0" rtl="0" algn="l">
-              <a:spcBef>
-                <a:spcPts val="0"/>
-              </a:spcBef>
-              <a:spcAft>
-                <a:spcPts val="0"/>
-              </a:spcAft>
-              <a:buNone/>
-            </a:pPr>
-            <a:r>
-              <a:t/>
-            </a:r>
-            <a:endParaRPr/>
-          </a:p>
-          <a:p>
-            <a:pPr indent="0" lvl="0" marL="0" rtl="0" algn="l">
-              <a:spcBef>
-                <a:spcPts val="0"/>
-              </a:spcBef>
-              <a:spcAft>
-                <a:spcPts val="0"/>
-              </a:spcAft>
-              <a:buNone/>
-            </a:pPr>
-            <a:r>
-              <a:rPr lang="en"/>
-              <a:t>&lt; Video tip: You can also use additional slides to </a:t>
-            </a:r>
-            <a:r>
-              <a:rPr lang="en"/>
-              <a:t>briefly</a:t>
-            </a:r>
-            <a:r>
-              <a:rPr lang="en"/>
-              <a:t> elaborate or highlight any area from your </a:t>
-            </a:r>
-            <a:r>
-              <a:rPr lang="en"/>
-              <a:t>architecture</a:t>
-            </a:r>
-            <a:r>
-              <a:rPr lang="en"/>
-              <a:t>. You can also choose where to include this slide.</a:t>
-            </a:r>
-            <a:endParaRPr/>
-          </a:p>
-        </p:txBody>
-      </p:sp>
-      <p:sp>
-        <p:nvSpPr>
-          <p:cNvPr id="107" name="Google Shape;107;p19"/>
-          <p:cNvSpPr txBox="1"/>
-          <p:nvPr>
-            <p:ph idx="2" type="subTitle"/>
-          </p:nvPr>
-        </p:nvSpPr>
-        <p:spPr>
-          <a:xfrm>
-            <a:off x="605400" y="1180500"/>
-            <a:ext cx="7933200" cy="473400"/>
-          </a:xfrm>
-          <a:prstGeom prst="rect">
-            <a:avLst/>
-          </a:prstGeom>
-        </p:spPr>
-        <p:txBody>
-          <a:bodyPr anchorCtr="0" anchor="t" bIns="91425" lIns="91425" spcFirstLastPara="1" rIns="91425" wrap="square" tIns="91425">
-            <a:noAutofit/>
-          </a:bodyPr>
-          <a:lstStyle/>
-          <a:p>
-            <a:pPr indent="0" lvl="0" marL="0" rtl="0" algn="l">
-              <a:spcBef>
-                <a:spcPts val="0"/>
-              </a:spcBef>
-              <a:spcAft>
-                <a:spcPts val="0"/>
-              </a:spcAft>
-              <a:buNone/>
-            </a:pPr>
-            <a:r>
-              <a:t/>
-            </a:r>
-            <a:endParaRPr/>
-          </a:p>
-        </p:txBody>
-      </p:sp>
-      <p:sp>
-        <p:nvSpPr>
           <p:cNvPr id="108" name="Google Shape;108;p19"/>
           <p:cNvSpPr txBox="1"/>
           <p:nvPr>
             <p:ph type="title"/>
           </p:nvPr>
         </p:nvSpPr>
-        <p:spPr>
+        <p:spPr bwMode="auto">
           <a:xfrm>
             <a:off x="605400" y="473950"/>
             <a:ext cx="7933200" cy="572700"/>
@@ -10598,19 +8900,20 @@
           </a:prstGeom>
         </p:spPr>
         <p:txBody>
-          <a:bodyPr anchorCtr="0" anchor="ctr" bIns="91425" lIns="91425" spcFirstLastPara="1" rIns="91425" wrap="square" tIns="91425">
+          <a:bodyPr spcFirstLastPara="1" wrap="square" lIns="91425" tIns="91425" rIns="91425" bIns="91425" anchor="ctr" anchorCtr="0">
             <a:noAutofit/>
           </a:bodyPr>
           <a:lstStyle/>
           <a:p>
-            <a:pPr indent="0" lvl="0" marL="0" rtl="0" algn="l">
-              <a:spcBef>
-                <a:spcPts val="0"/>
-              </a:spcBef>
-              <a:spcAft>
-                <a:spcPts val="0"/>
-              </a:spcAft>
-              <a:buNone/>
+            <a:pPr marL="0" lvl="0" indent="0" algn="l">
+              <a:spcBef>
+                <a:spcPts val="0"/>
+              </a:spcBef>
+              <a:spcAft>
+                <a:spcPts val="0"/>
+              </a:spcAft>
+              <a:buNone/>
+              <a:defRPr/>
             </a:pPr>
             <a:r>
               <a:rPr lang="en"/>
@@ -10620,24 +8923,54 @@
           </a:p>
         </p:txBody>
       </p:sp>
+      <p:pic>
+        <p:nvPicPr>
+          <p:cNvPr id="482488151" name=""/>
+          <p:cNvPicPr>
+            <a:picLocks noChangeAspect="1"/>
+          </p:cNvPicPr>
+          <p:nvPr/>
+        </p:nvPicPr>
+        <p:blipFill>
+          <a:blip r:embed="rId2"/>
+          <a:stretch/>
+        </p:blipFill>
+        <p:spPr bwMode="auto">
+          <a:xfrm flipH="0" flipV="0">
+            <a:off x="919986" y="1726580"/>
+            <a:ext cx="6716138" cy="2455742"/>
+          </a:xfrm>
+          <a:prstGeom prst="rect">
+            <a:avLst/>
+          </a:prstGeom>
+        </p:spPr>
+      </p:pic>
     </p:spTree>
   </p:cSld>
   <p:clrMapOvr>
     <a:masterClrMapping/>
   </p:clrMapOvr>
+  <mc:AlternateContent xmlns:mc="http://schemas.openxmlformats.org/markup-compatibility/2006">
+    <mc:Choice xmlns:p14="http://schemas.microsoft.com/office/powerpoint/2010/main" Requires="p14">
+      <p:transition p14:dur="2000" advClick="1"/>
+    </mc:Choice>
+    <mc:Fallback>
+      <p:transition advClick="1"/>
+    </mc:Fallback>
+  </mc:AlternateContent>
 </p:sld>
 </file>
 
 <file path=ppt/slides/slide9.xml><?xml version="1.0" encoding="utf-8"?>
-<p:sld xmlns:a="http://schemas.openxmlformats.org/drawingml/2006/main" xmlns:r="http://schemas.openxmlformats.org/officeDocument/2006/relationships" xmlns:mc="http://schemas.openxmlformats.org/markup-compatibility/2006" xmlns:mv="urn:schemas-microsoft-com:mac:vml" xmlns:p="http://schemas.openxmlformats.org/presentationml/2006/main" xmlns:c="http://schemas.openxmlformats.org/drawingml/2006/chart" xmlns:dgm="http://schemas.openxmlformats.org/drawingml/2006/diagram" xmlns:o="urn:schemas-microsoft-com:office:office" xmlns:v="urn:schemas-microsoft-com:vml" xmlns:pvml="urn:schemas-microsoft-com:office:powerpoint" xmlns:com="http://schemas.openxmlformats.org/drawingml/2006/compatibility" xmlns:p14="http://schemas.microsoft.com/office/powerpoint/2010/main" xmlns:p15="http://schemas.microsoft.com/office/powerpoint/2012/main" xmlns:ahyp="http://schemas.microsoft.com/office/drawing/2018/hyperlinkcolor">
-  <p:cSld>
+<p:sld xmlns:a="http://schemas.openxmlformats.org/drawingml/2006/main" xmlns:r="http://schemas.openxmlformats.org/officeDocument/2006/relationships" xmlns:p="http://schemas.openxmlformats.org/presentationml/2006/main" xmlns:m="http://schemas.openxmlformats.org/officeDocument/2006/math" xmlns:w="http://schemas.openxmlformats.org/wordprocessingml/2006/main" showMasterPhAnim="0" show="1">
+  <p:cSld name="">
     <p:spTree>
       <p:nvGrpSpPr>
-        <p:cNvPr id="112" name="Shape 112"/>
+        <p:cNvPr id="1" name=""/>
         <p:cNvGrpSpPr/>
         <p:nvPr/>
       </p:nvGrpSpPr>
-      <p:grpSpPr>
+      <p:grpSpPr bwMode="auto">
         <a:xfrm>
           <a:off x="0" y="0"/>
           <a:ext cx="0" cy="0"/>
@@ -10648,17 +8981,17 @@
       <p:pic>
         <p:nvPicPr>
           <p:cNvPr id="113" name="Google Shape;113;p20"/>
-          <p:cNvPicPr preferRelativeResize="0"/>
+          <p:cNvPicPr/>
           <p:nvPr/>
         </p:nvPicPr>
-        <p:blipFill rotWithShape="1">
-          <a:blip r:embed="rId3">
+        <p:blipFill>
+          <a:blip r:embed="rId2">
             <a:alphaModFix/>
           </a:blip>
-          <a:srcRect b="35787" l="9957" r="10513" t="35735"/>
+          <a:srcRect l="9957" t="35735" r="10513" b="35787"/>
           <a:stretch/>
         </p:blipFill>
-        <p:spPr>
+        <p:spPr bwMode="auto">
           <a:xfrm>
             <a:off x="2963449" y="497350"/>
             <a:ext cx="3217100" cy="863899"/>
@@ -10680,7 +9013,7 @@
             <p:ph type="title"/>
           </p:nvPr>
         </p:nvSpPr>
-        <p:spPr>
+        <p:spPr bwMode="auto">
           <a:xfrm>
             <a:off x="2086350" y="2198475"/>
             <a:ext cx="4886700" cy="572700"/>
@@ -10690,12 +9023,12 @@
           </a:prstGeom>
         </p:spPr>
         <p:txBody>
-          <a:bodyPr anchorCtr="0" anchor="ctr" bIns="91425" lIns="91425" spcFirstLastPara="1" rIns="91425" wrap="square" tIns="91425">
+          <a:bodyPr spcFirstLastPara="1" wrap="square" lIns="91425" tIns="91425" rIns="91425" bIns="91425" anchor="ctr" anchorCtr="0">
             <a:noAutofit/>
           </a:bodyPr>
           <a:lstStyle/>
           <a:p>
-            <a:pPr indent="0" lvl="0" marL="0" rtl="0" algn="ctr">
+            <a:pPr marL="0" lvl="0" indent="0" algn="ctr">
               <a:lnSpc>
                 <a:spcPct val="200000"/>
               </a:lnSpc>
@@ -10706,12 +9039,13 @@
                 <a:spcPts val="0"/>
               </a:spcAft>
               <a:buNone/>
+              <a:defRPr/>
             </a:pPr>
             <a:r>
               <a:rPr lang="en" sz="2200"/>
               <a:t>THANK YOU</a:t>
             </a:r>
-            <a:endParaRPr b="0" sz="2200"/>
+            <a:endParaRPr sz="2200" b="0"/>
           </a:p>
         </p:txBody>
       </p:sp>
@@ -10721,7 +9055,7 @@
           <p:cNvSpPr txBox="1"/>
           <p:nvPr/>
         </p:nvSpPr>
-        <p:spPr>
+        <p:spPr bwMode="auto">
           <a:xfrm>
             <a:off x="7705200" y="4829825"/>
             <a:ext cx="1564800" cy="161400"/>
@@ -10735,19 +9069,20 @@
           </a:ln>
         </p:spPr>
         <p:txBody>
-          <a:bodyPr anchorCtr="0" anchor="t" bIns="91425" lIns="91425" spcFirstLastPara="1" rIns="91425" wrap="square" tIns="91425">
+          <a:bodyPr spcFirstLastPara="1" wrap="square" lIns="91425" tIns="91425" rIns="91425" bIns="91425" anchor="t" anchorCtr="0">
             <a:noAutofit/>
           </a:bodyPr>
           <a:lstStyle/>
           <a:p>
-            <a:pPr indent="0" lvl="0" marL="0" rtl="0" algn="l">
-              <a:spcBef>
-                <a:spcPts val="0"/>
-              </a:spcBef>
-              <a:spcAft>
-                <a:spcPts val="0"/>
-              </a:spcAft>
-              <a:buNone/>
+            <a:pPr marL="0" lvl="0" indent="0" algn="l">
+              <a:spcBef>
+                <a:spcPts val="0"/>
+              </a:spcBef>
+              <a:spcAft>
+                <a:spcPts val="0"/>
+              </a:spcAft>
+              <a:buNone/>
+              <a:defRPr/>
             </a:pPr>
             <a:r>
               <a:rPr lang="en" sz="800">
@@ -10757,7 +9092,6 @@
                 <a:latin typeface="Open Sans"/>
                 <a:ea typeface="Open Sans"/>
                 <a:cs typeface="Open Sans"/>
-                <a:sym typeface="Open Sans"/>
               </a:rPr>
               <a:t>Udacity IPS Version 1.0</a:t>
             </a:r>
@@ -10768,7 +9102,6 @@
               <a:latin typeface="Open Sans"/>
               <a:ea typeface="Open Sans"/>
               <a:cs typeface="Open Sans"/>
-              <a:sym typeface="Open Sans"/>
             </a:endParaRPr>
           </a:p>
         </p:txBody>
@@ -10778,11 +9111,19 @@
   <p:clrMapOvr>
     <a:masterClrMapping/>
   </p:clrMapOvr>
+  <mc:AlternateContent xmlns:mc="http://schemas.openxmlformats.org/markup-compatibility/2006">
+    <mc:Choice xmlns:p14="http://schemas.microsoft.com/office/powerpoint/2010/main" Requires="p14">
+      <p:transition p14:dur="2000" advClick="1"/>
+    </mc:Choice>
+    <mc:Fallback>
+      <p:transition advClick="1"/>
+    </mc:Fallback>
+  </mc:AlternateContent>
 </p:sld>
 </file>
 
 <file path=ppt/theme/theme1.xml><?xml version="1.0" encoding="utf-8"?>
-<a:theme xmlns:a="http://schemas.openxmlformats.org/drawingml/2006/main" xmlns:r="http://schemas.openxmlformats.org/officeDocument/2006/relationships" name="Simple Light">
+<a:theme xmlns:a="http://schemas.openxmlformats.org/drawingml/2006/main" xmlns:r="http://schemas.openxmlformats.org/officeDocument/2006/relationships" xmlns:p="http://schemas.openxmlformats.org/presentationml/2006/main" name="Simple Light">
   <a:themeElements>
     <a:clrScheme name="Simple Light">
       <a:dk1>
@@ -10825,73 +9166,13 @@
     <a:fontScheme name="Office">
       <a:majorFont>
         <a:latin typeface="Arial"/>
-        <a:ea typeface=""/>
-        <a:cs typeface=""/>
-        <a:font script="Jpan" typeface="ＭＳ Ｐゴシック"/>
-        <a:font script="Hang" typeface="맑은 고딕"/>
-        <a:font script="Hans" typeface="宋体"/>
-        <a:font script="Hant" typeface="新細明體"/>
-        <a:font script="Arab" typeface="Times New Roman"/>
-        <a:font script="Hebr" typeface="Times New Roman"/>
-        <a:font script="Thai" typeface="Angsana New"/>
-        <a:font script="Ethi" typeface="Nyala"/>
-        <a:font script="Beng" typeface="Vrinda"/>
-        <a:font script="Gujr" typeface="Shruti"/>
-        <a:font script="Khmr" typeface="MoolBoran"/>
-        <a:font script="Knda" typeface="Tunga"/>
-        <a:font script="Guru" typeface="Raavi"/>
-        <a:font script="Cans" typeface="Euphemia"/>
-        <a:font script="Cher" typeface="Plantagenet Cherokee"/>
-        <a:font script="Yiii" typeface="Microsoft Yi Baiti"/>
-        <a:font script="Tibt" typeface="Microsoft Himalaya"/>
-        <a:font script="Thaa" typeface="MV Boli"/>
-        <a:font script="Deva" typeface="Mangal"/>
-        <a:font script="Telu" typeface="Gautami"/>
-        <a:font script="Taml" typeface="Latha"/>
-        <a:font script="Syrc" typeface="Estrangelo Edessa"/>
-        <a:font script="Orya" typeface="Kalinga"/>
-        <a:font script="Mlym" typeface="Kartika"/>
-        <a:font script="Laoo" typeface="DokChampa"/>
-        <a:font script="Sinh" typeface="Iskoola Pota"/>
-        <a:font script="Mong" typeface="Mongolian Baiti"/>
-        <a:font script="Viet" typeface="Times New Roman"/>
-        <a:font script="Uigh" typeface="Microsoft Uighur"/>
-        <a:font script="Geor" typeface="Sylfaen"/>
+        <a:ea typeface="Arial"/>
+        <a:cs typeface="Arial"/>
       </a:majorFont>
       <a:minorFont>
         <a:latin typeface="Arial"/>
-        <a:ea typeface=""/>
-        <a:cs typeface=""/>
-        <a:font script="Jpan" typeface="ＭＳ Ｐゴシック"/>
-        <a:font script="Hang" typeface="맑은 고딕"/>
-        <a:font script="Hans" typeface="宋体"/>
-        <a:font script="Hant" typeface="新細明體"/>
-        <a:font script="Arab" typeface="Arial"/>
-        <a:font script="Hebr" typeface="Arial"/>
-        <a:font script="Thai" typeface="Cordia New"/>
-        <a:font script="Ethi" typeface="Nyala"/>
-        <a:font script="Beng" typeface="Vrinda"/>
-        <a:font script="Gujr" typeface="Shruti"/>
-        <a:font script="Khmr" typeface="DaunPenh"/>
-        <a:font script="Knda" typeface="Tunga"/>
-        <a:font script="Guru" typeface="Raavi"/>
-        <a:font script="Cans" typeface="Euphemia"/>
-        <a:font script="Cher" typeface="Plantagenet Cherokee"/>
-        <a:font script="Yiii" typeface="Microsoft Yi Baiti"/>
-        <a:font script="Tibt" typeface="Microsoft Himalaya"/>
-        <a:font script="Thaa" typeface="MV Boli"/>
-        <a:font script="Deva" typeface="Mangal"/>
-        <a:font script="Telu" typeface="Gautami"/>
-        <a:font script="Taml" typeface="Latha"/>
-        <a:font script="Syrc" typeface="Estrangelo Edessa"/>
-        <a:font script="Orya" typeface="Kalinga"/>
-        <a:font script="Mlym" typeface="Kartika"/>
-        <a:font script="Laoo" typeface="DokChampa"/>
-        <a:font script="Sinh" typeface="Iskoola Pota"/>
-        <a:font script="Mong" typeface="Mongolian Baiti"/>
-        <a:font script="Viet" typeface="Arial"/>
-        <a:font script="Uigh" typeface="Microsoft Uighur"/>
-        <a:font script="Geor" typeface="Sylfaen"/>
+        <a:ea typeface="Arial"/>
+        <a:cs typeface="Arial"/>
       </a:minorFont>
     </a:fontScheme>
     <a:fmtScheme name="Office">
@@ -10899,7 +9180,7 @@
         <a:solidFill>
           <a:schemeClr val="phClr"/>
         </a:solidFill>
-        <a:gradFill rotWithShape="1">
+        <a:gradFill>
           <a:gsLst>
             <a:gs pos="0">
               <a:schemeClr val="phClr">
@@ -10922,7 +9203,7 @@
           </a:gsLst>
           <a:lin ang="16200000" scaled="1"/>
         </a:gradFill>
-        <a:gradFill rotWithShape="1">
+        <a:gradFill>
           <a:gsLst>
             <a:gs pos="0">
               <a:schemeClr val="phClr">
@@ -10992,24 +9273,13 @@
               </a:srgbClr>
             </a:outerShdw>
           </a:effectLst>
-          <a:scene3d>
-            <a:camera prst="orthographicFront">
-              <a:rot lat="0" lon="0" rev="0"/>
-            </a:camera>
-            <a:lightRig rig="threePt" dir="t">
-              <a:rot lat="0" lon="0" rev="1200000"/>
-            </a:lightRig>
-          </a:scene3d>
-          <a:sp3d>
-            <a:bevelT w="63500" h="25400"/>
-          </a:sp3d>
         </a:effectStyle>
       </a:effectStyleLst>
       <a:bgFillStyleLst>
         <a:solidFill>
           <a:schemeClr val="phClr"/>
         </a:solidFill>
-        <a:gradFill rotWithShape="1">
+        <a:gradFill>
           <a:gsLst>
             <a:gs pos="0">
               <a:schemeClr val="phClr">
@@ -11031,11 +9301,9 @@
               </a:schemeClr>
             </a:gs>
           </a:gsLst>
-          <a:path path="circle">
-            <a:fillToRect l="50000" t="-80000" r="50000" b="180000"/>
-          </a:path>
+          <a:path path="circle"/>
         </a:gradFill>
-        <a:gradFill rotWithShape="1">
+        <a:gradFill>
           <a:gsLst>
             <a:gs pos="0">
               <a:schemeClr val="phClr">
@@ -11050,291 +9318,11 @@
               </a:schemeClr>
             </a:gs>
           </a:gsLst>
-          <a:path path="circle">
-            <a:fillToRect l="50000" t="50000" r="50000" b="50000"/>
-          </a:path>
+          <a:path path="circle"/>
         </a:gradFill>
       </a:bgFillStyleLst>
     </a:fmtScheme>
   </a:themeElements>
-</a:theme>
-</file>
-
-<file path=ppt/theme/theme2.xml><?xml version="1.0" encoding="utf-8"?>
-<a:theme xmlns:a="http://schemas.openxmlformats.org/drawingml/2006/main" xmlns:r="http://schemas.openxmlformats.org/officeDocument/2006/relationships">
-  <a:themeElements>
-    <a:clrScheme name="Default">
-      <a:dk1>
-        <a:srgbClr val="000000"/>
-      </a:dk1>
-      <a:lt1>
-        <a:srgbClr val="FFFFFF"/>
-      </a:lt1>
-      <a:dk2>
-        <a:srgbClr val="158158"/>
-      </a:dk2>
-      <a:lt2>
-        <a:srgbClr val="F3F3F3"/>
-      </a:lt2>
-      <a:accent1>
-        <a:srgbClr val="058DC7"/>
-      </a:accent1>
-      <a:accent2>
-        <a:srgbClr val="50B432"/>
-      </a:accent2>
-      <a:accent3>
-        <a:srgbClr val="ED561B"/>
-      </a:accent3>
-      <a:accent4>
-        <a:srgbClr val="EDEF00"/>
-      </a:accent4>
-      <a:accent5>
-        <a:srgbClr val="24CBE5"/>
-      </a:accent5>
-      <a:accent6>
-        <a:srgbClr val="64E572"/>
-      </a:accent6>
-      <a:hlink>
-        <a:srgbClr val="2200CC"/>
-      </a:hlink>
-      <a:folHlink>
-        <a:srgbClr val="551A8B"/>
-      </a:folHlink>
-    </a:clrScheme>
-    <a:fontScheme name="Office">
-      <a:majorFont>
-        <a:latin typeface="Arial"/>
-        <a:ea typeface=""/>
-        <a:cs typeface=""/>
-        <a:font script="Jpan" typeface="ＭＳ Ｐゴシック"/>
-        <a:font script="Hang" typeface="맑은 고딕"/>
-        <a:font script="Hans" typeface="宋体"/>
-        <a:font script="Hant" typeface="新細明體"/>
-        <a:font script="Arab" typeface="Times New Roman"/>
-        <a:font script="Hebr" typeface="Times New Roman"/>
-        <a:font script="Thai" typeface="Angsana New"/>
-        <a:font script="Ethi" typeface="Nyala"/>
-        <a:font script="Beng" typeface="Vrinda"/>
-        <a:font script="Gujr" typeface="Shruti"/>
-        <a:font script="Khmr" typeface="MoolBoran"/>
-        <a:font script="Knda" typeface="Tunga"/>
-        <a:font script="Guru" typeface="Raavi"/>
-        <a:font script="Cans" typeface="Euphemia"/>
-        <a:font script="Cher" typeface="Plantagenet Cherokee"/>
-        <a:font script="Yiii" typeface="Microsoft Yi Baiti"/>
-        <a:font script="Tibt" typeface="Microsoft Himalaya"/>
-        <a:font script="Thaa" typeface="MV Boli"/>
-        <a:font script="Deva" typeface="Mangal"/>
-        <a:font script="Telu" typeface="Gautami"/>
-        <a:font script="Taml" typeface="Latha"/>
-        <a:font script="Syrc" typeface="Estrangelo Edessa"/>
-        <a:font script="Orya" typeface="Kalinga"/>
-        <a:font script="Mlym" typeface="Kartika"/>
-        <a:font script="Laoo" typeface="DokChampa"/>
-        <a:font script="Sinh" typeface="Iskoola Pota"/>
-        <a:font script="Mong" typeface="Mongolian Baiti"/>
-        <a:font script="Viet" typeface="Times New Roman"/>
-        <a:font script="Uigh" typeface="Microsoft Uighur"/>
-        <a:font script="Geor" typeface="Sylfaen"/>
-      </a:majorFont>
-      <a:minorFont>
-        <a:latin typeface="Arial"/>
-        <a:ea typeface=""/>
-        <a:cs typeface=""/>
-        <a:font script="Jpan" typeface="ＭＳ Ｐゴシック"/>
-        <a:font script="Hang" typeface="맑은 고딕"/>
-        <a:font script="Hans" typeface="宋体"/>
-        <a:font script="Hant" typeface="新細明體"/>
-        <a:font script="Arab" typeface="Arial"/>
-        <a:font script="Hebr" typeface="Arial"/>
-        <a:font script="Thai" typeface="Cordia New"/>
-        <a:font script="Ethi" typeface="Nyala"/>
-        <a:font script="Beng" typeface="Vrinda"/>
-        <a:font script="Gujr" typeface="Shruti"/>
-        <a:font script="Khmr" typeface="DaunPenh"/>
-        <a:font script="Knda" typeface="Tunga"/>
-        <a:font script="Guru" typeface="Raavi"/>
-        <a:font script="Cans" typeface="Euphemia"/>
-        <a:font script="Cher" typeface="Plantagenet Cherokee"/>
-        <a:font script="Yiii" typeface="Microsoft Yi Baiti"/>
-        <a:font script="Tibt" typeface="Microsoft Himalaya"/>
-        <a:font script="Thaa" typeface="MV Boli"/>
-        <a:font script="Deva" typeface="Mangal"/>
-        <a:font script="Telu" typeface="Gautami"/>
-        <a:font script="Taml" typeface="Latha"/>
-        <a:font script="Syrc" typeface="Estrangelo Edessa"/>
-        <a:font script="Orya" typeface="Kalinga"/>
-        <a:font script="Mlym" typeface="Kartika"/>
-        <a:font script="Laoo" typeface="DokChampa"/>
-        <a:font script="Sinh" typeface="Iskoola Pota"/>
-        <a:font script="Mong" typeface="Mongolian Baiti"/>
-        <a:font script="Viet" typeface="Arial"/>
-        <a:font script="Uigh" typeface="Microsoft Uighur"/>
-        <a:font script="Geor" typeface="Sylfaen"/>
-      </a:minorFont>
-    </a:fontScheme>
-    <a:fmtScheme name="Office">
-      <a:fillStyleLst>
-        <a:solidFill>
-          <a:schemeClr val="phClr"/>
-        </a:solidFill>
-        <a:gradFill rotWithShape="1">
-          <a:gsLst>
-            <a:gs pos="0">
-              <a:schemeClr val="phClr">
-                <a:tint val="50000"/>
-                <a:satMod val="300000"/>
-              </a:schemeClr>
-            </a:gs>
-            <a:gs pos="35000">
-              <a:schemeClr val="phClr">
-                <a:tint val="37000"/>
-                <a:satMod val="300000"/>
-              </a:schemeClr>
-            </a:gs>
-            <a:gs pos="100000">
-              <a:schemeClr val="phClr">
-                <a:tint val="15000"/>
-                <a:satMod val="350000"/>
-              </a:schemeClr>
-            </a:gs>
-          </a:gsLst>
-          <a:lin ang="16200000" scaled="1"/>
-        </a:gradFill>
-        <a:gradFill rotWithShape="1">
-          <a:gsLst>
-            <a:gs pos="0">
-              <a:schemeClr val="phClr">
-                <a:tint val="100000"/>
-                <a:shade val="100000"/>
-                <a:satMod val="130000"/>
-              </a:schemeClr>
-            </a:gs>
-            <a:gs pos="100000">
-              <a:schemeClr val="phClr">
-                <a:tint val="50000"/>
-                <a:shade val="100000"/>
-                <a:satMod val="350000"/>
-              </a:schemeClr>
-            </a:gs>
-          </a:gsLst>
-          <a:lin ang="16200000" scaled="0"/>
-        </a:gradFill>
-      </a:fillStyleLst>
-      <a:lnStyleLst>
-        <a:ln w="9525" cap="flat" cmpd="sng" algn="ctr">
-          <a:solidFill>
-            <a:schemeClr val="phClr">
-              <a:shade val="95000"/>
-              <a:satMod val="105000"/>
-            </a:schemeClr>
-          </a:solidFill>
-          <a:prstDash val="solid"/>
-        </a:ln>
-        <a:ln w="25400" cap="flat" cmpd="sng" algn="ctr">
-          <a:solidFill>
-            <a:schemeClr val="phClr"/>
-          </a:solidFill>
-          <a:prstDash val="solid"/>
-        </a:ln>
-        <a:ln w="38100" cap="flat" cmpd="sng" algn="ctr">
-          <a:solidFill>
-            <a:schemeClr val="phClr"/>
-          </a:solidFill>
-          <a:prstDash val="solid"/>
-        </a:ln>
-      </a:lnStyleLst>
-      <a:effectStyleLst>
-        <a:effectStyle>
-          <a:effectLst>
-            <a:outerShdw blurRad="40000" dist="20000" dir="5400000" rotWithShape="0">
-              <a:srgbClr val="000000">
-                <a:alpha val="38000"/>
-              </a:srgbClr>
-            </a:outerShdw>
-          </a:effectLst>
-        </a:effectStyle>
-        <a:effectStyle>
-          <a:effectLst>
-            <a:outerShdw blurRad="40000" dist="23000" dir="5400000" rotWithShape="0">
-              <a:srgbClr val="000000">
-                <a:alpha val="35000"/>
-              </a:srgbClr>
-            </a:outerShdw>
-          </a:effectLst>
-        </a:effectStyle>
-        <a:effectStyle>
-          <a:effectLst>
-            <a:outerShdw blurRad="40000" dist="23000" dir="5400000" rotWithShape="0">
-              <a:srgbClr val="000000">
-                <a:alpha val="35000"/>
-              </a:srgbClr>
-            </a:outerShdw>
-          </a:effectLst>
-          <a:scene3d>
-            <a:camera prst="orthographicFront">
-              <a:rot lat="0" lon="0" rev="0"/>
-            </a:camera>
-            <a:lightRig rig="threePt" dir="t">
-              <a:rot lat="0" lon="0" rev="1200000"/>
-            </a:lightRig>
-          </a:scene3d>
-          <a:sp3d>
-            <a:bevelT w="63500" h="25400"/>
-          </a:sp3d>
-        </a:effectStyle>
-      </a:effectStyleLst>
-      <a:bgFillStyleLst>
-        <a:solidFill>
-          <a:schemeClr val="phClr"/>
-        </a:solidFill>
-        <a:gradFill rotWithShape="1">
-          <a:gsLst>
-            <a:gs pos="0">
-              <a:schemeClr val="phClr">
-                <a:tint val="40000"/>
-                <a:satMod val="350000"/>
-              </a:schemeClr>
-            </a:gs>
-            <a:gs pos="40000">
-              <a:schemeClr val="phClr">
-                <a:tint val="45000"/>
-                <a:shade val="99000"/>
-                <a:satMod val="350000"/>
-              </a:schemeClr>
-            </a:gs>
-            <a:gs pos="100000">
-              <a:schemeClr val="phClr">
-                <a:shade val="20000"/>
-                <a:satMod val="255000"/>
-              </a:schemeClr>
-            </a:gs>
-          </a:gsLst>
-          <a:path path="circle">
-            <a:fillToRect l="50000" t="-80000" r="50000" b="180000"/>
-          </a:path>
-        </a:gradFill>
-        <a:gradFill rotWithShape="1">
-          <a:gsLst>
-            <a:gs pos="0">
-              <a:schemeClr val="phClr">
-                <a:tint val="80000"/>
-                <a:satMod val="300000"/>
-              </a:schemeClr>
-            </a:gs>
-            <a:gs pos="100000">
-              <a:schemeClr val="phClr">
-                <a:shade val="30000"/>
-                <a:satMod val="200000"/>
-              </a:schemeClr>
-            </a:gs>
-          </a:gsLst>
-          <a:path path="circle">
-            <a:fillToRect l="50000" t="50000" r="50000" b="50000"/>
-          </a:path>
-        </a:gradFill>
-      </a:bgFillStyleLst>
-    </a:fmtScheme>
-  </a:themeElements>
+  <a:objectDefaults/>
 </a:theme>
 </file>
--- a/datalakeexecutivepresentation-starter-1.pptx
+++ b/datalakeexecutivepresentation-starter-1.pptx
@@ -7353,7 +7353,7 @@
             </a:pPr>
             <a:r>
               <a:rPr lang="en"/>
-              <a:t>STUDENT NAME</a:t>
+              <a:t>Pouya Ataei</a:t>
             </a:r>
             <a:endParaRPr/>
           </a:p>
